--- a/互联网思维落地.pptx
+++ b/互联网思维落地.pptx
@@ -5,25 +5,26 @@
     <p:sldMasterId id="2147483719" r:id="rId1"/>
   </p:sldMasterIdLst>
   <p:notesMasterIdLst>
-    <p:notesMasterId r:id="rId18"/>
+    <p:notesMasterId r:id="rId19"/>
   </p:notesMasterIdLst>
   <p:sldIdLst>
     <p:sldId id="256" r:id="rId2"/>
     <p:sldId id="265" r:id="rId3"/>
-    <p:sldId id="257" r:id="rId4"/>
-    <p:sldId id="258" r:id="rId5"/>
-    <p:sldId id="268" r:id="rId6"/>
-    <p:sldId id="266" r:id="rId7"/>
-    <p:sldId id="269" r:id="rId8"/>
-    <p:sldId id="267" r:id="rId9"/>
-    <p:sldId id="271" r:id="rId10"/>
-    <p:sldId id="272" r:id="rId11"/>
-    <p:sldId id="261" r:id="rId12"/>
-    <p:sldId id="259" r:id="rId13"/>
-    <p:sldId id="260" r:id="rId14"/>
-    <p:sldId id="262" r:id="rId15"/>
-    <p:sldId id="263" r:id="rId16"/>
-    <p:sldId id="264" r:id="rId17"/>
+    <p:sldId id="273" r:id="rId4"/>
+    <p:sldId id="257" r:id="rId5"/>
+    <p:sldId id="258" r:id="rId6"/>
+    <p:sldId id="268" r:id="rId7"/>
+    <p:sldId id="266" r:id="rId8"/>
+    <p:sldId id="269" r:id="rId9"/>
+    <p:sldId id="267" r:id="rId10"/>
+    <p:sldId id="271" r:id="rId11"/>
+    <p:sldId id="272" r:id="rId12"/>
+    <p:sldId id="261" r:id="rId13"/>
+    <p:sldId id="259" r:id="rId14"/>
+    <p:sldId id="260" r:id="rId15"/>
+    <p:sldId id="262" r:id="rId16"/>
+    <p:sldId id="263" r:id="rId17"/>
+    <p:sldId id="264" r:id="rId18"/>
   </p:sldIdLst>
   <p:sldSz cx="12192000" cy="6858000"/>
   <p:notesSz cx="6858000" cy="9144000"/>
@@ -122,6 +123,11 @@
       </a:defRPr>
     </a:lvl9pPr>
   </p:defaultTextStyle>
+  <p:extLst>
+    <p:ext uri="{EFAFB233-063F-42B5-8137-9DF3F51BA10A}">
+      <p15:sldGuideLst xmlns:p15="http://schemas.microsoft.com/office/powerpoint/2012/main"/>
+    </p:ext>
+  </p:extLst>
 </p:presentation>
 </file>
 
@@ -11377,7 +11383,7 @@
         <a:bodyPr/>
         <a:lstStyle/>
         <a:p>
-          <a:endParaRPr lang="zh-CN" altLang="en-US"/>
+          <a:endParaRPr lang="zh-CN" altLang="en-US" dirty="0"/>
         </a:p>
       </dgm:t>
     </dgm:pt>
@@ -21204,7 +21210,7 @@
             </a:spcAft>
             <a:buNone/>
           </a:pPr>
-          <a:endParaRPr lang="zh-CN" altLang="en-US" sz="1100" kern="1200"/>
+          <a:endParaRPr lang="zh-CN" altLang="en-US" sz="1100" kern="1200" dirty="0"/>
         </a:p>
       </dsp:txBody>
       <dsp:txXfrm>
@@ -38116,7 +38122,7 @@
           <a:p>
             <a:fld id="{9D3B38BE-FD28-4E03-A389-2532F7666816}" type="datetimeFigureOut">
               <a:rPr lang="zh-CN" altLang="en-US" smtClean="0"/>
-              <a:t>2018/3/28</a:t>
+              <a:t>2018/3/29</a:t>
             </a:fld>
             <a:endParaRPr lang="zh-CN" altLang="en-US"/>
           </a:p>
@@ -38448,7 +38454,7 @@
           <a:p>
             <a:fld id="{9C81AB6C-84F9-4844-9E0B-144C6F767AC3}" type="slidenum">
               <a:rPr lang="zh-CN" altLang="en-US" smtClean="0"/>
-              <a:t>3</a:t>
+              <a:t>4</a:t>
             </a:fld>
             <a:endParaRPr lang="zh-CN" altLang="en-US"/>
           </a:p>
@@ -38532,7 +38538,7 @@
           <a:p>
             <a:fld id="{9C81AB6C-84F9-4844-9E0B-144C6F767AC3}" type="slidenum">
               <a:rPr lang="zh-CN" altLang="en-US" smtClean="0"/>
-              <a:t>5</a:t>
+              <a:t>6</a:t>
             </a:fld>
             <a:endParaRPr lang="zh-CN" altLang="en-US"/>
           </a:p>
@@ -38616,7 +38622,7 @@
           <a:p>
             <a:fld id="{9C81AB6C-84F9-4844-9E0B-144C6F767AC3}" type="slidenum">
               <a:rPr lang="zh-CN" altLang="en-US" smtClean="0"/>
-              <a:t>14</a:t>
+              <a:t>15</a:t>
             </a:fld>
             <a:endParaRPr lang="zh-CN" altLang="en-US"/>
           </a:p>
@@ -38700,7 +38706,7 @@
           <a:p>
             <a:fld id="{9C81AB6C-84F9-4844-9E0B-144C6F767AC3}" type="slidenum">
               <a:rPr lang="zh-CN" altLang="en-US" smtClean="0"/>
-              <a:t>15</a:t>
+              <a:t>16</a:t>
             </a:fld>
             <a:endParaRPr lang="zh-CN" altLang="en-US"/>
           </a:p>
@@ -38784,7 +38790,7 @@
           <a:p>
             <a:fld id="{9C81AB6C-84F9-4844-9E0B-144C6F767AC3}" type="slidenum">
               <a:rPr lang="zh-CN" altLang="en-US" smtClean="0"/>
-              <a:t>16</a:t>
+              <a:t>17</a:t>
             </a:fld>
             <a:endParaRPr lang="zh-CN" altLang="en-US"/>
           </a:p>
@@ -38971,7 +38977,7 @@
           <a:p>
             <a:fld id="{240E5093-C80C-4705-ADFA-D2F244F72018}" type="datetimeFigureOut">
               <a:rPr lang="zh-CN" altLang="en-US" smtClean="0"/>
-              <a:t>2018/3/28</a:t>
+              <a:t>2018/3/29</a:t>
             </a:fld>
             <a:endParaRPr lang="zh-CN" altLang="en-US"/>
           </a:p>
@@ -39199,7 +39205,7 @@
           <a:p>
             <a:fld id="{240E5093-C80C-4705-ADFA-D2F244F72018}" type="datetimeFigureOut">
               <a:rPr lang="zh-CN" altLang="en-US" smtClean="0"/>
-              <a:t>2018/3/28</a:t>
+              <a:t>2018/3/29</a:t>
             </a:fld>
             <a:endParaRPr lang="zh-CN" altLang="en-US"/>
           </a:p>
@@ -39379,7 +39385,7 @@
           <a:p>
             <a:fld id="{240E5093-C80C-4705-ADFA-D2F244F72018}" type="datetimeFigureOut">
               <a:rPr lang="zh-CN" altLang="en-US" smtClean="0"/>
-              <a:t>2018/3/28</a:t>
+              <a:t>2018/3/29</a:t>
             </a:fld>
             <a:endParaRPr lang="zh-CN" altLang="en-US"/>
           </a:p>
@@ -39549,7 +39555,7 @@
           <a:p>
             <a:fld id="{240E5093-C80C-4705-ADFA-D2F244F72018}" type="datetimeFigureOut">
               <a:rPr lang="zh-CN" altLang="en-US" smtClean="0"/>
-              <a:t>2018/3/28</a:t>
+              <a:t>2018/3/29</a:t>
             </a:fld>
             <a:endParaRPr lang="zh-CN" altLang="en-US"/>
           </a:p>
@@ -39803,7 +39809,7 @@
           <a:p>
             <a:fld id="{240E5093-C80C-4705-ADFA-D2F244F72018}" type="datetimeFigureOut">
               <a:rPr lang="zh-CN" altLang="en-US" smtClean="0"/>
-              <a:t>2018/3/28</a:t>
+              <a:t>2018/3/29</a:t>
             </a:fld>
             <a:endParaRPr lang="zh-CN" altLang="en-US"/>
           </a:p>
@@ -40129,7 +40135,7 @@
           <a:p>
             <a:fld id="{240E5093-C80C-4705-ADFA-D2F244F72018}" type="datetimeFigureOut">
               <a:rPr lang="zh-CN" altLang="en-US" smtClean="0"/>
-              <a:t>2018/3/28</a:t>
+              <a:t>2018/3/29</a:t>
             </a:fld>
             <a:endParaRPr lang="zh-CN" altLang="en-US"/>
           </a:p>
@@ -40580,7 +40586,7 @@
           <a:p>
             <a:fld id="{240E5093-C80C-4705-ADFA-D2F244F72018}" type="datetimeFigureOut">
               <a:rPr lang="zh-CN" altLang="en-US" smtClean="0"/>
-              <a:t>2018/3/28</a:t>
+              <a:t>2018/3/29</a:t>
             </a:fld>
             <a:endParaRPr lang="zh-CN" altLang="en-US"/>
           </a:p>
@@ -40698,7 +40704,7 @@
           <a:p>
             <a:fld id="{240E5093-C80C-4705-ADFA-D2F244F72018}" type="datetimeFigureOut">
               <a:rPr lang="zh-CN" altLang="en-US" smtClean="0"/>
-              <a:t>2018/3/28</a:t>
+              <a:t>2018/3/29</a:t>
             </a:fld>
             <a:endParaRPr lang="zh-CN" altLang="en-US"/>
           </a:p>
@@ -40793,7 +40799,7 @@
           <a:p>
             <a:fld id="{240E5093-C80C-4705-ADFA-D2F244F72018}" type="datetimeFigureOut">
               <a:rPr lang="zh-CN" altLang="en-US" smtClean="0"/>
-              <a:t>2018/3/28</a:t>
+              <a:t>2018/3/29</a:t>
             </a:fld>
             <a:endParaRPr lang="zh-CN" altLang="en-US"/>
           </a:p>
@@ -41080,7 +41086,7 @@
           <a:p>
             <a:fld id="{240E5093-C80C-4705-ADFA-D2F244F72018}" type="datetimeFigureOut">
               <a:rPr lang="zh-CN" altLang="en-US" smtClean="0"/>
-              <a:t>2018/3/28</a:t>
+              <a:t>2018/3/29</a:t>
             </a:fld>
             <a:endParaRPr lang="zh-CN" altLang="en-US"/>
           </a:p>
@@ -41405,7 +41411,7 @@
           <a:p>
             <a:fld id="{240E5093-C80C-4705-ADFA-D2F244F72018}" type="datetimeFigureOut">
               <a:rPr lang="zh-CN" altLang="en-US" smtClean="0"/>
-              <a:t>2018/3/28</a:t>
+              <a:t>2018/3/29</a:t>
             </a:fld>
             <a:endParaRPr lang="zh-CN" altLang="en-US"/>
           </a:p>
@@ -41659,7 +41665,7 @@
           <a:p>
             <a:fld id="{240E5093-C80C-4705-ADFA-D2F244F72018}" type="datetimeFigureOut">
               <a:rPr lang="zh-CN" altLang="en-US" smtClean="0"/>
-              <a:t>2018/3/28</a:t>
+              <a:t>2018/3/29</a:t>
             </a:fld>
             <a:endParaRPr lang="zh-CN" altLang="en-US"/>
           </a:p>
@@ -42239,6 +42245,124 @@
           <p:cNvGraphicFramePr>
             <a:graphicFrameLocks/>
           </p:cNvGraphicFramePr>
+          <p:nvPr>
+            <p:extLst>
+              <p:ext uri="{D42A27DB-BD31-4B8C-83A1-F6EECF244321}">
+                <p14:modId xmlns:p14="http://schemas.microsoft.com/office/powerpoint/2010/main" val="4040160712"/>
+              </p:ext>
+            </p:extLst>
+          </p:nvPr>
+        </p:nvGraphicFramePr>
+        <p:xfrm>
+          <a:off x="1481340" y="294828"/>
+          <a:ext cx="6946689" cy="6268344"/>
+        </p:xfrm>
+        <a:graphic>
+          <a:graphicData uri="http://schemas.openxmlformats.org/drawingml/2006/diagram">
+            <dgm:relIds xmlns:dgm="http://schemas.openxmlformats.org/drawingml/2006/diagram" xmlns:r="http://schemas.openxmlformats.org/officeDocument/2006/relationships" r:dm="rId2" r:lo="rId3" r:qs="rId4" r:cs="rId5"/>
+          </a:graphicData>
+        </a:graphic>
+      </p:graphicFrame>
+      <p:graphicFrame>
+        <p:nvGraphicFramePr>
+          <p:cNvPr id="6" name="内容占位符 8">
+            <a:extLst>
+              <a:ext uri="{FF2B5EF4-FFF2-40B4-BE49-F238E27FC236}">
+                <a16:creationId xmlns:a16="http://schemas.microsoft.com/office/drawing/2014/main" id="{387F4BFC-0D9C-43FC-BC2B-A10BEF297694}"/>
+              </a:ext>
+            </a:extLst>
+          </p:cNvPr>
+          <p:cNvGraphicFramePr>
+            <a:graphicFrameLocks/>
+          </p:cNvGraphicFramePr>
+          <p:nvPr>
+            <p:extLst>
+              <p:ext uri="{D42A27DB-BD31-4B8C-83A1-F6EECF244321}">
+                <p14:modId xmlns:p14="http://schemas.microsoft.com/office/powerpoint/2010/main" val="3235878553"/>
+              </p:ext>
+            </p:extLst>
+          </p:nvPr>
+        </p:nvGraphicFramePr>
+        <p:xfrm>
+          <a:off x="2113880" y="1024656"/>
+          <a:ext cx="5681611" cy="4541178"/>
+        </p:xfrm>
+        <a:graphic>
+          <a:graphicData uri="http://schemas.openxmlformats.org/drawingml/2006/diagram">
+            <dgm:relIds xmlns:dgm="http://schemas.openxmlformats.org/drawingml/2006/diagram" xmlns:r="http://schemas.openxmlformats.org/officeDocument/2006/relationships" r:dm="rId7" r:lo="rId8" r:qs="rId9" r:cs="rId10"/>
+          </a:graphicData>
+        </a:graphic>
+      </p:graphicFrame>
+      <p:graphicFrame>
+        <p:nvGraphicFramePr>
+          <p:cNvPr id="5" name="图示 4">
+            <a:extLst>
+              <a:ext uri="{FF2B5EF4-FFF2-40B4-BE49-F238E27FC236}">
+                <a16:creationId xmlns:a16="http://schemas.microsoft.com/office/drawing/2014/main" id="{8870E91D-1CBF-4F89-AA59-5A2C30313370}"/>
+              </a:ext>
+            </a:extLst>
+          </p:cNvPr>
+          <p:cNvGraphicFramePr/>
+          <p:nvPr>
+            <p:extLst>
+              <p:ext uri="{D42A27DB-BD31-4B8C-83A1-F6EECF244321}">
+                <p14:modId xmlns:p14="http://schemas.microsoft.com/office/powerpoint/2010/main" val="3247900088"/>
+              </p:ext>
+            </p:extLst>
+          </p:nvPr>
+        </p:nvGraphicFramePr>
+        <p:xfrm>
+          <a:off x="3810430" y="2056435"/>
+          <a:ext cx="2629489" cy="2556244"/>
+        </p:xfrm>
+        <a:graphic>
+          <a:graphicData uri="http://schemas.openxmlformats.org/drawingml/2006/diagram">
+            <dgm:relIds xmlns:dgm="http://schemas.openxmlformats.org/drawingml/2006/diagram" xmlns:r="http://schemas.openxmlformats.org/officeDocument/2006/relationships" r:dm="rId12" r:lo="rId13" r:qs="rId14" r:cs="rId15"/>
+          </a:graphicData>
+        </a:graphic>
+      </p:graphicFrame>
+    </p:spTree>
+    <p:extLst>
+      <p:ext uri="{BB962C8B-B14F-4D97-AF65-F5344CB8AC3E}">
+        <p14:creationId xmlns:p14="http://schemas.microsoft.com/office/powerpoint/2010/main" val="3979991750"/>
+      </p:ext>
+    </p:extLst>
+  </p:cSld>
+  <p:clrMapOvr>
+    <a:masterClrMapping/>
+  </p:clrMapOvr>
+</p:sld>
+</file>
+
+<file path=ppt/slides/slide11.xml><?xml version="1.0" encoding="utf-8"?>
+<p:sld xmlns:a="http://schemas.openxmlformats.org/drawingml/2006/main" xmlns:r="http://schemas.openxmlformats.org/officeDocument/2006/relationships" xmlns:p="http://schemas.openxmlformats.org/presentationml/2006/main">
+  <p:cSld>
+    <p:spTree>
+      <p:nvGrpSpPr>
+        <p:cNvPr id="1" name=""/>
+        <p:cNvGrpSpPr/>
+        <p:nvPr/>
+      </p:nvGrpSpPr>
+      <p:grpSpPr>
+        <a:xfrm>
+          <a:off x="0" y="0"/>
+          <a:ext cx="0" cy="0"/>
+          <a:chOff x="0" y="0"/>
+          <a:chExt cx="0" cy="0"/>
+        </a:xfrm>
+      </p:grpSpPr>
+      <p:graphicFrame>
+        <p:nvGraphicFramePr>
+          <p:cNvPr id="4" name="内容占位符 5">
+            <a:extLst>
+              <a:ext uri="{FF2B5EF4-FFF2-40B4-BE49-F238E27FC236}">
+                <a16:creationId xmlns:a16="http://schemas.microsoft.com/office/drawing/2014/main" id="{1F86C110-D3CE-41FC-99CD-0F3749FAD882}"/>
+              </a:ext>
+            </a:extLst>
+          </p:cNvPr>
+          <p:cNvGraphicFramePr>
+            <a:graphicFrameLocks/>
+          </p:cNvGraphicFramePr>
           <p:nvPr/>
         </p:nvGraphicFramePr>
         <p:xfrm>
@@ -42316,7 +42440,7 @@
 </p:sld>
 </file>
 
-<file path=ppt/slides/slide11.xml><?xml version="1.0" encoding="utf-8"?>
+<file path=ppt/slides/slide12.xml><?xml version="1.0" encoding="utf-8"?>
 <p:sld xmlns:a="http://schemas.openxmlformats.org/drawingml/2006/main" xmlns:r="http://schemas.openxmlformats.org/officeDocument/2006/relationships" xmlns:p="http://schemas.openxmlformats.org/presentationml/2006/main">
   <p:cSld>
     <p:spTree>
@@ -42484,7 +42608,7 @@
 </p:sld>
 </file>
 
-<file path=ppt/slides/slide12.xml><?xml version="1.0" encoding="utf-8"?>
+<file path=ppt/slides/slide13.xml><?xml version="1.0" encoding="utf-8"?>
 <p:sld xmlns:a="http://schemas.openxmlformats.org/drawingml/2006/main" xmlns:r="http://schemas.openxmlformats.org/officeDocument/2006/relationships" xmlns:p="http://schemas.openxmlformats.org/presentationml/2006/main">
   <p:cSld>
     <p:bg>
@@ -42571,14 +42695,6 @@
               <a:rPr lang="zh-CN" altLang="en-US" dirty="0"/>
               <a:t>产品规律</a:t>
             </a:r>
-            <a:r>
-              <a:rPr lang="en-US" altLang="zh-CN" dirty="0"/>
-              <a:t>-</a:t>
-            </a:r>
-            <a:r>
-              <a:rPr lang="zh-CN" altLang="en-US" dirty="0"/>
-              <a:t>规模效应</a:t>
-            </a:r>
           </a:p>
         </p:txBody>
       </p:sp>
@@ -42606,10 +42722,18 @@
         </p:spPr>
         <p:txBody>
           <a:bodyPr>
-            <a:normAutofit/>
+            <a:normAutofit lnSpcReduction="10000"/>
           </a:bodyPr>
           <a:lstStyle/>
           <a:p>
+            <a:r>
+              <a:rPr lang="zh-CN" altLang="en-US" dirty="0"/>
+              <a:t>规模效应</a:t>
+            </a:r>
+            <a:endParaRPr lang="en-US" altLang="zh-CN" dirty="0"/>
+          </a:p>
+          <a:p>
+            <a:pPr lvl="1"/>
             <a:r>
               <a:rPr lang="en-US" altLang="zh-CN" dirty="0"/>
               <a:t>A</a:t>
@@ -42621,7 +42745,7 @@
             <a:endParaRPr lang="en-US" altLang="zh-CN" dirty="0"/>
           </a:p>
           <a:p>
-            <a:pPr lvl="1"/>
+            <a:pPr lvl="2"/>
             <a:r>
               <a:rPr lang="zh-CN" altLang="en-US" dirty="0"/>
               <a:t>社交</a:t>
@@ -42629,6 +42753,7 @@
             <a:endParaRPr lang="en-US" altLang="zh-CN" dirty="0"/>
           </a:p>
           <a:p>
+            <a:pPr lvl="1"/>
             <a:r>
               <a:rPr lang="en-US" altLang="zh-CN" dirty="0"/>
               <a:t>B</a:t>
@@ -42640,10 +42765,10 @@
             <a:endParaRPr lang="en-US" altLang="zh-CN" dirty="0"/>
           </a:p>
           <a:p>
-            <a:pPr lvl="1"/>
+            <a:pPr lvl="2"/>
             <a:r>
               <a:rPr lang="zh-CN" altLang="en-US" dirty="0"/>
-              <a:t>工具，电商</a:t>
+              <a:t>商业</a:t>
             </a:r>
             <a:endParaRPr lang="en-US" altLang="zh-CN" dirty="0"/>
           </a:p>
@@ -42692,6 +42817,27 @@
           </a:p>
           <a:p>
             <a:pPr lvl="1"/>
+            <a:endParaRPr lang="en-US" altLang="zh-CN" dirty="0"/>
+          </a:p>
+          <a:p>
+            <a:r>
+              <a:rPr lang="zh-CN" altLang="en-US" dirty="0"/>
+              <a:t>马太效应</a:t>
+            </a:r>
+            <a:endParaRPr lang="en-US" altLang="zh-CN" dirty="0"/>
+          </a:p>
+          <a:p>
+            <a:r>
+              <a:rPr lang="zh-CN" altLang="en-US" dirty="0"/>
+              <a:t>杠杆效应</a:t>
+            </a:r>
+            <a:endParaRPr lang="en-US" altLang="zh-CN" dirty="0"/>
+          </a:p>
+          <a:p>
+            <a:endParaRPr lang="en-US" altLang="zh-CN" dirty="0"/>
+          </a:p>
+          <a:p>
+            <a:pPr lvl="1"/>
             <a:endParaRPr lang="en-US" dirty="0"/>
           </a:p>
         </p:txBody>
@@ -42709,7 +42855,7 @@
 </p:sld>
 </file>
 
-<file path=ppt/slides/slide13.xml><?xml version="1.0" encoding="utf-8"?>
+<file path=ppt/slides/slide14.xml><?xml version="1.0" encoding="utf-8"?>
 <p:sld xmlns:a="http://schemas.openxmlformats.org/drawingml/2006/main" xmlns:r="http://schemas.openxmlformats.org/officeDocument/2006/relationships" xmlns:p="http://schemas.openxmlformats.org/presentationml/2006/main">
   <p:cSld>
     <p:spTree>
@@ -42742,7 +42888,12 @@
             <p:ph type="title"/>
           </p:nvPr>
         </p:nvSpPr>
-        <p:spPr/>
+        <p:spPr>
+          <a:xfrm>
+            <a:off x="1261872" y="365760"/>
+            <a:ext cx="9692640" cy="1325562"/>
+          </a:xfrm>
+        </p:spPr>
         <p:txBody>
           <a:bodyPr/>
           <a:lstStyle/>
@@ -42754,31 +42905,68 @@
           </a:p>
         </p:txBody>
       </p:sp>
-      <p:sp>
-        <p:nvSpPr>
-          <p:cNvPr id="3" name="内容占位符 2">
+      <p:pic>
+        <p:nvPicPr>
+          <p:cNvPr id="7" name="内容占位符 6">
             <a:extLst>
               <a:ext uri="{FF2B5EF4-FFF2-40B4-BE49-F238E27FC236}">
-                <a16:creationId xmlns:a16="http://schemas.microsoft.com/office/drawing/2014/main" id="{D24922F5-227E-48AF-AB90-E39F506BDCAF}"/>
+                <a16:creationId xmlns:a16="http://schemas.microsoft.com/office/drawing/2014/main" id="{A9AC78FE-78A4-440F-8120-974D2934E059}"/>
               </a:ext>
             </a:extLst>
           </p:cNvPr>
-          <p:cNvSpPr>
-            <a:spLocks noGrp="1"/>
-          </p:cNvSpPr>
+          <p:cNvPicPr>
+            <a:picLocks noGrp="1" noChangeAspect="1"/>
+          </p:cNvPicPr>
           <p:nvPr>
             <p:ph idx="1"/>
           </p:nvPr>
-        </p:nvSpPr>
-        <p:spPr/>
-        <p:txBody>
-          <a:bodyPr/>
-          <a:lstStyle/>
-          <a:p>
-            <a:endParaRPr lang="zh-CN" altLang="en-US" dirty="0"/>
-          </a:p>
-        </p:txBody>
-      </p:sp>
+        </p:nvPicPr>
+        <p:blipFill>
+          <a:blip r:embed="rId2"/>
+          <a:stretch>
+            <a:fillRect/>
+          </a:stretch>
+        </p:blipFill>
+        <p:spPr>
+          <a:xfrm>
+            <a:off x="159299" y="2055400"/>
+            <a:ext cx="9240056" cy="4657154"/>
+          </a:xfrm>
+          <a:prstGeom prst="rect">
+            <a:avLst/>
+          </a:prstGeom>
+        </p:spPr>
+      </p:pic>
+      <p:pic>
+        <p:nvPicPr>
+          <p:cNvPr id="4" name="图片 3">
+            <a:extLst>
+              <a:ext uri="{FF2B5EF4-FFF2-40B4-BE49-F238E27FC236}">
+                <a16:creationId xmlns:a16="http://schemas.microsoft.com/office/drawing/2014/main" id="{9A76EFEF-7219-4736-BC2C-4E8C47463B7F}"/>
+              </a:ext>
+            </a:extLst>
+          </p:cNvPr>
+          <p:cNvPicPr>
+            <a:picLocks noChangeAspect="1"/>
+          </p:cNvPicPr>
+          <p:nvPr/>
+        </p:nvPicPr>
+        <p:blipFill>
+          <a:blip r:embed="rId3"/>
+          <a:stretch>
+            <a:fillRect/>
+          </a:stretch>
+        </p:blipFill>
+        <p:spPr>
+          <a:xfrm>
+            <a:off x="7209474" y="1123177"/>
+            <a:ext cx="3999038" cy="3057600"/>
+          </a:xfrm>
+          <a:prstGeom prst="rect">
+            <a:avLst/>
+          </a:prstGeom>
+        </p:spPr>
+      </p:pic>
     </p:spTree>
     <p:extLst>
       <p:ext uri="{BB962C8B-B14F-4D97-AF65-F5344CB8AC3E}">
@@ -42792,7 +42980,7 @@
 </p:sld>
 </file>
 
-<file path=ppt/slides/slide14.xml><?xml version="1.0" encoding="utf-8"?>
+<file path=ppt/slides/slide15.xml><?xml version="1.0" encoding="utf-8"?>
 <p:sld xmlns:a="http://schemas.openxmlformats.org/drawingml/2006/main" xmlns:r="http://schemas.openxmlformats.org/officeDocument/2006/relationships" xmlns:p="http://schemas.openxmlformats.org/presentationml/2006/main">
   <p:cSld>
     <p:spTree>
@@ -42875,7 +43063,7 @@
 </p:sld>
 </file>
 
-<file path=ppt/slides/slide15.xml><?xml version="1.0" encoding="utf-8"?>
+<file path=ppt/slides/slide16.xml><?xml version="1.0" encoding="utf-8"?>
 <p:sld xmlns:a="http://schemas.openxmlformats.org/drawingml/2006/main" xmlns:r="http://schemas.openxmlformats.org/officeDocument/2006/relationships" xmlns:p="http://schemas.openxmlformats.org/presentationml/2006/main">
   <p:cSld>
     <p:spTree>
@@ -42958,7 +43146,7 @@
 </p:sld>
 </file>
 
-<file path=ppt/slides/slide16.xml><?xml version="1.0" encoding="utf-8"?>
+<file path=ppt/slides/slide17.xml><?xml version="1.0" encoding="utf-8"?>
 <p:sld xmlns:a="http://schemas.openxmlformats.org/drawingml/2006/main" xmlns:r="http://schemas.openxmlformats.org/officeDocument/2006/relationships" xmlns:p="http://schemas.openxmlformats.org/presentationml/2006/main">
   <p:cSld>
     <p:spTree>
@@ -43202,6 +43390,86 @@
           <p:cNvPr id="2" name="标题 1">
             <a:extLst>
               <a:ext uri="{FF2B5EF4-FFF2-40B4-BE49-F238E27FC236}">
+                <a16:creationId xmlns:a16="http://schemas.microsoft.com/office/drawing/2014/main" id="{9D6EE07D-2D18-4214-A508-1A2DAA53AAE8}"/>
+              </a:ext>
+            </a:extLst>
+          </p:cNvPr>
+          <p:cNvSpPr>
+            <a:spLocks noGrp="1"/>
+          </p:cNvSpPr>
+          <p:nvPr>
+            <p:ph type="title"/>
+          </p:nvPr>
+        </p:nvSpPr>
+        <p:spPr/>
+        <p:txBody>
+          <a:bodyPr/>
+          <a:lstStyle/>
+          <a:p>
+            <a:endParaRPr lang="zh-CN" altLang="en-US"/>
+          </a:p>
+        </p:txBody>
+      </p:sp>
+      <p:sp>
+        <p:nvSpPr>
+          <p:cNvPr id="3" name="内容占位符 2">
+            <a:extLst>
+              <a:ext uri="{FF2B5EF4-FFF2-40B4-BE49-F238E27FC236}">
+                <a16:creationId xmlns:a16="http://schemas.microsoft.com/office/drawing/2014/main" id="{9C072DFD-4C5B-4205-A6F1-E22D5EE19D57}"/>
+              </a:ext>
+            </a:extLst>
+          </p:cNvPr>
+          <p:cNvSpPr>
+            <a:spLocks noGrp="1"/>
+          </p:cNvSpPr>
+          <p:nvPr>
+            <p:ph idx="1"/>
+          </p:nvPr>
+        </p:nvSpPr>
+        <p:spPr/>
+        <p:txBody>
+          <a:bodyPr/>
+          <a:lstStyle/>
+          <a:p>
+            <a:endParaRPr lang="zh-CN" altLang="en-US"/>
+          </a:p>
+        </p:txBody>
+      </p:sp>
+    </p:spTree>
+    <p:extLst>
+      <p:ext uri="{BB962C8B-B14F-4D97-AF65-F5344CB8AC3E}">
+        <p14:creationId xmlns:p14="http://schemas.microsoft.com/office/powerpoint/2010/main" val="879333300"/>
+      </p:ext>
+    </p:extLst>
+  </p:cSld>
+  <p:clrMapOvr>
+    <a:masterClrMapping/>
+  </p:clrMapOvr>
+</p:sld>
+</file>
+
+<file path=ppt/slides/slide4.xml><?xml version="1.0" encoding="utf-8"?>
+<p:sld xmlns:a="http://schemas.openxmlformats.org/drawingml/2006/main" xmlns:r="http://schemas.openxmlformats.org/officeDocument/2006/relationships" xmlns:p="http://schemas.openxmlformats.org/presentationml/2006/main">
+  <p:cSld>
+    <p:spTree>
+      <p:nvGrpSpPr>
+        <p:cNvPr id="1" name=""/>
+        <p:cNvGrpSpPr/>
+        <p:nvPr/>
+      </p:nvGrpSpPr>
+      <p:grpSpPr>
+        <a:xfrm>
+          <a:off x="0" y="0"/>
+          <a:ext cx="0" cy="0"/>
+          <a:chOff x="0" y="0"/>
+          <a:chExt cx="0" cy="0"/>
+        </a:xfrm>
+      </p:grpSpPr>
+      <p:sp>
+        <p:nvSpPr>
+          <p:cNvPr id="2" name="标题 1">
+            <a:extLst>
+              <a:ext uri="{FF2B5EF4-FFF2-40B4-BE49-F238E27FC236}">
                 <a16:creationId xmlns:a16="http://schemas.microsoft.com/office/drawing/2014/main" id="{4F9B9907-1D1D-467A-9CEC-CB5758D43E4E}"/>
               </a:ext>
             </a:extLst>
@@ -43360,7 +43628,7 @@
 </p:sld>
 </file>
 
-<file path=ppt/slides/slide4.xml><?xml version="1.0" encoding="utf-8"?>
+<file path=ppt/slides/slide5.xml><?xml version="1.0" encoding="utf-8"?>
 <p:sld xmlns:a="http://schemas.openxmlformats.org/drawingml/2006/main" xmlns:r="http://schemas.openxmlformats.org/officeDocument/2006/relationships" xmlns:p="http://schemas.openxmlformats.org/presentationml/2006/main">
   <p:cSld>
     <p:spTree>
@@ -43614,7 +43882,7 @@
 </p:sld>
 </file>
 
-<file path=ppt/slides/slide5.xml><?xml version="1.0" encoding="utf-8"?>
+<file path=ppt/slides/slide6.xml><?xml version="1.0" encoding="utf-8"?>
 <p:sld xmlns:a="http://schemas.openxmlformats.org/drawingml/2006/main" xmlns:r="http://schemas.openxmlformats.org/officeDocument/2006/relationships" xmlns:p="http://schemas.openxmlformats.org/presentationml/2006/main">
   <p:cSld>
     <p:bg>
@@ -43981,7 +44249,7 @@
 </p:sld>
 </file>
 
-<file path=ppt/slides/slide6.xml><?xml version="1.0" encoding="utf-8"?>
+<file path=ppt/slides/slide7.xml><?xml version="1.0" encoding="utf-8"?>
 <p:sld xmlns:a="http://schemas.openxmlformats.org/drawingml/2006/main" xmlns:r="http://schemas.openxmlformats.org/officeDocument/2006/relationships" xmlns:p="http://schemas.openxmlformats.org/presentationml/2006/main">
   <p:cSld>
     <p:spTree>
@@ -44608,7 +44876,7 @@
 </p:sld>
 </file>
 
-<file path=ppt/slides/slide7.xml><?xml version="1.0" encoding="utf-8"?>
+<file path=ppt/slides/slide8.xml><?xml version="1.0" encoding="utf-8"?>
 <p:sld xmlns:a="http://schemas.openxmlformats.org/drawingml/2006/main" xmlns:r="http://schemas.openxmlformats.org/officeDocument/2006/relationships" xmlns:p="http://schemas.openxmlformats.org/presentationml/2006/main">
   <p:cSld>
     <p:spTree>
@@ -44696,7 +44964,7 @@
 </p:sld>
 </file>
 
-<file path=ppt/slides/slide8.xml><?xml version="1.0" encoding="utf-8"?>
+<file path=ppt/slides/slide9.xml><?xml version="1.0" encoding="utf-8"?>
 <p:sld xmlns:a="http://schemas.openxmlformats.org/drawingml/2006/main" xmlns:r="http://schemas.openxmlformats.org/officeDocument/2006/relationships" xmlns:p="http://schemas.openxmlformats.org/presentationml/2006/main">
   <p:cSld>
     <p:spTree>
@@ -45053,124 +45321,6 @@
     <p:extLst>
       <p:ext uri="{BB962C8B-B14F-4D97-AF65-F5344CB8AC3E}">
         <p14:creationId xmlns:p14="http://schemas.microsoft.com/office/powerpoint/2010/main" val="3128082252"/>
-      </p:ext>
-    </p:extLst>
-  </p:cSld>
-  <p:clrMapOvr>
-    <a:masterClrMapping/>
-  </p:clrMapOvr>
-</p:sld>
-</file>
-
-<file path=ppt/slides/slide9.xml><?xml version="1.0" encoding="utf-8"?>
-<p:sld xmlns:a="http://schemas.openxmlformats.org/drawingml/2006/main" xmlns:r="http://schemas.openxmlformats.org/officeDocument/2006/relationships" xmlns:p="http://schemas.openxmlformats.org/presentationml/2006/main">
-  <p:cSld>
-    <p:spTree>
-      <p:nvGrpSpPr>
-        <p:cNvPr id="1" name=""/>
-        <p:cNvGrpSpPr/>
-        <p:nvPr/>
-      </p:nvGrpSpPr>
-      <p:grpSpPr>
-        <a:xfrm>
-          <a:off x="0" y="0"/>
-          <a:ext cx="0" cy="0"/>
-          <a:chOff x="0" y="0"/>
-          <a:chExt cx="0" cy="0"/>
-        </a:xfrm>
-      </p:grpSpPr>
-      <p:graphicFrame>
-        <p:nvGraphicFramePr>
-          <p:cNvPr id="4" name="内容占位符 5">
-            <a:extLst>
-              <a:ext uri="{FF2B5EF4-FFF2-40B4-BE49-F238E27FC236}">
-                <a16:creationId xmlns:a16="http://schemas.microsoft.com/office/drawing/2014/main" id="{1F86C110-D3CE-41FC-99CD-0F3749FAD882}"/>
-              </a:ext>
-            </a:extLst>
-          </p:cNvPr>
-          <p:cNvGraphicFramePr>
-            <a:graphicFrameLocks/>
-          </p:cNvGraphicFramePr>
-          <p:nvPr>
-            <p:extLst>
-              <p:ext uri="{D42A27DB-BD31-4B8C-83A1-F6EECF244321}">
-                <p14:modId xmlns:p14="http://schemas.microsoft.com/office/powerpoint/2010/main" val="4040160712"/>
-              </p:ext>
-            </p:extLst>
-          </p:nvPr>
-        </p:nvGraphicFramePr>
-        <p:xfrm>
-          <a:off x="1481340" y="294828"/>
-          <a:ext cx="6946689" cy="6268344"/>
-        </p:xfrm>
-        <a:graphic>
-          <a:graphicData uri="http://schemas.openxmlformats.org/drawingml/2006/diagram">
-            <dgm:relIds xmlns:dgm="http://schemas.openxmlformats.org/drawingml/2006/diagram" xmlns:r="http://schemas.openxmlformats.org/officeDocument/2006/relationships" r:dm="rId2" r:lo="rId3" r:qs="rId4" r:cs="rId5"/>
-          </a:graphicData>
-        </a:graphic>
-      </p:graphicFrame>
-      <p:graphicFrame>
-        <p:nvGraphicFramePr>
-          <p:cNvPr id="6" name="内容占位符 8">
-            <a:extLst>
-              <a:ext uri="{FF2B5EF4-FFF2-40B4-BE49-F238E27FC236}">
-                <a16:creationId xmlns:a16="http://schemas.microsoft.com/office/drawing/2014/main" id="{387F4BFC-0D9C-43FC-BC2B-A10BEF297694}"/>
-              </a:ext>
-            </a:extLst>
-          </p:cNvPr>
-          <p:cNvGraphicFramePr>
-            <a:graphicFrameLocks/>
-          </p:cNvGraphicFramePr>
-          <p:nvPr>
-            <p:extLst>
-              <p:ext uri="{D42A27DB-BD31-4B8C-83A1-F6EECF244321}">
-                <p14:modId xmlns:p14="http://schemas.microsoft.com/office/powerpoint/2010/main" val="3235878553"/>
-              </p:ext>
-            </p:extLst>
-          </p:nvPr>
-        </p:nvGraphicFramePr>
-        <p:xfrm>
-          <a:off x="2113880" y="1024656"/>
-          <a:ext cx="5681611" cy="4541178"/>
-        </p:xfrm>
-        <a:graphic>
-          <a:graphicData uri="http://schemas.openxmlformats.org/drawingml/2006/diagram">
-            <dgm:relIds xmlns:dgm="http://schemas.openxmlformats.org/drawingml/2006/diagram" xmlns:r="http://schemas.openxmlformats.org/officeDocument/2006/relationships" r:dm="rId7" r:lo="rId8" r:qs="rId9" r:cs="rId10"/>
-          </a:graphicData>
-        </a:graphic>
-      </p:graphicFrame>
-      <p:graphicFrame>
-        <p:nvGraphicFramePr>
-          <p:cNvPr id="5" name="图示 4">
-            <a:extLst>
-              <a:ext uri="{FF2B5EF4-FFF2-40B4-BE49-F238E27FC236}">
-                <a16:creationId xmlns:a16="http://schemas.microsoft.com/office/drawing/2014/main" id="{8870E91D-1CBF-4F89-AA59-5A2C30313370}"/>
-              </a:ext>
-            </a:extLst>
-          </p:cNvPr>
-          <p:cNvGraphicFramePr/>
-          <p:nvPr>
-            <p:extLst>
-              <p:ext uri="{D42A27DB-BD31-4B8C-83A1-F6EECF244321}">
-                <p14:modId xmlns:p14="http://schemas.microsoft.com/office/powerpoint/2010/main" val="3247900088"/>
-              </p:ext>
-            </p:extLst>
-          </p:nvPr>
-        </p:nvGraphicFramePr>
-        <p:xfrm>
-          <a:off x="3810430" y="2056435"/>
-          <a:ext cx="2629489" cy="2556244"/>
-        </p:xfrm>
-        <a:graphic>
-          <a:graphicData uri="http://schemas.openxmlformats.org/drawingml/2006/diagram">
-            <dgm:relIds xmlns:dgm="http://schemas.openxmlformats.org/drawingml/2006/diagram" xmlns:r="http://schemas.openxmlformats.org/officeDocument/2006/relationships" r:dm="rId12" r:lo="rId13" r:qs="rId14" r:cs="rId15"/>
-          </a:graphicData>
-        </a:graphic>
-      </p:graphicFrame>
-    </p:spTree>
-    <p:extLst>
-      <p:ext uri="{BB962C8B-B14F-4D97-AF65-F5344CB8AC3E}">
-        <p14:creationId xmlns:p14="http://schemas.microsoft.com/office/powerpoint/2010/main" val="3979991750"/>
       </p:ext>
     </p:extLst>
   </p:cSld>

--- a/互联网思维落地.pptx
+++ b/互联网思维落地.pptx
@@ -5,26 +5,28 @@
     <p:sldMasterId id="2147483719" r:id="rId1"/>
   </p:sldMasterIdLst>
   <p:notesMasterIdLst>
-    <p:notesMasterId r:id="rId19"/>
+    <p:notesMasterId r:id="rId21"/>
   </p:notesMasterIdLst>
   <p:sldIdLst>
     <p:sldId id="256" r:id="rId2"/>
     <p:sldId id="265" r:id="rId3"/>
     <p:sldId id="273" r:id="rId4"/>
-    <p:sldId id="257" r:id="rId5"/>
-    <p:sldId id="258" r:id="rId6"/>
-    <p:sldId id="268" r:id="rId7"/>
-    <p:sldId id="266" r:id="rId8"/>
-    <p:sldId id="269" r:id="rId9"/>
-    <p:sldId id="267" r:id="rId10"/>
-    <p:sldId id="271" r:id="rId11"/>
-    <p:sldId id="272" r:id="rId12"/>
+    <p:sldId id="258" r:id="rId5"/>
+    <p:sldId id="268" r:id="rId6"/>
+    <p:sldId id="266" r:id="rId7"/>
+    <p:sldId id="269" r:id="rId8"/>
+    <p:sldId id="267" r:id="rId9"/>
+    <p:sldId id="271" r:id="rId10"/>
+    <p:sldId id="272" r:id="rId11"/>
+    <p:sldId id="277" r:id="rId12"/>
     <p:sldId id="261" r:id="rId13"/>
     <p:sldId id="259" r:id="rId14"/>
     <p:sldId id="260" r:id="rId15"/>
-    <p:sldId id="262" r:id="rId16"/>
-    <p:sldId id="263" r:id="rId17"/>
-    <p:sldId id="264" r:id="rId18"/>
+    <p:sldId id="275" r:id="rId16"/>
+    <p:sldId id="276" r:id="rId17"/>
+    <p:sldId id="262" r:id="rId18"/>
+    <p:sldId id="263" r:id="rId19"/>
+    <p:sldId id="257" r:id="rId20"/>
   </p:sldIdLst>
   <p:sldSz cx="12192000" cy="6858000"/>
   <p:notesSz cx="6858000" cy="9144000"/>
@@ -8550,6 +8552,13 @@
         </dgm:presLayoutVars>
       </dgm:prSet>
       <dgm:spPr/>
+      <dgm:t>
+        <a:bodyPr/>
+        <a:lstStyle/>
+        <a:p>
+          <a:endParaRPr lang="zh-CN" altLang="en-US"/>
+        </a:p>
+      </dgm:t>
     </dgm:pt>
     <dgm:pt modelId="{E06340CC-E2E4-4EA9-8906-4CAD4D237BA2}" type="pres">
       <dgm:prSet presAssocID="{30CB31C9-D438-4932-B2EB-C47AB8D2BE16}" presName="node" presStyleLbl="node1" presStyleIdx="0" presStyleCnt="5">
@@ -8558,14 +8567,35 @@
         </dgm:presLayoutVars>
       </dgm:prSet>
       <dgm:spPr/>
+      <dgm:t>
+        <a:bodyPr/>
+        <a:lstStyle/>
+        <a:p>
+          <a:endParaRPr lang="zh-CN" altLang="en-US"/>
+        </a:p>
+      </dgm:t>
     </dgm:pt>
     <dgm:pt modelId="{DC641C10-E877-4231-9CD8-B801CB127113}" type="pres">
       <dgm:prSet presAssocID="{5E2C816C-DFF6-47FA-AEE9-B862D01121F0}" presName="sibTrans" presStyleLbl="sibTrans2D1" presStyleIdx="0" presStyleCnt="5"/>
       <dgm:spPr/>
+      <dgm:t>
+        <a:bodyPr/>
+        <a:lstStyle/>
+        <a:p>
+          <a:endParaRPr lang="zh-CN" altLang="en-US"/>
+        </a:p>
+      </dgm:t>
     </dgm:pt>
     <dgm:pt modelId="{325DCDAE-DBA3-448A-8FC4-155026D2D0B9}" type="pres">
       <dgm:prSet presAssocID="{5E2C816C-DFF6-47FA-AEE9-B862D01121F0}" presName="connectorText" presStyleLbl="sibTrans2D1" presStyleIdx="0" presStyleCnt="5"/>
       <dgm:spPr/>
+      <dgm:t>
+        <a:bodyPr/>
+        <a:lstStyle/>
+        <a:p>
+          <a:endParaRPr lang="zh-CN" altLang="en-US"/>
+        </a:p>
+      </dgm:t>
     </dgm:pt>
     <dgm:pt modelId="{3E0F186A-445C-483E-83F7-6CC2705CA1DD}" type="pres">
       <dgm:prSet presAssocID="{61F9052F-3AD0-4E6F-A0E6-7F10EAC24EB2}" presName="node" presStyleLbl="node1" presStyleIdx="1" presStyleCnt="5">
@@ -8574,14 +8604,35 @@
         </dgm:presLayoutVars>
       </dgm:prSet>
       <dgm:spPr/>
+      <dgm:t>
+        <a:bodyPr/>
+        <a:lstStyle/>
+        <a:p>
+          <a:endParaRPr lang="zh-CN" altLang="en-US"/>
+        </a:p>
+      </dgm:t>
     </dgm:pt>
     <dgm:pt modelId="{7E470080-8F7A-4DE2-B278-EE2EBB34931A}" type="pres">
       <dgm:prSet presAssocID="{B2B34FA9-8191-427E-BE92-8D6705930400}" presName="sibTrans" presStyleLbl="sibTrans2D1" presStyleIdx="1" presStyleCnt="5"/>
       <dgm:spPr/>
+      <dgm:t>
+        <a:bodyPr/>
+        <a:lstStyle/>
+        <a:p>
+          <a:endParaRPr lang="zh-CN" altLang="en-US"/>
+        </a:p>
+      </dgm:t>
     </dgm:pt>
     <dgm:pt modelId="{A99FEF7E-5BB9-4E32-BFE6-BC1546C3EA0A}" type="pres">
       <dgm:prSet presAssocID="{B2B34FA9-8191-427E-BE92-8D6705930400}" presName="connectorText" presStyleLbl="sibTrans2D1" presStyleIdx="1" presStyleCnt="5"/>
       <dgm:spPr/>
+      <dgm:t>
+        <a:bodyPr/>
+        <a:lstStyle/>
+        <a:p>
+          <a:endParaRPr lang="zh-CN" altLang="en-US"/>
+        </a:p>
+      </dgm:t>
     </dgm:pt>
     <dgm:pt modelId="{4166AB78-13D5-4610-BCD4-BD632204A7CE}" type="pres">
       <dgm:prSet presAssocID="{9135B3DF-F1FA-4377-A9A9-68702A3DEED7}" presName="node" presStyleLbl="node1" presStyleIdx="2" presStyleCnt="5">
@@ -8590,14 +8641,35 @@
         </dgm:presLayoutVars>
       </dgm:prSet>
       <dgm:spPr/>
+      <dgm:t>
+        <a:bodyPr/>
+        <a:lstStyle/>
+        <a:p>
+          <a:endParaRPr lang="zh-CN" altLang="en-US"/>
+        </a:p>
+      </dgm:t>
     </dgm:pt>
     <dgm:pt modelId="{DF7CE077-AD2F-4DB1-B6C2-2422BC73640F}" type="pres">
       <dgm:prSet presAssocID="{DA40D15D-76CE-42EB-A93F-CDC6980067EE}" presName="sibTrans" presStyleLbl="sibTrans2D1" presStyleIdx="2" presStyleCnt="5"/>
       <dgm:spPr/>
+      <dgm:t>
+        <a:bodyPr/>
+        <a:lstStyle/>
+        <a:p>
+          <a:endParaRPr lang="zh-CN" altLang="en-US"/>
+        </a:p>
+      </dgm:t>
     </dgm:pt>
     <dgm:pt modelId="{7DB92AC9-D849-4612-A128-E0F40D23C365}" type="pres">
       <dgm:prSet presAssocID="{DA40D15D-76CE-42EB-A93F-CDC6980067EE}" presName="connectorText" presStyleLbl="sibTrans2D1" presStyleIdx="2" presStyleCnt="5"/>
       <dgm:spPr/>
+      <dgm:t>
+        <a:bodyPr/>
+        <a:lstStyle/>
+        <a:p>
+          <a:endParaRPr lang="zh-CN" altLang="en-US"/>
+        </a:p>
+      </dgm:t>
     </dgm:pt>
     <dgm:pt modelId="{D7E33BB1-BEAB-4E4E-9240-B083D9725F37}" type="pres">
       <dgm:prSet presAssocID="{521D3F63-6737-4049-AF28-9344738F9B23}" presName="node" presStyleLbl="node1" presStyleIdx="3" presStyleCnt="5">
@@ -8606,14 +8678,35 @@
         </dgm:presLayoutVars>
       </dgm:prSet>
       <dgm:spPr/>
+      <dgm:t>
+        <a:bodyPr/>
+        <a:lstStyle/>
+        <a:p>
+          <a:endParaRPr lang="zh-CN" altLang="en-US"/>
+        </a:p>
+      </dgm:t>
     </dgm:pt>
     <dgm:pt modelId="{F0480431-0DEE-4F53-B8AF-D9BA7E17A445}" type="pres">
       <dgm:prSet presAssocID="{3E27A477-4129-4F32-8651-A75A0CA0898C}" presName="sibTrans" presStyleLbl="sibTrans2D1" presStyleIdx="3" presStyleCnt="5"/>
       <dgm:spPr/>
+      <dgm:t>
+        <a:bodyPr/>
+        <a:lstStyle/>
+        <a:p>
+          <a:endParaRPr lang="zh-CN" altLang="en-US"/>
+        </a:p>
+      </dgm:t>
     </dgm:pt>
     <dgm:pt modelId="{BD93B8BB-7745-4EF0-97BA-C5ADB4533DCD}" type="pres">
       <dgm:prSet presAssocID="{3E27A477-4129-4F32-8651-A75A0CA0898C}" presName="connectorText" presStyleLbl="sibTrans2D1" presStyleIdx="3" presStyleCnt="5"/>
       <dgm:spPr/>
+      <dgm:t>
+        <a:bodyPr/>
+        <a:lstStyle/>
+        <a:p>
+          <a:endParaRPr lang="zh-CN" altLang="en-US"/>
+        </a:p>
+      </dgm:t>
     </dgm:pt>
     <dgm:pt modelId="{01690352-A482-4BBB-818E-7ECE585B9755}" type="pres">
       <dgm:prSet presAssocID="{36A82DCB-414A-44EB-883E-0F11DD185BF4}" presName="node" presStyleLbl="node1" presStyleIdx="4" presStyleCnt="5">
@@ -8622,38 +8715,59 @@
         </dgm:presLayoutVars>
       </dgm:prSet>
       <dgm:spPr/>
+      <dgm:t>
+        <a:bodyPr/>
+        <a:lstStyle/>
+        <a:p>
+          <a:endParaRPr lang="zh-CN" altLang="en-US"/>
+        </a:p>
+      </dgm:t>
     </dgm:pt>
     <dgm:pt modelId="{952093F8-FED5-4D7C-B5A9-E2833A80EF25}" type="pres">
       <dgm:prSet presAssocID="{63F2A687-076F-4E77-ABDB-6E024B0C7438}" presName="sibTrans" presStyleLbl="sibTrans2D1" presStyleIdx="4" presStyleCnt="5"/>
       <dgm:spPr/>
+      <dgm:t>
+        <a:bodyPr/>
+        <a:lstStyle/>
+        <a:p>
+          <a:endParaRPr lang="zh-CN" altLang="en-US"/>
+        </a:p>
+      </dgm:t>
     </dgm:pt>
     <dgm:pt modelId="{8A3FBD82-3C34-41BC-87F7-D019679DC3FE}" type="pres">
       <dgm:prSet presAssocID="{63F2A687-076F-4E77-ABDB-6E024B0C7438}" presName="connectorText" presStyleLbl="sibTrans2D1" presStyleIdx="4" presStyleCnt="5"/>
       <dgm:spPr/>
+      <dgm:t>
+        <a:bodyPr/>
+        <a:lstStyle/>
+        <a:p>
+          <a:endParaRPr lang="zh-CN" altLang="en-US"/>
+        </a:p>
+      </dgm:t>
     </dgm:pt>
   </dgm:ptLst>
   <dgm:cxnLst>
+    <dgm:cxn modelId="{C7880D2B-DE58-49ED-BB82-D0F301FF9DEC}" srcId="{12354530-0EDE-4B9F-BA06-34289B84F019}" destId="{30CB31C9-D438-4932-B2EB-C47AB8D2BE16}" srcOrd="0" destOrd="0" parTransId="{297B63D3-FD2F-4939-B164-F9ED475C27E2}" sibTransId="{5E2C816C-DFF6-47FA-AEE9-B862D01121F0}"/>
+    <dgm:cxn modelId="{6ABE21C8-6946-4985-B94E-6CEE657460A8}" srcId="{12354530-0EDE-4B9F-BA06-34289B84F019}" destId="{521D3F63-6737-4049-AF28-9344738F9B23}" srcOrd="3" destOrd="0" parTransId="{9B4B920E-9642-4155-A9E7-45BF7EFD0ED2}" sibTransId="{3E27A477-4129-4F32-8651-A75A0CA0898C}"/>
+    <dgm:cxn modelId="{56037F20-E33A-45BB-A729-0DFA77127711}" srcId="{12354530-0EDE-4B9F-BA06-34289B84F019}" destId="{61F9052F-3AD0-4E6F-A0E6-7F10EAC24EB2}" srcOrd="1" destOrd="0" parTransId="{30DCC48F-62E5-471C-9F17-16561DBB7DFA}" sibTransId="{B2B34FA9-8191-427E-BE92-8D6705930400}"/>
+    <dgm:cxn modelId="{24DCEBB9-3C20-44B3-8E91-6820CE43FEA0}" type="presOf" srcId="{B2B34FA9-8191-427E-BE92-8D6705930400}" destId="{7E470080-8F7A-4DE2-B278-EE2EBB34931A}" srcOrd="0" destOrd="0" presId="urn:microsoft.com/office/officeart/2005/8/layout/cycle2"/>
+    <dgm:cxn modelId="{A133A9B9-31C9-4389-9689-F87ECB3FA353}" srcId="{12354530-0EDE-4B9F-BA06-34289B84F019}" destId="{9135B3DF-F1FA-4377-A9A9-68702A3DEED7}" srcOrd="2" destOrd="0" parTransId="{5A697B20-455B-4481-880F-5D8360BCCFA9}" sibTransId="{DA40D15D-76CE-42EB-A93F-CDC6980067EE}"/>
+    <dgm:cxn modelId="{B4718261-177F-49EC-B746-4A2C7C1F4867}" type="presOf" srcId="{5E2C816C-DFF6-47FA-AEE9-B862D01121F0}" destId="{325DCDAE-DBA3-448A-8FC4-155026D2D0B9}" srcOrd="1" destOrd="0" presId="urn:microsoft.com/office/officeart/2005/8/layout/cycle2"/>
+    <dgm:cxn modelId="{9439AEF0-2816-4BB1-9256-37FA9A1E3884}" type="presOf" srcId="{521D3F63-6737-4049-AF28-9344738F9B23}" destId="{D7E33BB1-BEAB-4E4E-9240-B083D9725F37}" srcOrd="0" destOrd="0" presId="urn:microsoft.com/office/officeart/2005/8/layout/cycle2"/>
+    <dgm:cxn modelId="{FDAD6988-590B-4E8C-A631-929910811601}" type="presOf" srcId="{30CB31C9-D438-4932-B2EB-C47AB8D2BE16}" destId="{E06340CC-E2E4-4EA9-8906-4CAD4D237BA2}" srcOrd="0" destOrd="0" presId="urn:microsoft.com/office/officeart/2005/8/layout/cycle2"/>
+    <dgm:cxn modelId="{8521C45A-7B8A-4952-89B6-2B1BA4F153E0}" type="presOf" srcId="{63F2A687-076F-4E77-ABDB-6E024B0C7438}" destId="{8A3FBD82-3C34-41BC-87F7-D019679DC3FE}" srcOrd="1" destOrd="0" presId="urn:microsoft.com/office/officeart/2005/8/layout/cycle2"/>
+    <dgm:cxn modelId="{39E90ED3-D799-4377-86F8-4566279DCE07}" srcId="{12354530-0EDE-4B9F-BA06-34289B84F019}" destId="{36A82DCB-414A-44EB-883E-0F11DD185BF4}" srcOrd="4" destOrd="0" parTransId="{30797813-30DE-487C-A87A-BD3280000F8F}" sibTransId="{63F2A687-076F-4E77-ABDB-6E024B0C7438}"/>
     <dgm:cxn modelId="{4505C904-CF30-4DEE-AA8D-023852BD46AA}" type="presOf" srcId="{B2B34FA9-8191-427E-BE92-8D6705930400}" destId="{A99FEF7E-5BB9-4E32-BFE6-BC1546C3EA0A}" srcOrd="1" destOrd="0" presId="urn:microsoft.com/office/officeart/2005/8/layout/cycle2"/>
-    <dgm:cxn modelId="{56037F20-E33A-45BB-A729-0DFA77127711}" srcId="{12354530-0EDE-4B9F-BA06-34289B84F019}" destId="{61F9052F-3AD0-4E6F-A0E6-7F10EAC24EB2}" srcOrd="1" destOrd="0" parTransId="{30DCC48F-62E5-471C-9F17-16561DBB7DFA}" sibTransId="{B2B34FA9-8191-427E-BE92-8D6705930400}"/>
-    <dgm:cxn modelId="{C7880D2B-DE58-49ED-BB82-D0F301FF9DEC}" srcId="{12354530-0EDE-4B9F-BA06-34289B84F019}" destId="{30CB31C9-D438-4932-B2EB-C47AB8D2BE16}" srcOrd="0" destOrd="0" parTransId="{297B63D3-FD2F-4939-B164-F9ED475C27E2}" sibTransId="{5E2C816C-DFF6-47FA-AEE9-B862D01121F0}"/>
+    <dgm:cxn modelId="{74CE3D72-2EE7-491A-AC7F-CDF15609711B}" type="presOf" srcId="{5E2C816C-DFF6-47FA-AEE9-B862D01121F0}" destId="{DC641C10-E877-4231-9CD8-B801CB127113}" srcOrd="0" destOrd="0" presId="urn:microsoft.com/office/officeart/2005/8/layout/cycle2"/>
+    <dgm:cxn modelId="{93BEBEFF-3B5C-433C-A29A-335C15C636C6}" type="presOf" srcId="{36A82DCB-414A-44EB-883E-0F11DD185BF4}" destId="{01690352-A482-4BBB-818E-7ECE585B9755}" srcOrd="0" destOrd="0" presId="urn:microsoft.com/office/officeart/2005/8/layout/cycle2"/>
+    <dgm:cxn modelId="{EDB71FD8-24A8-4843-AB58-3AE6FBDD4602}" type="presOf" srcId="{9135B3DF-F1FA-4377-A9A9-68702A3DEED7}" destId="{4166AB78-13D5-4610-BCD4-BD632204A7CE}" srcOrd="0" destOrd="0" presId="urn:microsoft.com/office/officeart/2005/8/layout/cycle2"/>
     <dgm:cxn modelId="{D9D30E2E-0E81-441D-A487-0672D1552A64}" type="presOf" srcId="{61F9052F-3AD0-4E6F-A0E6-7F10EAC24EB2}" destId="{3E0F186A-445C-483E-83F7-6CC2705CA1DD}" srcOrd="0" destOrd="0" presId="urn:microsoft.com/office/officeart/2005/8/layout/cycle2"/>
-    <dgm:cxn modelId="{B4718261-177F-49EC-B746-4A2C7C1F4867}" type="presOf" srcId="{5E2C816C-DFF6-47FA-AEE9-B862D01121F0}" destId="{325DCDAE-DBA3-448A-8FC4-155026D2D0B9}" srcOrd="1" destOrd="0" presId="urn:microsoft.com/office/officeart/2005/8/layout/cycle2"/>
+    <dgm:cxn modelId="{E18E09F8-276F-421E-ADF8-FAF1B1FA7EE7}" type="presOf" srcId="{DA40D15D-76CE-42EB-A93F-CDC6980067EE}" destId="{7DB92AC9-D849-4612-A128-E0F40D23C365}" srcOrd="1" destOrd="0" presId="urn:microsoft.com/office/officeart/2005/8/layout/cycle2"/>
     <dgm:cxn modelId="{D6269C62-04D7-4D84-A49A-BAC4C0AF28A2}" type="presOf" srcId="{3E27A477-4129-4F32-8651-A75A0CA0898C}" destId="{F0480431-0DEE-4F53-B8AF-D9BA7E17A445}" srcOrd="0" destOrd="0" presId="urn:microsoft.com/office/officeart/2005/8/layout/cycle2"/>
+    <dgm:cxn modelId="{F721D2BF-A96C-4C53-817E-5F961B7E839E}" type="presOf" srcId="{12354530-0EDE-4B9F-BA06-34289B84F019}" destId="{36B4CA91-BE11-4738-AD74-2A4B9D312996}" srcOrd="0" destOrd="0" presId="urn:microsoft.com/office/officeart/2005/8/layout/cycle2"/>
+    <dgm:cxn modelId="{A713DF96-20D4-41E2-8C28-4420D443389A}" type="presOf" srcId="{DA40D15D-76CE-42EB-A93F-CDC6980067EE}" destId="{DF7CE077-AD2F-4DB1-B6C2-2422BC73640F}" srcOrd="0" destOrd="0" presId="urn:microsoft.com/office/officeart/2005/8/layout/cycle2"/>
+    <dgm:cxn modelId="{91AB0358-E856-4502-A8CC-446151CE6ADF}" type="presOf" srcId="{3E27A477-4129-4F32-8651-A75A0CA0898C}" destId="{BD93B8BB-7745-4EF0-97BA-C5ADB4533DCD}" srcOrd="1" destOrd="0" presId="urn:microsoft.com/office/officeart/2005/8/layout/cycle2"/>
     <dgm:cxn modelId="{ADAAF36F-C065-4B53-99D4-146D48649E5E}" type="presOf" srcId="{63F2A687-076F-4E77-ABDB-6E024B0C7438}" destId="{952093F8-FED5-4D7C-B5A9-E2833A80EF25}" srcOrd="0" destOrd="0" presId="urn:microsoft.com/office/officeart/2005/8/layout/cycle2"/>
-    <dgm:cxn modelId="{74CE3D72-2EE7-491A-AC7F-CDF15609711B}" type="presOf" srcId="{5E2C816C-DFF6-47FA-AEE9-B862D01121F0}" destId="{DC641C10-E877-4231-9CD8-B801CB127113}" srcOrd="0" destOrd="0" presId="urn:microsoft.com/office/officeart/2005/8/layout/cycle2"/>
-    <dgm:cxn modelId="{91AB0358-E856-4502-A8CC-446151CE6ADF}" type="presOf" srcId="{3E27A477-4129-4F32-8651-A75A0CA0898C}" destId="{BD93B8BB-7745-4EF0-97BA-C5ADB4533DCD}" srcOrd="1" destOrd="0" presId="urn:microsoft.com/office/officeart/2005/8/layout/cycle2"/>
-    <dgm:cxn modelId="{8521C45A-7B8A-4952-89B6-2B1BA4F153E0}" type="presOf" srcId="{63F2A687-076F-4E77-ABDB-6E024B0C7438}" destId="{8A3FBD82-3C34-41BC-87F7-D019679DC3FE}" srcOrd="1" destOrd="0" presId="urn:microsoft.com/office/officeart/2005/8/layout/cycle2"/>
-    <dgm:cxn modelId="{FDAD6988-590B-4E8C-A631-929910811601}" type="presOf" srcId="{30CB31C9-D438-4932-B2EB-C47AB8D2BE16}" destId="{E06340CC-E2E4-4EA9-8906-4CAD4D237BA2}" srcOrd="0" destOrd="0" presId="urn:microsoft.com/office/officeart/2005/8/layout/cycle2"/>
-    <dgm:cxn modelId="{A713DF96-20D4-41E2-8C28-4420D443389A}" type="presOf" srcId="{DA40D15D-76CE-42EB-A93F-CDC6980067EE}" destId="{DF7CE077-AD2F-4DB1-B6C2-2422BC73640F}" srcOrd="0" destOrd="0" presId="urn:microsoft.com/office/officeart/2005/8/layout/cycle2"/>
-    <dgm:cxn modelId="{A133A9B9-31C9-4389-9689-F87ECB3FA353}" srcId="{12354530-0EDE-4B9F-BA06-34289B84F019}" destId="{9135B3DF-F1FA-4377-A9A9-68702A3DEED7}" srcOrd="2" destOrd="0" parTransId="{5A697B20-455B-4481-880F-5D8360BCCFA9}" sibTransId="{DA40D15D-76CE-42EB-A93F-CDC6980067EE}"/>
-    <dgm:cxn modelId="{24DCEBB9-3C20-44B3-8E91-6820CE43FEA0}" type="presOf" srcId="{B2B34FA9-8191-427E-BE92-8D6705930400}" destId="{7E470080-8F7A-4DE2-B278-EE2EBB34931A}" srcOrd="0" destOrd="0" presId="urn:microsoft.com/office/officeart/2005/8/layout/cycle2"/>
-    <dgm:cxn modelId="{F721D2BF-A96C-4C53-817E-5F961B7E839E}" type="presOf" srcId="{12354530-0EDE-4B9F-BA06-34289B84F019}" destId="{36B4CA91-BE11-4738-AD74-2A4B9D312996}" srcOrd="0" destOrd="0" presId="urn:microsoft.com/office/officeart/2005/8/layout/cycle2"/>
-    <dgm:cxn modelId="{6ABE21C8-6946-4985-B94E-6CEE657460A8}" srcId="{12354530-0EDE-4B9F-BA06-34289B84F019}" destId="{521D3F63-6737-4049-AF28-9344738F9B23}" srcOrd="3" destOrd="0" parTransId="{9B4B920E-9642-4155-A9E7-45BF7EFD0ED2}" sibTransId="{3E27A477-4129-4F32-8651-A75A0CA0898C}"/>
-    <dgm:cxn modelId="{39E90ED3-D799-4377-86F8-4566279DCE07}" srcId="{12354530-0EDE-4B9F-BA06-34289B84F019}" destId="{36A82DCB-414A-44EB-883E-0F11DD185BF4}" srcOrd="4" destOrd="0" parTransId="{30797813-30DE-487C-A87A-BD3280000F8F}" sibTransId="{63F2A687-076F-4E77-ABDB-6E024B0C7438}"/>
-    <dgm:cxn modelId="{EDB71FD8-24A8-4843-AB58-3AE6FBDD4602}" type="presOf" srcId="{9135B3DF-F1FA-4377-A9A9-68702A3DEED7}" destId="{4166AB78-13D5-4610-BCD4-BD632204A7CE}" srcOrd="0" destOrd="0" presId="urn:microsoft.com/office/officeart/2005/8/layout/cycle2"/>
-    <dgm:cxn modelId="{9439AEF0-2816-4BB1-9256-37FA9A1E3884}" type="presOf" srcId="{521D3F63-6737-4049-AF28-9344738F9B23}" destId="{D7E33BB1-BEAB-4E4E-9240-B083D9725F37}" srcOrd="0" destOrd="0" presId="urn:microsoft.com/office/officeart/2005/8/layout/cycle2"/>
-    <dgm:cxn modelId="{E18E09F8-276F-421E-ADF8-FAF1B1FA7EE7}" type="presOf" srcId="{DA40D15D-76CE-42EB-A93F-CDC6980067EE}" destId="{7DB92AC9-D849-4612-A128-E0F40D23C365}" srcOrd="1" destOrd="0" presId="urn:microsoft.com/office/officeart/2005/8/layout/cycle2"/>
-    <dgm:cxn modelId="{93BEBEFF-3B5C-433C-A29A-335C15C636C6}" type="presOf" srcId="{36A82DCB-414A-44EB-883E-0F11DD185BF4}" destId="{01690352-A482-4BBB-818E-7ECE585B9755}" srcOrd="0" destOrd="0" presId="urn:microsoft.com/office/officeart/2005/8/layout/cycle2"/>
     <dgm:cxn modelId="{0FDF8A16-6240-4F33-9294-596E8BC69332}" type="presParOf" srcId="{36B4CA91-BE11-4738-AD74-2A4B9D312996}" destId="{E06340CC-E2E4-4EA9-8906-4CAD4D237BA2}" srcOrd="0" destOrd="0" presId="urn:microsoft.com/office/officeart/2005/8/layout/cycle2"/>
     <dgm:cxn modelId="{63D7BF01-67B1-4E73-B2D2-91411D3E6899}" type="presParOf" srcId="{36B4CA91-BE11-4738-AD74-2A4B9D312996}" destId="{DC641C10-E877-4231-9CD8-B801CB127113}" srcOrd="1" destOrd="0" presId="urn:microsoft.com/office/officeart/2005/8/layout/cycle2"/>
     <dgm:cxn modelId="{82F43FC0-4D53-476D-98C6-1D49F19F231B}" type="presParOf" srcId="{DC641C10-E877-4231-9CD8-B801CB127113}" destId="{325DCDAE-DBA3-448A-8FC4-155026D2D0B9}" srcOrd="0" destOrd="0" presId="urn:microsoft.com/office/officeart/2005/8/layout/cycle2"/>
@@ -8953,6 +9067,13 @@
         </dgm:presLayoutVars>
       </dgm:prSet>
       <dgm:spPr/>
+      <dgm:t>
+        <a:bodyPr/>
+        <a:lstStyle/>
+        <a:p>
+          <a:endParaRPr lang="zh-CN" altLang="en-US"/>
+        </a:p>
+      </dgm:t>
     </dgm:pt>
     <dgm:pt modelId="{843742D5-39F1-4258-BB53-78ADB01F18D2}" type="pres">
       <dgm:prSet presAssocID="{DADDC2CE-569D-4E85-8042-0BD37A92551B}" presName="node" presStyleLbl="node1" presStyleIdx="0" presStyleCnt="6">
@@ -8961,14 +9082,35 @@
         </dgm:presLayoutVars>
       </dgm:prSet>
       <dgm:spPr/>
+      <dgm:t>
+        <a:bodyPr/>
+        <a:lstStyle/>
+        <a:p>
+          <a:endParaRPr lang="zh-CN" altLang="en-US"/>
+        </a:p>
+      </dgm:t>
     </dgm:pt>
     <dgm:pt modelId="{B8F473FF-6821-4026-A668-93D5DDD02B9B}" type="pres">
       <dgm:prSet presAssocID="{5F44E5FE-DE48-4EC7-8586-2B5F6823BDDF}" presName="sibTrans" presStyleLbl="sibTrans2D1" presStyleIdx="0" presStyleCnt="6"/>
       <dgm:spPr/>
+      <dgm:t>
+        <a:bodyPr/>
+        <a:lstStyle/>
+        <a:p>
+          <a:endParaRPr lang="zh-CN" altLang="en-US"/>
+        </a:p>
+      </dgm:t>
     </dgm:pt>
     <dgm:pt modelId="{5554D760-A018-4D72-B6B2-2475F4B3BA6B}" type="pres">
       <dgm:prSet presAssocID="{5F44E5FE-DE48-4EC7-8586-2B5F6823BDDF}" presName="connectorText" presStyleLbl="sibTrans2D1" presStyleIdx="0" presStyleCnt="6"/>
       <dgm:spPr/>
+      <dgm:t>
+        <a:bodyPr/>
+        <a:lstStyle/>
+        <a:p>
+          <a:endParaRPr lang="zh-CN" altLang="en-US"/>
+        </a:p>
+      </dgm:t>
     </dgm:pt>
     <dgm:pt modelId="{45A00CCA-2FAD-43F2-A5D5-8FB0747B86EE}" type="pres">
       <dgm:prSet presAssocID="{2DA6F32A-508B-449E-B00B-4A9D2451696B}" presName="node" presStyleLbl="node1" presStyleIdx="1" presStyleCnt="6">
@@ -8977,14 +9119,35 @@
         </dgm:presLayoutVars>
       </dgm:prSet>
       <dgm:spPr/>
+      <dgm:t>
+        <a:bodyPr/>
+        <a:lstStyle/>
+        <a:p>
+          <a:endParaRPr lang="zh-CN" altLang="en-US"/>
+        </a:p>
+      </dgm:t>
     </dgm:pt>
     <dgm:pt modelId="{8BB73072-D93E-43CE-978F-E0D4C8CA8540}" type="pres">
       <dgm:prSet presAssocID="{276578D0-AC39-42B5-8A7B-812F4B83CD41}" presName="sibTrans" presStyleLbl="sibTrans2D1" presStyleIdx="1" presStyleCnt="6"/>
       <dgm:spPr/>
+      <dgm:t>
+        <a:bodyPr/>
+        <a:lstStyle/>
+        <a:p>
+          <a:endParaRPr lang="zh-CN" altLang="en-US"/>
+        </a:p>
+      </dgm:t>
     </dgm:pt>
     <dgm:pt modelId="{67021BC5-B209-4208-8E18-1E9C7A8F44B9}" type="pres">
       <dgm:prSet presAssocID="{276578D0-AC39-42B5-8A7B-812F4B83CD41}" presName="connectorText" presStyleLbl="sibTrans2D1" presStyleIdx="1" presStyleCnt="6"/>
       <dgm:spPr/>
+      <dgm:t>
+        <a:bodyPr/>
+        <a:lstStyle/>
+        <a:p>
+          <a:endParaRPr lang="zh-CN" altLang="en-US"/>
+        </a:p>
+      </dgm:t>
     </dgm:pt>
     <dgm:pt modelId="{4683789F-B6AE-4548-A952-FE13A71F76AA}" type="pres">
       <dgm:prSet presAssocID="{759D0B0F-8099-43DD-A319-40DDF0A67781}" presName="node" presStyleLbl="node1" presStyleIdx="2" presStyleCnt="6">
@@ -8993,14 +9156,35 @@
         </dgm:presLayoutVars>
       </dgm:prSet>
       <dgm:spPr/>
+      <dgm:t>
+        <a:bodyPr/>
+        <a:lstStyle/>
+        <a:p>
+          <a:endParaRPr lang="zh-CN" altLang="en-US"/>
+        </a:p>
+      </dgm:t>
     </dgm:pt>
     <dgm:pt modelId="{8184DCD6-EEA5-4819-8C05-971B2E75A468}" type="pres">
       <dgm:prSet presAssocID="{2606B5D1-2160-4AE7-B37A-ED0C59834707}" presName="sibTrans" presStyleLbl="sibTrans2D1" presStyleIdx="2" presStyleCnt="6"/>
       <dgm:spPr/>
+      <dgm:t>
+        <a:bodyPr/>
+        <a:lstStyle/>
+        <a:p>
+          <a:endParaRPr lang="zh-CN" altLang="en-US"/>
+        </a:p>
+      </dgm:t>
     </dgm:pt>
     <dgm:pt modelId="{4F1C5B34-A34C-4824-B7FC-A86C66FB3AE6}" type="pres">
       <dgm:prSet presAssocID="{2606B5D1-2160-4AE7-B37A-ED0C59834707}" presName="connectorText" presStyleLbl="sibTrans2D1" presStyleIdx="2" presStyleCnt="6"/>
       <dgm:spPr/>
+      <dgm:t>
+        <a:bodyPr/>
+        <a:lstStyle/>
+        <a:p>
+          <a:endParaRPr lang="zh-CN" altLang="en-US"/>
+        </a:p>
+      </dgm:t>
     </dgm:pt>
     <dgm:pt modelId="{6CEB7916-2EF6-40AD-AEB1-D12636FE7FE1}" type="pres">
       <dgm:prSet presAssocID="{2B323753-4318-425B-80E6-C31ED4549B3D}" presName="node" presStyleLbl="node1" presStyleIdx="3" presStyleCnt="6">
@@ -9009,14 +9193,35 @@
         </dgm:presLayoutVars>
       </dgm:prSet>
       <dgm:spPr/>
+      <dgm:t>
+        <a:bodyPr/>
+        <a:lstStyle/>
+        <a:p>
+          <a:endParaRPr lang="zh-CN" altLang="en-US"/>
+        </a:p>
+      </dgm:t>
     </dgm:pt>
     <dgm:pt modelId="{3BFE5BBE-7212-455B-9A90-0D1BB0363E69}" type="pres">
       <dgm:prSet presAssocID="{087FE352-4CD0-486C-B227-F73322AAE4E5}" presName="sibTrans" presStyleLbl="sibTrans2D1" presStyleIdx="3" presStyleCnt="6"/>
       <dgm:spPr/>
+      <dgm:t>
+        <a:bodyPr/>
+        <a:lstStyle/>
+        <a:p>
+          <a:endParaRPr lang="zh-CN" altLang="en-US"/>
+        </a:p>
+      </dgm:t>
     </dgm:pt>
     <dgm:pt modelId="{12D128BA-A734-4F53-957B-3769FA003719}" type="pres">
       <dgm:prSet presAssocID="{087FE352-4CD0-486C-B227-F73322AAE4E5}" presName="connectorText" presStyleLbl="sibTrans2D1" presStyleIdx="3" presStyleCnt="6"/>
       <dgm:spPr/>
+      <dgm:t>
+        <a:bodyPr/>
+        <a:lstStyle/>
+        <a:p>
+          <a:endParaRPr lang="zh-CN" altLang="en-US"/>
+        </a:p>
+      </dgm:t>
     </dgm:pt>
     <dgm:pt modelId="{5447BBC0-6563-48D2-86FE-0DC1CE0EFBFA}" type="pres">
       <dgm:prSet presAssocID="{910CF7E4-4735-4164-A2C9-4CF2D960CE1C}" presName="node" presStyleLbl="node1" presStyleIdx="4" presStyleCnt="6">
@@ -9025,14 +9230,35 @@
         </dgm:presLayoutVars>
       </dgm:prSet>
       <dgm:spPr/>
+      <dgm:t>
+        <a:bodyPr/>
+        <a:lstStyle/>
+        <a:p>
+          <a:endParaRPr lang="zh-CN" altLang="en-US"/>
+        </a:p>
+      </dgm:t>
     </dgm:pt>
     <dgm:pt modelId="{FDF05C3C-15FE-4196-AC6E-B421C3A95963}" type="pres">
       <dgm:prSet presAssocID="{6782DDD7-C68D-4427-ABA1-EF1505A25806}" presName="sibTrans" presStyleLbl="sibTrans2D1" presStyleIdx="4" presStyleCnt="6"/>
       <dgm:spPr/>
+      <dgm:t>
+        <a:bodyPr/>
+        <a:lstStyle/>
+        <a:p>
+          <a:endParaRPr lang="zh-CN" altLang="en-US"/>
+        </a:p>
+      </dgm:t>
     </dgm:pt>
     <dgm:pt modelId="{51CDF29C-49C0-4A02-A97E-8739088311F5}" type="pres">
       <dgm:prSet presAssocID="{6782DDD7-C68D-4427-ABA1-EF1505A25806}" presName="connectorText" presStyleLbl="sibTrans2D1" presStyleIdx="4" presStyleCnt="6"/>
       <dgm:spPr/>
+      <dgm:t>
+        <a:bodyPr/>
+        <a:lstStyle/>
+        <a:p>
+          <a:endParaRPr lang="zh-CN" altLang="en-US"/>
+        </a:p>
+      </dgm:t>
     </dgm:pt>
     <dgm:pt modelId="{D03742BD-5D0F-4517-AC98-48AFD3A888F1}" type="pres">
       <dgm:prSet presAssocID="{6CB6D57B-86ED-438D-AD93-821B50A9576F}" presName="node" presStyleLbl="node1" presStyleIdx="5" presStyleCnt="6">
@@ -9041,42 +9267,63 @@
         </dgm:presLayoutVars>
       </dgm:prSet>
       <dgm:spPr/>
+      <dgm:t>
+        <a:bodyPr/>
+        <a:lstStyle/>
+        <a:p>
+          <a:endParaRPr lang="zh-CN" altLang="en-US"/>
+        </a:p>
+      </dgm:t>
     </dgm:pt>
     <dgm:pt modelId="{D1E321B2-5B0B-4845-99CD-B0196FA67F29}" type="pres">
       <dgm:prSet presAssocID="{FF135D52-0C62-46B4-BBB0-87A13321255A}" presName="sibTrans" presStyleLbl="sibTrans2D1" presStyleIdx="5" presStyleCnt="6"/>
       <dgm:spPr/>
+      <dgm:t>
+        <a:bodyPr/>
+        <a:lstStyle/>
+        <a:p>
+          <a:endParaRPr lang="zh-CN" altLang="en-US"/>
+        </a:p>
+      </dgm:t>
     </dgm:pt>
     <dgm:pt modelId="{CF04BA87-847E-4941-B749-A7FA73ABE4D6}" type="pres">
       <dgm:prSet presAssocID="{FF135D52-0C62-46B4-BBB0-87A13321255A}" presName="connectorText" presStyleLbl="sibTrans2D1" presStyleIdx="5" presStyleCnt="6"/>
       <dgm:spPr/>
+      <dgm:t>
+        <a:bodyPr/>
+        <a:lstStyle/>
+        <a:p>
+          <a:endParaRPr lang="zh-CN" altLang="en-US"/>
+        </a:p>
+      </dgm:t>
     </dgm:pt>
   </dgm:ptLst>
   <dgm:cxnLst>
+    <dgm:cxn modelId="{AC6A3D2B-5467-4946-8A58-00EF103D709B}" type="presOf" srcId="{276578D0-AC39-42B5-8A7B-812F4B83CD41}" destId="{8BB73072-D93E-43CE-978F-E0D4C8CA8540}" srcOrd="0" destOrd="0" presId="urn:microsoft.com/office/officeart/2005/8/layout/cycle2"/>
     <dgm:cxn modelId="{B7F61000-57D5-4B78-B2BC-4CC08F9C093A}" type="presOf" srcId="{910CF7E4-4735-4164-A2C9-4CF2D960CE1C}" destId="{5447BBC0-6563-48D2-86FE-0DC1CE0EFBFA}" srcOrd="0" destOrd="0" presId="urn:microsoft.com/office/officeart/2005/8/layout/cycle2"/>
+    <dgm:cxn modelId="{742EC269-FD32-44F4-BCA4-9D7A3B317A73}" type="presOf" srcId="{DADDC2CE-569D-4E85-8042-0BD37A92551B}" destId="{843742D5-39F1-4258-BB53-78ADB01F18D2}" srcOrd="0" destOrd="0" presId="urn:microsoft.com/office/officeart/2005/8/layout/cycle2"/>
+    <dgm:cxn modelId="{0F1CA908-130D-44AF-A7E0-9B0CEACAC60C}" type="presOf" srcId="{AE877D7B-E775-40E3-827E-C8403254116F}" destId="{65F3AEB7-D74E-4DC6-A129-DDFDCB188446}" srcOrd="0" destOrd="0" presId="urn:microsoft.com/office/officeart/2005/8/layout/cycle2"/>
+    <dgm:cxn modelId="{49680BC5-85C3-4358-B34C-6350DC33AD6A}" type="presOf" srcId="{5F44E5FE-DE48-4EC7-8586-2B5F6823BDDF}" destId="{B8F473FF-6821-4026-A668-93D5DDD02B9B}" srcOrd="0" destOrd="0" presId="urn:microsoft.com/office/officeart/2005/8/layout/cycle2"/>
+    <dgm:cxn modelId="{F6D6C9E8-A5B5-47D0-903D-8AA948E079F0}" type="presOf" srcId="{2606B5D1-2160-4AE7-B37A-ED0C59834707}" destId="{8184DCD6-EEA5-4819-8C05-971B2E75A468}" srcOrd="0" destOrd="0" presId="urn:microsoft.com/office/officeart/2005/8/layout/cycle2"/>
+    <dgm:cxn modelId="{B3AB0E61-A321-40F9-A4BC-DFC01FE15EFE}" srcId="{AE877D7B-E775-40E3-827E-C8403254116F}" destId="{DADDC2CE-569D-4E85-8042-0BD37A92551B}" srcOrd="0" destOrd="0" parTransId="{27D2162D-609C-4179-825B-EFBFB8984580}" sibTransId="{5F44E5FE-DE48-4EC7-8586-2B5F6823BDDF}"/>
+    <dgm:cxn modelId="{1CCC9E79-115E-439F-8267-52B4EB24B586}" type="presOf" srcId="{6782DDD7-C68D-4427-ABA1-EF1505A25806}" destId="{FDF05C3C-15FE-4196-AC6E-B421C3A95963}" srcOrd="0" destOrd="0" presId="urn:microsoft.com/office/officeart/2005/8/layout/cycle2"/>
+    <dgm:cxn modelId="{F1A0C86B-A0E3-4AF8-8ED1-05316FB8F763}" type="presOf" srcId="{2DA6F32A-508B-449E-B00B-4A9D2451696B}" destId="{45A00CCA-2FAD-43F2-A5D5-8FB0747B86EE}" srcOrd="0" destOrd="0" presId="urn:microsoft.com/office/officeart/2005/8/layout/cycle2"/>
     <dgm:cxn modelId="{B811C300-39DA-4182-8227-4B9A4ADD8AE1}" type="presOf" srcId="{2B323753-4318-425B-80E6-C31ED4549B3D}" destId="{6CEB7916-2EF6-40AD-AEB1-D12636FE7FE1}" srcOrd="0" destOrd="0" presId="urn:microsoft.com/office/officeart/2005/8/layout/cycle2"/>
+    <dgm:cxn modelId="{9E814F6B-DEB6-4764-8C5F-A65417937970}" srcId="{AE877D7B-E775-40E3-827E-C8403254116F}" destId="{2B323753-4318-425B-80E6-C31ED4549B3D}" srcOrd="3" destOrd="0" parTransId="{7B50382F-07D8-4970-A24A-8725037EA9D5}" sibTransId="{087FE352-4CD0-486C-B227-F73322AAE4E5}"/>
+    <dgm:cxn modelId="{2CF4475F-F778-4F38-AB90-63EA45D79FDB}" srcId="{AE877D7B-E775-40E3-827E-C8403254116F}" destId="{910CF7E4-4735-4164-A2C9-4CF2D960CE1C}" srcOrd="4" destOrd="0" parTransId="{1318A36F-F00B-4E83-924F-CC014C7D52DF}" sibTransId="{6782DDD7-C68D-4427-ABA1-EF1505A25806}"/>
+    <dgm:cxn modelId="{ED07A395-C15C-4B1C-9906-70A753BBDAB1}" type="presOf" srcId="{5F44E5FE-DE48-4EC7-8586-2B5F6823BDDF}" destId="{5554D760-A018-4D72-B6B2-2475F4B3BA6B}" srcOrd="1" destOrd="0" presId="urn:microsoft.com/office/officeart/2005/8/layout/cycle2"/>
     <dgm:cxn modelId="{0EF1F606-44DF-4495-BA28-2422238874E6}" type="presOf" srcId="{6782DDD7-C68D-4427-ABA1-EF1505A25806}" destId="{51CDF29C-49C0-4A02-A97E-8739088311F5}" srcOrd="1" destOrd="0" presId="urn:microsoft.com/office/officeart/2005/8/layout/cycle2"/>
-    <dgm:cxn modelId="{0F1CA908-130D-44AF-A7E0-9B0CEACAC60C}" type="presOf" srcId="{AE877D7B-E775-40E3-827E-C8403254116F}" destId="{65F3AEB7-D74E-4DC6-A129-DDFDCB188446}" srcOrd="0" destOrd="0" presId="urn:microsoft.com/office/officeart/2005/8/layout/cycle2"/>
+    <dgm:cxn modelId="{9642F87A-8D0C-41D1-BB74-8BFD766DB270}" type="presOf" srcId="{FF135D52-0C62-46B4-BBB0-87A13321255A}" destId="{CF04BA87-847E-4941-B749-A7FA73ABE4D6}" srcOrd="1" destOrd="0" presId="urn:microsoft.com/office/officeart/2005/8/layout/cycle2"/>
+    <dgm:cxn modelId="{11C34DB6-7907-48E4-802B-427C559619BE}" type="presOf" srcId="{6CB6D57B-86ED-438D-AD93-821B50A9576F}" destId="{D03742BD-5D0F-4517-AC98-48AFD3A888F1}" srcOrd="0" destOrd="0" presId="urn:microsoft.com/office/officeart/2005/8/layout/cycle2"/>
+    <dgm:cxn modelId="{0C8A6B57-080E-4DC1-95AE-A4E419C7F973}" srcId="{AE877D7B-E775-40E3-827E-C8403254116F}" destId="{759D0B0F-8099-43DD-A319-40DDF0A67781}" srcOrd="2" destOrd="0" parTransId="{F707703A-3436-434D-9CC7-00ABD871EC61}" sibTransId="{2606B5D1-2160-4AE7-B37A-ED0C59834707}"/>
+    <dgm:cxn modelId="{92A2DBAA-E95A-45E5-AAAD-B91CDD86C297}" type="presOf" srcId="{FF135D52-0C62-46B4-BBB0-87A13321255A}" destId="{D1E321B2-5B0B-4845-99CD-B0196FA67F29}" srcOrd="0" destOrd="0" presId="urn:microsoft.com/office/officeart/2005/8/layout/cycle2"/>
+    <dgm:cxn modelId="{43C4C9E2-CED3-4C26-A239-81DEEF24AEA1}" type="presOf" srcId="{2606B5D1-2160-4AE7-B37A-ED0C59834707}" destId="{4F1C5B34-A34C-4824-B7FC-A86C66FB3AE6}" srcOrd="1" destOrd="0" presId="urn:microsoft.com/office/officeart/2005/8/layout/cycle2"/>
     <dgm:cxn modelId="{52CB6E0A-E820-4DC5-849C-CCDE62B4A3F9}" type="presOf" srcId="{087FE352-4CD0-486C-B227-F73322AAE4E5}" destId="{3BFE5BBE-7212-455B-9A90-0D1BB0363E69}" srcOrd="0" destOrd="0" presId="urn:microsoft.com/office/officeart/2005/8/layout/cycle2"/>
+    <dgm:cxn modelId="{85D4FE46-1314-434E-BB79-113319B97992}" srcId="{AE877D7B-E775-40E3-827E-C8403254116F}" destId="{6CB6D57B-86ED-438D-AD93-821B50A9576F}" srcOrd="5" destOrd="0" parTransId="{D6841502-5E33-49A7-A301-C7CB5F3B7158}" sibTransId="{FF135D52-0C62-46B4-BBB0-87A13321255A}"/>
+    <dgm:cxn modelId="{6A70234D-515B-4BD3-BD12-855D4021025B}" type="presOf" srcId="{087FE352-4CD0-486C-B227-F73322AAE4E5}" destId="{12D128BA-A734-4F53-957B-3769FA003719}" srcOrd="1" destOrd="0" presId="urn:microsoft.com/office/officeart/2005/8/layout/cycle2"/>
     <dgm:cxn modelId="{20FF0611-1A41-4FF1-8CC1-0C954122D5FB}" type="presOf" srcId="{759D0B0F-8099-43DD-A319-40DDF0A67781}" destId="{4683789F-B6AE-4548-A952-FE13A71F76AA}" srcOrd="0" destOrd="0" presId="urn:microsoft.com/office/officeart/2005/8/layout/cycle2"/>
     <dgm:cxn modelId="{26A3271A-7442-4858-B784-79B08DE21FD6}" type="presOf" srcId="{276578D0-AC39-42B5-8A7B-812F4B83CD41}" destId="{67021BC5-B209-4208-8E18-1E9C7A8F44B9}" srcOrd="1" destOrd="0" presId="urn:microsoft.com/office/officeart/2005/8/layout/cycle2"/>
-    <dgm:cxn modelId="{AC6A3D2B-5467-4946-8A58-00EF103D709B}" type="presOf" srcId="{276578D0-AC39-42B5-8A7B-812F4B83CD41}" destId="{8BB73072-D93E-43CE-978F-E0D4C8CA8540}" srcOrd="0" destOrd="0" presId="urn:microsoft.com/office/officeart/2005/8/layout/cycle2"/>
-    <dgm:cxn modelId="{2CF4475F-F778-4F38-AB90-63EA45D79FDB}" srcId="{AE877D7B-E775-40E3-827E-C8403254116F}" destId="{910CF7E4-4735-4164-A2C9-4CF2D960CE1C}" srcOrd="4" destOrd="0" parTransId="{1318A36F-F00B-4E83-924F-CC014C7D52DF}" sibTransId="{6782DDD7-C68D-4427-ABA1-EF1505A25806}"/>
-    <dgm:cxn modelId="{B3AB0E61-A321-40F9-A4BC-DFC01FE15EFE}" srcId="{AE877D7B-E775-40E3-827E-C8403254116F}" destId="{DADDC2CE-569D-4E85-8042-0BD37A92551B}" srcOrd="0" destOrd="0" parTransId="{27D2162D-609C-4179-825B-EFBFB8984580}" sibTransId="{5F44E5FE-DE48-4EC7-8586-2B5F6823BDDF}"/>
-    <dgm:cxn modelId="{85D4FE46-1314-434E-BB79-113319B97992}" srcId="{AE877D7B-E775-40E3-827E-C8403254116F}" destId="{6CB6D57B-86ED-438D-AD93-821B50A9576F}" srcOrd="5" destOrd="0" parTransId="{D6841502-5E33-49A7-A301-C7CB5F3B7158}" sibTransId="{FF135D52-0C62-46B4-BBB0-87A13321255A}"/>
-    <dgm:cxn modelId="{742EC269-FD32-44F4-BCA4-9D7A3B317A73}" type="presOf" srcId="{DADDC2CE-569D-4E85-8042-0BD37A92551B}" destId="{843742D5-39F1-4258-BB53-78ADB01F18D2}" srcOrd="0" destOrd="0" presId="urn:microsoft.com/office/officeart/2005/8/layout/cycle2"/>
-    <dgm:cxn modelId="{9E814F6B-DEB6-4764-8C5F-A65417937970}" srcId="{AE877D7B-E775-40E3-827E-C8403254116F}" destId="{2B323753-4318-425B-80E6-C31ED4549B3D}" srcOrd="3" destOrd="0" parTransId="{7B50382F-07D8-4970-A24A-8725037EA9D5}" sibTransId="{087FE352-4CD0-486C-B227-F73322AAE4E5}"/>
-    <dgm:cxn modelId="{F1A0C86B-A0E3-4AF8-8ED1-05316FB8F763}" type="presOf" srcId="{2DA6F32A-508B-449E-B00B-4A9D2451696B}" destId="{45A00CCA-2FAD-43F2-A5D5-8FB0747B86EE}" srcOrd="0" destOrd="0" presId="urn:microsoft.com/office/officeart/2005/8/layout/cycle2"/>
-    <dgm:cxn modelId="{6A70234D-515B-4BD3-BD12-855D4021025B}" type="presOf" srcId="{087FE352-4CD0-486C-B227-F73322AAE4E5}" destId="{12D128BA-A734-4F53-957B-3769FA003719}" srcOrd="1" destOrd="0" presId="urn:microsoft.com/office/officeart/2005/8/layout/cycle2"/>
     <dgm:cxn modelId="{D7C8F74D-E264-4100-AB43-208870215B31}" srcId="{AE877D7B-E775-40E3-827E-C8403254116F}" destId="{2DA6F32A-508B-449E-B00B-4A9D2451696B}" srcOrd="1" destOrd="0" parTransId="{AB577828-D85E-4839-ADD7-B6CA424C41BC}" sibTransId="{276578D0-AC39-42B5-8A7B-812F4B83CD41}"/>
-    <dgm:cxn modelId="{0C8A6B57-080E-4DC1-95AE-A4E419C7F973}" srcId="{AE877D7B-E775-40E3-827E-C8403254116F}" destId="{759D0B0F-8099-43DD-A319-40DDF0A67781}" srcOrd="2" destOrd="0" parTransId="{F707703A-3436-434D-9CC7-00ABD871EC61}" sibTransId="{2606B5D1-2160-4AE7-B37A-ED0C59834707}"/>
-    <dgm:cxn modelId="{1CCC9E79-115E-439F-8267-52B4EB24B586}" type="presOf" srcId="{6782DDD7-C68D-4427-ABA1-EF1505A25806}" destId="{FDF05C3C-15FE-4196-AC6E-B421C3A95963}" srcOrd="0" destOrd="0" presId="urn:microsoft.com/office/officeart/2005/8/layout/cycle2"/>
-    <dgm:cxn modelId="{9642F87A-8D0C-41D1-BB74-8BFD766DB270}" type="presOf" srcId="{FF135D52-0C62-46B4-BBB0-87A13321255A}" destId="{CF04BA87-847E-4941-B749-A7FA73ABE4D6}" srcOrd="1" destOrd="0" presId="urn:microsoft.com/office/officeart/2005/8/layout/cycle2"/>
-    <dgm:cxn modelId="{ED07A395-C15C-4B1C-9906-70A753BBDAB1}" type="presOf" srcId="{5F44E5FE-DE48-4EC7-8586-2B5F6823BDDF}" destId="{5554D760-A018-4D72-B6B2-2475F4B3BA6B}" srcOrd="1" destOrd="0" presId="urn:microsoft.com/office/officeart/2005/8/layout/cycle2"/>
-    <dgm:cxn modelId="{92A2DBAA-E95A-45E5-AAAD-B91CDD86C297}" type="presOf" srcId="{FF135D52-0C62-46B4-BBB0-87A13321255A}" destId="{D1E321B2-5B0B-4845-99CD-B0196FA67F29}" srcOrd="0" destOrd="0" presId="urn:microsoft.com/office/officeart/2005/8/layout/cycle2"/>
-    <dgm:cxn modelId="{11C34DB6-7907-48E4-802B-427C559619BE}" type="presOf" srcId="{6CB6D57B-86ED-438D-AD93-821B50A9576F}" destId="{D03742BD-5D0F-4517-AC98-48AFD3A888F1}" srcOrd="0" destOrd="0" presId="urn:microsoft.com/office/officeart/2005/8/layout/cycle2"/>
-    <dgm:cxn modelId="{49680BC5-85C3-4358-B34C-6350DC33AD6A}" type="presOf" srcId="{5F44E5FE-DE48-4EC7-8586-2B5F6823BDDF}" destId="{B8F473FF-6821-4026-A668-93D5DDD02B9B}" srcOrd="0" destOrd="0" presId="urn:microsoft.com/office/officeart/2005/8/layout/cycle2"/>
-    <dgm:cxn modelId="{43C4C9E2-CED3-4C26-A239-81DEEF24AEA1}" type="presOf" srcId="{2606B5D1-2160-4AE7-B37A-ED0C59834707}" destId="{4F1C5B34-A34C-4824-B7FC-A86C66FB3AE6}" srcOrd="1" destOrd="0" presId="urn:microsoft.com/office/officeart/2005/8/layout/cycle2"/>
-    <dgm:cxn modelId="{F6D6C9E8-A5B5-47D0-903D-8AA948E079F0}" type="presOf" srcId="{2606B5D1-2160-4AE7-B37A-ED0C59834707}" destId="{8184DCD6-EEA5-4819-8C05-971B2E75A468}" srcOrd="0" destOrd="0" presId="urn:microsoft.com/office/officeart/2005/8/layout/cycle2"/>
     <dgm:cxn modelId="{4A53AB3E-AE56-4106-BCF7-D7F92E7B6BB5}" type="presParOf" srcId="{65F3AEB7-D74E-4DC6-A129-DDFDCB188446}" destId="{843742D5-39F1-4258-BB53-78ADB01F18D2}" srcOrd="0" destOrd="0" presId="urn:microsoft.com/office/officeart/2005/8/layout/cycle2"/>
     <dgm:cxn modelId="{3E2B9183-54A4-455E-99F7-A1136E64BFC1}" type="presParOf" srcId="{65F3AEB7-D74E-4DC6-A129-DDFDCB188446}" destId="{B8F473FF-6821-4026-A668-93D5DDD02B9B}" srcOrd="1" destOrd="0" presId="urn:microsoft.com/office/officeart/2005/8/layout/cycle2"/>
     <dgm:cxn modelId="{7CC901F2-504B-4748-8F9F-EA4A1E9E5E42}" type="presParOf" srcId="{B8F473FF-6821-4026-A668-93D5DDD02B9B}" destId="{5554D760-A018-4D72-B6B2-2475F4B3BA6B}" srcOrd="0" destOrd="0" presId="urn:microsoft.com/office/officeart/2005/8/layout/cycle2"/>
@@ -9122,7 +9369,14 @@
     </dgm:pt>
     <dgm:pt modelId="{30CB31C9-D438-4932-B2EB-C47AB8D2BE16}">
       <dgm:prSet phldrT="[文本]"/>
-      <dgm:spPr/>
+      <dgm:spPr>
+        <a:solidFill>
+          <a:schemeClr val="tx1">
+            <a:lumMod val="50000"/>
+            <a:lumOff val="50000"/>
+          </a:schemeClr>
+        </a:solidFill>
+      </dgm:spPr>
       <dgm:t>
         <a:bodyPr/>
         <a:lstStyle/>
@@ -9324,6 +9578,13 @@
         </dgm:presLayoutVars>
       </dgm:prSet>
       <dgm:spPr/>
+      <dgm:t>
+        <a:bodyPr/>
+        <a:lstStyle/>
+        <a:p>
+          <a:endParaRPr lang="zh-CN" altLang="en-US"/>
+        </a:p>
+      </dgm:t>
     </dgm:pt>
     <dgm:pt modelId="{E06340CC-E2E4-4EA9-8906-4CAD4D237BA2}" type="pres">
       <dgm:prSet presAssocID="{30CB31C9-D438-4932-B2EB-C47AB8D2BE16}" presName="node" presStyleLbl="node1" presStyleIdx="0" presStyleCnt="5" custScaleX="156072" custScaleY="156072" custRadScaleRad="117598" custRadScaleInc="51834">
@@ -9332,14 +9593,35 @@
         </dgm:presLayoutVars>
       </dgm:prSet>
       <dgm:spPr/>
+      <dgm:t>
+        <a:bodyPr/>
+        <a:lstStyle/>
+        <a:p>
+          <a:endParaRPr lang="zh-CN" altLang="en-US"/>
+        </a:p>
+      </dgm:t>
     </dgm:pt>
     <dgm:pt modelId="{DC641C10-E877-4231-9CD8-B801CB127113}" type="pres">
       <dgm:prSet presAssocID="{5E2C816C-DFF6-47FA-AEE9-B862D01121F0}" presName="sibTrans" presStyleLbl="sibTrans2D1" presStyleIdx="0" presStyleCnt="5"/>
       <dgm:spPr/>
+      <dgm:t>
+        <a:bodyPr/>
+        <a:lstStyle/>
+        <a:p>
+          <a:endParaRPr lang="zh-CN" altLang="en-US"/>
+        </a:p>
+      </dgm:t>
     </dgm:pt>
     <dgm:pt modelId="{325DCDAE-DBA3-448A-8FC4-155026D2D0B9}" type="pres">
       <dgm:prSet presAssocID="{5E2C816C-DFF6-47FA-AEE9-B862D01121F0}" presName="connectorText" presStyleLbl="sibTrans2D1" presStyleIdx="0" presStyleCnt="5"/>
       <dgm:spPr/>
+      <dgm:t>
+        <a:bodyPr/>
+        <a:lstStyle/>
+        <a:p>
+          <a:endParaRPr lang="zh-CN" altLang="en-US"/>
+        </a:p>
+      </dgm:t>
     </dgm:pt>
     <dgm:pt modelId="{3E0F186A-445C-483E-83F7-6CC2705CA1DD}" type="pres">
       <dgm:prSet presAssocID="{61F9052F-3AD0-4E6F-A0E6-7F10EAC24EB2}" presName="node" presStyleLbl="node1" presStyleIdx="1" presStyleCnt="5" custScaleX="166668" custScaleY="166668" custRadScaleRad="70746" custRadScaleInc="167130">
@@ -9348,14 +9630,35 @@
         </dgm:presLayoutVars>
       </dgm:prSet>
       <dgm:spPr/>
+      <dgm:t>
+        <a:bodyPr/>
+        <a:lstStyle/>
+        <a:p>
+          <a:endParaRPr lang="zh-CN" altLang="en-US"/>
+        </a:p>
+      </dgm:t>
     </dgm:pt>
     <dgm:pt modelId="{7E470080-8F7A-4DE2-B278-EE2EBB34931A}" type="pres">
       <dgm:prSet presAssocID="{B2B34FA9-8191-427E-BE92-8D6705930400}" presName="sibTrans" presStyleLbl="sibTrans2D1" presStyleIdx="1" presStyleCnt="5"/>
       <dgm:spPr/>
+      <dgm:t>
+        <a:bodyPr/>
+        <a:lstStyle/>
+        <a:p>
+          <a:endParaRPr lang="zh-CN" altLang="en-US"/>
+        </a:p>
+      </dgm:t>
     </dgm:pt>
     <dgm:pt modelId="{A99FEF7E-5BB9-4E32-BFE6-BC1546C3EA0A}" type="pres">
       <dgm:prSet presAssocID="{B2B34FA9-8191-427E-BE92-8D6705930400}" presName="connectorText" presStyleLbl="sibTrans2D1" presStyleIdx="1" presStyleCnt="5"/>
       <dgm:spPr/>
+      <dgm:t>
+        <a:bodyPr/>
+        <a:lstStyle/>
+        <a:p>
+          <a:endParaRPr lang="zh-CN" altLang="en-US"/>
+        </a:p>
+      </dgm:t>
     </dgm:pt>
     <dgm:pt modelId="{4166AB78-13D5-4610-BCD4-BD632204A7CE}" type="pres">
       <dgm:prSet presAssocID="{9135B3DF-F1FA-4377-A9A9-68702A3DEED7}" presName="node" presStyleLbl="node1" presStyleIdx="2" presStyleCnt="5" custScaleX="64757" custScaleY="64757" custRadScaleRad="97395" custRadScaleInc="350684">
@@ -9364,14 +9667,35 @@
         </dgm:presLayoutVars>
       </dgm:prSet>
       <dgm:spPr/>
+      <dgm:t>
+        <a:bodyPr/>
+        <a:lstStyle/>
+        <a:p>
+          <a:endParaRPr lang="zh-CN" altLang="en-US"/>
+        </a:p>
+      </dgm:t>
     </dgm:pt>
     <dgm:pt modelId="{DF7CE077-AD2F-4DB1-B6C2-2422BC73640F}" type="pres">
       <dgm:prSet presAssocID="{DA40D15D-76CE-42EB-A93F-CDC6980067EE}" presName="sibTrans" presStyleLbl="sibTrans2D1" presStyleIdx="2" presStyleCnt="5"/>
       <dgm:spPr/>
+      <dgm:t>
+        <a:bodyPr/>
+        <a:lstStyle/>
+        <a:p>
+          <a:endParaRPr lang="zh-CN" altLang="en-US"/>
+        </a:p>
+      </dgm:t>
     </dgm:pt>
     <dgm:pt modelId="{7DB92AC9-D849-4612-A128-E0F40D23C365}" type="pres">
       <dgm:prSet presAssocID="{DA40D15D-76CE-42EB-A93F-CDC6980067EE}" presName="connectorText" presStyleLbl="sibTrans2D1" presStyleIdx="2" presStyleCnt="5"/>
       <dgm:spPr/>
+      <dgm:t>
+        <a:bodyPr/>
+        <a:lstStyle/>
+        <a:p>
+          <a:endParaRPr lang="zh-CN" altLang="en-US"/>
+        </a:p>
+      </dgm:t>
     </dgm:pt>
     <dgm:pt modelId="{D7E33BB1-BEAB-4E4E-9240-B083D9725F37}" type="pres">
       <dgm:prSet presAssocID="{521D3F63-6737-4049-AF28-9344738F9B23}" presName="node" presStyleLbl="node1" presStyleIdx="3" presStyleCnt="5" custScaleX="62992" custScaleY="62992" custRadScaleRad="115498" custRadScaleInc="230382">
@@ -9380,14 +9704,35 @@
         </dgm:presLayoutVars>
       </dgm:prSet>
       <dgm:spPr/>
+      <dgm:t>
+        <a:bodyPr/>
+        <a:lstStyle/>
+        <a:p>
+          <a:endParaRPr lang="zh-CN" altLang="en-US"/>
+        </a:p>
+      </dgm:t>
     </dgm:pt>
     <dgm:pt modelId="{F0480431-0DEE-4F53-B8AF-D9BA7E17A445}" type="pres">
       <dgm:prSet presAssocID="{3E27A477-4129-4F32-8651-A75A0CA0898C}" presName="sibTrans" presStyleLbl="sibTrans2D1" presStyleIdx="3" presStyleCnt="5"/>
       <dgm:spPr/>
+      <dgm:t>
+        <a:bodyPr/>
+        <a:lstStyle/>
+        <a:p>
+          <a:endParaRPr lang="zh-CN" altLang="en-US"/>
+        </a:p>
+      </dgm:t>
     </dgm:pt>
     <dgm:pt modelId="{BD93B8BB-7745-4EF0-97BA-C5ADB4533DCD}" type="pres">
       <dgm:prSet presAssocID="{3E27A477-4129-4F32-8651-A75A0CA0898C}" presName="connectorText" presStyleLbl="sibTrans2D1" presStyleIdx="3" presStyleCnt="5"/>
       <dgm:spPr/>
+      <dgm:t>
+        <a:bodyPr/>
+        <a:lstStyle/>
+        <a:p>
+          <a:endParaRPr lang="zh-CN" altLang="en-US"/>
+        </a:p>
+      </dgm:t>
     </dgm:pt>
     <dgm:pt modelId="{01690352-A482-4BBB-818E-7ECE585B9755}" type="pres">
       <dgm:prSet presAssocID="{36A82DCB-414A-44EB-883E-0F11DD185BF4}" presName="node" presStyleLbl="node1" presStyleIdx="4" presStyleCnt="5" custScaleX="66375" custScaleY="66375" custRadScaleRad="150138" custRadScaleInc="93096">
@@ -9396,38 +9741,59 @@
         </dgm:presLayoutVars>
       </dgm:prSet>
       <dgm:spPr/>
+      <dgm:t>
+        <a:bodyPr/>
+        <a:lstStyle/>
+        <a:p>
+          <a:endParaRPr lang="zh-CN" altLang="en-US"/>
+        </a:p>
+      </dgm:t>
     </dgm:pt>
     <dgm:pt modelId="{952093F8-FED5-4D7C-B5A9-E2833A80EF25}" type="pres">
       <dgm:prSet presAssocID="{63F2A687-076F-4E77-ABDB-6E024B0C7438}" presName="sibTrans" presStyleLbl="sibTrans2D1" presStyleIdx="4" presStyleCnt="5"/>
       <dgm:spPr/>
+      <dgm:t>
+        <a:bodyPr/>
+        <a:lstStyle/>
+        <a:p>
+          <a:endParaRPr lang="zh-CN" altLang="en-US"/>
+        </a:p>
+      </dgm:t>
     </dgm:pt>
     <dgm:pt modelId="{8A3FBD82-3C34-41BC-87F7-D019679DC3FE}" type="pres">
       <dgm:prSet presAssocID="{63F2A687-076F-4E77-ABDB-6E024B0C7438}" presName="connectorText" presStyleLbl="sibTrans2D1" presStyleIdx="4" presStyleCnt="5"/>
       <dgm:spPr/>
+      <dgm:t>
+        <a:bodyPr/>
+        <a:lstStyle/>
+        <a:p>
+          <a:endParaRPr lang="zh-CN" altLang="en-US"/>
+        </a:p>
+      </dgm:t>
     </dgm:pt>
   </dgm:ptLst>
   <dgm:cxnLst>
+    <dgm:cxn modelId="{C7880D2B-DE58-49ED-BB82-D0F301FF9DEC}" srcId="{12354530-0EDE-4B9F-BA06-34289B84F019}" destId="{30CB31C9-D438-4932-B2EB-C47AB8D2BE16}" srcOrd="0" destOrd="0" parTransId="{297B63D3-FD2F-4939-B164-F9ED475C27E2}" sibTransId="{5E2C816C-DFF6-47FA-AEE9-B862D01121F0}"/>
+    <dgm:cxn modelId="{6ABE21C8-6946-4985-B94E-6CEE657460A8}" srcId="{12354530-0EDE-4B9F-BA06-34289B84F019}" destId="{521D3F63-6737-4049-AF28-9344738F9B23}" srcOrd="3" destOrd="0" parTransId="{9B4B920E-9642-4155-A9E7-45BF7EFD0ED2}" sibTransId="{3E27A477-4129-4F32-8651-A75A0CA0898C}"/>
+    <dgm:cxn modelId="{56037F20-E33A-45BB-A729-0DFA77127711}" srcId="{12354530-0EDE-4B9F-BA06-34289B84F019}" destId="{61F9052F-3AD0-4E6F-A0E6-7F10EAC24EB2}" srcOrd="1" destOrd="0" parTransId="{30DCC48F-62E5-471C-9F17-16561DBB7DFA}" sibTransId="{B2B34FA9-8191-427E-BE92-8D6705930400}"/>
+    <dgm:cxn modelId="{24DCEBB9-3C20-44B3-8E91-6820CE43FEA0}" type="presOf" srcId="{B2B34FA9-8191-427E-BE92-8D6705930400}" destId="{7E470080-8F7A-4DE2-B278-EE2EBB34931A}" srcOrd="0" destOrd="0" presId="urn:microsoft.com/office/officeart/2005/8/layout/cycle2"/>
+    <dgm:cxn modelId="{A133A9B9-31C9-4389-9689-F87ECB3FA353}" srcId="{12354530-0EDE-4B9F-BA06-34289B84F019}" destId="{9135B3DF-F1FA-4377-A9A9-68702A3DEED7}" srcOrd="2" destOrd="0" parTransId="{5A697B20-455B-4481-880F-5D8360BCCFA9}" sibTransId="{DA40D15D-76CE-42EB-A93F-CDC6980067EE}"/>
+    <dgm:cxn modelId="{B4718261-177F-49EC-B746-4A2C7C1F4867}" type="presOf" srcId="{5E2C816C-DFF6-47FA-AEE9-B862D01121F0}" destId="{325DCDAE-DBA3-448A-8FC4-155026D2D0B9}" srcOrd="1" destOrd="0" presId="urn:microsoft.com/office/officeart/2005/8/layout/cycle2"/>
+    <dgm:cxn modelId="{9439AEF0-2816-4BB1-9256-37FA9A1E3884}" type="presOf" srcId="{521D3F63-6737-4049-AF28-9344738F9B23}" destId="{D7E33BB1-BEAB-4E4E-9240-B083D9725F37}" srcOrd="0" destOrd="0" presId="urn:microsoft.com/office/officeart/2005/8/layout/cycle2"/>
+    <dgm:cxn modelId="{FDAD6988-590B-4E8C-A631-929910811601}" type="presOf" srcId="{30CB31C9-D438-4932-B2EB-C47AB8D2BE16}" destId="{E06340CC-E2E4-4EA9-8906-4CAD4D237BA2}" srcOrd="0" destOrd="0" presId="urn:microsoft.com/office/officeart/2005/8/layout/cycle2"/>
+    <dgm:cxn modelId="{8521C45A-7B8A-4952-89B6-2B1BA4F153E0}" type="presOf" srcId="{63F2A687-076F-4E77-ABDB-6E024B0C7438}" destId="{8A3FBD82-3C34-41BC-87F7-D019679DC3FE}" srcOrd="1" destOrd="0" presId="urn:microsoft.com/office/officeart/2005/8/layout/cycle2"/>
+    <dgm:cxn modelId="{39E90ED3-D799-4377-86F8-4566279DCE07}" srcId="{12354530-0EDE-4B9F-BA06-34289B84F019}" destId="{36A82DCB-414A-44EB-883E-0F11DD185BF4}" srcOrd="4" destOrd="0" parTransId="{30797813-30DE-487C-A87A-BD3280000F8F}" sibTransId="{63F2A687-076F-4E77-ABDB-6E024B0C7438}"/>
     <dgm:cxn modelId="{4505C904-CF30-4DEE-AA8D-023852BD46AA}" type="presOf" srcId="{B2B34FA9-8191-427E-BE92-8D6705930400}" destId="{A99FEF7E-5BB9-4E32-BFE6-BC1546C3EA0A}" srcOrd="1" destOrd="0" presId="urn:microsoft.com/office/officeart/2005/8/layout/cycle2"/>
-    <dgm:cxn modelId="{56037F20-E33A-45BB-A729-0DFA77127711}" srcId="{12354530-0EDE-4B9F-BA06-34289B84F019}" destId="{61F9052F-3AD0-4E6F-A0E6-7F10EAC24EB2}" srcOrd="1" destOrd="0" parTransId="{30DCC48F-62E5-471C-9F17-16561DBB7DFA}" sibTransId="{B2B34FA9-8191-427E-BE92-8D6705930400}"/>
-    <dgm:cxn modelId="{C7880D2B-DE58-49ED-BB82-D0F301FF9DEC}" srcId="{12354530-0EDE-4B9F-BA06-34289B84F019}" destId="{30CB31C9-D438-4932-B2EB-C47AB8D2BE16}" srcOrd="0" destOrd="0" parTransId="{297B63D3-FD2F-4939-B164-F9ED475C27E2}" sibTransId="{5E2C816C-DFF6-47FA-AEE9-B862D01121F0}"/>
+    <dgm:cxn modelId="{74CE3D72-2EE7-491A-AC7F-CDF15609711B}" type="presOf" srcId="{5E2C816C-DFF6-47FA-AEE9-B862D01121F0}" destId="{DC641C10-E877-4231-9CD8-B801CB127113}" srcOrd="0" destOrd="0" presId="urn:microsoft.com/office/officeart/2005/8/layout/cycle2"/>
+    <dgm:cxn modelId="{93BEBEFF-3B5C-433C-A29A-335C15C636C6}" type="presOf" srcId="{36A82DCB-414A-44EB-883E-0F11DD185BF4}" destId="{01690352-A482-4BBB-818E-7ECE585B9755}" srcOrd="0" destOrd="0" presId="urn:microsoft.com/office/officeart/2005/8/layout/cycle2"/>
+    <dgm:cxn modelId="{EDB71FD8-24A8-4843-AB58-3AE6FBDD4602}" type="presOf" srcId="{9135B3DF-F1FA-4377-A9A9-68702A3DEED7}" destId="{4166AB78-13D5-4610-BCD4-BD632204A7CE}" srcOrd="0" destOrd="0" presId="urn:microsoft.com/office/officeart/2005/8/layout/cycle2"/>
     <dgm:cxn modelId="{D9D30E2E-0E81-441D-A487-0672D1552A64}" type="presOf" srcId="{61F9052F-3AD0-4E6F-A0E6-7F10EAC24EB2}" destId="{3E0F186A-445C-483E-83F7-6CC2705CA1DD}" srcOrd="0" destOrd="0" presId="urn:microsoft.com/office/officeart/2005/8/layout/cycle2"/>
-    <dgm:cxn modelId="{B4718261-177F-49EC-B746-4A2C7C1F4867}" type="presOf" srcId="{5E2C816C-DFF6-47FA-AEE9-B862D01121F0}" destId="{325DCDAE-DBA3-448A-8FC4-155026D2D0B9}" srcOrd="1" destOrd="0" presId="urn:microsoft.com/office/officeart/2005/8/layout/cycle2"/>
+    <dgm:cxn modelId="{E18E09F8-276F-421E-ADF8-FAF1B1FA7EE7}" type="presOf" srcId="{DA40D15D-76CE-42EB-A93F-CDC6980067EE}" destId="{7DB92AC9-D849-4612-A128-E0F40D23C365}" srcOrd="1" destOrd="0" presId="urn:microsoft.com/office/officeart/2005/8/layout/cycle2"/>
     <dgm:cxn modelId="{D6269C62-04D7-4D84-A49A-BAC4C0AF28A2}" type="presOf" srcId="{3E27A477-4129-4F32-8651-A75A0CA0898C}" destId="{F0480431-0DEE-4F53-B8AF-D9BA7E17A445}" srcOrd="0" destOrd="0" presId="urn:microsoft.com/office/officeart/2005/8/layout/cycle2"/>
+    <dgm:cxn modelId="{F721D2BF-A96C-4C53-817E-5F961B7E839E}" type="presOf" srcId="{12354530-0EDE-4B9F-BA06-34289B84F019}" destId="{36B4CA91-BE11-4738-AD74-2A4B9D312996}" srcOrd="0" destOrd="0" presId="urn:microsoft.com/office/officeart/2005/8/layout/cycle2"/>
+    <dgm:cxn modelId="{A713DF96-20D4-41E2-8C28-4420D443389A}" type="presOf" srcId="{DA40D15D-76CE-42EB-A93F-CDC6980067EE}" destId="{DF7CE077-AD2F-4DB1-B6C2-2422BC73640F}" srcOrd="0" destOrd="0" presId="urn:microsoft.com/office/officeart/2005/8/layout/cycle2"/>
+    <dgm:cxn modelId="{91AB0358-E856-4502-A8CC-446151CE6ADF}" type="presOf" srcId="{3E27A477-4129-4F32-8651-A75A0CA0898C}" destId="{BD93B8BB-7745-4EF0-97BA-C5ADB4533DCD}" srcOrd="1" destOrd="0" presId="urn:microsoft.com/office/officeart/2005/8/layout/cycle2"/>
     <dgm:cxn modelId="{ADAAF36F-C065-4B53-99D4-146D48649E5E}" type="presOf" srcId="{63F2A687-076F-4E77-ABDB-6E024B0C7438}" destId="{952093F8-FED5-4D7C-B5A9-E2833A80EF25}" srcOrd="0" destOrd="0" presId="urn:microsoft.com/office/officeart/2005/8/layout/cycle2"/>
-    <dgm:cxn modelId="{74CE3D72-2EE7-491A-AC7F-CDF15609711B}" type="presOf" srcId="{5E2C816C-DFF6-47FA-AEE9-B862D01121F0}" destId="{DC641C10-E877-4231-9CD8-B801CB127113}" srcOrd="0" destOrd="0" presId="urn:microsoft.com/office/officeart/2005/8/layout/cycle2"/>
-    <dgm:cxn modelId="{91AB0358-E856-4502-A8CC-446151CE6ADF}" type="presOf" srcId="{3E27A477-4129-4F32-8651-A75A0CA0898C}" destId="{BD93B8BB-7745-4EF0-97BA-C5ADB4533DCD}" srcOrd="1" destOrd="0" presId="urn:microsoft.com/office/officeart/2005/8/layout/cycle2"/>
-    <dgm:cxn modelId="{8521C45A-7B8A-4952-89B6-2B1BA4F153E0}" type="presOf" srcId="{63F2A687-076F-4E77-ABDB-6E024B0C7438}" destId="{8A3FBD82-3C34-41BC-87F7-D019679DC3FE}" srcOrd="1" destOrd="0" presId="urn:microsoft.com/office/officeart/2005/8/layout/cycle2"/>
-    <dgm:cxn modelId="{FDAD6988-590B-4E8C-A631-929910811601}" type="presOf" srcId="{30CB31C9-D438-4932-B2EB-C47AB8D2BE16}" destId="{E06340CC-E2E4-4EA9-8906-4CAD4D237BA2}" srcOrd="0" destOrd="0" presId="urn:microsoft.com/office/officeart/2005/8/layout/cycle2"/>
-    <dgm:cxn modelId="{A713DF96-20D4-41E2-8C28-4420D443389A}" type="presOf" srcId="{DA40D15D-76CE-42EB-A93F-CDC6980067EE}" destId="{DF7CE077-AD2F-4DB1-B6C2-2422BC73640F}" srcOrd="0" destOrd="0" presId="urn:microsoft.com/office/officeart/2005/8/layout/cycle2"/>
-    <dgm:cxn modelId="{A133A9B9-31C9-4389-9689-F87ECB3FA353}" srcId="{12354530-0EDE-4B9F-BA06-34289B84F019}" destId="{9135B3DF-F1FA-4377-A9A9-68702A3DEED7}" srcOrd="2" destOrd="0" parTransId="{5A697B20-455B-4481-880F-5D8360BCCFA9}" sibTransId="{DA40D15D-76CE-42EB-A93F-CDC6980067EE}"/>
-    <dgm:cxn modelId="{24DCEBB9-3C20-44B3-8E91-6820CE43FEA0}" type="presOf" srcId="{B2B34FA9-8191-427E-BE92-8D6705930400}" destId="{7E470080-8F7A-4DE2-B278-EE2EBB34931A}" srcOrd="0" destOrd="0" presId="urn:microsoft.com/office/officeart/2005/8/layout/cycle2"/>
-    <dgm:cxn modelId="{F721D2BF-A96C-4C53-817E-5F961B7E839E}" type="presOf" srcId="{12354530-0EDE-4B9F-BA06-34289B84F019}" destId="{36B4CA91-BE11-4738-AD74-2A4B9D312996}" srcOrd="0" destOrd="0" presId="urn:microsoft.com/office/officeart/2005/8/layout/cycle2"/>
-    <dgm:cxn modelId="{6ABE21C8-6946-4985-B94E-6CEE657460A8}" srcId="{12354530-0EDE-4B9F-BA06-34289B84F019}" destId="{521D3F63-6737-4049-AF28-9344738F9B23}" srcOrd="3" destOrd="0" parTransId="{9B4B920E-9642-4155-A9E7-45BF7EFD0ED2}" sibTransId="{3E27A477-4129-4F32-8651-A75A0CA0898C}"/>
-    <dgm:cxn modelId="{39E90ED3-D799-4377-86F8-4566279DCE07}" srcId="{12354530-0EDE-4B9F-BA06-34289B84F019}" destId="{36A82DCB-414A-44EB-883E-0F11DD185BF4}" srcOrd="4" destOrd="0" parTransId="{30797813-30DE-487C-A87A-BD3280000F8F}" sibTransId="{63F2A687-076F-4E77-ABDB-6E024B0C7438}"/>
-    <dgm:cxn modelId="{EDB71FD8-24A8-4843-AB58-3AE6FBDD4602}" type="presOf" srcId="{9135B3DF-F1FA-4377-A9A9-68702A3DEED7}" destId="{4166AB78-13D5-4610-BCD4-BD632204A7CE}" srcOrd="0" destOrd="0" presId="urn:microsoft.com/office/officeart/2005/8/layout/cycle2"/>
-    <dgm:cxn modelId="{9439AEF0-2816-4BB1-9256-37FA9A1E3884}" type="presOf" srcId="{521D3F63-6737-4049-AF28-9344738F9B23}" destId="{D7E33BB1-BEAB-4E4E-9240-B083D9725F37}" srcOrd="0" destOrd="0" presId="urn:microsoft.com/office/officeart/2005/8/layout/cycle2"/>
-    <dgm:cxn modelId="{E18E09F8-276F-421E-ADF8-FAF1B1FA7EE7}" type="presOf" srcId="{DA40D15D-76CE-42EB-A93F-CDC6980067EE}" destId="{7DB92AC9-D849-4612-A128-E0F40D23C365}" srcOrd="1" destOrd="0" presId="urn:microsoft.com/office/officeart/2005/8/layout/cycle2"/>
-    <dgm:cxn modelId="{93BEBEFF-3B5C-433C-A29A-335C15C636C6}" type="presOf" srcId="{36A82DCB-414A-44EB-883E-0F11DD185BF4}" destId="{01690352-A482-4BBB-818E-7ECE585B9755}" srcOrd="0" destOrd="0" presId="urn:microsoft.com/office/officeart/2005/8/layout/cycle2"/>
     <dgm:cxn modelId="{0FDF8A16-6240-4F33-9294-596E8BC69332}" type="presParOf" srcId="{36B4CA91-BE11-4738-AD74-2A4B9D312996}" destId="{E06340CC-E2E4-4EA9-8906-4CAD4D237BA2}" srcOrd="0" destOrd="0" presId="urn:microsoft.com/office/officeart/2005/8/layout/cycle2"/>
     <dgm:cxn modelId="{63D7BF01-67B1-4E73-B2D2-91411D3E6899}" type="presParOf" srcId="{36B4CA91-BE11-4738-AD74-2A4B9D312996}" destId="{DC641C10-E877-4231-9CD8-B801CB127113}" srcOrd="1" destOrd="0" presId="urn:microsoft.com/office/officeart/2005/8/layout/cycle2"/>
     <dgm:cxn modelId="{82F43FC0-4D53-476D-98C6-1D49F19F231B}" type="presParOf" srcId="{DC641C10-E877-4231-9CD8-B801CB127113}" destId="{325DCDAE-DBA3-448A-8FC4-155026D2D0B9}" srcOrd="0" destOrd="0" presId="urn:microsoft.com/office/officeart/2005/8/layout/cycle2"/>
@@ -9695,6 +10061,13 @@
         </dgm:presLayoutVars>
       </dgm:prSet>
       <dgm:spPr/>
+      <dgm:t>
+        <a:bodyPr/>
+        <a:lstStyle/>
+        <a:p>
+          <a:endParaRPr lang="zh-CN" altLang="en-US"/>
+        </a:p>
+      </dgm:t>
     </dgm:pt>
     <dgm:pt modelId="{843742D5-39F1-4258-BB53-78ADB01F18D2}" type="pres">
       <dgm:prSet presAssocID="{DADDC2CE-569D-4E85-8042-0BD37A92551B}" presName="node" presStyleLbl="node1" presStyleIdx="0" presStyleCnt="6">
@@ -9703,14 +10076,35 @@
         </dgm:presLayoutVars>
       </dgm:prSet>
       <dgm:spPr/>
+      <dgm:t>
+        <a:bodyPr/>
+        <a:lstStyle/>
+        <a:p>
+          <a:endParaRPr lang="zh-CN" altLang="en-US"/>
+        </a:p>
+      </dgm:t>
     </dgm:pt>
     <dgm:pt modelId="{B8F473FF-6821-4026-A668-93D5DDD02B9B}" type="pres">
       <dgm:prSet presAssocID="{5F44E5FE-DE48-4EC7-8586-2B5F6823BDDF}" presName="sibTrans" presStyleLbl="sibTrans2D1" presStyleIdx="0" presStyleCnt="6"/>
       <dgm:spPr/>
+      <dgm:t>
+        <a:bodyPr/>
+        <a:lstStyle/>
+        <a:p>
+          <a:endParaRPr lang="zh-CN" altLang="en-US"/>
+        </a:p>
+      </dgm:t>
     </dgm:pt>
     <dgm:pt modelId="{5554D760-A018-4D72-B6B2-2475F4B3BA6B}" type="pres">
       <dgm:prSet presAssocID="{5F44E5FE-DE48-4EC7-8586-2B5F6823BDDF}" presName="connectorText" presStyleLbl="sibTrans2D1" presStyleIdx="0" presStyleCnt="6"/>
       <dgm:spPr/>
+      <dgm:t>
+        <a:bodyPr/>
+        <a:lstStyle/>
+        <a:p>
+          <a:endParaRPr lang="zh-CN" altLang="en-US"/>
+        </a:p>
+      </dgm:t>
     </dgm:pt>
     <dgm:pt modelId="{45A00CCA-2FAD-43F2-A5D5-8FB0747B86EE}" type="pres">
       <dgm:prSet presAssocID="{2DA6F32A-508B-449E-B00B-4A9D2451696B}" presName="node" presStyleLbl="node1" presStyleIdx="1" presStyleCnt="6">
@@ -9719,14 +10113,35 @@
         </dgm:presLayoutVars>
       </dgm:prSet>
       <dgm:spPr/>
+      <dgm:t>
+        <a:bodyPr/>
+        <a:lstStyle/>
+        <a:p>
+          <a:endParaRPr lang="zh-CN" altLang="en-US"/>
+        </a:p>
+      </dgm:t>
     </dgm:pt>
     <dgm:pt modelId="{8BB73072-D93E-43CE-978F-E0D4C8CA8540}" type="pres">
       <dgm:prSet presAssocID="{276578D0-AC39-42B5-8A7B-812F4B83CD41}" presName="sibTrans" presStyleLbl="sibTrans2D1" presStyleIdx="1" presStyleCnt="6"/>
       <dgm:spPr/>
+      <dgm:t>
+        <a:bodyPr/>
+        <a:lstStyle/>
+        <a:p>
+          <a:endParaRPr lang="zh-CN" altLang="en-US"/>
+        </a:p>
+      </dgm:t>
     </dgm:pt>
     <dgm:pt modelId="{67021BC5-B209-4208-8E18-1E9C7A8F44B9}" type="pres">
       <dgm:prSet presAssocID="{276578D0-AC39-42B5-8A7B-812F4B83CD41}" presName="connectorText" presStyleLbl="sibTrans2D1" presStyleIdx="1" presStyleCnt="6"/>
       <dgm:spPr/>
+      <dgm:t>
+        <a:bodyPr/>
+        <a:lstStyle/>
+        <a:p>
+          <a:endParaRPr lang="zh-CN" altLang="en-US"/>
+        </a:p>
+      </dgm:t>
     </dgm:pt>
     <dgm:pt modelId="{4683789F-B6AE-4548-A952-FE13A71F76AA}" type="pres">
       <dgm:prSet presAssocID="{759D0B0F-8099-43DD-A319-40DDF0A67781}" presName="node" presStyleLbl="node1" presStyleIdx="2" presStyleCnt="6">
@@ -9735,14 +10150,35 @@
         </dgm:presLayoutVars>
       </dgm:prSet>
       <dgm:spPr/>
+      <dgm:t>
+        <a:bodyPr/>
+        <a:lstStyle/>
+        <a:p>
+          <a:endParaRPr lang="zh-CN" altLang="en-US"/>
+        </a:p>
+      </dgm:t>
     </dgm:pt>
     <dgm:pt modelId="{8184DCD6-EEA5-4819-8C05-971B2E75A468}" type="pres">
       <dgm:prSet presAssocID="{2606B5D1-2160-4AE7-B37A-ED0C59834707}" presName="sibTrans" presStyleLbl="sibTrans2D1" presStyleIdx="2" presStyleCnt="6"/>
       <dgm:spPr/>
+      <dgm:t>
+        <a:bodyPr/>
+        <a:lstStyle/>
+        <a:p>
+          <a:endParaRPr lang="zh-CN" altLang="en-US"/>
+        </a:p>
+      </dgm:t>
     </dgm:pt>
     <dgm:pt modelId="{4F1C5B34-A34C-4824-B7FC-A86C66FB3AE6}" type="pres">
       <dgm:prSet presAssocID="{2606B5D1-2160-4AE7-B37A-ED0C59834707}" presName="connectorText" presStyleLbl="sibTrans2D1" presStyleIdx="2" presStyleCnt="6"/>
       <dgm:spPr/>
+      <dgm:t>
+        <a:bodyPr/>
+        <a:lstStyle/>
+        <a:p>
+          <a:endParaRPr lang="zh-CN" altLang="en-US"/>
+        </a:p>
+      </dgm:t>
     </dgm:pt>
     <dgm:pt modelId="{6CEB7916-2EF6-40AD-AEB1-D12636FE7FE1}" type="pres">
       <dgm:prSet presAssocID="{2B323753-4318-425B-80E6-C31ED4549B3D}" presName="node" presStyleLbl="node1" presStyleIdx="3" presStyleCnt="6">
@@ -9751,14 +10187,35 @@
         </dgm:presLayoutVars>
       </dgm:prSet>
       <dgm:spPr/>
+      <dgm:t>
+        <a:bodyPr/>
+        <a:lstStyle/>
+        <a:p>
+          <a:endParaRPr lang="zh-CN" altLang="en-US"/>
+        </a:p>
+      </dgm:t>
     </dgm:pt>
     <dgm:pt modelId="{3BFE5BBE-7212-455B-9A90-0D1BB0363E69}" type="pres">
       <dgm:prSet presAssocID="{087FE352-4CD0-486C-B227-F73322AAE4E5}" presName="sibTrans" presStyleLbl="sibTrans2D1" presStyleIdx="3" presStyleCnt="6"/>
       <dgm:spPr/>
+      <dgm:t>
+        <a:bodyPr/>
+        <a:lstStyle/>
+        <a:p>
+          <a:endParaRPr lang="zh-CN" altLang="en-US"/>
+        </a:p>
+      </dgm:t>
     </dgm:pt>
     <dgm:pt modelId="{12D128BA-A734-4F53-957B-3769FA003719}" type="pres">
       <dgm:prSet presAssocID="{087FE352-4CD0-486C-B227-F73322AAE4E5}" presName="connectorText" presStyleLbl="sibTrans2D1" presStyleIdx="3" presStyleCnt="6"/>
       <dgm:spPr/>
+      <dgm:t>
+        <a:bodyPr/>
+        <a:lstStyle/>
+        <a:p>
+          <a:endParaRPr lang="zh-CN" altLang="en-US"/>
+        </a:p>
+      </dgm:t>
     </dgm:pt>
     <dgm:pt modelId="{5447BBC0-6563-48D2-86FE-0DC1CE0EFBFA}" type="pres">
       <dgm:prSet presAssocID="{910CF7E4-4735-4164-A2C9-4CF2D960CE1C}" presName="node" presStyleLbl="node1" presStyleIdx="4" presStyleCnt="6">
@@ -9767,14 +10224,35 @@
         </dgm:presLayoutVars>
       </dgm:prSet>
       <dgm:spPr/>
+      <dgm:t>
+        <a:bodyPr/>
+        <a:lstStyle/>
+        <a:p>
+          <a:endParaRPr lang="zh-CN" altLang="en-US"/>
+        </a:p>
+      </dgm:t>
     </dgm:pt>
     <dgm:pt modelId="{FDF05C3C-15FE-4196-AC6E-B421C3A95963}" type="pres">
       <dgm:prSet presAssocID="{6782DDD7-C68D-4427-ABA1-EF1505A25806}" presName="sibTrans" presStyleLbl="sibTrans2D1" presStyleIdx="4" presStyleCnt="6"/>
       <dgm:spPr/>
+      <dgm:t>
+        <a:bodyPr/>
+        <a:lstStyle/>
+        <a:p>
+          <a:endParaRPr lang="zh-CN" altLang="en-US"/>
+        </a:p>
+      </dgm:t>
     </dgm:pt>
     <dgm:pt modelId="{51CDF29C-49C0-4A02-A97E-8739088311F5}" type="pres">
       <dgm:prSet presAssocID="{6782DDD7-C68D-4427-ABA1-EF1505A25806}" presName="connectorText" presStyleLbl="sibTrans2D1" presStyleIdx="4" presStyleCnt="6"/>
       <dgm:spPr/>
+      <dgm:t>
+        <a:bodyPr/>
+        <a:lstStyle/>
+        <a:p>
+          <a:endParaRPr lang="zh-CN" altLang="en-US"/>
+        </a:p>
+      </dgm:t>
     </dgm:pt>
     <dgm:pt modelId="{D03742BD-5D0F-4517-AC98-48AFD3A888F1}" type="pres">
       <dgm:prSet presAssocID="{6CB6D57B-86ED-438D-AD93-821B50A9576F}" presName="node" presStyleLbl="node1" presStyleIdx="5" presStyleCnt="6">
@@ -9783,42 +10261,63 @@
         </dgm:presLayoutVars>
       </dgm:prSet>
       <dgm:spPr/>
+      <dgm:t>
+        <a:bodyPr/>
+        <a:lstStyle/>
+        <a:p>
+          <a:endParaRPr lang="zh-CN" altLang="en-US"/>
+        </a:p>
+      </dgm:t>
     </dgm:pt>
     <dgm:pt modelId="{D1E321B2-5B0B-4845-99CD-B0196FA67F29}" type="pres">
       <dgm:prSet presAssocID="{FF135D52-0C62-46B4-BBB0-87A13321255A}" presName="sibTrans" presStyleLbl="sibTrans2D1" presStyleIdx="5" presStyleCnt="6"/>
       <dgm:spPr/>
+      <dgm:t>
+        <a:bodyPr/>
+        <a:lstStyle/>
+        <a:p>
+          <a:endParaRPr lang="zh-CN" altLang="en-US"/>
+        </a:p>
+      </dgm:t>
     </dgm:pt>
     <dgm:pt modelId="{CF04BA87-847E-4941-B749-A7FA73ABE4D6}" type="pres">
       <dgm:prSet presAssocID="{FF135D52-0C62-46B4-BBB0-87A13321255A}" presName="connectorText" presStyleLbl="sibTrans2D1" presStyleIdx="5" presStyleCnt="6"/>
       <dgm:spPr/>
+      <dgm:t>
+        <a:bodyPr/>
+        <a:lstStyle/>
+        <a:p>
+          <a:endParaRPr lang="zh-CN" altLang="en-US"/>
+        </a:p>
+      </dgm:t>
     </dgm:pt>
   </dgm:ptLst>
   <dgm:cxnLst>
+    <dgm:cxn modelId="{AC6A3D2B-5467-4946-8A58-00EF103D709B}" type="presOf" srcId="{276578D0-AC39-42B5-8A7B-812F4B83CD41}" destId="{8BB73072-D93E-43CE-978F-E0D4C8CA8540}" srcOrd="0" destOrd="0" presId="urn:microsoft.com/office/officeart/2005/8/layout/cycle2"/>
     <dgm:cxn modelId="{B7F61000-57D5-4B78-B2BC-4CC08F9C093A}" type="presOf" srcId="{910CF7E4-4735-4164-A2C9-4CF2D960CE1C}" destId="{5447BBC0-6563-48D2-86FE-0DC1CE0EFBFA}" srcOrd="0" destOrd="0" presId="urn:microsoft.com/office/officeart/2005/8/layout/cycle2"/>
+    <dgm:cxn modelId="{742EC269-FD32-44F4-BCA4-9D7A3B317A73}" type="presOf" srcId="{DADDC2CE-569D-4E85-8042-0BD37A92551B}" destId="{843742D5-39F1-4258-BB53-78ADB01F18D2}" srcOrd="0" destOrd="0" presId="urn:microsoft.com/office/officeart/2005/8/layout/cycle2"/>
+    <dgm:cxn modelId="{0F1CA908-130D-44AF-A7E0-9B0CEACAC60C}" type="presOf" srcId="{AE877D7B-E775-40E3-827E-C8403254116F}" destId="{65F3AEB7-D74E-4DC6-A129-DDFDCB188446}" srcOrd="0" destOrd="0" presId="urn:microsoft.com/office/officeart/2005/8/layout/cycle2"/>
+    <dgm:cxn modelId="{49680BC5-85C3-4358-B34C-6350DC33AD6A}" type="presOf" srcId="{5F44E5FE-DE48-4EC7-8586-2B5F6823BDDF}" destId="{B8F473FF-6821-4026-A668-93D5DDD02B9B}" srcOrd="0" destOrd="0" presId="urn:microsoft.com/office/officeart/2005/8/layout/cycle2"/>
+    <dgm:cxn modelId="{F6D6C9E8-A5B5-47D0-903D-8AA948E079F0}" type="presOf" srcId="{2606B5D1-2160-4AE7-B37A-ED0C59834707}" destId="{8184DCD6-EEA5-4819-8C05-971B2E75A468}" srcOrd="0" destOrd="0" presId="urn:microsoft.com/office/officeart/2005/8/layout/cycle2"/>
+    <dgm:cxn modelId="{B3AB0E61-A321-40F9-A4BC-DFC01FE15EFE}" srcId="{AE877D7B-E775-40E3-827E-C8403254116F}" destId="{DADDC2CE-569D-4E85-8042-0BD37A92551B}" srcOrd="0" destOrd="0" parTransId="{27D2162D-609C-4179-825B-EFBFB8984580}" sibTransId="{5F44E5FE-DE48-4EC7-8586-2B5F6823BDDF}"/>
+    <dgm:cxn modelId="{1CCC9E79-115E-439F-8267-52B4EB24B586}" type="presOf" srcId="{6782DDD7-C68D-4427-ABA1-EF1505A25806}" destId="{FDF05C3C-15FE-4196-AC6E-B421C3A95963}" srcOrd="0" destOrd="0" presId="urn:microsoft.com/office/officeart/2005/8/layout/cycle2"/>
+    <dgm:cxn modelId="{F1A0C86B-A0E3-4AF8-8ED1-05316FB8F763}" type="presOf" srcId="{2DA6F32A-508B-449E-B00B-4A9D2451696B}" destId="{45A00CCA-2FAD-43F2-A5D5-8FB0747B86EE}" srcOrd="0" destOrd="0" presId="urn:microsoft.com/office/officeart/2005/8/layout/cycle2"/>
     <dgm:cxn modelId="{B811C300-39DA-4182-8227-4B9A4ADD8AE1}" type="presOf" srcId="{2B323753-4318-425B-80E6-C31ED4549B3D}" destId="{6CEB7916-2EF6-40AD-AEB1-D12636FE7FE1}" srcOrd="0" destOrd="0" presId="urn:microsoft.com/office/officeart/2005/8/layout/cycle2"/>
+    <dgm:cxn modelId="{9E814F6B-DEB6-4764-8C5F-A65417937970}" srcId="{AE877D7B-E775-40E3-827E-C8403254116F}" destId="{2B323753-4318-425B-80E6-C31ED4549B3D}" srcOrd="3" destOrd="0" parTransId="{7B50382F-07D8-4970-A24A-8725037EA9D5}" sibTransId="{087FE352-4CD0-486C-B227-F73322AAE4E5}"/>
+    <dgm:cxn modelId="{2CF4475F-F778-4F38-AB90-63EA45D79FDB}" srcId="{AE877D7B-E775-40E3-827E-C8403254116F}" destId="{910CF7E4-4735-4164-A2C9-4CF2D960CE1C}" srcOrd="4" destOrd="0" parTransId="{1318A36F-F00B-4E83-924F-CC014C7D52DF}" sibTransId="{6782DDD7-C68D-4427-ABA1-EF1505A25806}"/>
+    <dgm:cxn modelId="{ED07A395-C15C-4B1C-9906-70A753BBDAB1}" type="presOf" srcId="{5F44E5FE-DE48-4EC7-8586-2B5F6823BDDF}" destId="{5554D760-A018-4D72-B6B2-2475F4B3BA6B}" srcOrd="1" destOrd="0" presId="urn:microsoft.com/office/officeart/2005/8/layout/cycle2"/>
     <dgm:cxn modelId="{0EF1F606-44DF-4495-BA28-2422238874E6}" type="presOf" srcId="{6782DDD7-C68D-4427-ABA1-EF1505A25806}" destId="{51CDF29C-49C0-4A02-A97E-8739088311F5}" srcOrd="1" destOrd="0" presId="urn:microsoft.com/office/officeart/2005/8/layout/cycle2"/>
-    <dgm:cxn modelId="{0F1CA908-130D-44AF-A7E0-9B0CEACAC60C}" type="presOf" srcId="{AE877D7B-E775-40E3-827E-C8403254116F}" destId="{65F3AEB7-D74E-4DC6-A129-DDFDCB188446}" srcOrd="0" destOrd="0" presId="urn:microsoft.com/office/officeart/2005/8/layout/cycle2"/>
+    <dgm:cxn modelId="{9642F87A-8D0C-41D1-BB74-8BFD766DB270}" type="presOf" srcId="{FF135D52-0C62-46B4-BBB0-87A13321255A}" destId="{CF04BA87-847E-4941-B749-A7FA73ABE4D6}" srcOrd="1" destOrd="0" presId="urn:microsoft.com/office/officeart/2005/8/layout/cycle2"/>
+    <dgm:cxn modelId="{11C34DB6-7907-48E4-802B-427C559619BE}" type="presOf" srcId="{6CB6D57B-86ED-438D-AD93-821B50A9576F}" destId="{D03742BD-5D0F-4517-AC98-48AFD3A888F1}" srcOrd="0" destOrd="0" presId="urn:microsoft.com/office/officeart/2005/8/layout/cycle2"/>
+    <dgm:cxn modelId="{0C8A6B57-080E-4DC1-95AE-A4E419C7F973}" srcId="{AE877D7B-E775-40E3-827E-C8403254116F}" destId="{759D0B0F-8099-43DD-A319-40DDF0A67781}" srcOrd="2" destOrd="0" parTransId="{F707703A-3436-434D-9CC7-00ABD871EC61}" sibTransId="{2606B5D1-2160-4AE7-B37A-ED0C59834707}"/>
+    <dgm:cxn modelId="{92A2DBAA-E95A-45E5-AAAD-B91CDD86C297}" type="presOf" srcId="{FF135D52-0C62-46B4-BBB0-87A13321255A}" destId="{D1E321B2-5B0B-4845-99CD-B0196FA67F29}" srcOrd="0" destOrd="0" presId="urn:microsoft.com/office/officeart/2005/8/layout/cycle2"/>
+    <dgm:cxn modelId="{43C4C9E2-CED3-4C26-A239-81DEEF24AEA1}" type="presOf" srcId="{2606B5D1-2160-4AE7-B37A-ED0C59834707}" destId="{4F1C5B34-A34C-4824-B7FC-A86C66FB3AE6}" srcOrd="1" destOrd="0" presId="urn:microsoft.com/office/officeart/2005/8/layout/cycle2"/>
     <dgm:cxn modelId="{52CB6E0A-E820-4DC5-849C-CCDE62B4A3F9}" type="presOf" srcId="{087FE352-4CD0-486C-B227-F73322AAE4E5}" destId="{3BFE5BBE-7212-455B-9A90-0D1BB0363E69}" srcOrd="0" destOrd="0" presId="urn:microsoft.com/office/officeart/2005/8/layout/cycle2"/>
+    <dgm:cxn modelId="{85D4FE46-1314-434E-BB79-113319B97992}" srcId="{AE877D7B-E775-40E3-827E-C8403254116F}" destId="{6CB6D57B-86ED-438D-AD93-821B50A9576F}" srcOrd="5" destOrd="0" parTransId="{D6841502-5E33-49A7-A301-C7CB5F3B7158}" sibTransId="{FF135D52-0C62-46B4-BBB0-87A13321255A}"/>
+    <dgm:cxn modelId="{6A70234D-515B-4BD3-BD12-855D4021025B}" type="presOf" srcId="{087FE352-4CD0-486C-B227-F73322AAE4E5}" destId="{12D128BA-A734-4F53-957B-3769FA003719}" srcOrd="1" destOrd="0" presId="urn:microsoft.com/office/officeart/2005/8/layout/cycle2"/>
     <dgm:cxn modelId="{20FF0611-1A41-4FF1-8CC1-0C954122D5FB}" type="presOf" srcId="{759D0B0F-8099-43DD-A319-40DDF0A67781}" destId="{4683789F-B6AE-4548-A952-FE13A71F76AA}" srcOrd="0" destOrd="0" presId="urn:microsoft.com/office/officeart/2005/8/layout/cycle2"/>
     <dgm:cxn modelId="{26A3271A-7442-4858-B784-79B08DE21FD6}" type="presOf" srcId="{276578D0-AC39-42B5-8A7B-812F4B83CD41}" destId="{67021BC5-B209-4208-8E18-1E9C7A8F44B9}" srcOrd="1" destOrd="0" presId="urn:microsoft.com/office/officeart/2005/8/layout/cycle2"/>
-    <dgm:cxn modelId="{AC6A3D2B-5467-4946-8A58-00EF103D709B}" type="presOf" srcId="{276578D0-AC39-42B5-8A7B-812F4B83CD41}" destId="{8BB73072-D93E-43CE-978F-E0D4C8CA8540}" srcOrd="0" destOrd="0" presId="urn:microsoft.com/office/officeart/2005/8/layout/cycle2"/>
-    <dgm:cxn modelId="{2CF4475F-F778-4F38-AB90-63EA45D79FDB}" srcId="{AE877D7B-E775-40E3-827E-C8403254116F}" destId="{910CF7E4-4735-4164-A2C9-4CF2D960CE1C}" srcOrd="4" destOrd="0" parTransId="{1318A36F-F00B-4E83-924F-CC014C7D52DF}" sibTransId="{6782DDD7-C68D-4427-ABA1-EF1505A25806}"/>
-    <dgm:cxn modelId="{B3AB0E61-A321-40F9-A4BC-DFC01FE15EFE}" srcId="{AE877D7B-E775-40E3-827E-C8403254116F}" destId="{DADDC2CE-569D-4E85-8042-0BD37A92551B}" srcOrd="0" destOrd="0" parTransId="{27D2162D-609C-4179-825B-EFBFB8984580}" sibTransId="{5F44E5FE-DE48-4EC7-8586-2B5F6823BDDF}"/>
-    <dgm:cxn modelId="{85D4FE46-1314-434E-BB79-113319B97992}" srcId="{AE877D7B-E775-40E3-827E-C8403254116F}" destId="{6CB6D57B-86ED-438D-AD93-821B50A9576F}" srcOrd="5" destOrd="0" parTransId="{D6841502-5E33-49A7-A301-C7CB5F3B7158}" sibTransId="{FF135D52-0C62-46B4-BBB0-87A13321255A}"/>
-    <dgm:cxn modelId="{742EC269-FD32-44F4-BCA4-9D7A3B317A73}" type="presOf" srcId="{DADDC2CE-569D-4E85-8042-0BD37A92551B}" destId="{843742D5-39F1-4258-BB53-78ADB01F18D2}" srcOrd="0" destOrd="0" presId="urn:microsoft.com/office/officeart/2005/8/layout/cycle2"/>
-    <dgm:cxn modelId="{9E814F6B-DEB6-4764-8C5F-A65417937970}" srcId="{AE877D7B-E775-40E3-827E-C8403254116F}" destId="{2B323753-4318-425B-80E6-C31ED4549B3D}" srcOrd="3" destOrd="0" parTransId="{7B50382F-07D8-4970-A24A-8725037EA9D5}" sibTransId="{087FE352-4CD0-486C-B227-F73322AAE4E5}"/>
-    <dgm:cxn modelId="{F1A0C86B-A0E3-4AF8-8ED1-05316FB8F763}" type="presOf" srcId="{2DA6F32A-508B-449E-B00B-4A9D2451696B}" destId="{45A00CCA-2FAD-43F2-A5D5-8FB0747B86EE}" srcOrd="0" destOrd="0" presId="urn:microsoft.com/office/officeart/2005/8/layout/cycle2"/>
-    <dgm:cxn modelId="{6A70234D-515B-4BD3-BD12-855D4021025B}" type="presOf" srcId="{087FE352-4CD0-486C-B227-F73322AAE4E5}" destId="{12D128BA-A734-4F53-957B-3769FA003719}" srcOrd="1" destOrd="0" presId="urn:microsoft.com/office/officeart/2005/8/layout/cycle2"/>
     <dgm:cxn modelId="{D7C8F74D-E264-4100-AB43-208870215B31}" srcId="{AE877D7B-E775-40E3-827E-C8403254116F}" destId="{2DA6F32A-508B-449E-B00B-4A9D2451696B}" srcOrd="1" destOrd="0" parTransId="{AB577828-D85E-4839-ADD7-B6CA424C41BC}" sibTransId="{276578D0-AC39-42B5-8A7B-812F4B83CD41}"/>
-    <dgm:cxn modelId="{0C8A6B57-080E-4DC1-95AE-A4E419C7F973}" srcId="{AE877D7B-E775-40E3-827E-C8403254116F}" destId="{759D0B0F-8099-43DD-A319-40DDF0A67781}" srcOrd="2" destOrd="0" parTransId="{F707703A-3436-434D-9CC7-00ABD871EC61}" sibTransId="{2606B5D1-2160-4AE7-B37A-ED0C59834707}"/>
-    <dgm:cxn modelId="{1CCC9E79-115E-439F-8267-52B4EB24B586}" type="presOf" srcId="{6782DDD7-C68D-4427-ABA1-EF1505A25806}" destId="{FDF05C3C-15FE-4196-AC6E-B421C3A95963}" srcOrd="0" destOrd="0" presId="urn:microsoft.com/office/officeart/2005/8/layout/cycle2"/>
-    <dgm:cxn modelId="{9642F87A-8D0C-41D1-BB74-8BFD766DB270}" type="presOf" srcId="{FF135D52-0C62-46B4-BBB0-87A13321255A}" destId="{CF04BA87-847E-4941-B749-A7FA73ABE4D6}" srcOrd="1" destOrd="0" presId="urn:microsoft.com/office/officeart/2005/8/layout/cycle2"/>
-    <dgm:cxn modelId="{ED07A395-C15C-4B1C-9906-70A753BBDAB1}" type="presOf" srcId="{5F44E5FE-DE48-4EC7-8586-2B5F6823BDDF}" destId="{5554D760-A018-4D72-B6B2-2475F4B3BA6B}" srcOrd="1" destOrd="0" presId="urn:microsoft.com/office/officeart/2005/8/layout/cycle2"/>
-    <dgm:cxn modelId="{92A2DBAA-E95A-45E5-AAAD-B91CDD86C297}" type="presOf" srcId="{FF135D52-0C62-46B4-BBB0-87A13321255A}" destId="{D1E321B2-5B0B-4845-99CD-B0196FA67F29}" srcOrd="0" destOrd="0" presId="urn:microsoft.com/office/officeart/2005/8/layout/cycle2"/>
-    <dgm:cxn modelId="{11C34DB6-7907-48E4-802B-427C559619BE}" type="presOf" srcId="{6CB6D57B-86ED-438D-AD93-821B50A9576F}" destId="{D03742BD-5D0F-4517-AC98-48AFD3A888F1}" srcOrd="0" destOrd="0" presId="urn:microsoft.com/office/officeart/2005/8/layout/cycle2"/>
-    <dgm:cxn modelId="{49680BC5-85C3-4358-B34C-6350DC33AD6A}" type="presOf" srcId="{5F44E5FE-DE48-4EC7-8586-2B5F6823BDDF}" destId="{B8F473FF-6821-4026-A668-93D5DDD02B9B}" srcOrd="0" destOrd="0" presId="urn:microsoft.com/office/officeart/2005/8/layout/cycle2"/>
-    <dgm:cxn modelId="{43C4C9E2-CED3-4C26-A239-81DEEF24AEA1}" type="presOf" srcId="{2606B5D1-2160-4AE7-B37A-ED0C59834707}" destId="{4F1C5B34-A34C-4824-B7FC-A86C66FB3AE6}" srcOrd="1" destOrd="0" presId="urn:microsoft.com/office/officeart/2005/8/layout/cycle2"/>
-    <dgm:cxn modelId="{F6D6C9E8-A5B5-47D0-903D-8AA948E079F0}" type="presOf" srcId="{2606B5D1-2160-4AE7-B37A-ED0C59834707}" destId="{8184DCD6-EEA5-4819-8C05-971B2E75A468}" srcOrd="0" destOrd="0" presId="urn:microsoft.com/office/officeart/2005/8/layout/cycle2"/>
     <dgm:cxn modelId="{4A53AB3E-AE56-4106-BCF7-D7F92E7B6BB5}" type="presParOf" srcId="{65F3AEB7-D74E-4DC6-A129-DDFDCB188446}" destId="{843742D5-39F1-4258-BB53-78ADB01F18D2}" srcOrd="0" destOrd="0" presId="urn:microsoft.com/office/officeart/2005/8/layout/cycle2"/>
     <dgm:cxn modelId="{3E2B9183-54A4-455E-99F7-A1136E64BFC1}" type="presParOf" srcId="{65F3AEB7-D74E-4DC6-A129-DDFDCB188446}" destId="{B8F473FF-6821-4026-A668-93D5DDD02B9B}" srcOrd="1" destOrd="0" presId="urn:microsoft.com/office/officeart/2005/8/layout/cycle2"/>
     <dgm:cxn modelId="{7CC901F2-504B-4748-8F9F-EA4A1E9E5E42}" type="presParOf" srcId="{B8F473FF-6821-4026-A668-93D5DDD02B9B}" destId="{5554D760-A018-4D72-B6B2-2475F4B3BA6B}" srcOrd="0" destOrd="0" presId="urn:microsoft.com/office/officeart/2005/8/layout/cycle2"/>
@@ -10089,6 +10588,13 @@
         </dgm:presLayoutVars>
       </dgm:prSet>
       <dgm:spPr/>
+      <dgm:t>
+        <a:bodyPr/>
+        <a:lstStyle/>
+        <a:p>
+          <a:endParaRPr lang="zh-CN" altLang="en-US"/>
+        </a:p>
+      </dgm:t>
     </dgm:pt>
     <dgm:pt modelId="{843742D5-39F1-4258-BB53-78ADB01F18D2}" type="pres">
       <dgm:prSet presAssocID="{DADDC2CE-569D-4E85-8042-0BD37A92551B}" presName="node" presStyleLbl="node1" presStyleIdx="0" presStyleCnt="6">
@@ -10097,14 +10603,35 @@
         </dgm:presLayoutVars>
       </dgm:prSet>
       <dgm:spPr/>
+      <dgm:t>
+        <a:bodyPr/>
+        <a:lstStyle/>
+        <a:p>
+          <a:endParaRPr lang="zh-CN" altLang="en-US"/>
+        </a:p>
+      </dgm:t>
     </dgm:pt>
     <dgm:pt modelId="{B8F473FF-6821-4026-A668-93D5DDD02B9B}" type="pres">
       <dgm:prSet presAssocID="{5F44E5FE-DE48-4EC7-8586-2B5F6823BDDF}" presName="sibTrans" presStyleLbl="sibTrans2D1" presStyleIdx="0" presStyleCnt="6"/>
       <dgm:spPr/>
+      <dgm:t>
+        <a:bodyPr/>
+        <a:lstStyle/>
+        <a:p>
+          <a:endParaRPr lang="zh-CN" altLang="en-US"/>
+        </a:p>
+      </dgm:t>
     </dgm:pt>
     <dgm:pt modelId="{5554D760-A018-4D72-B6B2-2475F4B3BA6B}" type="pres">
       <dgm:prSet presAssocID="{5F44E5FE-DE48-4EC7-8586-2B5F6823BDDF}" presName="connectorText" presStyleLbl="sibTrans2D1" presStyleIdx="0" presStyleCnt="6"/>
       <dgm:spPr/>
+      <dgm:t>
+        <a:bodyPr/>
+        <a:lstStyle/>
+        <a:p>
+          <a:endParaRPr lang="zh-CN" altLang="en-US"/>
+        </a:p>
+      </dgm:t>
     </dgm:pt>
     <dgm:pt modelId="{45A00CCA-2FAD-43F2-A5D5-8FB0747B86EE}" type="pres">
       <dgm:prSet presAssocID="{2DA6F32A-508B-449E-B00B-4A9D2451696B}" presName="node" presStyleLbl="node1" presStyleIdx="1" presStyleCnt="6">
@@ -10113,14 +10640,35 @@
         </dgm:presLayoutVars>
       </dgm:prSet>
       <dgm:spPr/>
+      <dgm:t>
+        <a:bodyPr/>
+        <a:lstStyle/>
+        <a:p>
+          <a:endParaRPr lang="zh-CN" altLang="en-US"/>
+        </a:p>
+      </dgm:t>
     </dgm:pt>
     <dgm:pt modelId="{8BB73072-D93E-43CE-978F-E0D4C8CA8540}" type="pres">
       <dgm:prSet presAssocID="{276578D0-AC39-42B5-8A7B-812F4B83CD41}" presName="sibTrans" presStyleLbl="sibTrans2D1" presStyleIdx="1" presStyleCnt="6"/>
       <dgm:spPr/>
+      <dgm:t>
+        <a:bodyPr/>
+        <a:lstStyle/>
+        <a:p>
+          <a:endParaRPr lang="zh-CN" altLang="en-US"/>
+        </a:p>
+      </dgm:t>
     </dgm:pt>
     <dgm:pt modelId="{67021BC5-B209-4208-8E18-1E9C7A8F44B9}" type="pres">
       <dgm:prSet presAssocID="{276578D0-AC39-42B5-8A7B-812F4B83CD41}" presName="connectorText" presStyleLbl="sibTrans2D1" presStyleIdx="1" presStyleCnt="6"/>
       <dgm:spPr/>
+      <dgm:t>
+        <a:bodyPr/>
+        <a:lstStyle/>
+        <a:p>
+          <a:endParaRPr lang="zh-CN" altLang="en-US"/>
+        </a:p>
+      </dgm:t>
     </dgm:pt>
     <dgm:pt modelId="{4683789F-B6AE-4548-A952-FE13A71F76AA}" type="pres">
       <dgm:prSet presAssocID="{759D0B0F-8099-43DD-A319-40DDF0A67781}" presName="node" presStyleLbl="node1" presStyleIdx="2" presStyleCnt="6">
@@ -10129,14 +10677,35 @@
         </dgm:presLayoutVars>
       </dgm:prSet>
       <dgm:spPr/>
+      <dgm:t>
+        <a:bodyPr/>
+        <a:lstStyle/>
+        <a:p>
+          <a:endParaRPr lang="zh-CN" altLang="en-US"/>
+        </a:p>
+      </dgm:t>
     </dgm:pt>
     <dgm:pt modelId="{8184DCD6-EEA5-4819-8C05-971B2E75A468}" type="pres">
       <dgm:prSet presAssocID="{2606B5D1-2160-4AE7-B37A-ED0C59834707}" presName="sibTrans" presStyleLbl="sibTrans2D1" presStyleIdx="2" presStyleCnt="6"/>
       <dgm:spPr/>
+      <dgm:t>
+        <a:bodyPr/>
+        <a:lstStyle/>
+        <a:p>
+          <a:endParaRPr lang="zh-CN" altLang="en-US"/>
+        </a:p>
+      </dgm:t>
     </dgm:pt>
     <dgm:pt modelId="{4F1C5B34-A34C-4824-B7FC-A86C66FB3AE6}" type="pres">
       <dgm:prSet presAssocID="{2606B5D1-2160-4AE7-B37A-ED0C59834707}" presName="connectorText" presStyleLbl="sibTrans2D1" presStyleIdx="2" presStyleCnt="6"/>
       <dgm:spPr/>
+      <dgm:t>
+        <a:bodyPr/>
+        <a:lstStyle/>
+        <a:p>
+          <a:endParaRPr lang="zh-CN" altLang="en-US"/>
+        </a:p>
+      </dgm:t>
     </dgm:pt>
     <dgm:pt modelId="{6CEB7916-2EF6-40AD-AEB1-D12636FE7FE1}" type="pres">
       <dgm:prSet presAssocID="{2B323753-4318-425B-80E6-C31ED4549B3D}" presName="node" presStyleLbl="node1" presStyleIdx="3" presStyleCnt="6">
@@ -10145,14 +10714,35 @@
         </dgm:presLayoutVars>
       </dgm:prSet>
       <dgm:spPr/>
+      <dgm:t>
+        <a:bodyPr/>
+        <a:lstStyle/>
+        <a:p>
+          <a:endParaRPr lang="zh-CN" altLang="en-US"/>
+        </a:p>
+      </dgm:t>
     </dgm:pt>
     <dgm:pt modelId="{3BFE5BBE-7212-455B-9A90-0D1BB0363E69}" type="pres">
       <dgm:prSet presAssocID="{087FE352-4CD0-486C-B227-F73322AAE4E5}" presName="sibTrans" presStyleLbl="sibTrans2D1" presStyleIdx="3" presStyleCnt="6"/>
       <dgm:spPr/>
+      <dgm:t>
+        <a:bodyPr/>
+        <a:lstStyle/>
+        <a:p>
+          <a:endParaRPr lang="zh-CN" altLang="en-US"/>
+        </a:p>
+      </dgm:t>
     </dgm:pt>
     <dgm:pt modelId="{12D128BA-A734-4F53-957B-3769FA003719}" type="pres">
       <dgm:prSet presAssocID="{087FE352-4CD0-486C-B227-F73322AAE4E5}" presName="connectorText" presStyleLbl="sibTrans2D1" presStyleIdx="3" presStyleCnt="6"/>
       <dgm:spPr/>
+      <dgm:t>
+        <a:bodyPr/>
+        <a:lstStyle/>
+        <a:p>
+          <a:endParaRPr lang="zh-CN" altLang="en-US"/>
+        </a:p>
+      </dgm:t>
     </dgm:pt>
     <dgm:pt modelId="{5447BBC0-6563-48D2-86FE-0DC1CE0EFBFA}" type="pres">
       <dgm:prSet presAssocID="{910CF7E4-4735-4164-A2C9-4CF2D960CE1C}" presName="node" presStyleLbl="node1" presStyleIdx="4" presStyleCnt="6">
@@ -10161,14 +10751,35 @@
         </dgm:presLayoutVars>
       </dgm:prSet>
       <dgm:spPr/>
+      <dgm:t>
+        <a:bodyPr/>
+        <a:lstStyle/>
+        <a:p>
+          <a:endParaRPr lang="zh-CN" altLang="en-US"/>
+        </a:p>
+      </dgm:t>
     </dgm:pt>
     <dgm:pt modelId="{FDF05C3C-15FE-4196-AC6E-B421C3A95963}" type="pres">
       <dgm:prSet presAssocID="{6782DDD7-C68D-4427-ABA1-EF1505A25806}" presName="sibTrans" presStyleLbl="sibTrans2D1" presStyleIdx="4" presStyleCnt="6"/>
       <dgm:spPr/>
+      <dgm:t>
+        <a:bodyPr/>
+        <a:lstStyle/>
+        <a:p>
+          <a:endParaRPr lang="zh-CN" altLang="en-US"/>
+        </a:p>
+      </dgm:t>
     </dgm:pt>
     <dgm:pt modelId="{51CDF29C-49C0-4A02-A97E-8739088311F5}" type="pres">
       <dgm:prSet presAssocID="{6782DDD7-C68D-4427-ABA1-EF1505A25806}" presName="connectorText" presStyleLbl="sibTrans2D1" presStyleIdx="4" presStyleCnt="6"/>
       <dgm:spPr/>
+      <dgm:t>
+        <a:bodyPr/>
+        <a:lstStyle/>
+        <a:p>
+          <a:endParaRPr lang="zh-CN" altLang="en-US"/>
+        </a:p>
+      </dgm:t>
     </dgm:pt>
     <dgm:pt modelId="{D03742BD-5D0F-4517-AC98-48AFD3A888F1}" type="pres">
       <dgm:prSet presAssocID="{6CB6D57B-86ED-438D-AD93-821B50A9576F}" presName="node" presStyleLbl="node1" presStyleIdx="5" presStyleCnt="6">
@@ -10177,42 +10788,63 @@
         </dgm:presLayoutVars>
       </dgm:prSet>
       <dgm:spPr/>
+      <dgm:t>
+        <a:bodyPr/>
+        <a:lstStyle/>
+        <a:p>
+          <a:endParaRPr lang="zh-CN" altLang="en-US"/>
+        </a:p>
+      </dgm:t>
     </dgm:pt>
     <dgm:pt modelId="{D1E321B2-5B0B-4845-99CD-B0196FA67F29}" type="pres">
       <dgm:prSet presAssocID="{FF135D52-0C62-46B4-BBB0-87A13321255A}" presName="sibTrans" presStyleLbl="sibTrans2D1" presStyleIdx="5" presStyleCnt="6"/>
       <dgm:spPr/>
+      <dgm:t>
+        <a:bodyPr/>
+        <a:lstStyle/>
+        <a:p>
+          <a:endParaRPr lang="zh-CN" altLang="en-US"/>
+        </a:p>
+      </dgm:t>
     </dgm:pt>
     <dgm:pt modelId="{CF04BA87-847E-4941-B749-A7FA73ABE4D6}" type="pres">
       <dgm:prSet presAssocID="{FF135D52-0C62-46B4-BBB0-87A13321255A}" presName="connectorText" presStyleLbl="sibTrans2D1" presStyleIdx="5" presStyleCnt="6"/>
       <dgm:spPr/>
+      <dgm:t>
+        <a:bodyPr/>
+        <a:lstStyle/>
+        <a:p>
+          <a:endParaRPr lang="zh-CN" altLang="en-US"/>
+        </a:p>
+      </dgm:t>
     </dgm:pt>
   </dgm:ptLst>
   <dgm:cxnLst>
+    <dgm:cxn modelId="{AC6A3D2B-5467-4946-8A58-00EF103D709B}" type="presOf" srcId="{276578D0-AC39-42B5-8A7B-812F4B83CD41}" destId="{8BB73072-D93E-43CE-978F-E0D4C8CA8540}" srcOrd="0" destOrd="0" presId="urn:microsoft.com/office/officeart/2005/8/layout/cycle2"/>
     <dgm:cxn modelId="{B7F61000-57D5-4B78-B2BC-4CC08F9C093A}" type="presOf" srcId="{910CF7E4-4735-4164-A2C9-4CF2D960CE1C}" destId="{5447BBC0-6563-48D2-86FE-0DC1CE0EFBFA}" srcOrd="0" destOrd="0" presId="urn:microsoft.com/office/officeart/2005/8/layout/cycle2"/>
+    <dgm:cxn modelId="{742EC269-FD32-44F4-BCA4-9D7A3B317A73}" type="presOf" srcId="{DADDC2CE-569D-4E85-8042-0BD37A92551B}" destId="{843742D5-39F1-4258-BB53-78ADB01F18D2}" srcOrd="0" destOrd="0" presId="urn:microsoft.com/office/officeart/2005/8/layout/cycle2"/>
+    <dgm:cxn modelId="{0F1CA908-130D-44AF-A7E0-9B0CEACAC60C}" type="presOf" srcId="{AE877D7B-E775-40E3-827E-C8403254116F}" destId="{65F3AEB7-D74E-4DC6-A129-DDFDCB188446}" srcOrd="0" destOrd="0" presId="urn:microsoft.com/office/officeart/2005/8/layout/cycle2"/>
+    <dgm:cxn modelId="{49680BC5-85C3-4358-B34C-6350DC33AD6A}" type="presOf" srcId="{5F44E5FE-DE48-4EC7-8586-2B5F6823BDDF}" destId="{B8F473FF-6821-4026-A668-93D5DDD02B9B}" srcOrd="0" destOrd="0" presId="urn:microsoft.com/office/officeart/2005/8/layout/cycle2"/>
+    <dgm:cxn modelId="{F6D6C9E8-A5B5-47D0-903D-8AA948E079F0}" type="presOf" srcId="{2606B5D1-2160-4AE7-B37A-ED0C59834707}" destId="{8184DCD6-EEA5-4819-8C05-971B2E75A468}" srcOrd="0" destOrd="0" presId="urn:microsoft.com/office/officeart/2005/8/layout/cycle2"/>
+    <dgm:cxn modelId="{B3AB0E61-A321-40F9-A4BC-DFC01FE15EFE}" srcId="{AE877D7B-E775-40E3-827E-C8403254116F}" destId="{DADDC2CE-569D-4E85-8042-0BD37A92551B}" srcOrd="0" destOrd="0" parTransId="{27D2162D-609C-4179-825B-EFBFB8984580}" sibTransId="{5F44E5FE-DE48-4EC7-8586-2B5F6823BDDF}"/>
+    <dgm:cxn modelId="{1CCC9E79-115E-439F-8267-52B4EB24B586}" type="presOf" srcId="{6782DDD7-C68D-4427-ABA1-EF1505A25806}" destId="{FDF05C3C-15FE-4196-AC6E-B421C3A95963}" srcOrd="0" destOrd="0" presId="urn:microsoft.com/office/officeart/2005/8/layout/cycle2"/>
+    <dgm:cxn modelId="{F1A0C86B-A0E3-4AF8-8ED1-05316FB8F763}" type="presOf" srcId="{2DA6F32A-508B-449E-B00B-4A9D2451696B}" destId="{45A00CCA-2FAD-43F2-A5D5-8FB0747B86EE}" srcOrd="0" destOrd="0" presId="urn:microsoft.com/office/officeart/2005/8/layout/cycle2"/>
     <dgm:cxn modelId="{B811C300-39DA-4182-8227-4B9A4ADD8AE1}" type="presOf" srcId="{2B323753-4318-425B-80E6-C31ED4549B3D}" destId="{6CEB7916-2EF6-40AD-AEB1-D12636FE7FE1}" srcOrd="0" destOrd="0" presId="urn:microsoft.com/office/officeart/2005/8/layout/cycle2"/>
+    <dgm:cxn modelId="{9E814F6B-DEB6-4764-8C5F-A65417937970}" srcId="{AE877D7B-E775-40E3-827E-C8403254116F}" destId="{2B323753-4318-425B-80E6-C31ED4549B3D}" srcOrd="3" destOrd="0" parTransId="{7B50382F-07D8-4970-A24A-8725037EA9D5}" sibTransId="{087FE352-4CD0-486C-B227-F73322AAE4E5}"/>
+    <dgm:cxn modelId="{2CF4475F-F778-4F38-AB90-63EA45D79FDB}" srcId="{AE877D7B-E775-40E3-827E-C8403254116F}" destId="{910CF7E4-4735-4164-A2C9-4CF2D960CE1C}" srcOrd="4" destOrd="0" parTransId="{1318A36F-F00B-4E83-924F-CC014C7D52DF}" sibTransId="{6782DDD7-C68D-4427-ABA1-EF1505A25806}"/>
+    <dgm:cxn modelId="{ED07A395-C15C-4B1C-9906-70A753BBDAB1}" type="presOf" srcId="{5F44E5FE-DE48-4EC7-8586-2B5F6823BDDF}" destId="{5554D760-A018-4D72-B6B2-2475F4B3BA6B}" srcOrd="1" destOrd="0" presId="urn:microsoft.com/office/officeart/2005/8/layout/cycle2"/>
     <dgm:cxn modelId="{0EF1F606-44DF-4495-BA28-2422238874E6}" type="presOf" srcId="{6782DDD7-C68D-4427-ABA1-EF1505A25806}" destId="{51CDF29C-49C0-4A02-A97E-8739088311F5}" srcOrd="1" destOrd="0" presId="urn:microsoft.com/office/officeart/2005/8/layout/cycle2"/>
-    <dgm:cxn modelId="{0F1CA908-130D-44AF-A7E0-9B0CEACAC60C}" type="presOf" srcId="{AE877D7B-E775-40E3-827E-C8403254116F}" destId="{65F3AEB7-D74E-4DC6-A129-DDFDCB188446}" srcOrd="0" destOrd="0" presId="urn:microsoft.com/office/officeart/2005/8/layout/cycle2"/>
+    <dgm:cxn modelId="{9642F87A-8D0C-41D1-BB74-8BFD766DB270}" type="presOf" srcId="{FF135D52-0C62-46B4-BBB0-87A13321255A}" destId="{CF04BA87-847E-4941-B749-A7FA73ABE4D6}" srcOrd="1" destOrd="0" presId="urn:microsoft.com/office/officeart/2005/8/layout/cycle2"/>
+    <dgm:cxn modelId="{11C34DB6-7907-48E4-802B-427C559619BE}" type="presOf" srcId="{6CB6D57B-86ED-438D-AD93-821B50A9576F}" destId="{D03742BD-5D0F-4517-AC98-48AFD3A888F1}" srcOrd="0" destOrd="0" presId="urn:microsoft.com/office/officeart/2005/8/layout/cycle2"/>
+    <dgm:cxn modelId="{0C8A6B57-080E-4DC1-95AE-A4E419C7F973}" srcId="{AE877D7B-E775-40E3-827E-C8403254116F}" destId="{759D0B0F-8099-43DD-A319-40DDF0A67781}" srcOrd="2" destOrd="0" parTransId="{F707703A-3436-434D-9CC7-00ABD871EC61}" sibTransId="{2606B5D1-2160-4AE7-B37A-ED0C59834707}"/>
+    <dgm:cxn modelId="{92A2DBAA-E95A-45E5-AAAD-B91CDD86C297}" type="presOf" srcId="{FF135D52-0C62-46B4-BBB0-87A13321255A}" destId="{D1E321B2-5B0B-4845-99CD-B0196FA67F29}" srcOrd="0" destOrd="0" presId="urn:microsoft.com/office/officeart/2005/8/layout/cycle2"/>
+    <dgm:cxn modelId="{43C4C9E2-CED3-4C26-A239-81DEEF24AEA1}" type="presOf" srcId="{2606B5D1-2160-4AE7-B37A-ED0C59834707}" destId="{4F1C5B34-A34C-4824-B7FC-A86C66FB3AE6}" srcOrd="1" destOrd="0" presId="urn:microsoft.com/office/officeart/2005/8/layout/cycle2"/>
     <dgm:cxn modelId="{52CB6E0A-E820-4DC5-849C-CCDE62B4A3F9}" type="presOf" srcId="{087FE352-4CD0-486C-B227-F73322AAE4E5}" destId="{3BFE5BBE-7212-455B-9A90-0D1BB0363E69}" srcOrd="0" destOrd="0" presId="urn:microsoft.com/office/officeart/2005/8/layout/cycle2"/>
+    <dgm:cxn modelId="{85D4FE46-1314-434E-BB79-113319B97992}" srcId="{AE877D7B-E775-40E3-827E-C8403254116F}" destId="{6CB6D57B-86ED-438D-AD93-821B50A9576F}" srcOrd="5" destOrd="0" parTransId="{D6841502-5E33-49A7-A301-C7CB5F3B7158}" sibTransId="{FF135D52-0C62-46B4-BBB0-87A13321255A}"/>
+    <dgm:cxn modelId="{6A70234D-515B-4BD3-BD12-855D4021025B}" type="presOf" srcId="{087FE352-4CD0-486C-B227-F73322AAE4E5}" destId="{12D128BA-A734-4F53-957B-3769FA003719}" srcOrd="1" destOrd="0" presId="urn:microsoft.com/office/officeart/2005/8/layout/cycle2"/>
     <dgm:cxn modelId="{20FF0611-1A41-4FF1-8CC1-0C954122D5FB}" type="presOf" srcId="{759D0B0F-8099-43DD-A319-40DDF0A67781}" destId="{4683789F-B6AE-4548-A952-FE13A71F76AA}" srcOrd="0" destOrd="0" presId="urn:microsoft.com/office/officeart/2005/8/layout/cycle2"/>
     <dgm:cxn modelId="{26A3271A-7442-4858-B784-79B08DE21FD6}" type="presOf" srcId="{276578D0-AC39-42B5-8A7B-812F4B83CD41}" destId="{67021BC5-B209-4208-8E18-1E9C7A8F44B9}" srcOrd="1" destOrd="0" presId="urn:microsoft.com/office/officeart/2005/8/layout/cycle2"/>
-    <dgm:cxn modelId="{AC6A3D2B-5467-4946-8A58-00EF103D709B}" type="presOf" srcId="{276578D0-AC39-42B5-8A7B-812F4B83CD41}" destId="{8BB73072-D93E-43CE-978F-E0D4C8CA8540}" srcOrd="0" destOrd="0" presId="urn:microsoft.com/office/officeart/2005/8/layout/cycle2"/>
-    <dgm:cxn modelId="{2CF4475F-F778-4F38-AB90-63EA45D79FDB}" srcId="{AE877D7B-E775-40E3-827E-C8403254116F}" destId="{910CF7E4-4735-4164-A2C9-4CF2D960CE1C}" srcOrd="4" destOrd="0" parTransId="{1318A36F-F00B-4E83-924F-CC014C7D52DF}" sibTransId="{6782DDD7-C68D-4427-ABA1-EF1505A25806}"/>
-    <dgm:cxn modelId="{B3AB0E61-A321-40F9-A4BC-DFC01FE15EFE}" srcId="{AE877D7B-E775-40E3-827E-C8403254116F}" destId="{DADDC2CE-569D-4E85-8042-0BD37A92551B}" srcOrd="0" destOrd="0" parTransId="{27D2162D-609C-4179-825B-EFBFB8984580}" sibTransId="{5F44E5FE-DE48-4EC7-8586-2B5F6823BDDF}"/>
-    <dgm:cxn modelId="{85D4FE46-1314-434E-BB79-113319B97992}" srcId="{AE877D7B-E775-40E3-827E-C8403254116F}" destId="{6CB6D57B-86ED-438D-AD93-821B50A9576F}" srcOrd="5" destOrd="0" parTransId="{D6841502-5E33-49A7-A301-C7CB5F3B7158}" sibTransId="{FF135D52-0C62-46B4-BBB0-87A13321255A}"/>
-    <dgm:cxn modelId="{742EC269-FD32-44F4-BCA4-9D7A3B317A73}" type="presOf" srcId="{DADDC2CE-569D-4E85-8042-0BD37A92551B}" destId="{843742D5-39F1-4258-BB53-78ADB01F18D2}" srcOrd="0" destOrd="0" presId="urn:microsoft.com/office/officeart/2005/8/layout/cycle2"/>
-    <dgm:cxn modelId="{9E814F6B-DEB6-4764-8C5F-A65417937970}" srcId="{AE877D7B-E775-40E3-827E-C8403254116F}" destId="{2B323753-4318-425B-80E6-C31ED4549B3D}" srcOrd="3" destOrd="0" parTransId="{7B50382F-07D8-4970-A24A-8725037EA9D5}" sibTransId="{087FE352-4CD0-486C-B227-F73322AAE4E5}"/>
-    <dgm:cxn modelId="{F1A0C86B-A0E3-4AF8-8ED1-05316FB8F763}" type="presOf" srcId="{2DA6F32A-508B-449E-B00B-4A9D2451696B}" destId="{45A00CCA-2FAD-43F2-A5D5-8FB0747B86EE}" srcOrd="0" destOrd="0" presId="urn:microsoft.com/office/officeart/2005/8/layout/cycle2"/>
-    <dgm:cxn modelId="{6A70234D-515B-4BD3-BD12-855D4021025B}" type="presOf" srcId="{087FE352-4CD0-486C-B227-F73322AAE4E5}" destId="{12D128BA-A734-4F53-957B-3769FA003719}" srcOrd="1" destOrd="0" presId="urn:microsoft.com/office/officeart/2005/8/layout/cycle2"/>
     <dgm:cxn modelId="{D7C8F74D-E264-4100-AB43-208870215B31}" srcId="{AE877D7B-E775-40E3-827E-C8403254116F}" destId="{2DA6F32A-508B-449E-B00B-4A9D2451696B}" srcOrd="1" destOrd="0" parTransId="{AB577828-D85E-4839-ADD7-B6CA424C41BC}" sibTransId="{276578D0-AC39-42B5-8A7B-812F4B83CD41}"/>
-    <dgm:cxn modelId="{0C8A6B57-080E-4DC1-95AE-A4E419C7F973}" srcId="{AE877D7B-E775-40E3-827E-C8403254116F}" destId="{759D0B0F-8099-43DD-A319-40DDF0A67781}" srcOrd="2" destOrd="0" parTransId="{F707703A-3436-434D-9CC7-00ABD871EC61}" sibTransId="{2606B5D1-2160-4AE7-B37A-ED0C59834707}"/>
-    <dgm:cxn modelId="{1CCC9E79-115E-439F-8267-52B4EB24B586}" type="presOf" srcId="{6782DDD7-C68D-4427-ABA1-EF1505A25806}" destId="{FDF05C3C-15FE-4196-AC6E-B421C3A95963}" srcOrd="0" destOrd="0" presId="urn:microsoft.com/office/officeart/2005/8/layout/cycle2"/>
-    <dgm:cxn modelId="{9642F87A-8D0C-41D1-BB74-8BFD766DB270}" type="presOf" srcId="{FF135D52-0C62-46B4-BBB0-87A13321255A}" destId="{CF04BA87-847E-4941-B749-A7FA73ABE4D6}" srcOrd="1" destOrd="0" presId="urn:microsoft.com/office/officeart/2005/8/layout/cycle2"/>
-    <dgm:cxn modelId="{ED07A395-C15C-4B1C-9906-70A753BBDAB1}" type="presOf" srcId="{5F44E5FE-DE48-4EC7-8586-2B5F6823BDDF}" destId="{5554D760-A018-4D72-B6B2-2475F4B3BA6B}" srcOrd="1" destOrd="0" presId="urn:microsoft.com/office/officeart/2005/8/layout/cycle2"/>
-    <dgm:cxn modelId="{92A2DBAA-E95A-45E5-AAAD-B91CDD86C297}" type="presOf" srcId="{FF135D52-0C62-46B4-BBB0-87A13321255A}" destId="{D1E321B2-5B0B-4845-99CD-B0196FA67F29}" srcOrd="0" destOrd="0" presId="urn:microsoft.com/office/officeart/2005/8/layout/cycle2"/>
-    <dgm:cxn modelId="{11C34DB6-7907-48E4-802B-427C559619BE}" type="presOf" srcId="{6CB6D57B-86ED-438D-AD93-821B50A9576F}" destId="{D03742BD-5D0F-4517-AC98-48AFD3A888F1}" srcOrd="0" destOrd="0" presId="urn:microsoft.com/office/officeart/2005/8/layout/cycle2"/>
-    <dgm:cxn modelId="{49680BC5-85C3-4358-B34C-6350DC33AD6A}" type="presOf" srcId="{5F44E5FE-DE48-4EC7-8586-2B5F6823BDDF}" destId="{B8F473FF-6821-4026-A668-93D5DDD02B9B}" srcOrd="0" destOrd="0" presId="urn:microsoft.com/office/officeart/2005/8/layout/cycle2"/>
-    <dgm:cxn modelId="{43C4C9E2-CED3-4C26-A239-81DEEF24AEA1}" type="presOf" srcId="{2606B5D1-2160-4AE7-B37A-ED0C59834707}" destId="{4F1C5B34-A34C-4824-B7FC-A86C66FB3AE6}" srcOrd="1" destOrd="0" presId="urn:microsoft.com/office/officeart/2005/8/layout/cycle2"/>
-    <dgm:cxn modelId="{F6D6C9E8-A5B5-47D0-903D-8AA948E079F0}" type="presOf" srcId="{2606B5D1-2160-4AE7-B37A-ED0C59834707}" destId="{8184DCD6-EEA5-4819-8C05-971B2E75A468}" srcOrd="0" destOrd="0" presId="urn:microsoft.com/office/officeart/2005/8/layout/cycle2"/>
     <dgm:cxn modelId="{4A53AB3E-AE56-4106-BCF7-D7F92E7B6BB5}" type="presParOf" srcId="{65F3AEB7-D74E-4DC6-A129-DDFDCB188446}" destId="{843742D5-39F1-4258-BB53-78ADB01F18D2}" srcOrd="0" destOrd="0" presId="urn:microsoft.com/office/officeart/2005/8/layout/cycle2"/>
     <dgm:cxn modelId="{3E2B9183-54A4-455E-99F7-A1136E64BFC1}" type="presParOf" srcId="{65F3AEB7-D74E-4DC6-A129-DDFDCB188446}" destId="{B8F473FF-6821-4026-A668-93D5DDD02B9B}" srcOrd="1" destOrd="0" presId="urn:microsoft.com/office/officeart/2005/8/layout/cycle2"/>
     <dgm:cxn modelId="{7CC901F2-504B-4748-8F9F-EA4A1E9E5E42}" type="presParOf" srcId="{B8F473FF-6821-4026-A668-93D5DDD02B9B}" destId="{5554D760-A018-4D72-B6B2-2475F4B3BA6B}" srcOrd="0" destOrd="0" presId="urn:microsoft.com/office/officeart/2005/8/layout/cycle2"/>
@@ -10444,6 +11076,13 @@
         </dgm:presLayoutVars>
       </dgm:prSet>
       <dgm:spPr/>
+      <dgm:t>
+        <a:bodyPr/>
+        <a:lstStyle/>
+        <a:p>
+          <a:endParaRPr lang="zh-CN" altLang="en-US"/>
+        </a:p>
+      </dgm:t>
     </dgm:pt>
     <dgm:pt modelId="{E06340CC-E2E4-4EA9-8906-4CAD4D237BA2}" type="pres">
       <dgm:prSet presAssocID="{30CB31C9-D438-4932-B2EB-C47AB8D2BE16}" presName="node" presStyleLbl="node1" presStyleIdx="0" presStyleCnt="5" custScaleX="157900" custScaleY="157900" custRadScaleRad="110993" custRadScaleInc="68948">
@@ -10452,14 +11091,35 @@
         </dgm:presLayoutVars>
       </dgm:prSet>
       <dgm:spPr/>
+      <dgm:t>
+        <a:bodyPr/>
+        <a:lstStyle/>
+        <a:p>
+          <a:endParaRPr lang="zh-CN" altLang="en-US"/>
+        </a:p>
+      </dgm:t>
     </dgm:pt>
     <dgm:pt modelId="{DC641C10-E877-4231-9CD8-B801CB127113}" type="pres">
       <dgm:prSet presAssocID="{5E2C816C-DFF6-47FA-AEE9-B862D01121F0}" presName="sibTrans" presStyleLbl="sibTrans2D1" presStyleIdx="0" presStyleCnt="5"/>
       <dgm:spPr/>
+      <dgm:t>
+        <a:bodyPr/>
+        <a:lstStyle/>
+        <a:p>
+          <a:endParaRPr lang="zh-CN" altLang="en-US"/>
+        </a:p>
+      </dgm:t>
     </dgm:pt>
     <dgm:pt modelId="{325DCDAE-DBA3-448A-8FC4-155026D2D0B9}" type="pres">
       <dgm:prSet presAssocID="{5E2C816C-DFF6-47FA-AEE9-B862D01121F0}" presName="connectorText" presStyleLbl="sibTrans2D1" presStyleIdx="0" presStyleCnt="5"/>
       <dgm:spPr/>
+      <dgm:t>
+        <a:bodyPr/>
+        <a:lstStyle/>
+        <a:p>
+          <a:endParaRPr lang="zh-CN" altLang="en-US"/>
+        </a:p>
+      </dgm:t>
     </dgm:pt>
     <dgm:pt modelId="{3E0F186A-445C-483E-83F7-6CC2705CA1DD}" type="pres">
       <dgm:prSet presAssocID="{61F9052F-3AD0-4E6F-A0E6-7F10EAC24EB2}" presName="node" presStyleLbl="node1" presStyleIdx="1" presStyleCnt="5" custScaleX="166668" custScaleY="166668" custRadScaleRad="70746" custRadScaleInc="167130">
@@ -10468,14 +11128,35 @@
         </dgm:presLayoutVars>
       </dgm:prSet>
       <dgm:spPr/>
+      <dgm:t>
+        <a:bodyPr/>
+        <a:lstStyle/>
+        <a:p>
+          <a:endParaRPr lang="zh-CN" altLang="en-US"/>
+        </a:p>
+      </dgm:t>
     </dgm:pt>
     <dgm:pt modelId="{7E470080-8F7A-4DE2-B278-EE2EBB34931A}" type="pres">
       <dgm:prSet presAssocID="{B2B34FA9-8191-427E-BE92-8D6705930400}" presName="sibTrans" presStyleLbl="sibTrans2D1" presStyleIdx="1" presStyleCnt="5"/>
       <dgm:spPr/>
+      <dgm:t>
+        <a:bodyPr/>
+        <a:lstStyle/>
+        <a:p>
+          <a:endParaRPr lang="zh-CN" altLang="en-US"/>
+        </a:p>
+      </dgm:t>
     </dgm:pt>
     <dgm:pt modelId="{A99FEF7E-5BB9-4E32-BFE6-BC1546C3EA0A}" type="pres">
       <dgm:prSet presAssocID="{B2B34FA9-8191-427E-BE92-8D6705930400}" presName="connectorText" presStyleLbl="sibTrans2D1" presStyleIdx="1" presStyleCnt="5"/>
       <dgm:spPr/>
+      <dgm:t>
+        <a:bodyPr/>
+        <a:lstStyle/>
+        <a:p>
+          <a:endParaRPr lang="zh-CN" altLang="en-US"/>
+        </a:p>
+      </dgm:t>
     </dgm:pt>
     <dgm:pt modelId="{4166AB78-13D5-4610-BCD4-BD632204A7CE}" type="pres">
       <dgm:prSet presAssocID="{9135B3DF-F1FA-4377-A9A9-68702A3DEED7}" presName="node" presStyleLbl="node1" presStyleIdx="2" presStyleCnt="5" custScaleX="64757" custScaleY="64757" custRadScaleRad="97395" custRadScaleInc="350684">
@@ -10484,14 +11165,35 @@
         </dgm:presLayoutVars>
       </dgm:prSet>
       <dgm:spPr/>
+      <dgm:t>
+        <a:bodyPr/>
+        <a:lstStyle/>
+        <a:p>
+          <a:endParaRPr lang="zh-CN" altLang="en-US"/>
+        </a:p>
+      </dgm:t>
     </dgm:pt>
     <dgm:pt modelId="{DF7CE077-AD2F-4DB1-B6C2-2422BC73640F}" type="pres">
       <dgm:prSet presAssocID="{DA40D15D-76CE-42EB-A93F-CDC6980067EE}" presName="sibTrans" presStyleLbl="sibTrans2D1" presStyleIdx="2" presStyleCnt="5"/>
       <dgm:spPr/>
+      <dgm:t>
+        <a:bodyPr/>
+        <a:lstStyle/>
+        <a:p>
+          <a:endParaRPr lang="zh-CN" altLang="en-US"/>
+        </a:p>
+      </dgm:t>
     </dgm:pt>
     <dgm:pt modelId="{7DB92AC9-D849-4612-A128-E0F40D23C365}" type="pres">
       <dgm:prSet presAssocID="{DA40D15D-76CE-42EB-A93F-CDC6980067EE}" presName="connectorText" presStyleLbl="sibTrans2D1" presStyleIdx="2" presStyleCnt="5"/>
       <dgm:spPr/>
+      <dgm:t>
+        <a:bodyPr/>
+        <a:lstStyle/>
+        <a:p>
+          <a:endParaRPr lang="zh-CN" altLang="en-US"/>
+        </a:p>
+      </dgm:t>
     </dgm:pt>
     <dgm:pt modelId="{D7E33BB1-BEAB-4E4E-9240-B083D9725F37}" type="pres">
       <dgm:prSet presAssocID="{521D3F63-6737-4049-AF28-9344738F9B23}" presName="node" presStyleLbl="node1" presStyleIdx="3" presStyleCnt="5" custScaleX="62992" custScaleY="62992" custRadScaleRad="115498" custRadScaleInc="230382">
@@ -10500,14 +11202,35 @@
         </dgm:presLayoutVars>
       </dgm:prSet>
       <dgm:spPr/>
+      <dgm:t>
+        <a:bodyPr/>
+        <a:lstStyle/>
+        <a:p>
+          <a:endParaRPr lang="zh-CN" altLang="en-US"/>
+        </a:p>
+      </dgm:t>
     </dgm:pt>
     <dgm:pt modelId="{F0480431-0DEE-4F53-B8AF-D9BA7E17A445}" type="pres">
       <dgm:prSet presAssocID="{3E27A477-4129-4F32-8651-A75A0CA0898C}" presName="sibTrans" presStyleLbl="sibTrans2D1" presStyleIdx="3" presStyleCnt="5"/>
       <dgm:spPr/>
+      <dgm:t>
+        <a:bodyPr/>
+        <a:lstStyle/>
+        <a:p>
+          <a:endParaRPr lang="zh-CN" altLang="en-US"/>
+        </a:p>
+      </dgm:t>
     </dgm:pt>
     <dgm:pt modelId="{BD93B8BB-7745-4EF0-97BA-C5ADB4533DCD}" type="pres">
       <dgm:prSet presAssocID="{3E27A477-4129-4F32-8651-A75A0CA0898C}" presName="connectorText" presStyleLbl="sibTrans2D1" presStyleIdx="3" presStyleCnt="5"/>
       <dgm:spPr/>
+      <dgm:t>
+        <a:bodyPr/>
+        <a:lstStyle/>
+        <a:p>
+          <a:endParaRPr lang="zh-CN" altLang="en-US"/>
+        </a:p>
+      </dgm:t>
     </dgm:pt>
     <dgm:pt modelId="{01690352-A482-4BBB-818E-7ECE585B9755}" type="pres">
       <dgm:prSet presAssocID="{36A82DCB-414A-44EB-883E-0F11DD185BF4}" presName="node" presStyleLbl="node1" presStyleIdx="4" presStyleCnt="5" custScaleX="66375" custScaleY="66375" custRadScaleRad="150138" custRadScaleInc="93096">
@@ -10516,38 +11239,59 @@
         </dgm:presLayoutVars>
       </dgm:prSet>
       <dgm:spPr/>
+      <dgm:t>
+        <a:bodyPr/>
+        <a:lstStyle/>
+        <a:p>
+          <a:endParaRPr lang="zh-CN" altLang="en-US"/>
+        </a:p>
+      </dgm:t>
     </dgm:pt>
     <dgm:pt modelId="{952093F8-FED5-4D7C-B5A9-E2833A80EF25}" type="pres">
       <dgm:prSet presAssocID="{63F2A687-076F-4E77-ABDB-6E024B0C7438}" presName="sibTrans" presStyleLbl="sibTrans2D1" presStyleIdx="4" presStyleCnt="5"/>
       <dgm:spPr/>
+      <dgm:t>
+        <a:bodyPr/>
+        <a:lstStyle/>
+        <a:p>
+          <a:endParaRPr lang="zh-CN" altLang="en-US"/>
+        </a:p>
+      </dgm:t>
     </dgm:pt>
     <dgm:pt modelId="{8A3FBD82-3C34-41BC-87F7-D019679DC3FE}" type="pres">
       <dgm:prSet presAssocID="{63F2A687-076F-4E77-ABDB-6E024B0C7438}" presName="connectorText" presStyleLbl="sibTrans2D1" presStyleIdx="4" presStyleCnt="5"/>
       <dgm:spPr/>
+      <dgm:t>
+        <a:bodyPr/>
+        <a:lstStyle/>
+        <a:p>
+          <a:endParaRPr lang="zh-CN" altLang="en-US"/>
+        </a:p>
+      </dgm:t>
     </dgm:pt>
   </dgm:ptLst>
   <dgm:cxnLst>
+    <dgm:cxn modelId="{C7880D2B-DE58-49ED-BB82-D0F301FF9DEC}" srcId="{12354530-0EDE-4B9F-BA06-34289B84F019}" destId="{30CB31C9-D438-4932-B2EB-C47AB8D2BE16}" srcOrd="0" destOrd="0" parTransId="{297B63D3-FD2F-4939-B164-F9ED475C27E2}" sibTransId="{5E2C816C-DFF6-47FA-AEE9-B862D01121F0}"/>
+    <dgm:cxn modelId="{6ABE21C8-6946-4985-B94E-6CEE657460A8}" srcId="{12354530-0EDE-4B9F-BA06-34289B84F019}" destId="{521D3F63-6737-4049-AF28-9344738F9B23}" srcOrd="3" destOrd="0" parTransId="{9B4B920E-9642-4155-A9E7-45BF7EFD0ED2}" sibTransId="{3E27A477-4129-4F32-8651-A75A0CA0898C}"/>
+    <dgm:cxn modelId="{56037F20-E33A-45BB-A729-0DFA77127711}" srcId="{12354530-0EDE-4B9F-BA06-34289B84F019}" destId="{61F9052F-3AD0-4E6F-A0E6-7F10EAC24EB2}" srcOrd="1" destOrd="0" parTransId="{30DCC48F-62E5-471C-9F17-16561DBB7DFA}" sibTransId="{B2B34FA9-8191-427E-BE92-8D6705930400}"/>
+    <dgm:cxn modelId="{24DCEBB9-3C20-44B3-8E91-6820CE43FEA0}" type="presOf" srcId="{B2B34FA9-8191-427E-BE92-8D6705930400}" destId="{7E470080-8F7A-4DE2-B278-EE2EBB34931A}" srcOrd="0" destOrd="0" presId="urn:microsoft.com/office/officeart/2005/8/layout/cycle2"/>
+    <dgm:cxn modelId="{A133A9B9-31C9-4389-9689-F87ECB3FA353}" srcId="{12354530-0EDE-4B9F-BA06-34289B84F019}" destId="{9135B3DF-F1FA-4377-A9A9-68702A3DEED7}" srcOrd="2" destOrd="0" parTransId="{5A697B20-455B-4481-880F-5D8360BCCFA9}" sibTransId="{DA40D15D-76CE-42EB-A93F-CDC6980067EE}"/>
+    <dgm:cxn modelId="{B4718261-177F-49EC-B746-4A2C7C1F4867}" type="presOf" srcId="{5E2C816C-DFF6-47FA-AEE9-B862D01121F0}" destId="{325DCDAE-DBA3-448A-8FC4-155026D2D0B9}" srcOrd="1" destOrd="0" presId="urn:microsoft.com/office/officeart/2005/8/layout/cycle2"/>
+    <dgm:cxn modelId="{9439AEF0-2816-4BB1-9256-37FA9A1E3884}" type="presOf" srcId="{521D3F63-6737-4049-AF28-9344738F9B23}" destId="{D7E33BB1-BEAB-4E4E-9240-B083D9725F37}" srcOrd="0" destOrd="0" presId="urn:microsoft.com/office/officeart/2005/8/layout/cycle2"/>
+    <dgm:cxn modelId="{FDAD6988-590B-4E8C-A631-929910811601}" type="presOf" srcId="{30CB31C9-D438-4932-B2EB-C47AB8D2BE16}" destId="{E06340CC-E2E4-4EA9-8906-4CAD4D237BA2}" srcOrd="0" destOrd="0" presId="urn:microsoft.com/office/officeart/2005/8/layout/cycle2"/>
+    <dgm:cxn modelId="{8521C45A-7B8A-4952-89B6-2B1BA4F153E0}" type="presOf" srcId="{63F2A687-076F-4E77-ABDB-6E024B0C7438}" destId="{8A3FBD82-3C34-41BC-87F7-D019679DC3FE}" srcOrd="1" destOrd="0" presId="urn:microsoft.com/office/officeart/2005/8/layout/cycle2"/>
+    <dgm:cxn modelId="{39E90ED3-D799-4377-86F8-4566279DCE07}" srcId="{12354530-0EDE-4B9F-BA06-34289B84F019}" destId="{36A82DCB-414A-44EB-883E-0F11DD185BF4}" srcOrd="4" destOrd="0" parTransId="{30797813-30DE-487C-A87A-BD3280000F8F}" sibTransId="{63F2A687-076F-4E77-ABDB-6E024B0C7438}"/>
     <dgm:cxn modelId="{4505C904-CF30-4DEE-AA8D-023852BD46AA}" type="presOf" srcId="{B2B34FA9-8191-427E-BE92-8D6705930400}" destId="{A99FEF7E-5BB9-4E32-BFE6-BC1546C3EA0A}" srcOrd="1" destOrd="0" presId="urn:microsoft.com/office/officeart/2005/8/layout/cycle2"/>
-    <dgm:cxn modelId="{56037F20-E33A-45BB-A729-0DFA77127711}" srcId="{12354530-0EDE-4B9F-BA06-34289B84F019}" destId="{61F9052F-3AD0-4E6F-A0E6-7F10EAC24EB2}" srcOrd="1" destOrd="0" parTransId="{30DCC48F-62E5-471C-9F17-16561DBB7DFA}" sibTransId="{B2B34FA9-8191-427E-BE92-8D6705930400}"/>
-    <dgm:cxn modelId="{C7880D2B-DE58-49ED-BB82-D0F301FF9DEC}" srcId="{12354530-0EDE-4B9F-BA06-34289B84F019}" destId="{30CB31C9-D438-4932-B2EB-C47AB8D2BE16}" srcOrd="0" destOrd="0" parTransId="{297B63D3-FD2F-4939-B164-F9ED475C27E2}" sibTransId="{5E2C816C-DFF6-47FA-AEE9-B862D01121F0}"/>
+    <dgm:cxn modelId="{74CE3D72-2EE7-491A-AC7F-CDF15609711B}" type="presOf" srcId="{5E2C816C-DFF6-47FA-AEE9-B862D01121F0}" destId="{DC641C10-E877-4231-9CD8-B801CB127113}" srcOrd="0" destOrd="0" presId="urn:microsoft.com/office/officeart/2005/8/layout/cycle2"/>
+    <dgm:cxn modelId="{93BEBEFF-3B5C-433C-A29A-335C15C636C6}" type="presOf" srcId="{36A82DCB-414A-44EB-883E-0F11DD185BF4}" destId="{01690352-A482-4BBB-818E-7ECE585B9755}" srcOrd="0" destOrd="0" presId="urn:microsoft.com/office/officeart/2005/8/layout/cycle2"/>
+    <dgm:cxn modelId="{EDB71FD8-24A8-4843-AB58-3AE6FBDD4602}" type="presOf" srcId="{9135B3DF-F1FA-4377-A9A9-68702A3DEED7}" destId="{4166AB78-13D5-4610-BCD4-BD632204A7CE}" srcOrd="0" destOrd="0" presId="urn:microsoft.com/office/officeart/2005/8/layout/cycle2"/>
     <dgm:cxn modelId="{D9D30E2E-0E81-441D-A487-0672D1552A64}" type="presOf" srcId="{61F9052F-3AD0-4E6F-A0E6-7F10EAC24EB2}" destId="{3E0F186A-445C-483E-83F7-6CC2705CA1DD}" srcOrd="0" destOrd="0" presId="urn:microsoft.com/office/officeart/2005/8/layout/cycle2"/>
-    <dgm:cxn modelId="{B4718261-177F-49EC-B746-4A2C7C1F4867}" type="presOf" srcId="{5E2C816C-DFF6-47FA-AEE9-B862D01121F0}" destId="{325DCDAE-DBA3-448A-8FC4-155026D2D0B9}" srcOrd="1" destOrd="0" presId="urn:microsoft.com/office/officeart/2005/8/layout/cycle2"/>
+    <dgm:cxn modelId="{E18E09F8-276F-421E-ADF8-FAF1B1FA7EE7}" type="presOf" srcId="{DA40D15D-76CE-42EB-A93F-CDC6980067EE}" destId="{7DB92AC9-D849-4612-A128-E0F40D23C365}" srcOrd="1" destOrd="0" presId="urn:microsoft.com/office/officeart/2005/8/layout/cycle2"/>
     <dgm:cxn modelId="{D6269C62-04D7-4D84-A49A-BAC4C0AF28A2}" type="presOf" srcId="{3E27A477-4129-4F32-8651-A75A0CA0898C}" destId="{F0480431-0DEE-4F53-B8AF-D9BA7E17A445}" srcOrd="0" destOrd="0" presId="urn:microsoft.com/office/officeart/2005/8/layout/cycle2"/>
+    <dgm:cxn modelId="{F721D2BF-A96C-4C53-817E-5F961B7E839E}" type="presOf" srcId="{12354530-0EDE-4B9F-BA06-34289B84F019}" destId="{36B4CA91-BE11-4738-AD74-2A4B9D312996}" srcOrd="0" destOrd="0" presId="urn:microsoft.com/office/officeart/2005/8/layout/cycle2"/>
+    <dgm:cxn modelId="{A713DF96-20D4-41E2-8C28-4420D443389A}" type="presOf" srcId="{DA40D15D-76CE-42EB-A93F-CDC6980067EE}" destId="{DF7CE077-AD2F-4DB1-B6C2-2422BC73640F}" srcOrd="0" destOrd="0" presId="urn:microsoft.com/office/officeart/2005/8/layout/cycle2"/>
+    <dgm:cxn modelId="{91AB0358-E856-4502-A8CC-446151CE6ADF}" type="presOf" srcId="{3E27A477-4129-4F32-8651-A75A0CA0898C}" destId="{BD93B8BB-7745-4EF0-97BA-C5ADB4533DCD}" srcOrd="1" destOrd="0" presId="urn:microsoft.com/office/officeart/2005/8/layout/cycle2"/>
     <dgm:cxn modelId="{ADAAF36F-C065-4B53-99D4-146D48649E5E}" type="presOf" srcId="{63F2A687-076F-4E77-ABDB-6E024B0C7438}" destId="{952093F8-FED5-4D7C-B5A9-E2833A80EF25}" srcOrd="0" destOrd="0" presId="urn:microsoft.com/office/officeart/2005/8/layout/cycle2"/>
-    <dgm:cxn modelId="{74CE3D72-2EE7-491A-AC7F-CDF15609711B}" type="presOf" srcId="{5E2C816C-DFF6-47FA-AEE9-B862D01121F0}" destId="{DC641C10-E877-4231-9CD8-B801CB127113}" srcOrd="0" destOrd="0" presId="urn:microsoft.com/office/officeart/2005/8/layout/cycle2"/>
-    <dgm:cxn modelId="{91AB0358-E856-4502-A8CC-446151CE6ADF}" type="presOf" srcId="{3E27A477-4129-4F32-8651-A75A0CA0898C}" destId="{BD93B8BB-7745-4EF0-97BA-C5ADB4533DCD}" srcOrd="1" destOrd="0" presId="urn:microsoft.com/office/officeart/2005/8/layout/cycle2"/>
-    <dgm:cxn modelId="{8521C45A-7B8A-4952-89B6-2B1BA4F153E0}" type="presOf" srcId="{63F2A687-076F-4E77-ABDB-6E024B0C7438}" destId="{8A3FBD82-3C34-41BC-87F7-D019679DC3FE}" srcOrd="1" destOrd="0" presId="urn:microsoft.com/office/officeart/2005/8/layout/cycle2"/>
-    <dgm:cxn modelId="{FDAD6988-590B-4E8C-A631-929910811601}" type="presOf" srcId="{30CB31C9-D438-4932-B2EB-C47AB8D2BE16}" destId="{E06340CC-E2E4-4EA9-8906-4CAD4D237BA2}" srcOrd="0" destOrd="0" presId="urn:microsoft.com/office/officeart/2005/8/layout/cycle2"/>
-    <dgm:cxn modelId="{A713DF96-20D4-41E2-8C28-4420D443389A}" type="presOf" srcId="{DA40D15D-76CE-42EB-A93F-CDC6980067EE}" destId="{DF7CE077-AD2F-4DB1-B6C2-2422BC73640F}" srcOrd="0" destOrd="0" presId="urn:microsoft.com/office/officeart/2005/8/layout/cycle2"/>
-    <dgm:cxn modelId="{A133A9B9-31C9-4389-9689-F87ECB3FA353}" srcId="{12354530-0EDE-4B9F-BA06-34289B84F019}" destId="{9135B3DF-F1FA-4377-A9A9-68702A3DEED7}" srcOrd="2" destOrd="0" parTransId="{5A697B20-455B-4481-880F-5D8360BCCFA9}" sibTransId="{DA40D15D-76CE-42EB-A93F-CDC6980067EE}"/>
-    <dgm:cxn modelId="{24DCEBB9-3C20-44B3-8E91-6820CE43FEA0}" type="presOf" srcId="{B2B34FA9-8191-427E-BE92-8D6705930400}" destId="{7E470080-8F7A-4DE2-B278-EE2EBB34931A}" srcOrd="0" destOrd="0" presId="urn:microsoft.com/office/officeart/2005/8/layout/cycle2"/>
-    <dgm:cxn modelId="{F721D2BF-A96C-4C53-817E-5F961B7E839E}" type="presOf" srcId="{12354530-0EDE-4B9F-BA06-34289B84F019}" destId="{36B4CA91-BE11-4738-AD74-2A4B9D312996}" srcOrd="0" destOrd="0" presId="urn:microsoft.com/office/officeart/2005/8/layout/cycle2"/>
-    <dgm:cxn modelId="{6ABE21C8-6946-4985-B94E-6CEE657460A8}" srcId="{12354530-0EDE-4B9F-BA06-34289B84F019}" destId="{521D3F63-6737-4049-AF28-9344738F9B23}" srcOrd="3" destOrd="0" parTransId="{9B4B920E-9642-4155-A9E7-45BF7EFD0ED2}" sibTransId="{3E27A477-4129-4F32-8651-A75A0CA0898C}"/>
-    <dgm:cxn modelId="{39E90ED3-D799-4377-86F8-4566279DCE07}" srcId="{12354530-0EDE-4B9F-BA06-34289B84F019}" destId="{36A82DCB-414A-44EB-883E-0F11DD185BF4}" srcOrd="4" destOrd="0" parTransId="{30797813-30DE-487C-A87A-BD3280000F8F}" sibTransId="{63F2A687-076F-4E77-ABDB-6E024B0C7438}"/>
-    <dgm:cxn modelId="{EDB71FD8-24A8-4843-AB58-3AE6FBDD4602}" type="presOf" srcId="{9135B3DF-F1FA-4377-A9A9-68702A3DEED7}" destId="{4166AB78-13D5-4610-BCD4-BD632204A7CE}" srcOrd="0" destOrd="0" presId="urn:microsoft.com/office/officeart/2005/8/layout/cycle2"/>
-    <dgm:cxn modelId="{9439AEF0-2816-4BB1-9256-37FA9A1E3884}" type="presOf" srcId="{521D3F63-6737-4049-AF28-9344738F9B23}" destId="{D7E33BB1-BEAB-4E4E-9240-B083D9725F37}" srcOrd="0" destOrd="0" presId="urn:microsoft.com/office/officeart/2005/8/layout/cycle2"/>
-    <dgm:cxn modelId="{E18E09F8-276F-421E-ADF8-FAF1B1FA7EE7}" type="presOf" srcId="{DA40D15D-76CE-42EB-A93F-CDC6980067EE}" destId="{7DB92AC9-D849-4612-A128-E0F40D23C365}" srcOrd="1" destOrd="0" presId="urn:microsoft.com/office/officeart/2005/8/layout/cycle2"/>
-    <dgm:cxn modelId="{93BEBEFF-3B5C-433C-A29A-335C15C636C6}" type="presOf" srcId="{36A82DCB-414A-44EB-883E-0F11DD185BF4}" destId="{01690352-A482-4BBB-818E-7ECE585B9755}" srcOrd="0" destOrd="0" presId="urn:microsoft.com/office/officeart/2005/8/layout/cycle2"/>
     <dgm:cxn modelId="{0FDF8A16-6240-4F33-9294-596E8BC69332}" type="presParOf" srcId="{36B4CA91-BE11-4738-AD74-2A4B9D312996}" destId="{E06340CC-E2E4-4EA9-8906-4CAD4D237BA2}" srcOrd="0" destOrd="0" presId="urn:microsoft.com/office/officeart/2005/8/layout/cycle2"/>
     <dgm:cxn modelId="{63D7BF01-67B1-4E73-B2D2-91411D3E6899}" type="presParOf" srcId="{36B4CA91-BE11-4738-AD74-2A4B9D312996}" destId="{DC641C10-E877-4231-9CD8-B801CB127113}" srcOrd="1" destOrd="0" presId="urn:microsoft.com/office/officeart/2005/8/layout/cycle2"/>
     <dgm:cxn modelId="{82F43FC0-4D53-476D-98C6-1D49F19F231B}" type="presParOf" srcId="{DC641C10-E877-4231-9CD8-B801CB127113}" destId="{325DCDAE-DBA3-448A-8FC4-155026D2D0B9}" srcOrd="0" destOrd="0" presId="urn:microsoft.com/office/officeart/2005/8/layout/cycle2"/>
@@ -10976,6 +11720,13 @@
         </dgm:presLayoutVars>
       </dgm:prSet>
       <dgm:spPr/>
+      <dgm:t>
+        <a:bodyPr/>
+        <a:lstStyle/>
+        <a:p>
+          <a:endParaRPr lang="zh-CN" altLang="en-US"/>
+        </a:p>
+      </dgm:t>
     </dgm:pt>
     <dgm:pt modelId="{F45ACAD2-DDDD-4B69-B5CF-2C9F5CEF5371}" type="pres">
       <dgm:prSet presAssocID="{CB76590E-5691-46F1-B1C0-38DFECF42573}" presName="node" presStyleLbl="node1" presStyleIdx="0" presStyleCnt="10">
@@ -10984,14 +11735,35 @@
         </dgm:presLayoutVars>
       </dgm:prSet>
       <dgm:spPr/>
+      <dgm:t>
+        <a:bodyPr/>
+        <a:lstStyle/>
+        <a:p>
+          <a:endParaRPr lang="zh-CN" altLang="en-US"/>
+        </a:p>
+      </dgm:t>
     </dgm:pt>
     <dgm:pt modelId="{A53D6BA1-5CBE-45F9-99CE-E489E7669403}" type="pres">
       <dgm:prSet presAssocID="{D153D79D-6C8F-4652-9E5B-ED153EC4091D}" presName="sibTrans" presStyleLbl="sibTrans2D1" presStyleIdx="0" presStyleCnt="10"/>
       <dgm:spPr/>
+      <dgm:t>
+        <a:bodyPr/>
+        <a:lstStyle/>
+        <a:p>
+          <a:endParaRPr lang="zh-CN" altLang="en-US"/>
+        </a:p>
+      </dgm:t>
     </dgm:pt>
     <dgm:pt modelId="{A9DDCB49-119C-45E0-A2BC-6707158E0A26}" type="pres">
       <dgm:prSet presAssocID="{D153D79D-6C8F-4652-9E5B-ED153EC4091D}" presName="connectorText" presStyleLbl="sibTrans2D1" presStyleIdx="0" presStyleCnt="10"/>
       <dgm:spPr/>
+      <dgm:t>
+        <a:bodyPr/>
+        <a:lstStyle/>
+        <a:p>
+          <a:endParaRPr lang="zh-CN" altLang="en-US"/>
+        </a:p>
+      </dgm:t>
     </dgm:pt>
     <dgm:pt modelId="{E1A08C2F-093D-4B47-A64C-9511EE240AA9}" type="pres">
       <dgm:prSet presAssocID="{F4FEF85B-C795-43DE-917A-74B2DF4BFB22}" presName="node" presStyleLbl="node1" presStyleIdx="1" presStyleCnt="10">
@@ -11000,14 +11772,35 @@
         </dgm:presLayoutVars>
       </dgm:prSet>
       <dgm:spPr/>
+      <dgm:t>
+        <a:bodyPr/>
+        <a:lstStyle/>
+        <a:p>
+          <a:endParaRPr lang="zh-CN" altLang="en-US"/>
+        </a:p>
+      </dgm:t>
     </dgm:pt>
     <dgm:pt modelId="{EF1A8A45-F500-4DCE-A3DB-3866B33C9871}" type="pres">
       <dgm:prSet presAssocID="{93FC17C1-2D4C-4363-B037-AADF86BA2D5B}" presName="sibTrans" presStyleLbl="sibTrans2D1" presStyleIdx="1" presStyleCnt="10"/>
       <dgm:spPr/>
+      <dgm:t>
+        <a:bodyPr/>
+        <a:lstStyle/>
+        <a:p>
+          <a:endParaRPr lang="zh-CN" altLang="en-US"/>
+        </a:p>
+      </dgm:t>
     </dgm:pt>
     <dgm:pt modelId="{7F1AC502-2122-43F6-B495-8852E52DC22E}" type="pres">
       <dgm:prSet presAssocID="{93FC17C1-2D4C-4363-B037-AADF86BA2D5B}" presName="connectorText" presStyleLbl="sibTrans2D1" presStyleIdx="1" presStyleCnt="10"/>
       <dgm:spPr/>
+      <dgm:t>
+        <a:bodyPr/>
+        <a:lstStyle/>
+        <a:p>
+          <a:endParaRPr lang="zh-CN" altLang="en-US"/>
+        </a:p>
+      </dgm:t>
     </dgm:pt>
     <dgm:pt modelId="{B8C4FA17-E3A8-4FFF-92F9-A8EDD2E67DF0}" type="pres">
       <dgm:prSet presAssocID="{FC018DF4-1C4A-473C-8C8E-DE9467470266}" presName="node" presStyleLbl="node1" presStyleIdx="2" presStyleCnt="10">
@@ -11016,14 +11809,35 @@
         </dgm:presLayoutVars>
       </dgm:prSet>
       <dgm:spPr/>
+      <dgm:t>
+        <a:bodyPr/>
+        <a:lstStyle/>
+        <a:p>
+          <a:endParaRPr lang="zh-CN" altLang="en-US"/>
+        </a:p>
+      </dgm:t>
     </dgm:pt>
     <dgm:pt modelId="{04C33435-C5ED-42FD-9804-277DB46802F2}" type="pres">
       <dgm:prSet presAssocID="{C5132741-3129-4628-A349-E7A6384D5840}" presName="sibTrans" presStyleLbl="sibTrans2D1" presStyleIdx="2" presStyleCnt="10"/>
       <dgm:spPr/>
+      <dgm:t>
+        <a:bodyPr/>
+        <a:lstStyle/>
+        <a:p>
+          <a:endParaRPr lang="zh-CN" altLang="en-US"/>
+        </a:p>
+      </dgm:t>
     </dgm:pt>
     <dgm:pt modelId="{D2FAB9B7-7CF4-4E6B-998E-1DF0FF026C56}" type="pres">
       <dgm:prSet presAssocID="{C5132741-3129-4628-A349-E7A6384D5840}" presName="connectorText" presStyleLbl="sibTrans2D1" presStyleIdx="2" presStyleCnt="10"/>
       <dgm:spPr/>
+      <dgm:t>
+        <a:bodyPr/>
+        <a:lstStyle/>
+        <a:p>
+          <a:endParaRPr lang="zh-CN" altLang="en-US"/>
+        </a:p>
+      </dgm:t>
     </dgm:pt>
     <dgm:pt modelId="{34DF3E5C-20AF-4281-9271-B115535EAAA7}" type="pres">
       <dgm:prSet presAssocID="{C84677E2-4A40-48EC-80B9-30726D9822E2}" presName="node" presStyleLbl="node1" presStyleIdx="3" presStyleCnt="10">
@@ -11032,14 +11846,35 @@
         </dgm:presLayoutVars>
       </dgm:prSet>
       <dgm:spPr/>
+      <dgm:t>
+        <a:bodyPr/>
+        <a:lstStyle/>
+        <a:p>
+          <a:endParaRPr lang="zh-CN" altLang="en-US"/>
+        </a:p>
+      </dgm:t>
     </dgm:pt>
     <dgm:pt modelId="{74765971-75DD-4561-B979-13EE714AFF12}" type="pres">
       <dgm:prSet presAssocID="{33F1CFDB-D841-415F-9D09-B764F0DE84D9}" presName="sibTrans" presStyleLbl="sibTrans2D1" presStyleIdx="3" presStyleCnt="10"/>
       <dgm:spPr/>
+      <dgm:t>
+        <a:bodyPr/>
+        <a:lstStyle/>
+        <a:p>
+          <a:endParaRPr lang="zh-CN" altLang="en-US"/>
+        </a:p>
+      </dgm:t>
     </dgm:pt>
     <dgm:pt modelId="{1C2B847F-7012-44EE-AAF4-7D627BFA41FF}" type="pres">
       <dgm:prSet presAssocID="{33F1CFDB-D841-415F-9D09-B764F0DE84D9}" presName="connectorText" presStyleLbl="sibTrans2D1" presStyleIdx="3" presStyleCnt="10"/>
       <dgm:spPr/>
+      <dgm:t>
+        <a:bodyPr/>
+        <a:lstStyle/>
+        <a:p>
+          <a:endParaRPr lang="zh-CN" altLang="en-US"/>
+        </a:p>
+      </dgm:t>
     </dgm:pt>
     <dgm:pt modelId="{24B31742-D0A2-46D8-B962-99CDBE542B47}" type="pres">
       <dgm:prSet presAssocID="{A6A66E1C-4123-4761-B9BB-938EEFEF8683}" presName="node" presStyleLbl="node1" presStyleIdx="4" presStyleCnt="10">
@@ -11048,14 +11883,35 @@
         </dgm:presLayoutVars>
       </dgm:prSet>
       <dgm:spPr/>
+      <dgm:t>
+        <a:bodyPr/>
+        <a:lstStyle/>
+        <a:p>
+          <a:endParaRPr lang="zh-CN" altLang="en-US"/>
+        </a:p>
+      </dgm:t>
     </dgm:pt>
     <dgm:pt modelId="{275EE9DE-0E7B-44FB-9C5F-53265A16B71A}" type="pres">
       <dgm:prSet presAssocID="{FD2E8404-5A5D-4A08-B63D-678E4ED26AE1}" presName="sibTrans" presStyleLbl="sibTrans2D1" presStyleIdx="4" presStyleCnt="10"/>
       <dgm:spPr/>
+      <dgm:t>
+        <a:bodyPr/>
+        <a:lstStyle/>
+        <a:p>
+          <a:endParaRPr lang="zh-CN" altLang="en-US"/>
+        </a:p>
+      </dgm:t>
     </dgm:pt>
     <dgm:pt modelId="{1BB943CF-3748-4570-A1EE-859C2A4592B3}" type="pres">
       <dgm:prSet presAssocID="{FD2E8404-5A5D-4A08-B63D-678E4ED26AE1}" presName="connectorText" presStyleLbl="sibTrans2D1" presStyleIdx="4" presStyleCnt="10"/>
       <dgm:spPr/>
+      <dgm:t>
+        <a:bodyPr/>
+        <a:lstStyle/>
+        <a:p>
+          <a:endParaRPr lang="zh-CN" altLang="en-US"/>
+        </a:p>
+      </dgm:t>
     </dgm:pt>
     <dgm:pt modelId="{87D27CB6-095D-4915-8628-6F449752BE4B}" type="pres">
       <dgm:prSet presAssocID="{C62EEA5C-6298-4FE9-9D54-80CA00BC6945}" presName="node" presStyleLbl="node1" presStyleIdx="5" presStyleCnt="10">
@@ -11064,14 +11920,35 @@
         </dgm:presLayoutVars>
       </dgm:prSet>
       <dgm:spPr/>
+      <dgm:t>
+        <a:bodyPr/>
+        <a:lstStyle/>
+        <a:p>
+          <a:endParaRPr lang="zh-CN" altLang="en-US"/>
+        </a:p>
+      </dgm:t>
     </dgm:pt>
     <dgm:pt modelId="{6782EEEB-BA63-4AD8-A645-90B7A9C0D075}" type="pres">
       <dgm:prSet presAssocID="{0CC39E03-AC8F-429C-B077-D12DA1E04481}" presName="sibTrans" presStyleLbl="sibTrans2D1" presStyleIdx="5" presStyleCnt="10"/>
       <dgm:spPr/>
+      <dgm:t>
+        <a:bodyPr/>
+        <a:lstStyle/>
+        <a:p>
+          <a:endParaRPr lang="zh-CN" altLang="en-US"/>
+        </a:p>
+      </dgm:t>
     </dgm:pt>
     <dgm:pt modelId="{213CE7C6-5483-4700-A291-09079E2C59C9}" type="pres">
       <dgm:prSet presAssocID="{0CC39E03-AC8F-429C-B077-D12DA1E04481}" presName="connectorText" presStyleLbl="sibTrans2D1" presStyleIdx="5" presStyleCnt="10"/>
       <dgm:spPr/>
+      <dgm:t>
+        <a:bodyPr/>
+        <a:lstStyle/>
+        <a:p>
+          <a:endParaRPr lang="zh-CN" altLang="en-US"/>
+        </a:p>
+      </dgm:t>
     </dgm:pt>
     <dgm:pt modelId="{FAB3C292-35F1-48CB-8B11-09ECF7BF3C57}" type="pres">
       <dgm:prSet presAssocID="{C3C3638B-F6F4-428B-B968-4E74FB6966E3}" presName="node" presStyleLbl="node1" presStyleIdx="6" presStyleCnt="10">
@@ -11080,14 +11957,35 @@
         </dgm:presLayoutVars>
       </dgm:prSet>
       <dgm:spPr/>
+      <dgm:t>
+        <a:bodyPr/>
+        <a:lstStyle/>
+        <a:p>
+          <a:endParaRPr lang="zh-CN" altLang="en-US"/>
+        </a:p>
+      </dgm:t>
     </dgm:pt>
     <dgm:pt modelId="{EAAA4277-D019-4939-B257-08BF9EAAB754}" type="pres">
       <dgm:prSet presAssocID="{DAF92C7C-45F7-44F4-BFD1-DCAD94764D39}" presName="sibTrans" presStyleLbl="sibTrans2D1" presStyleIdx="6" presStyleCnt="10"/>
       <dgm:spPr/>
+      <dgm:t>
+        <a:bodyPr/>
+        <a:lstStyle/>
+        <a:p>
+          <a:endParaRPr lang="zh-CN" altLang="en-US"/>
+        </a:p>
+      </dgm:t>
     </dgm:pt>
     <dgm:pt modelId="{50E3DAD5-C33C-43BC-8586-EC2EADC309EA}" type="pres">
       <dgm:prSet presAssocID="{DAF92C7C-45F7-44F4-BFD1-DCAD94764D39}" presName="connectorText" presStyleLbl="sibTrans2D1" presStyleIdx="6" presStyleCnt="10"/>
       <dgm:spPr/>
+      <dgm:t>
+        <a:bodyPr/>
+        <a:lstStyle/>
+        <a:p>
+          <a:endParaRPr lang="zh-CN" altLang="en-US"/>
+        </a:p>
+      </dgm:t>
     </dgm:pt>
     <dgm:pt modelId="{6A4DF67D-DC73-4669-936D-5140DD531C45}" type="pres">
       <dgm:prSet presAssocID="{C4DAD3C7-DC8D-45E0-94F4-57861D7DAA12}" presName="node" presStyleLbl="node1" presStyleIdx="7" presStyleCnt="10">
@@ -11096,14 +11994,35 @@
         </dgm:presLayoutVars>
       </dgm:prSet>
       <dgm:spPr/>
+      <dgm:t>
+        <a:bodyPr/>
+        <a:lstStyle/>
+        <a:p>
+          <a:endParaRPr lang="zh-CN" altLang="en-US"/>
+        </a:p>
+      </dgm:t>
     </dgm:pt>
     <dgm:pt modelId="{6F801686-E316-446C-822D-15D0C2EDA630}" type="pres">
       <dgm:prSet presAssocID="{F5750B51-8D2B-4CE3-8DC7-5D099994A143}" presName="sibTrans" presStyleLbl="sibTrans2D1" presStyleIdx="7" presStyleCnt="10"/>
       <dgm:spPr/>
+      <dgm:t>
+        <a:bodyPr/>
+        <a:lstStyle/>
+        <a:p>
+          <a:endParaRPr lang="zh-CN" altLang="en-US"/>
+        </a:p>
+      </dgm:t>
     </dgm:pt>
     <dgm:pt modelId="{A67AB7FE-9C16-4F92-9D73-C3750D775353}" type="pres">
       <dgm:prSet presAssocID="{F5750B51-8D2B-4CE3-8DC7-5D099994A143}" presName="connectorText" presStyleLbl="sibTrans2D1" presStyleIdx="7" presStyleCnt="10"/>
       <dgm:spPr/>
+      <dgm:t>
+        <a:bodyPr/>
+        <a:lstStyle/>
+        <a:p>
+          <a:endParaRPr lang="zh-CN" altLang="en-US"/>
+        </a:p>
+      </dgm:t>
     </dgm:pt>
     <dgm:pt modelId="{7B9B045A-0795-410F-9EF4-4070A65554B6}" type="pres">
       <dgm:prSet presAssocID="{10584412-C7CC-4FC1-B2AB-75DB23D18F20}" presName="node" presStyleLbl="node1" presStyleIdx="8" presStyleCnt="10">
@@ -11112,14 +12031,35 @@
         </dgm:presLayoutVars>
       </dgm:prSet>
       <dgm:spPr/>
+      <dgm:t>
+        <a:bodyPr/>
+        <a:lstStyle/>
+        <a:p>
+          <a:endParaRPr lang="zh-CN" altLang="en-US"/>
+        </a:p>
+      </dgm:t>
     </dgm:pt>
     <dgm:pt modelId="{711729C4-8974-4E57-B275-CBDA5E6E7167}" type="pres">
       <dgm:prSet presAssocID="{9A8B5B75-54D3-4D70-88F1-FDD65132BBD5}" presName="sibTrans" presStyleLbl="sibTrans2D1" presStyleIdx="8" presStyleCnt="10"/>
       <dgm:spPr/>
+      <dgm:t>
+        <a:bodyPr/>
+        <a:lstStyle/>
+        <a:p>
+          <a:endParaRPr lang="zh-CN" altLang="en-US"/>
+        </a:p>
+      </dgm:t>
     </dgm:pt>
     <dgm:pt modelId="{1AEBAB2D-C9A7-4059-A048-8B48E4CDB2C5}" type="pres">
       <dgm:prSet presAssocID="{9A8B5B75-54D3-4D70-88F1-FDD65132BBD5}" presName="connectorText" presStyleLbl="sibTrans2D1" presStyleIdx="8" presStyleCnt="10"/>
       <dgm:spPr/>
+      <dgm:t>
+        <a:bodyPr/>
+        <a:lstStyle/>
+        <a:p>
+          <a:endParaRPr lang="zh-CN" altLang="en-US"/>
+        </a:p>
+      </dgm:t>
     </dgm:pt>
     <dgm:pt modelId="{D53A1E11-3BFF-4DB3-B007-42AAF4C4F104}" type="pres">
       <dgm:prSet presAssocID="{E2BFAB97-1A96-4F29-A9E9-BB09C064F6AD}" presName="node" presStyleLbl="node1" presStyleIdx="9" presStyleCnt="10">
@@ -11128,58 +12068,79 @@
         </dgm:presLayoutVars>
       </dgm:prSet>
       <dgm:spPr/>
+      <dgm:t>
+        <a:bodyPr/>
+        <a:lstStyle/>
+        <a:p>
+          <a:endParaRPr lang="zh-CN" altLang="en-US"/>
+        </a:p>
+      </dgm:t>
     </dgm:pt>
     <dgm:pt modelId="{9EFC0C2D-E761-4F6E-9904-AADFDFDDFD9D}" type="pres">
       <dgm:prSet presAssocID="{33C65FDE-DC4B-4BC5-83A9-E1E8C3218CC6}" presName="sibTrans" presStyleLbl="sibTrans2D1" presStyleIdx="9" presStyleCnt="10"/>
       <dgm:spPr/>
+      <dgm:t>
+        <a:bodyPr/>
+        <a:lstStyle/>
+        <a:p>
+          <a:endParaRPr lang="zh-CN" altLang="en-US"/>
+        </a:p>
+      </dgm:t>
     </dgm:pt>
     <dgm:pt modelId="{40C6ED9D-9F31-474F-9AB9-0C6FDDDF3D88}" type="pres">
       <dgm:prSet presAssocID="{33C65FDE-DC4B-4BC5-83A9-E1E8C3218CC6}" presName="connectorText" presStyleLbl="sibTrans2D1" presStyleIdx="9" presStyleCnt="10"/>
       <dgm:spPr/>
+      <dgm:t>
+        <a:bodyPr/>
+        <a:lstStyle/>
+        <a:p>
+          <a:endParaRPr lang="zh-CN" altLang="en-US"/>
+        </a:p>
+      </dgm:t>
     </dgm:pt>
   </dgm:ptLst>
   <dgm:cxnLst>
+    <dgm:cxn modelId="{86C7AF35-FA36-4124-9EA3-3B1482090BDE}" srcId="{DC1F4D05-9FE3-42A7-964E-89DFDE1D32EF}" destId="{CB76590E-5691-46F1-B1C0-38DFECF42573}" srcOrd="0" destOrd="0" parTransId="{5325BBDF-43D3-4772-BE95-6594EBFECDE2}" sibTransId="{D153D79D-6C8F-4652-9E5B-ED153EC4091D}"/>
+    <dgm:cxn modelId="{62C523EF-1C75-45E7-9309-EFDF30D5BD9E}" type="presOf" srcId="{33C65FDE-DC4B-4BC5-83A9-E1E8C3218CC6}" destId="{9EFC0C2D-E761-4F6E-9904-AADFDFDDFD9D}" srcOrd="0" destOrd="0" presId="urn:microsoft.com/office/officeart/2005/8/layout/cycle2"/>
+    <dgm:cxn modelId="{76B4A51C-0B12-4E32-92B4-7138970257C2}" srcId="{DC1F4D05-9FE3-42A7-964E-89DFDE1D32EF}" destId="{E2BFAB97-1A96-4F29-A9E9-BB09C064F6AD}" srcOrd="9" destOrd="0" parTransId="{10AE24F0-008C-4C0B-9FE6-4A6A78217359}" sibTransId="{33C65FDE-DC4B-4BC5-83A9-E1E8C3218CC6}"/>
+    <dgm:cxn modelId="{69D86D0B-A8DB-4FA0-8A2A-4490292FC1D7}" type="presOf" srcId="{F4FEF85B-C795-43DE-917A-74B2DF4BFB22}" destId="{E1A08C2F-093D-4B47-A64C-9511EE240AA9}" srcOrd="0" destOrd="0" presId="urn:microsoft.com/office/officeart/2005/8/layout/cycle2"/>
     <dgm:cxn modelId="{FE686100-5594-47A7-905B-02B2D3535031}" type="presOf" srcId="{33F1CFDB-D841-415F-9D09-B764F0DE84D9}" destId="{1C2B847F-7012-44EE-AAF4-7D627BFA41FF}" srcOrd="1" destOrd="0" presId="urn:microsoft.com/office/officeart/2005/8/layout/cycle2"/>
-    <dgm:cxn modelId="{751B3C07-C313-49E0-988D-60298788055D}" type="presOf" srcId="{DC1F4D05-9FE3-42A7-964E-89DFDE1D32EF}" destId="{D7F1C75E-6004-44C3-A625-3529CE3D272A}" srcOrd="0" destOrd="0" presId="urn:microsoft.com/office/officeart/2005/8/layout/cycle2"/>
-    <dgm:cxn modelId="{22BD720A-A557-4D0E-A852-00FA7D629FF5}" type="presOf" srcId="{33F1CFDB-D841-415F-9D09-B764F0DE84D9}" destId="{74765971-75DD-4561-B979-13EE714AFF12}" srcOrd="0" destOrd="0" presId="urn:microsoft.com/office/officeart/2005/8/layout/cycle2"/>
-    <dgm:cxn modelId="{69D86D0B-A8DB-4FA0-8A2A-4490292FC1D7}" type="presOf" srcId="{F4FEF85B-C795-43DE-917A-74B2DF4BFB22}" destId="{E1A08C2F-093D-4B47-A64C-9511EE240AA9}" srcOrd="0" destOrd="0" presId="urn:microsoft.com/office/officeart/2005/8/layout/cycle2"/>
-    <dgm:cxn modelId="{76B4A51C-0B12-4E32-92B4-7138970257C2}" srcId="{DC1F4D05-9FE3-42A7-964E-89DFDE1D32EF}" destId="{E2BFAB97-1A96-4F29-A9E9-BB09C064F6AD}" srcOrd="9" destOrd="0" parTransId="{10AE24F0-008C-4C0B-9FE6-4A6A78217359}" sibTransId="{33C65FDE-DC4B-4BC5-83A9-E1E8C3218CC6}"/>
-    <dgm:cxn modelId="{CA410022-A309-45E2-B40F-FB14180BB97F}" type="presOf" srcId="{9A8B5B75-54D3-4D70-88F1-FDD65132BBD5}" destId="{711729C4-8974-4E57-B275-CBDA5E6E7167}" srcOrd="0" destOrd="0" presId="urn:microsoft.com/office/officeart/2005/8/layout/cycle2"/>
-    <dgm:cxn modelId="{4A8E982E-900B-40F5-9804-EEFB0BED5323}" srcId="{DC1F4D05-9FE3-42A7-964E-89DFDE1D32EF}" destId="{C84677E2-4A40-48EC-80B9-30726D9822E2}" srcOrd="3" destOrd="0" parTransId="{9EA30B78-2E54-4843-B4A9-5EE0123F7395}" sibTransId="{33F1CFDB-D841-415F-9D09-B764F0DE84D9}"/>
-    <dgm:cxn modelId="{73B0B134-B0FE-4F1F-829B-40FCCEB51A5B}" type="presOf" srcId="{CB76590E-5691-46F1-B1C0-38DFECF42573}" destId="{F45ACAD2-DDDD-4B69-B5CF-2C9F5CEF5371}" srcOrd="0" destOrd="0" presId="urn:microsoft.com/office/officeart/2005/8/layout/cycle2"/>
-    <dgm:cxn modelId="{86C7AF35-FA36-4124-9EA3-3B1482090BDE}" srcId="{DC1F4D05-9FE3-42A7-964E-89DFDE1D32EF}" destId="{CB76590E-5691-46F1-B1C0-38DFECF42573}" srcOrd="0" destOrd="0" parTransId="{5325BBDF-43D3-4772-BE95-6594EBFECDE2}" sibTransId="{D153D79D-6C8F-4652-9E5B-ED153EC4091D}"/>
-    <dgm:cxn modelId="{1C74A63C-F526-440D-A325-2BFA4794D51C}" type="presOf" srcId="{E2BFAB97-1A96-4F29-A9E9-BB09C064F6AD}" destId="{D53A1E11-3BFF-4DB3-B007-42AAF4C4F104}" srcOrd="0" destOrd="0" presId="urn:microsoft.com/office/officeart/2005/8/layout/cycle2"/>
-    <dgm:cxn modelId="{1843443E-61B2-4A27-8139-40917DDA0512}" type="presOf" srcId="{93FC17C1-2D4C-4363-B037-AADF86BA2D5B}" destId="{EF1A8A45-F500-4DCE-A3DB-3866B33C9871}" srcOrd="0" destOrd="0" presId="urn:microsoft.com/office/officeart/2005/8/layout/cycle2"/>
-    <dgm:cxn modelId="{D7219C6B-F4FC-4779-B8FA-F03290400F4A}" type="presOf" srcId="{C3C3638B-F6F4-428B-B968-4E74FB6966E3}" destId="{FAB3C292-35F1-48CB-8B11-09ECF7BF3C57}" srcOrd="0" destOrd="0" presId="urn:microsoft.com/office/officeart/2005/8/layout/cycle2"/>
+    <dgm:cxn modelId="{F4979776-FB30-4041-883E-74FF084CAE89}" type="presOf" srcId="{F5750B51-8D2B-4CE3-8DC7-5D099994A143}" destId="{6F801686-E316-446C-822D-15D0C2EDA630}" srcOrd="0" destOrd="0" presId="urn:microsoft.com/office/officeart/2005/8/layout/cycle2"/>
+    <dgm:cxn modelId="{D7FBBB8F-642D-4BC5-A040-0C4C362691A8}" type="presOf" srcId="{93FC17C1-2D4C-4363-B037-AADF86BA2D5B}" destId="{7F1AC502-2122-43F6-B495-8852E52DC22E}" srcOrd="1" destOrd="0" presId="urn:microsoft.com/office/officeart/2005/8/layout/cycle2"/>
+    <dgm:cxn modelId="{4DC2E5FA-99D0-4538-887C-35389E43B7D3}" type="presOf" srcId="{A6A66E1C-4123-4761-B9BB-938EEFEF8683}" destId="{24B31742-D0A2-46D8-B962-99CDBE542B47}" srcOrd="0" destOrd="0" presId="urn:microsoft.com/office/officeart/2005/8/layout/cycle2"/>
+    <dgm:cxn modelId="{80DCCCA8-B1F0-4BAC-9653-50EF4290B57C}" srcId="{DC1F4D05-9FE3-42A7-964E-89DFDE1D32EF}" destId="{A6A66E1C-4123-4761-B9BB-938EEFEF8683}" srcOrd="4" destOrd="0" parTransId="{DD2973DF-554A-45F7-B305-253EC1645E78}" sibTransId="{FD2E8404-5A5D-4A08-B63D-678E4ED26AE1}"/>
+    <dgm:cxn modelId="{AEAD25E1-DF92-4ADA-AE6F-1B86C5215CE6}" srcId="{DC1F4D05-9FE3-42A7-964E-89DFDE1D32EF}" destId="{10584412-C7CC-4FC1-B2AB-75DB23D18F20}" srcOrd="8" destOrd="0" parTransId="{594EACA5-8DEE-42D7-8E28-E65B817A7236}" sibTransId="{9A8B5B75-54D3-4D70-88F1-FDD65132BBD5}"/>
+    <dgm:cxn modelId="{53D6688B-4408-47F7-88CE-87AEBDBD121D}" type="presOf" srcId="{DAF92C7C-45F7-44F4-BFD1-DCAD94764D39}" destId="{EAAA4277-D019-4939-B257-08BF9EAAB754}" srcOrd="0" destOrd="0" presId="urn:microsoft.com/office/officeart/2005/8/layout/cycle2"/>
+    <dgm:cxn modelId="{6E75B1B4-9A6B-44BD-ABFD-2B6481B0272A}" type="presOf" srcId="{9A8B5B75-54D3-4D70-88F1-FDD65132BBD5}" destId="{1AEBAB2D-C9A7-4059-A048-8B48E4CDB2C5}" srcOrd="1" destOrd="0" presId="urn:microsoft.com/office/officeart/2005/8/layout/cycle2"/>
+    <dgm:cxn modelId="{B11FA6F2-E7E3-4826-91CA-2E554C1FB090}" type="presOf" srcId="{0CC39E03-AC8F-429C-B077-D12DA1E04481}" destId="{6782EEEB-BA63-4AD8-A645-90B7A9C0D075}" srcOrd="0" destOrd="0" presId="urn:microsoft.com/office/officeart/2005/8/layout/cycle2"/>
+    <dgm:cxn modelId="{37EEC976-1DFB-4D17-92F6-B0602191FFA9}" srcId="{DC1F4D05-9FE3-42A7-964E-89DFDE1D32EF}" destId="{C62EEA5C-6298-4FE9-9D54-80CA00BC6945}" srcOrd="5" destOrd="0" parTransId="{0C6F9C58-C575-413C-AB79-4FB72430F635}" sibTransId="{0CC39E03-AC8F-429C-B077-D12DA1E04481}"/>
     <dgm:cxn modelId="{D5C8EF4D-2608-4FE3-88D5-F645AF6A80EE}" type="presOf" srcId="{FC018DF4-1C4A-473C-8C8E-DE9467470266}" destId="{B8C4FA17-E3A8-4FFF-92F9-A8EDD2E67DF0}" srcOrd="0" destOrd="0" presId="urn:microsoft.com/office/officeart/2005/8/layout/cycle2"/>
     <dgm:cxn modelId="{F570C26F-08EA-4DC2-A329-BF6827B7AEE8}" type="presOf" srcId="{33C65FDE-DC4B-4BC5-83A9-E1E8C3218CC6}" destId="{40C6ED9D-9F31-474F-9AB9-0C6FDDDF3D88}" srcOrd="1" destOrd="0" presId="urn:microsoft.com/office/officeart/2005/8/layout/cycle2"/>
+    <dgm:cxn modelId="{2BE534DA-34C1-47B2-BA8E-4948E173D012}" type="presOf" srcId="{C84677E2-4A40-48EC-80B9-30726D9822E2}" destId="{34DF3E5C-20AF-4281-9271-B115535EAAA7}" srcOrd="0" destOrd="0" presId="urn:microsoft.com/office/officeart/2005/8/layout/cycle2"/>
+    <dgm:cxn modelId="{11E29AEB-9B3C-46E4-8370-FF24CF939C87}" srcId="{DC1F4D05-9FE3-42A7-964E-89DFDE1D32EF}" destId="{C3C3638B-F6F4-428B-B968-4E74FB6966E3}" srcOrd="6" destOrd="0" parTransId="{ECB0A0EC-9735-4B7D-A03C-4972D20C11A2}" sibTransId="{DAF92C7C-45F7-44F4-BFD1-DCAD94764D39}"/>
+    <dgm:cxn modelId="{94B668FD-54FE-4C42-A0DF-8E54AF2F6D6D}" type="presOf" srcId="{C62EEA5C-6298-4FE9-9D54-80CA00BC6945}" destId="{87D27CB6-095D-4915-8628-6F449752BE4B}" srcOrd="0" destOrd="0" presId="urn:microsoft.com/office/officeart/2005/8/layout/cycle2"/>
+    <dgm:cxn modelId="{4A8E982E-900B-40F5-9804-EEFB0BED5323}" srcId="{DC1F4D05-9FE3-42A7-964E-89DFDE1D32EF}" destId="{C84677E2-4A40-48EC-80B9-30726D9822E2}" srcOrd="3" destOrd="0" parTransId="{9EA30B78-2E54-4843-B4A9-5EE0123F7395}" sibTransId="{33F1CFDB-D841-415F-9D09-B764F0DE84D9}"/>
+    <dgm:cxn modelId="{1C74A63C-F526-440D-A325-2BFA4794D51C}" type="presOf" srcId="{E2BFAB97-1A96-4F29-A9E9-BB09C064F6AD}" destId="{D53A1E11-3BFF-4DB3-B007-42AAF4C4F104}" srcOrd="0" destOrd="0" presId="urn:microsoft.com/office/officeart/2005/8/layout/cycle2"/>
+    <dgm:cxn modelId="{74705FEE-3BFF-4AD5-B349-AE2DE4C14070}" type="presOf" srcId="{C4DAD3C7-DC8D-45E0-94F4-57861D7DAA12}" destId="{6A4DF67D-DC73-4669-936D-5140DD531C45}" srcOrd="0" destOrd="0" presId="urn:microsoft.com/office/officeart/2005/8/layout/cycle2"/>
+    <dgm:cxn modelId="{B5AF7082-51F8-454F-B811-47F1F1CBAE63}" type="presOf" srcId="{C5132741-3129-4628-A349-E7A6384D5840}" destId="{04C33435-C5ED-42FD-9804-277DB46802F2}" srcOrd="0" destOrd="0" presId="urn:microsoft.com/office/officeart/2005/8/layout/cycle2"/>
+    <dgm:cxn modelId="{8C389092-E0A9-4085-A1D8-9954657A8074}" type="presOf" srcId="{10584412-C7CC-4FC1-B2AB-75DB23D18F20}" destId="{7B9B045A-0795-410F-9EF4-4070A65554B6}" srcOrd="0" destOrd="0" presId="urn:microsoft.com/office/officeart/2005/8/layout/cycle2"/>
+    <dgm:cxn modelId="{22BD720A-A557-4D0E-A852-00FA7D629FF5}" type="presOf" srcId="{33F1CFDB-D841-415F-9D09-B764F0DE84D9}" destId="{74765971-75DD-4561-B979-13EE714AFF12}" srcOrd="0" destOrd="0" presId="urn:microsoft.com/office/officeart/2005/8/layout/cycle2"/>
+    <dgm:cxn modelId="{D7219C6B-F4FC-4779-B8FA-F03290400F4A}" type="presOf" srcId="{C3C3638B-F6F4-428B-B968-4E74FB6966E3}" destId="{FAB3C292-35F1-48CB-8B11-09ECF7BF3C57}" srcOrd="0" destOrd="0" presId="urn:microsoft.com/office/officeart/2005/8/layout/cycle2"/>
+    <dgm:cxn modelId="{C7466F88-1151-4189-ADE0-D5094677074F}" type="presOf" srcId="{C5132741-3129-4628-A349-E7A6384D5840}" destId="{D2FAB9B7-7CF4-4E6B-998E-1DF0FF026C56}" srcOrd="1" destOrd="0" presId="urn:microsoft.com/office/officeart/2005/8/layout/cycle2"/>
+    <dgm:cxn modelId="{FF34A0BD-FFF1-4D43-B974-FF5311981424}" srcId="{DC1F4D05-9FE3-42A7-964E-89DFDE1D32EF}" destId="{FC018DF4-1C4A-473C-8C8E-DE9467470266}" srcOrd="2" destOrd="0" parTransId="{7CD76E98-396E-4AA9-AFAE-13057459F307}" sibTransId="{C5132741-3129-4628-A349-E7A6384D5840}"/>
+    <dgm:cxn modelId="{1843443E-61B2-4A27-8139-40917DDA0512}" type="presOf" srcId="{93FC17C1-2D4C-4363-B037-AADF86BA2D5B}" destId="{EF1A8A45-F500-4DCE-A3DB-3866B33C9871}" srcOrd="0" destOrd="0" presId="urn:microsoft.com/office/officeart/2005/8/layout/cycle2"/>
+    <dgm:cxn modelId="{B716C45A-B38C-4193-81D5-3415B340D1F7}" type="presOf" srcId="{D153D79D-6C8F-4652-9E5B-ED153EC4091D}" destId="{A53D6BA1-5CBE-45F9-99CE-E489E7669403}" srcOrd="0" destOrd="0" presId="urn:microsoft.com/office/officeart/2005/8/layout/cycle2"/>
+    <dgm:cxn modelId="{526410E7-E0A6-46CC-92BD-94D6B31D4305}" type="presOf" srcId="{D153D79D-6C8F-4652-9E5B-ED153EC4091D}" destId="{A9DDCB49-119C-45E0-A2BC-6707158E0A26}" srcOrd="1" destOrd="0" presId="urn:microsoft.com/office/officeart/2005/8/layout/cycle2"/>
+    <dgm:cxn modelId="{73B0B134-B0FE-4F1F-829B-40FCCEB51A5B}" type="presOf" srcId="{CB76590E-5691-46F1-B1C0-38DFECF42573}" destId="{F45ACAD2-DDDD-4B69-B5CF-2C9F5CEF5371}" srcOrd="0" destOrd="0" presId="urn:microsoft.com/office/officeart/2005/8/layout/cycle2"/>
     <dgm:cxn modelId="{DD1FA573-3DFB-4E71-A34B-4B2FD90F6032}" type="presOf" srcId="{0CC39E03-AC8F-429C-B077-D12DA1E04481}" destId="{213CE7C6-5483-4700-A291-09079E2C59C9}" srcOrd="1" destOrd="0" presId="urn:microsoft.com/office/officeart/2005/8/layout/cycle2"/>
+    <dgm:cxn modelId="{D9BDB184-18BF-4DA6-B77A-35F6FB67B53C}" type="presOf" srcId="{FD2E8404-5A5D-4A08-B63D-678E4ED26AE1}" destId="{1BB943CF-3748-4570-A1EE-859C2A4592B3}" srcOrd="1" destOrd="0" presId="urn:microsoft.com/office/officeart/2005/8/layout/cycle2"/>
+    <dgm:cxn modelId="{7B8EC8BA-0E38-4959-9530-CA26F552B34A}" srcId="{DC1F4D05-9FE3-42A7-964E-89DFDE1D32EF}" destId="{F4FEF85B-C795-43DE-917A-74B2DF4BFB22}" srcOrd="1" destOrd="0" parTransId="{BCA835B5-EBF7-4048-BD34-8785EE6EA214}" sibTransId="{93FC17C1-2D4C-4363-B037-AADF86BA2D5B}"/>
     <dgm:cxn modelId="{314DD975-DB88-499D-B2D2-6AE01EE0F16A}" type="presOf" srcId="{F5750B51-8D2B-4CE3-8DC7-5D099994A143}" destId="{A67AB7FE-9C16-4F92-9D73-C3750D775353}" srcOrd="1" destOrd="0" presId="urn:microsoft.com/office/officeart/2005/8/layout/cycle2"/>
-    <dgm:cxn modelId="{F4979776-FB30-4041-883E-74FF084CAE89}" type="presOf" srcId="{F5750B51-8D2B-4CE3-8DC7-5D099994A143}" destId="{6F801686-E316-446C-822D-15D0C2EDA630}" srcOrd="0" destOrd="0" presId="urn:microsoft.com/office/officeart/2005/8/layout/cycle2"/>
-    <dgm:cxn modelId="{37EEC976-1DFB-4D17-92F6-B0602191FFA9}" srcId="{DC1F4D05-9FE3-42A7-964E-89DFDE1D32EF}" destId="{C62EEA5C-6298-4FE9-9D54-80CA00BC6945}" srcOrd="5" destOrd="0" parTransId="{0C6F9C58-C575-413C-AB79-4FB72430F635}" sibTransId="{0CC39E03-AC8F-429C-B077-D12DA1E04481}"/>
-    <dgm:cxn modelId="{B716C45A-B38C-4193-81D5-3415B340D1F7}" type="presOf" srcId="{D153D79D-6C8F-4652-9E5B-ED153EC4091D}" destId="{A53D6BA1-5CBE-45F9-99CE-E489E7669403}" srcOrd="0" destOrd="0" presId="urn:microsoft.com/office/officeart/2005/8/layout/cycle2"/>
-    <dgm:cxn modelId="{B5AF7082-51F8-454F-B811-47F1F1CBAE63}" type="presOf" srcId="{C5132741-3129-4628-A349-E7A6384D5840}" destId="{04C33435-C5ED-42FD-9804-277DB46802F2}" srcOrd="0" destOrd="0" presId="urn:microsoft.com/office/officeart/2005/8/layout/cycle2"/>
+    <dgm:cxn modelId="{751B3C07-C313-49E0-988D-60298788055D}" type="presOf" srcId="{DC1F4D05-9FE3-42A7-964E-89DFDE1D32EF}" destId="{D7F1C75E-6004-44C3-A625-3529CE3D272A}" srcOrd="0" destOrd="0" presId="urn:microsoft.com/office/officeart/2005/8/layout/cycle2"/>
+    <dgm:cxn modelId="{3129B8AB-A0C4-4FD6-A13B-3F657628228F}" type="presOf" srcId="{FD2E8404-5A5D-4A08-B63D-678E4ED26AE1}" destId="{275EE9DE-0E7B-44FB-9C5F-53265A16B71A}" srcOrd="0" destOrd="0" presId="urn:microsoft.com/office/officeart/2005/8/layout/cycle2"/>
     <dgm:cxn modelId="{1D684D84-4E16-4A71-B88F-B0B79DF3D8B7}" type="presOf" srcId="{DAF92C7C-45F7-44F4-BFD1-DCAD94764D39}" destId="{50E3DAD5-C33C-43BC-8586-EC2EADC309EA}" srcOrd="1" destOrd="0" presId="urn:microsoft.com/office/officeart/2005/8/layout/cycle2"/>
-    <dgm:cxn modelId="{D9BDB184-18BF-4DA6-B77A-35F6FB67B53C}" type="presOf" srcId="{FD2E8404-5A5D-4A08-B63D-678E4ED26AE1}" destId="{1BB943CF-3748-4570-A1EE-859C2A4592B3}" srcOrd="1" destOrd="0" presId="urn:microsoft.com/office/officeart/2005/8/layout/cycle2"/>
-    <dgm:cxn modelId="{C7466F88-1151-4189-ADE0-D5094677074F}" type="presOf" srcId="{C5132741-3129-4628-A349-E7A6384D5840}" destId="{D2FAB9B7-7CF4-4E6B-998E-1DF0FF026C56}" srcOrd="1" destOrd="0" presId="urn:microsoft.com/office/officeart/2005/8/layout/cycle2"/>
-    <dgm:cxn modelId="{53D6688B-4408-47F7-88CE-87AEBDBD121D}" type="presOf" srcId="{DAF92C7C-45F7-44F4-BFD1-DCAD94764D39}" destId="{EAAA4277-D019-4939-B257-08BF9EAAB754}" srcOrd="0" destOrd="0" presId="urn:microsoft.com/office/officeart/2005/8/layout/cycle2"/>
-    <dgm:cxn modelId="{D7FBBB8F-642D-4BC5-A040-0C4C362691A8}" type="presOf" srcId="{93FC17C1-2D4C-4363-B037-AADF86BA2D5B}" destId="{7F1AC502-2122-43F6-B495-8852E52DC22E}" srcOrd="1" destOrd="0" presId="urn:microsoft.com/office/officeart/2005/8/layout/cycle2"/>
-    <dgm:cxn modelId="{8C389092-E0A9-4085-A1D8-9954657A8074}" type="presOf" srcId="{10584412-C7CC-4FC1-B2AB-75DB23D18F20}" destId="{7B9B045A-0795-410F-9EF4-4070A65554B6}" srcOrd="0" destOrd="0" presId="urn:microsoft.com/office/officeart/2005/8/layout/cycle2"/>
-    <dgm:cxn modelId="{80DCCCA8-B1F0-4BAC-9653-50EF4290B57C}" srcId="{DC1F4D05-9FE3-42A7-964E-89DFDE1D32EF}" destId="{A6A66E1C-4123-4761-B9BB-938EEFEF8683}" srcOrd="4" destOrd="0" parTransId="{DD2973DF-554A-45F7-B305-253EC1645E78}" sibTransId="{FD2E8404-5A5D-4A08-B63D-678E4ED26AE1}"/>
     <dgm:cxn modelId="{1C1944AA-7DFA-45A5-96A2-A39BAEF8C99F}" srcId="{DC1F4D05-9FE3-42A7-964E-89DFDE1D32EF}" destId="{C4DAD3C7-DC8D-45E0-94F4-57861D7DAA12}" srcOrd="7" destOrd="0" parTransId="{93F6E10F-55BD-40CD-8E0B-302FDECCB852}" sibTransId="{F5750B51-8D2B-4CE3-8DC7-5D099994A143}"/>
-    <dgm:cxn modelId="{3129B8AB-A0C4-4FD6-A13B-3F657628228F}" type="presOf" srcId="{FD2E8404-5A5D-4A08-B63D-678E4ED26AE1}" destId="{275EE9DE-0E7B-44FB-9C5F-53265A16B71A}" srcOrd="0" destOrd="0" presId="urn:microsoft.com/office/officeart/2005/8/layout/cycle2"/>
-    <dgm:cxn modelId="{6E75B1B4-9A6B-44BD-ABFD-2B6481B0272A}" type="presOf" srcId="{9A8B5B75-54D3-4D70-88F1-FDD65132BBD5}" destId="{1AEBAB2D-C9A7-4059-A048-8B48E4CDB2C5}" srcOrd="1" destOrd="0" presId="urn:microsoft.com/office/officeart/2005/8/layout/cycle2"/>
-    <dgm:cxn modelId="{7B8EC8BA-0E38-4959-9530-CA26F552B34A}" srcId="{DC1F4D05-9FE3-42A7-964E-89DFDE1D32EF}" destId="{F4FEF85B-C795-43DE-917A-74B2DF4BFB22}" srcOrd="1" destOrd="0" parTransId="{BCA835B5-EBF7-4048-BD34-8785EE6EA214}" sibTransId="{93FC17C1-2D4C-4363-B037-AADF86BA2D5B}"/>
-    <dgm:cxn modelId="{FF34A0BD-FFF1-4D43-B974-FF5311981424}" srcId="{DC1F4D05-9FE3-42A7-964E-89DFDE1D32EF}" destId="{FC018DF4-1C4A-473C-8C8E-DE9467470266}" srcOrd="2" destOrd="0" parTransId="{7CD76E98-396E-4AA9-AFAE-13057459F307}" sibTransId="{C5132741-3129-4628-A349-E7A6384D5840}"/>
-    <dgm:cxn modelId="{2BE534DA-34C1-47B2-BA8E-4948E173D012}" type="presOf" srcId="{C84677E2-4A40-48EC-80B9-30726D9822E2}" destId="{34DF3E5C-20AF-4281-9271-B115535EAAA7}" srcOrd="0" destOrd="0" presId="urn:microsoft.com/office/officeart/2005/8/layout/cycle2"/>
-    <dgm:cxn modelId="{AEAD25E1-DF92-4ADA-AE6F-1B86C5215CE6}" srcId="{DC1F4D05-9FE3-42A7-964E-89DFDE1D32EF}" destId="{10584412-C7CC-4FC1-B2AB-75DB23D18F20}" srcOrd="8" destOrd="0" parTransId="{594EACA5-8DEE-42D7-8E28-E65B817A7236}" sibTransId="{9A8B5B75-54D3-4D70-88F1-FDD65132BBD5}"/>
-    <dgm:cxn modelId="{526410E7-E0A6-46CC-92BD-94D6B31D4305}" type="presOf" srcId="{D153D79D-6C8F-4652-9E5B-ED153EC4091D}" destId="{A9DDCB49-119C-45E0-A2BC-6707158E0A26}" srcOrd="1" destOrd="0" presId="urn:microsoft.com/office/officeart/2005/8/layout/cycle2"/>
-    <dgm:cxn modelId="{11E29AEB-9B3C-46E4-8370-FF24CF939C87}" srcId="{DC1F4D05-9FE3-42A7-964E-89DFDE1D32EF}" destId="{C3C3638B-F6F4-428B-B968-4E74FB6966E3}" srcOrd="6" destOrd="0" parTransId="{ECB0A0EC-9735-4B7D-A03C-4972D20C11A2}" sibTransId="{DAF92C7C-45F7-44F4-BFD1-DCAD94764D39}"/>
-    <dgm:cxn modelId="{74705FEE-3BFF-4AD5-B349-AE2DE4C14070}" type="presOf" srcId="{C4DAD3C7-DC8D-45E0-94F4-57861D7DAA12}" destId="{6A4DF67D-DC73-4669-936D-5140DD531C45}" srcOrd="0" destOrd="0" presId="urn:microsoft.com/office/officeart/2005/8/layout/cycle2"/>
-    <dgm:cxn modelId="{62C523EF-1C75-45E7-9309-EFDF30D5BD9E}" type="presOf" srcId="{33C65FDE-DC4B-4BC5-83A9-E1E8C3218CC6}" destId="{9EFC0C2D-E761-4F6E-9904-AADFDFDDFD9D}" srcOrd="0" destOrd="0" presId="urn:microsoft.com/office/officeart/2005/8/layout/cycle2"/>
-    <dgm:cxn modelId="{B11FA6F2-E7E3-4826-91CA-2E554C1FB090}" type="presOf" srcId="{0CC39E03-AC8F-429C-B077-D12DA1E04481}" destId="{6782EEEB-BA63-4AD8-A645-90B7A9C0D075}" srcOrd="0" destOrd="0" presId="urn:microsoft.com/office/officeart/2005/8/layout/cycle2"/>
-    <dgm:cxn modelId="{4DC2E5FA-99D0-4538-887C-35389E43B7D3}" type="presOf" srcId="{A6A66E1C-4123-4761-B9BB-938EEFEF8683}" destId="{24B31742-D0A2-46D8-B962-99CDBE542B47}" srcOrd="0" destOrd="0" presId="urn:microsoft.com/office/officeart/2005/8/layout/cycle2"/>
-    <dgm:cxn modelId="{94B668FD-54FE-4C42-A0DF-8E54AF2F6D6D}" type="presOf" srcId="{C62EEA5C-6298-4FE9-9D54-80CA00BC6945}" destId="{87D27CB6-095D-4915-8628-6F449752BE4B}" srcOrd="0" destOrd="0" presId="urn:microsoft.com/office/officeart/2005/8/layout/cycle2"/>
+    <dgm:cxn modelId="{CA410022-A309-45E2-B40F-FB14180BB97F}" type="presOf" srcId="{9A8B5B75-54D3-4D70-88F1-FDD65132BBD5}" destId="{711729C4-8974-4E57-B275-CBDA5E6E7167}" srcOrd="0" destOrd="0" presId="urn:microsoft.com/office/officeart/2005/8/layout/cycle2"/>
     <dgm:cxn modelId="{61721B68-D09D-4EBB-86D2-87764AB04A66}" type="presParOf" srcId="{D7F1C75E-6004-44C3-A625-3529CE3D272A}" destId="{F45ACAD2-DDDD-4B69-B5CF-2C9F5CEF5371}" srcOrd="0" destOrd="0" presId="urn:microsoft.com/office/officeart/2005/8/layout/cycle2"/>
     <dgm:cxn modelId="{759D98DB-878D-4BD0-955C-621625272CE4}" type="presParOf" srcId="{D7F1C75E-6004-44C3-A625-3529CE3D272A}" destId="{A53D6BA1-5CBE-45F9-99CE-E489E7669403}" srcOrd="1" destOrd="0" presId="urn:microsoft.com/office/officeart/2005/8/layout/cycle2"/>
     <dgm:cxn modelId="{4782DEF3-6488-49C9-A7E6-54832FF7F42B}" type="presParOf" srcId="{A53D6BA1-5CBE-45F9-99CE-E489E7669403}" destId="{A9DDCB49-119C-45E0-A2BC-6707158E0A26}" srcOrd="0" destOrd="0" presId="urn:microsoft.com/office/officeart/2005/8/layout/cycle2"/>
@@ -11627,6 +12588,13 @@
         </dgm:presLayoutVars>
       </dgm:prSet>
       <dgm:spPr/>
+      <dgm:t>
+        <a:bodyPr/>
+        <a:lstStyle/>
+        <a:p>
+          <a:endParaRPr lang="zh-CN" altLang="en-US"/>
+        </a:p>
+      </dgm:t>
     </dgm:pt>
     <dgm:pt modelId="{F45ACAD2-DDDD-4B69-B5CF-2C9F5CEF5371}" type="pres">
       <dgm:prSet presAssocID="{CB76590E-5691-46F1-B1C0-38DFECF42573}" presName="node" presStyleLbl="node1" presStyleIdx="0" presStyleCnt="10">
@@ -11635,14 +12603,35 @@
         </dgm:presLayoutVars>
       </dgm:prSet>
       <dgm:spPr/>
+      <dgm:t>
+        <a:bodyPr/>
+        <a:lstStyle/>
+        <a:p>
+          <a:endParaRPr lang="zh-CN" altLang="en-US"/>
+        </a:p>
+      </dgm:t>
     </dgm:pt>
     <dgm:pt modelId="{A53D6BA1-5CBE-45F9-99CE-E489E7669403}" type="pres">
       <dgm:prSet presAssocID="{D153D79D-6C8F-4652-9E5B-ED153EC4091D}" presName="sibTrans" presStyleLbl="sibTrans2D1" presStyleIdx="0" presStyleCnt="10"/>
       <dgm:spPr/>
+      <dgm:t>
+        <a:bodyPr/>
+        <a:lstStyle/>
+        <a:p>
+          <a:endParaRPr lang="zh-CN" altLang="en-US"/>
+        </a:p>
+      </dgm:t>
     </dgm:pt>
     <dgm:pt modelId="{A9DDCB49-119C-45E0-A2BC-6707158E0A26}" type="pres">
       <dgm:prSet presAssocID="{D153D79D-6C8F-4652-9E5B-ED153EC4091D}" presName="connectorText" presStyleLbl="sibTrans2D1" presStyleIdx="0" presStyleCnt="10"/>
       <dgm:spPr/>
+      <dgm:t>
+        <a:bodyPr/>
+        <a:lstStyle/>
+        <a:p>
+          <a:endParaRPr lang="zh-CN" altLang="en-US"/>
+        </a:p>
+      </dgm:t>
     </dgm:pt>
     <dgm:pt modelId="{E1A08C2F-093D-4B47-A64C-9511EE240AA9}" type="pres">
       <dgm:prSet presAssocID="{F4FEF85B-C795-43DE-917A-74B2DF4BFB22}" presName="node" presStyleLbl="node1" presStyleIdx="1" presStyleCnt="10" custRadScaleRad="100168" custRadScaleInc="-6657">
@@ -11651,14 +12640,35 @@
         </dgm:presLayoutVars>
       </dgm:prSet>
       <dgm:spPr/>
+      <dgm:t>
+        <a:bodyPr/>
+        <a:lstStyle/>
+        <a:p>
+          <a:endParaRPr lang="zh-CN" altLang="en-US"/>
+        </a:p>
+      </dgm:t>
     </dgm:pt>
     <dgm:pt modelId="{EF1A8A45-F500-4DCE-A3DB-3866B33C9871}" type="pres">
       <dgm:prSet presAssocID="{93FC17C1-2D4C-4363-B037-AADF86BA2D5B}" presName="sibTrans" presStyleLbl="sibTrans2D1" presStyleIdx="1" presStyleCnt="10"/>
       <dgm:spPr/>
+      <dgm:t>
+        <a:bodyPr/>
+        <a:lstStyle/>
+        <a:p>
+          <a:endParaRPr lang="zh-CN" altLang="en-US"/>
+        </a:p>
+      </dgm:t>
     </dgm:pt>
     <dgm:pt modelId="{7F1AC502-2122-43F6-B495-8852E52DC22E}" type="pres">
       <dgm:prSet presAssocID="{93FC17C1-2D4C-4363-B037-AADF86BA2D5B}" presName="connectorText" presStyleLbl="sibTrans2D1" presStyleIdx="1" presStyleCnt="10"/>
       <dgm:spPr/>
+      <dgm:t>
+        <a:bodyPr/>
+        <a:lstStyle/>
+        <a:p>
+          <a:endParaRPr lang="zh-CN" altLang="en-US"/>
+        </a:p>
+      </dgm:t>
     </dgm:pt>
     <dgm:pt modelId="{B8C4FA17-E3A8-4FFF-92F9-A8EDD2E67DF0}" type="pres">
       <dgm:prSet presAssocID="{FC018DF4-1C4A-473C-8C8E-DE9467470266}" presName="node" presStyleLbl="node1" presStyleIdx="2" presStyleCnt="10" custRadScaleRad="103339" custRadScaleInc="-34046">
@@ -11667,14 +12677,35 @@
         </dgm:presLayoutVars>
       </dgm:prSet>
       <dgm:spPr/>
+      <dgm:t>
+        <a:bodyPr/>
+        <a:lstStyle/>
+        <a:p>
+          <a:endParaRPr lang="zh-CN" altLang="en-US"/>
+        </a:p>
+      </dgm:t>
     </dgm:pt>
     <dgm:pt modelId="{04C33435-C5ED-42FD-9804-277DB46802F2}" type="pres">
       <dgm:prSet presAssocID="{C5132741-3129-4628-A349-E7A6384D5840}" presName="sibTrans" presStyleLbl="sibTrans2D1" presStyleIdx="2" presStyleCnt="10"/>
       <dgm:spPr/>
+      <dgm:t>
+        <a:bodyPr/>
+        <a:lstStyle/>
+        <a:p>
+          <a:endParaRPr lang="zh-CN" altLang="en-US"/>
+        </a:p>
+      </dgm:t>
     </dgm:pt>
     <dgm:pt modelId="{D2FAB9B7-7CF4-4E6B-998E-1DF0FF026C56}" type="pres">
       <dgm:prSet presAssocID="{C5132741-3129-4628-A349-E7A6384D5840}" presName="connectorText" presStyleLbl="sibTrans2D1" presStyleIdx="2" presStyleCnt="10"/>
       <dgm:spPr/>
+      <dgm:t>
+        <a:bodyPr/>
+        <a:lstStyle/>
+        <a:p>
+          <a:endParaRPr lang="zh-CN" altLang="en-US"/>
+        </a:p>
+      </dgm:t>
     </dgm:pt>
     <dgm:pt modelId="{34DF3E5C-20AF-4281-9271-B115535EAAA7}" type="pres">
       <dgm:prSet presAssocID="{C84677E2-4A40-48EC-80B9-30726D9822E2}" presName="node" presStyleLbl="node1" presStyleIdx="3" presStyleCnt="10">
@@ -11683,14 +12714,35 @@
         </dgm:presLayoutVars>
       </dgm:prSet>
       <dgm:spPr/>
+      <dgm:t>
+        <a:bodyPr/>
+        <a:lstStyle/>
+        <a:p>
+          <a:endParaRPr lang="zh-CN" altLang="en-US"/>
+        </a:p>
+      </dgm:t>
     </dgm:pt>
     <dgm:pt modelId="{74765971-75DD-4561-B979-13EE714AFF12}" type="pres">
       <dgm:prSet presAssocID="{33F1CFDB-D841-415F-9D09-B764F0DE84D9}" presName="sibTrans" presStyleLbl="sibTrans2D1" presStyleIdx="3" presStyleCnt="10"/>
       <dgm:spPr/>
+      <dgm:t>
+        <a:bodyPr/>
+        <a:lstStyle/>
+        <a:p>
+          <a:endParaRPr lang="zh-CN" altLang="en-US"/>
+        </a:p>
+      </dgm:t>
     </dgm:pt>
     <dgm:pt modelId="{1C2B847F-7012-44EE-AAF4-7D627BFA41FF}" type="pres">
       <dgm:prSet presAssocID="{33F1CFDB-D841-415F-9D09-B764F0DE84D9}" presName="connectorText" presStyleLbl="sibTrans2D1" presStyleIdx="3" presStyleCnt="10"/>
       <dgm:spPr/>
+      <dgm:t>
+        <a:bodyPr/>
+        <a:lstStyle/>
+        <a:p>
+          <a:endParaRPr lang="zh-CN" altLang="en-US"/>
+        </a:p>
+      </dgm:t>
     </dgm:pt>
     <dgm:pt modelId="{24B31742-D0A2-46D8-B962-99CDBE542B47}" type="pres">
       <dgm:prSet presAssocID="{A6A66E1C-4123-4761-B9BB-938EEFEF8683}" presName="node" presStyleLbl="node1" presStyleIdx="4" presStyleCnt="10">
@@ -11699,14 +12751,35 @@
         </dgm:presLayoutVars>
       </dgm:prSet>
       <dgm:spPr/>
+      <dgm:t>
+        <a:bodyPr/>
+        <a:lstStyle/>
+        <a:p>
+          <a:endParaRPr lang="zh-CN" altLang="en-US"/>
+        </a:p>
+      </dgm:t>
     </dgm:pt>
     <dgm:pt modelId="{275EE9DE-0E7B-44FB-9C5F-53265A16B71A}" type="pres">
       <dgm:prSet presAssocID="{FD2E8404-5A5D-4A08-B63D-678E4ED26AE1}" presName="sibTrans" presStyleLbl="sibTrans2D1" presStyleIdx="4" presStyleCnt="10"/>
       <dgm:spPr/>
+      <dgm:t>
+        <a:bodyPr/>
+        <a:lstStyle/>
+        <a:p>
+          <a:endParaRPr lang="zh-CN" altLang="en-US"/>
+        </a:p>
+      </dgm:t>
     </dgm:pt>
     <dgm:pt modelId="{1BB943CF-3748-4570-A1EE-859C2A4592B3}" type="pres">
       <dgm:prSet presAssocID="{FD2E8404-5A5D-4A08-B63D-678E4ED26AE1}" presName="connectorText" presStyleLbl="sibTrans2D1" presStyleIdx="4" presStyleCnt="10"/>
       <dgm:spPr/>
+      <dgm:t>
+        <a:bodyPr/>
+        <a:lstStyle/>
+        <a:p>
+          <a:endParaRPr lang="zh-CN" altLang="en-US"/>
+        </a:p>
+      </dgm:t>
     </dgm:pt>
     <dgm:pt modelId="{87D27CB6-095D-4915-8628-6F449752BE4B}" type="pres">
       <dgm:prSet presAssocID="{C62EEA5C-6298-4FE9-9D54-80CA00BC6945}" presName="node" presStyleLbl="node1" presStyleIdx="5" presStyleCnt="10" custRadScaleRad="94134" custRadScaleInc="-58515">
@@ -11715,14 +12788,35 @@
         </dgm:presLayoutVars>
       </dgm:prSet>
       <dgm:spPr/>
+      <dgm:t>
+        <a:bodyPr/>
+        <a:lstStyle/>
+        <a:p>
+          <a:endParaRPr lang="zh-CN" altLang="en-US"/>
+        </a:p>
+      </dgm:t>
     </dgm:pt>
     <dgm:pt modelId="{6782EEEB-BA63-4AD8-A645-90B7A9C0D075}" type="pres">
       <dgm:prSet presAssocID="{0CC39E03-AC8F-429C-B077-D12DA1E04481}" presName="sibTrans" presStyleLbl="sibTrans2D1" presStyleIdx="5" presStyleCnt="10"/>
       <dgm:spPr/>
+      <dgm:t>
+        <a:bodyPr/>
+        <a:lstStyle/>
+        <a:p>
+          <a:endParaRPr lang="zh-CN" altLang="en-US"/>
+        </a:p>
+      </dgm:t>
     </dgm:pt>
     <dgm:pt modelId="{213CE7C6-5483-4700-A291-09079E2C59C9}" type="pres">
       <dgm:prSet presAssocID="{0CC39E03-AC8F-429C-B077-D12DA1E04481}" presName="connectorText" presStyleLbl="sibTrans2D1" presStyleIdx="5" presStyleCnt="10"/>
       <dgm:spPr/>
+      <dgm:t>
+        <a:bodyPr/>
+        <a:lstStyle/>
+        <a:p>
+          <a:endParaRPr lang="zh-CN" altLang="en-US"/>
+        </a:p>
+      </dgm:t>
     </dgm:pt>
     <dgm:pt modelId="{FAB3C292-35F1-48CB-8B11-09ECF7BF3C57}" type="pres">
       <dgm:prSet presAssocID="{C3C3638B-F6F4-428B-B968-4E74FB6966E3}" presName="node" presStyleLbl="node1" presStyleIdx="6" presStyleCnt="10" custRadScaleRad="89843" custRadScaleInc="-98093">
@@ -11731,14 +12825,35 @@
         </dgm:presLayoutVars>
       </dgm:prSet>
       <dgm:spPr/>
+      <dgm:t>
+        <a:bodyPr/>
+        <a:lstStyle/>
+        <a:p>
+          <a:endParaRPr lang="zh-CN" altLang="en-US"/>
+        </a:p>
+      </dgm:t>
     </dgm:pt>
     <dgm:pt modelId="{EAAA4277-D019-4939-B257-08BF9EAAB754}" type="pres">
       <dgm:prSet presAssocID="{DAF92C7C-45F7-44F4-BFD1-DCAD94764D39}" presName="sibTrans" presStyleLbl="sibTrans2D1" presStyleIdx="6" presStyleCnt="10"/>
       <dgm:spPr/>
+      <dgm:t>
+        <a:bodyPr/>
+        <a:lstStyle/>
+        <a:p>
+          <a:endParaRPr lang="zh-CN" altLang="en-US"/>
+        </a:p>
+      </dgm:t>
     </dgm:pt>
     <dgm:pt modelId="{50E3DAD5-C33C-43BC-8586-EC2EADC309EA}" type="pres">
       <dgm:prSet presAssocID="{DAF92C7C-45F7-44F4-BFD1-DCAD94764D39}" presName="connectorText" presStyleLbl="sibTrans2D1" presStyleIdx="6" presStyleCnt="10"/>
       <dgm:spPr/>
+      <dgm:t>
+        <a:bodyPr/>
+        <a:lstStyle/>
+        <a:p>
+          <a:endParaRPr lang="zh-CN" altLang="en-US"/>
+        </a:p>
+      </dgm:t>
     </dgm:pt>
     <dgm:pt modelId="{6A4DF67D-DC73-4669-936D-5140DD531C45}" type="pres">
       <dgm:prSet presAssocID="{C4DAD3C7-DC8D-45E0-94F4-57861D7DAA12}" presName="node" presStyleLbl="node1" presStyleIdx="7" presStyleCnt="10">
@@ -11747,14 +12862,35 @@
         </dgm:presLayoutVars>
       </dgm:prSet>
       <dgm:spPr/>
+      <dgm:t>
+        <a:bodyPr/>
+        <a:lstStyle/>
+        <a:p>
+          <a:endParaRPr lang="zh-CN" altLang="en-US"/>
+        </a:p>
+      </dgm:t>
     </dgm:pt>
     <dgm:pt modelId="{6F801686-E316-446C-822D-15D0C2EDA630}" type="pres">
       <dgm:prSet presAssocID="{F5750B51-8D2B-4CE3-8DC7-5D099994A143}" presName="sibTrans" presStyleLbl="sibTrans2D1" presStyleIdx="7" presStyleCnt="10"/>
       <dgm:spPr/>
+      <dgm:t>
+        <a:bodyPr/>
+        <a:lstStyle/>
+        <a:p>
+          <a:endParaRPr lang="zh-CN" altLang="en-US"/>
+        </a:p>
+      </dgm:t>
     </dgm:pt>
     <dgm:pt modelId="{A67AB7FE-9C16-4F92-9D73-C3750D775353}" type="pres">
       <dgm:prSet presAssocID="{F5750B51-8D2B-4CE3-8DC7-5D099994A143}" presName="connectorText" presStyleLbl="sibTrans2D1" presStyleIdx="7" presStyleCnt="10"/>
       <dgm:spPr/>
+      <dgm:t>
+        <a:bodyPr/>
+        <a:lstStyle/>
+        <a:p>
+          <a:endParaRPr lang="zh-CN" altLang="en-US"/>
+        </a:p>
+      </dgm:t>
     </dgm:pt>
     <dgm:pt modelId="{7B9B045A-0795-410F-9EF4-4070A65554B6}" type="pres">
       <dgm:prSet presAssocID="{10584412-C7CC-4FC1-B2AB-75DB23D18F20}" presName="node" presStyleLbl="node1" presStyleIdx="8" presStyleCnt="10" custRadScaleRad="97843" custRadScaleInc="6984">
@@ -11763,14 +12899,35 @@
         </dgm:presLayoutVars>
       </dgm:prSet>
       <dgm:spPr/>
+      <dgm:t>
+        <a:bodyPr/>
+        <a:lstStyle/>
+        <a:p>
+          <a:endParaRPr lang="zh-CN" altLang="en-US"/>
+        </a:p>
+      </dgm:t>
     </dgm:pt>
     <dgm:pt modelId="{711729C4-8974-4E57-B275-CBDA5E6E7167}" type="pres">
       <dgm:prSet presAssocID="{9A8B5B75-54D3-4D70-88F1-FDD65132BBD5}" presName="sibTrans" presStyleLbl="sibTrans2D1" presStyleIdx="8" presStyleCnt="10"/>
       <dgm:spPr/>
+      <dgm:t>
+        <a:bodyPr/>
+        <a:lstStyle/>
+        <a:p>
+          <a:endParaRPr lang="zh-CN" altLang="en-US"/>
+        </a:p>
+      </dgm:t>
     </dgm:pt>
     <dgm:pt modelId="{1AEBAB2D-C9A7-4059-A048-8B48E4CDB2C5}" type="pres">
       <dgm:prSet presAssocID="{9A8B5B75-54D3-4D70-88F1-FDD65132BBD5}" presName="connectorText" presStyleLbl="sibTrans2D1" presStyleIdx="8" presStyleCnt="10"/>
       <dgm:spPr/>
+      <dgm:t>
+        <a:bodyPr/>
+        <a:lstStyle/>
+        <a:p>
+          <a:endParaRPr lang="zh-CN" altLang="en-US"/>
+        </a:p>
+      </dgm:t>
     </dgm:pt>
     <dgm:pt modelId="{D53A1E11-3BFF-4DB3-B007-42AAF4C4F104}" type="pres">
       <dgm:prSet presAssocID="{E2BFAB97-1A96-4F29-A9E9-BB09C064F6AD}" presName="node" presStyleLbl="node1" presStyleIdx="9" presStyleCnt="10" custRadScaleRad="96726" custRadScaleInc="-32827">
@@ -11779,58 +12936,79 @@
         </dgm:presLayoutVars>
       </dgm:prSet>
       <dgm:spPr/>
+      <dgm:t>
+        <a:bodyPr/>
+        <a:lstStyle/>
+        <a:p>
+          <a:endParaRPr lang="zh-CN" altLang="en-US"/>
+        </a:p>
+      </dgm:t>
     </dgm:pt>
     <dgm:pt modelId="{9EFC0C2D-E761-4F6E-9904-AADFDFDDFD9D}" type="pres">
       <dgm:prSet presAssocID="{33C65FDE-DC4B-4BC5-83A9-E1E8C3218CC6}" presName="sibTrans" presStyleLbl="sibTrans2D1" presStyleIdx="9" presStyleCnt="10"/>
       <dgm:spPr/>
+      <dgm:t>
+        <a:bodyPr/>
+        <a:lstStyle/>
+        <a:p>
+          <a:endParaRPr lang="zh-CN" altLang="en-US"/>
+        </a:p>
+      </dgm:t>
     </dgm:pt>
     <dgm:pt modelId="{40C6ED9D-9F31-474F-9AB9-0C6FDDDF3D88}" type="pres">
       <dgm:prSet presAssocID="{33C65FDE-DC4B-4BC5-83A9-E1E8C3218CC6}" presName="connectorText" presStyleLbl="sibTrans2D1" presStyleIdx="9" presStyleCnt="10"/>
       <dgm:spPr/>
+      <dgm:t>
+        <a:bodyPr/>
+        <a:lstStyle/>
+        <a:p>
+          <a:endParaRPr lang="zh-CN" altLang="en-US"/>
+        </a:p>
+      </dgm:t>
     </dgm:pt>
   </dgm:ptLst>
   <dgm:cxnLst>
+    <dgm:cxn modelId="{86C7AF35-FA36-4124-9EA3-3B1482090BDE}" srcId="{DC1F4D05-9FE3-42A7-964E-89DFDE1D32EF}" destId="{CB76590E-5691-46F1-B1C0-38DFECF42573}" srcOrd="0" destOrd="0" parTransId="{5325BBDF-43D3-4772-BE95-6594EBFECDE2}" sibTransId="{D153D79D-6C8F-4652-9E5B-ED153EC4091D}"/>
+    <dgm:cxn modelId="{62C523EF-1C75-45E7-9309-EFDF30D5BD9E}" type="presOf" srcId="{33C65FDE-DC4B-4BC5-83A9-E1E8C3218CC6}" destId="{9EFC0C2D-E761-4F6E-9904-AADFDFDDFD9D}" srcOrd="0" destOrd="0" presId="urn:microsoft.com/office/officeart/2005/8/layout/cycle2"/>
+    <dgm:cxn modelId="{76B4A51C-0B12-4E32-92B4-7138970257C2}" srcId="{DC1F4D05-9FE3-42A7-964E-89DFDE1D32EF}" destId="{E2BFAB97-1A96-4F29-A9E9-BB09C064F6AD}" srcOrd="9" destOrd="0" parTransId="{10AE24F0-008C-4C0B-9FE6-4A6A78217359}" sibTransId="{33C65FDE-DC4B-4BC5-83A9-E1E8C3218CC6}"/>
+    <dgm:cxn modelId="{69D86D0B-A8DB-4FA0-8A2A-4490292FC1D7}" type="presOf" srcId="{F4FEF85B-C795-43DE-917A-74B2DF4BFB22}" destId="{E1A08C2F-093D-4B47-A64C-9511EE240AA9}" srcOrd="0" destOrd="0" presId="urn:microsoft.com/office/officeart/2005/8/layout/cycle2"/>
     <dgm:cxn modelId="{FE686100-5594-47A7-905B-02B2D3535031}" type="presOf" srcId="{33F1CFDB-D841-415F-9D09-B764F0DE84D9}" destId="{1C2B847F-7012-44EE-AAF4-7D627BFA41FF}" srcOrd="1" destOrd="0" presId="urn:microsoft.com/office/officeart/2005/8/layout/cycle2"/>
-    <dgm:cxn modelId="{751B3C07-C313-49E0-988D-60298788055D}" type="presOf" srcId="{DC1F4D05-9FE3-42A7-964E-89DFDE1D32EF}" destId="{D7F1C75E-6004-44C3-A625-3529CE3D272A}" srcOrd="0" destOrd="0" presId="urn:microsoft.com/office/officeart/2005/8/layout/cycle2"/>
-    <dgm:cxn modelId="{22BD720A-A557-4D0E-A852-00FA7D629FF5}" type="presOf" srcId="{33F1CFDB-D841-415F-9D09-B764F0DE84D9}" destId="{74765971-75DD-4561-B979-13EE714AFF12}" srcOrd="0" destOrd="0" presId="urn:microsoft.com/office/officeart/2005/8/layout/cycle2"/>
-    <dgm:cxn modelId="{69D86D0B-A8DB-4FA0-8A2A-4490292FC1D7}" type="presOf" srcId="{F4FEF85B-C795-43DE-917A-74B2DF4BFB22}" destId="{E1A08C2F-093D-4B47-A64C-9511EE240AA9}" srcOrd="0" destOrd="0" presId="urn:microsoft.com/office/officeart/2005/8/layout/cycle2"/>
-    <dgm:cxn modelId="{76B4A51C-0B12-4E32-92B4-7138970257C2}" srcId="{DC1F4D05-9FE3-42A7-964E-89DFDE1D32EF}" destId="{E2BFAB97-1A96-4F29-A9E9-BB09C064F6AD}" srcOrd="9" destOrd="0" parTransId="{10AE24F0-008C-4C0B-9FE6-4A6A78217359}" sibTransId="{33C65FDE-DC4B-4BC5-83A9-E1E8C3218CC6}"/>
-    <dgm:cxn modelId="{CA410022-A309-45E2-B40F-FB14180BB97F}" type="presOf" srcId="{9A8B5B75-54D3-4D70-88F1-FDD65132BBD5}" destId="{711729C4-8974-4E57-B275-CBDA5E6E7167}" srcOrd="0" destOrd="0" presId="urn:microsoft.com/office/officeart/2005/8/layout/cycle2"/>
-    <dgm:cxn modelId="{4A8E982E-900B-40F5-9804-EEFB0BED5323}" srcId="{DC1F4D05-9FE3-42A7-964E-89DFDE1D32EF}" destId="{C84677E2-4A40-48EC-80B9-30726D9822E2}" srcOrd="3" destOrd="0" parTransId="{9EA30B78-2E54-4843-B4A9-5EE0123F7395}" sibTransId="{33F1CFDB-D841-415F-9D09-B764F0DE84D9}"/>
-    <dgm:cxn modelId="{73B0B134-B0FE-4F1F-829B-40FCCEB51A5B}" type="presOf" srcId="{CB76590E-5691-46F1-B1C0-38DFECF42573}" destId="{F45ACAD2-DDDD-4B69-B5CF-2C9F5CEF5371}" srcOrd="0" destOrd="0" presId="urn:microsoft.com/office/officeart/2005/8/layout/cycle2"/>
-    <dgm:cxn modelId="{86C7AF35-FA36-4124-9EA3-3B1482090BDE}" srcId="{DC1F4D05-9FE3-42A7-964E-89DFDE1D32EF}" destId="{CB76590E-5691-46F1-B1C0-38DFECF42573}" srcOrd="0" destOrd="0" parTransId="{5325BBDF-43D3-4772-BE95-6594EBFECDE2}" sibTransId="{D153D79D-6C8F-4652-9E5B-ED153EC4091D}"/>
-    <dgm:cxn modelId="{1C74A63C-F526-440D-A325-2BFA4794D51C}" type="presOf" srcId="{E2BFAB97-1A96-4F29-A9E9-BB09C064F6AD}" destId="{D53A1E11-3BFF-4DB3-B007-42AAF4C4F104}" srcOrd="0" destOrd="0" presId="urn:microsoft.com/office/officeart/2005/8/layout/cycle2"/>
-    <dgm:cxn modelId="{1843443E-61B2-4A27-8139-40917DDA0512}" type="presOf" srcId="{93FC17C1-2D4C-4363-B037-AADF86BA2D5B}" destId="{EF1A8A45-F500-4DCE-A3DB-3866B33C9871}" srcOrd="0" destOrd="0" presId="urn:microsoft.com/office/officeart/2005/8/layout/cycle2"/>
-    <dgm:cxn modelId="{D7219C6B-F4FC-4779-B8FA-F03290400F4A}" type="presOf" srcId="{C3C3638B-F6F4-428B-B968-4E74FB6966E3}" destId="{FAB3C292-35F1-48CB-8B11-09ECF7BF3C57}" srcOrd="0" destOrd="0" presId="urn:microsoft.com/office/officeart/2005/8/layout/cycle2"/>
+    <dgm:cxn modelId="{F4979776-FB30-4041-883E-74FF084CAE89}" type="presOf" srcId="{F5750B51-8D2B-4CE3-8DC7-5D099994A143}" destId="{6F801686-E316-446C-822D-15D0C2EDA630}" srcOrd="0" destOrd="0" presId="urn:microsoft.com/office/officeart/2005/8/layout/cycle2"/>
+    <dgm:cxn modelId="{D7FBBB8F-642D-4BC5-A040-0C4C362691A8}" type="presOf" srcId="{93FC17C1-2D4C-4363-B037-AADF86BA2D5B}" destId="{7F1AC502-2122-43F6-B495-8852E52DC22E}" srcOrd="1" destOrd="0" presId="urn:microsoft.com/office/officeart/2005/8/layout/cycle2"/>
+    <dgm:cxn modelId="{4DC2E5FA-99D0-4538-887C-35389E43B7D3}" type="presOf" srcId="{A6A66E1C-4123-4761-B9BB-938EEFEF8683}" destId="{24B31742-D0A2-46D8-B962-99CDBE542B47}" srcOrd="0" destOrd="0" presId="urn:microsoft.com/office/officeart/2005/8/layout/cycle2"/>
+    <dgm:cxn modelId="{80DCCCA8-B1F0-4BAC-9653-50EF4290B57C}" srcId="{DC1F4D05-9FE3-42A7-964E-89DFDE1D32EF}" destId="{A6A66E1C-4123-4761-B9BB-938EEFEF8683}" srcOrd="4" destOrd="0" parTransId="{DD2973DF-554A-45F7-B305-253EC1645E78}" sibTransId="{FD2E8404-5A5D-4A08-B63D-678E4ED26AE1}"/>
+    <dgm:cxn modelId="{AEAD25E1-DF92-4ADA-AE6F-1B86C5215CE6}" srcId="{DC1F4D05-9FE3-42A7-964E-89DFDE1D32EF}" destId="{10584412-C7CC-4FC1-B2AB-75DB23D18F20}" srcOrd="8" destOrd="0" parTransId="{594EACA5-8DEE-42D7-8E28-E65B817A7236}" sibTransId="{9A8B5B75-54D3-4D70-88F1-FDD65132BBD5}"/>
+    <dgm:cxn modelId="{53D6688B-4408-47F7-88CE-87AEBDBD121D}" type="presOf" srcId="{DAF92C7C-45F7-44F4-BFD1-DCAD94764D39}" destId="{EAAA4277-D019-4939-B257-08BF9EAAB754}" srcOrd="0" destOrd="0" presId="urn:microsoft.com/office/officeart/2005/8/layout/cycle2"/>
+    <dgm:cxn modelId="{6E75B1B4-9A6B-44BD-ABFD-2B6481B0272A}" type="presOf" srcId="{9A8B5B75-54D3-4D70-88F1-FDD65132BBD5}" destId="{1AEBAB2D-C9A7-4059-A048-8B48E4CDB2C5}" srcOrd="1" destOrd="0" presId="urn:microsoft.com/office/officeart/2005/8/layout/cycle2"/>
+    <dgm:cxn modelId="{B11FA6F2-E7E3-4826-91CA-2E554C1FB090}" type="presOf" srcId="{0CC39E03-AC8F-429C-B077-D12DA1E04481}" destId="{6782EEEB-BA63-4AD8-A645-90B7A9C0D075}" srcOrd="0" destOrd="0" presId="urn:microsoft.com/office/officeart/2005/8/layout/cycle2"/>
+    <dgm:cxn modelId="{37EEC976-1DFB-4D17-92F6-B0602191FFA9}" srcId="{DC1F4D05-9FE3-42A7-964E-89DFDE1D32EF}" destId="{C62EEA5C-6298-4FE9-9D54-80CA00BC6945}" srcOrd="5" destOrd="0" parTransId="{0C6F9C58-C575-413C-AB79-4FB72430F635}" sibTransId="{0CC39E03-AC8F-429C-B077-D12DA1E04481}"/>
     <dgm:cxn modelId="{D5C8EF4D-2608-4FE3-88D5-F645AF6A80EE}" type="presOf" srcId="{FC018DF4-1C4A-473C-8C8E-DE9467470266}" destId="{B8C4FA17-E3A8-4FFF-92F9-A8EDD2E67DF0}" srcOrd="0" destOrd="0" presId="urn:microsoft.com/office/officeart/2005/8/layout/cycle2"/>
     <dgm:cxn modelId="{F570C26F-08EA-4DC2-A329-BF6827B7AEE8}" type="presOf" srcId="{33C65FDE-DC4B-4BC5-83A9-E1E8C3218CC6}" destId="{40C6ED9D-9F31-474F-9AB9-0C6FDDDF3D88}" srcOrd="1" destOrd="0" presId="urn:microsoft.com/office/officeart/2005/8/layout/cycle2"/>
+    <dgm:cxn modelId="{2BE534DA-34C1-47B2-BA8E-4948E173D012}" type="presOf" srcId="{C84677E2-4A40-48EC-80B9-30726D9822E2}" destId="{34DF3E5C-20AF-4281-9271-B115535EAAA7}" srcOrd="0" destOrd="0" presId="urn:microsoft.com/office/officeart/2005/8/layout/cycle2"/>
+    <dgm:cxn modelId="{11E29AEB-9B3C-46E4-8370-FF24CF939C87}" srcId="{DC1F4D05-9FE3-42A7-964E-89DFDE1D32EF}" destId="{C3C3638B-F6F4-428B-B968-4E74FB6966E3}" srcOrd="6" destOrd="0" parTransId="{ECB0A0EC-9735-4B7D-A03C-4972D20C11A2}" sibTransId="{DAF92C7C-45F7-44F4-BFD1-DCAD94764D39}"/>
+    <dgm:cxn modelId="{94B668FD-54FE-4C42-A0DF-8E54AF2F6D6D}" type="presOf" srcId="{C62EEA5C-6298-4FE9-9D54-80CA00BC6945}" destId="{87D27CB6-095D-4915-8628-6F449752BE4B}" srcOrd="0" destOrd="0" presId="urn:microsoft.com/office/officeart/2005/8/layout/cycle2"/>
+    <dgm:cxn modelId="{4A8E982E-900B-40F5-9804-EEFB0BED5323}" srcId="{DC1F4D05-9FE3-42A7-964E-89DFDE1D32EF}" destId="{C84677E2-4A40-48EC-80B9-30726D9822E2}" srcOrd="3" destOrd="0" parTransId="{9EA30B78-2E54-4843-B4A9-5EE0123F7395}" sibTransId="{33F1CFDB-D841-415F-9D09-B764F0DE84D9}"/>
+    <dgm:cxn modelId="{1C74A63C-F526-440D-A325-2BFA4794D51C}" type="presOf" srcId="{E2BFAB97-1A96-4F29-A9E9-BB09C064F6AD}" destId="{D53A1E11-3BFF-4DB3-B007-42AAF4C4F104}" srcOrd="0" destOrd="0" presId="urn:microsoft.com/office/officeart/2005/8/layout/cycle2"/>
+    <dgm:cxn modelId="{74705FEE-3BFF-4AD5-B349-AE2DE4C14070}" type="presOf" srcId="{C4DAD3C7-DC8D-45E0-94F4-57861D7DAA12}" destId="{6A4DF67D-DC73-4669-936D-5140DD531C45}" srcOrd="0" destOrd="0" presId="urn:microsoft.com/office/officeart/2005/8/layout/cycle2"/>
+    <dgm:cxn modelId="{B5AF7082-51F8-454F-B811-47F1F1CBAE63}" type="presOf" srcId="{C5132741-3129-4628-A349-E7A6384D5840}" destId="{04C33435-C5ED-42FD-9804-277DB46802F2}" srcOrd="0" destOrd="0" presId="urn:microsoft.com/office/officeart/2005/8/layout/cycle2"/>
+    <dgm:cxn modelId="{8C389092-E0A9-4085-A1D8-9954657A8074}" type="presOf" srcId="{10584412-C7CC-4FC1-B2AB-75DB23D18F20}" destId="{7B9B045A-0795-410F-9EF4-4070A65554B6}" srcOrd="0" destOrd="0" presId="urn:microsoft.com/office/officeart/2005/8/layout/cycle2"/>
+    <dgm:cxn modelId="{22BD720A-A557-4D0E-A852-00FA7D629FF5}" type="presOf" srcId="{33F1CFDB-D841-415F-9D09-B764F0DE84D9}" destId="{74765971-75DD-4561-B979-13EE714AFF12}" srcOrd="0" destOrd="0" presId="urn:microsoft.com/office/officeart/2005/8/layout/cycle2"/>
+    <dgm:cxn modelId="{D7219C6B-F4FC-4779-B8FA-F03290400F4A}" type="presOf" srcId="{C3C3638B-F6F4-428B-B968-4E74FB6966E3}" destId="{FAB3C292-35F1-48CB-8B11-09ECF7BF3C57}" srcOrd="0" destOrd="0" presId="urn:microsoft.com/office/officeart/2005/8/layout/cycle2"/>
+    <dgm:cxn modelId="{C7466F88-1151-4189-ADE0-D5094677074F}" type="presOf" srcId="{C5132741-3129-4628-A349-E7A6384D5840}" destId="{D2FAB9B7-7CF4-4E6B-998E-1DF0FF026C56}" srcOrd="1" destOrd="0" presId="urn:microsoft.com/office/officeart/2005/8/layout/cycle2"/>
+    <dgm:cxn modelId="{FF34A0BD-FFF1-4D43-B974-FF5311981424}" srcId="{DC1F4D05-9FE3-42A7-964E-89DFDE1D32EF}" destId="{FC018DF4-1C4A-473C-8C8E-DE9467470266}" srcOrd="2" destOrd="0" parTransId="{7CD76E98-396E-4AA9-AFAE-13057459F307}" sibTransId="{C5132741-3129-4628-A349-E7A6384D5840}"/>
+    <dgm:cxn modelId="{1843443E-61B2-4A27-8139-40917DDA0512}" type="presOf" srcId="{93FC17C1-2D4C-4363-B037-AADF86BA2D5B}" destId="{EF1A8A45-F500-4DCE-A3DB-3866B33C9871}" srcOrd="0" destOrd="0" presId="urn:microsoft.com/office/officeart/2005/8/layout/cycle2"/>
+    <dgm:cxn modelId="{B716C45A-B38C-4193-81D5-3415B340D1F7}" type="presOf" srcId="{D153D79D-6C8F-4652-9E5B-ED153EC4091D}" destId="{A53D6BA1-5CBE-45F9-99CE-E489E7669403}" srcOrd="0" destOrd="0" presId="urn:microsoft.com/office/officeart/2005/8/layout/cycle2"/>
+    <dgm:cxn modelId="{526410E7-E0A6-46CC-92BD-94D6B31D4305}" type="presOf" srcId="{D153D79D-6C8F-4652-9E5B-ED153EC4091D}" destId="{A9DDCB49-119C-45E0-A2BC-6707158E0A26}" srcOrd="1" destOrd="0" presId="urn:microsoft.com/office/officeart/2005/8/layout/cycle2"/>
+    <dgm:cxn modelId="{73B0B134-B0FE-4F1F-829B-40FCCEB51A5B}" type="presOf" srcId="{CB76590E-5691-46F1-B1C0-38DFECF42573}" destId="{F45ACAD2-DDDD-4B69-B5CF-2C9F5CEF5371}" srcOrd="0" destOrd="0" presId="urn:microsoft.com/office/officeart/2005/8/layout/cycle2"/>
     <dgm:cxn modelId="{DD1FA573-3DFB-4E71-A34B-4B2FD90F6032}" type="presOf" srcId="{0CC39E03-AC8F-429C-B077-D12DA1E04481}" destId="{213CE7C6-5483-4700-A291-09079E2C59C9}" srcOrd="1" destOrd="0" presId="urn:microsoft.com/office/officeart/2005/8/layout/cycle2"/>
+    <dgm:cxn modelId="{D9BDB184-18BF-4DA6-B77A-35F6FB67B53C}" type="presOf" srcId="{FD2E8404-5A5D-4A08-B63D-678E4ED26AE1}" destId="{1BB943CF-3748-4570-A1EE-859C2A4592B3}" srcOrd="1" destOrd="0" presId="urn:microsoft.com/office/officeart/2005/8/layout/cycle2"/>
+    <dgm:cxn modelId="{7B8EC8BA-0E38-4959-9530-CA26F552B34A}" srcId="{DC1F4D05-9FE3-42A7-964E-89DFDE1D32EF}" destId="{F4FEF85B-C795-43DE-917A-74B2DF4BFB22}" srcOrd="1" destOrd="0" parTransId="{BCA835B5-EBF7-4048-BD34-8785EE6EA214}" sibTransId="{93FC17C1-2D4C-4363-B037-AADF86BA2D5B}"/>
     <dgm:cxn modelId="{314DD975-DB88-499D-B2D2-6AE01EE0F16A}" type="presOf" srcId="{F5750B51-8D2B-4CE3-8DC7-5D099994A143}" destId="{A67AB7FE-9C16-4F92-9D73-C3750D775353}" srcOrd="1" destOrd="0" presId="urn:microsoft.com/office/officeart/2005/8/layout/cycle2"/>
-    <dgm:cxn modelId="{F4979776-FB30-4041-883E-74FF084CAE89}" type="presOf" srcId="{F5750B51-8D2B-4CE3-8DC7-5D099994A143}" destId="{6F801686-E316-446C-822D-15D0C2EDA630}" srcOrd="0" destOrd="0" presId="urn:microsoft.com/office/officeart/2005/8/layout/cycle2"/>
-    <dgm:cxn modelId="{37EEC976-1DFB-4D17-92F6-B0602191FFA9}" srcId="{DC1F4D05-9FE3-42A7-964E-89DFDE1D32EF}" destId="{C62EEA5C-6298-4FE9-9D54-80CA00BC6945}" srcOrd="5" destOrd="0" parTransId="{0C6F9C58-C575-413C-AB79-4FB72430F635}" sibTransId="{0CC39E03-AC8F-429C-B077-D12DA1E04481}"/>
-    <dgm:cxn modelId="{B716C45A-B38C-4193-81D5-3415B340D1F7}" type="presOf" srcId="{D153D79D-6C8F-4652-9E5B-ED153EC4091D}" destId="{A53D6BA1-5CBE-45F9-99CE-E489E7669403}" srcOrd="0" destOrd="0" presId="urn:microsoft.com/office/officeart/2005/8/layout/cycle2"/>
-    <dgm:cxn modelId="{B5AF7082-51F8-454F-B811-47F1F1CBAE63}" type="presOf" srcId="{C5132741-3129-4628-A349-E7A6384D5840}" destId="{04C33435-C5ED-42FD-9804-277DB46802F2}" srcOrd="0" destOrd="0" presId="urn:microsoft.com/office/officeart/2005/8/layout/cycle2"/>
+    <dgm:cxn modelId="{751B3C07-C313-49E0-988D-60298788055D}" type="presOf" srcId="{DC1F4D05-9FE3-42A7-964E-89DFDE1D32EF}" destId="{D7F1C75E-6004-44C3-A625-3529CE3D272A}" srcOrd="0" destOrd="0" presId="urn:microsoft.com/office/officeart/2005/8/layout/cycle2"/>
+    <dgm:cxn modelId="{3129B8AB-A0C4-4FD6-A13B-3F657628228F}" type="presOf" srcId="{FD2E8404-5A5D-4A08-B63D-678E4ED26AE1}" destId="{275EE9DE-0E7B-44FB-9C5F-53265A16B71A}" srcOrd="0" destOrd="0" presId="urn:microsoft.com/office/officeart/2005/8/layout/cycle2"/>
     <dgm:cxn modelId="{1D684D84-4E16-4A71-B88F-B0B79DF3D8B7}" type="presOf" srcId="{DAF92C7C-45F7-44F4-BFD1-DCAD94764D39}" destId="{50E3DAD5-C33C-43BC-8586-EC2EADC309EA}" srcOrd="1" destOrd="0" presId="urn:microsoft.com/office/officeart/2005/8/layout/cycle2"/>
-    <dgm:cxn modelId="{D9BDB184-18BF-4DA6-B77A-35F6FB67B53C}" type="presOf" srcId="{FD2E8404-5A5D-4A08-B63D-678E4ED26AE1}" destId="{1BB943CF-3748-4570-A1EE-859C2A4592B3}" srcOrd="1" destOrd="0" presId="urn:microsoft.com/office/officeart/2005/8/layout/cycle2"/>
-    <dgm:cxn modelId="{C7466F88-1151-4189-ADE0-D5094677074F}" type="presOf" srcId="{C5132741-3129-4628-A349-E7A6384D5840}" destId="{D2FAB9B7-7CF4-4E6B-998E-1DF0FF026C56}" srcOrd="1" destOrd="0" presId="urn:microsoft.com/office/officeart/2005/8/layout/cycle2"/>
-    <dgm:cxn modelId="{53D6688B-4408-47F7-88CE-87AEBDBD121D}" type="presOf" srcId="{DAF92C7C-45F7-44F4-BFD1-DCAD94764D39}" destId="{EAAA4277-D019-4939-B257-08BF9EAAB754}" srcOrd="0" destOrd="0" presId="urn:microsoft.com/office/officeart/2005/8/layout/cycle2"/>
-    <dgm:cxn modelId="{D7FBBB8F-642D-4BC5-A040-0C4C362691A8}" type="presOf" srcId="{93FC17C1-2D4C-4363-B037-AADF86BA2D5B}" destId="{7F1AC502-2122-43F6-B495-8852E52DC22E}" srcOrd="1" destOrd="0" presId="urn:microsoft.com/office/officeart/2005/8/layout/cycle2"/>
-    <dgm:cxn modelId="{8C389092-E0A9-4085-A1D8-9954657A8074}" type="presOf" srcId="{10584412-C7CC-4FC1-B2AB-75DB23D18F20}" destId="{7B9B045A-0795-410F-9EF4-4070A65554B6}" srcOrd="0" destOrd="0" presId="urn:microsoft.com/office/officeart/2005/8/layout/cycle2"/>
-    <dgm:cxn modelId="{80DCCCA8-B1F0-4BAC-9653-50EF4290B57C}" srcId="{DC1F4D05-9FE3-42A7-964E-89DFDE1D32EF}" destId="{A6A66E1C-4123-4761-B9BB-938EEFEF8683}" srcOrd="4" destOrd="0" parTransId="{DD2973DF-554A-45F7-B305-253EC1645E78}" sibTransId="{FD2E8404-5A5D-4A08-B63D-678E4ED26AE1}"/>
     <dgm:cxn modelId="{1C1944AA-7DFA-45A5-96A2-A39BAEF8C99F}" srcId="{DC1F4D05-9FE3-42A7-964E-89DFDE1D32EF}" destId="{C4DAD3C7-DC8D-45E0-94F4-57861D7DAA12}" srcOrd="7" destOrd="0" parTransId="{93F6E10F-55BD-40CD-8E0B-302FDECCB852}" sibTransId="{F5750B51-8D2B-4CE3-8DC7-5D099994A143}"/>
-    <dgm:cxn modelId="{3129B8AB-A0C4-4FD6-A13B-3F657628228F}" type="presOf" srcId="{FD2E8404-5A5D-4A08-B63D-678E4ED26AE1}" destId="{275EE9DE-0E7B-44FB-9C5F-53265A16B71A}" srcOrd="0" destOrd="0" presId="urn:microsoft.com/office/officeart/2005/8/layout/cycle2"/>
-    <dgm:cxn modelId="{6E75B1B4-9A6B-44BD-ABFD-2B6481B0272A}" type="presOf" srcId="{9A8B5B75-54D3-4D70-88F1-FDD65132BBD5}" destId="{1AEBAB2D-C9A7-4059-A048-8B48E4CDB2C5}" srcOrd="1" destOrd="0" presId="urn:microsoft.com/office/officeart/2005/8/layout/cycle2"/>
-    <dgm:cxn modelId="{7B8EC8BA-0E38-4959-9530-CA26F552B34A}" srcId="{DC1F4D05-9FE3-42A7-964E-89DFDE1D32EF}" destId="{F4FEF85B-C795-43DE-917A-74B2DF4BFB22}" srcOrd="1" destOrd="0" parTransId="{BCA835B5-EBF7-4048-BD34-8785EE6EA214}" sibTransId="{93FC17C1-2D4C-4363-B037-AADF86BA2D5B}"/>
-    <dgm:cxn modelId="{FF34A0BD-FFF1-4D43-B974-FF5311981424}" srcId="{DC1F4D05-9FE3-42A7-964E-89DFDE1D32EF}" destId="{FC018DF4-1C4A-473C-8C8E-DE9467470266}" srcOrd="2" destOrd="0" parTransId="{7CD76E98-396E-4AA9-AFAE-13057459F307}" sibTransId="{C5132741-3129-4628-A349-E7A6384D5840}"/>
-    <dgm:cxn modelId="{2BE534DA-34C1-47B2-BA8E-4948E173D012}" type="presOf" srcId="{C84677E2-4A40-48EC-80B9-30726D9822E2}" destId="{34DF3E5C-20AF-4281-9271-B115535EAAA7}" srcOrd="0" destOrd="0" presId="urn:microsoft.com/office/officeart/2005/8/layout/cycle2"/>
-    <dgm:cxn modelId="{AEAD25E1-DF92-4ADA-AE6F-1B86C5215CE6}" srcId="{DC1F4D05-9FE3-42A7-964E-89DFDE1D32EF}" destId="{10584412-C7CC-4FC1-B2AB-75DB23D18F20}" srcOrd="8" destOrd="0" parTransId="{594EACA5-8DEE-42D7-8E28-E65B817A7236}" sibTransId="{9A8B5B75-54D3-4D70-88F1-FDD65132BBD5}"/>
-    <dgm:cxn modelId="{526410E7-E0A6-46CC-92BD-94D6B31D4305}" type="presOf" srcId="{D153D79D-6C8F-4652-9E5B-ED153EC4091D}" destId="{A9DDCB49-119C-45E0-A2BC-6707158E0A26}" srcOrd="1" destOrd="0" presId="urn:microsoft.com/office/officeart/2005/8/layout/cycle2"/>
-    <dgm:cxn modelId="{11E29AEB-9B3C-46E4-8370-FF24CF939C87}" srcId="{DC1F4D05-9FE3-42A7-964E-89DFDE1D32EF}" destId="{C3C3638B-F6F4-428B-B968-4E74FB6966E3}" srcOrd="6" destOrd="0" parTransId="{ECB0A0EC-9735-4B7D-A03C-4972D20C11A2}" sibTransId="{DAF92C7C-45F7-44F4-BFD1-DCAD94764D39}"/>
-    <dgm:cxn modelId="{74705FEE-3BFF-4AD5-B349-AE2DE4C14070}" type="presOf" srcId="{C4DAD3C7-DC8D-45E0-94F4-57861D7DAA12}" destId="{6A4DF67D-DC73-4669-936D-5140DD531C45}" srcOrd="0" destOrd="0" presId="urn:microsoft.com/office/officeart/2005/8/layout/cycle2"/>
-    <dgm:cxn modelId="{62C523EF-1C75-45E7-9309-EFDF30D5BD9E}" type="presOf" srcId="{33C65FDE-DC4B-4BC5-83A9-E1E8C3218CC6}" destId="{9EFC0C2D-E761-4F6E-9904-AADFDFDDFD9D}" srcOrd="0" destOrd="0" presId="urn:microsoft.com/office/officeart/2005/8/layout/cycle2"/>
-    <dgm:cxn modelId="{B11FA6F2-E7E3-4826-91CA-2E554C1FB090}" type="presOf" srcId="{0CC39E03-AC8F-429C-B077-D12DA1E04481}" destId="{6782EEEB-BA63-4AD8-A645-90B7A9C0D075}" srcOrd="0" destOrd="0" presId="urn:microsoft.com/office/officeart/2005/8/layout/cycle2"/>
-    <dgm:cxn modelId="{4DC2E5FA-99D0-4538-887C-35389E43B7D3}" type="presOf" srcId="{A6A66E1C-4123-4761-B9BB-938EEFEF8683}" destId="{24B31742-D0A2-46D8-B962-99CDBE542B47}" srcOrd="0" destOrd="0" presId="urn:microsoft.com/office/officeart/2005/8/layout/cycle2"/>
-    <dgm:cxn modelId="{94B668FD-54FE-4C42-A0DF-8E54AF2F6D6D}" type="presOf" srcId="{C62EEA5C-6298-4FE9-9D54-80CA00BC6945}" destId="{87D27CB6-095D-4915-8628-6F449752BE4B}" srcOrd="0" destOrd="0" presId="urn:microsoft.com/office/officeart/2005/8/layout/cycle2"/>
+    <dgm:cxn modelId="{CA410022-A309-45E2-B40F-FB14180BB97F}" type="presOf" srcId="{9A8B5B75-54D3-4D70-88F1-FDD65132BBD5}" destId="{711729C4-8974-4E57-B275-CBDA5E6E7167}" srcOrd="0" destOrd="0" presId="urn:microsoft.com/office/officeart/2005/8/layout/cycle2"/>
     <dgm:cxn modelId="{61721B68-D09D-4EBB-86D2-87764AB04A66}" type="presParOf" srcId="{D7F1C75E-6004-44C3-A625-3529CE3D272A}" destId="{F45ACAD2-DDDD-4B69-B5CF-2C9F5CEF5371}" srcOrd="0" destOrd="0" presId="urn:microsoft.com/office/officeart/2005/8/layout/cycle2"/>
     <dgm:cxn modelId="{759D98DB-878D-4BD0-955C-621625272CE4}" type="presParOf" srcId="{D7F1C75E-6004-44C3-A625-3529CE3D272A}" destId="{A53D6BA1-5CBE-45F9-99CE-E489E7669403}" srcOrd="1" destOrd="0" presId="urn:microsoft.com/office/officeart/2005/8/layout/cycle2"/>
     <dgm:cxn modelId="{4782DEF3-6488-49C9-A7E6-54832FF7F42B}" type="presParOf" srcId="{A53D6BA1-5CBE-45F9-99CE-E489E7669403}" destId="{A9DDCB49-119C-45E0-A2BC-6707158E0A26}" srcOrd="0" destOrd="0" presId="urn:microsoft.com/office/officeart/2005/8/layout/cycle2"/>
@@ -12113,6 +13291,13 @@
         </dgm:presLayoutVars>
       </dgm:prSet>
       <dgm:spPr/>
+      <dgm:t>
+        <a:bodyPr/>
+        <a:lstStyle/>
+        <a:p>
+          <a:endParaRPr lang="zh-CN" altLang="en-US"/>
+        </a:p>
+      </dgm:t>
     </dgm:pt>
     <dgm:pt modelId="{843742D5-39F1-4258-BB53-78ADB01F18D2}" type="pres">
       <dgm:prSet presAssocID="{DADDC2CE-569D-4E85-8042-0BD37A92551B}" presName="node" presStyleLbl="node1" presStyleIdx="0" presStyleCnt="6">
@@ -12121,14 +13306,35 @@
         </dgm:presLayoutVars>
       </dgm:prSet>
       <dgm:spPr/>
+      <dgm:t>
+        <a:bodyPr/>
+        <a:lstStyle/>
+        <a:p>
+          <a:endParaRPr lang="zh-CN" altLang="en-US"/>
+        </a:p>
+      </dgm:t>
     </dgm:pt>
     <dgm:pt modelId="{B8F473FF-6821-4026-A668-93D5DDD02B9B}" type="pres">
       <dgm:prSet presAssocID="{5F44E5FE-DE48-4EC7-8586-2B5F6823BDDF}" presName="sibTrans" presStyleLbl="sibTrans2D1" presStyleIdx="0" presStyleCnt="6"/>
       <dgm:spPr/>
+      <dgm:t>
+        <a:bodyPr/>
+        <a:lstStyle/>
+        <a:p>
+          <a:endParaRPr lang="zh-CN" altLang="en-US"/>
+        </a:p>
+      </dgm:t>
     </dgm:pt>
     <dgm:pt modelId="{5554D760-A018-4D72-B6B2-2475F4B3BA6B}" type="pres">
       <dgm:prSet presAssocID="{5F44E5FE-DE48-4EC7-8586-2B5F6823BDDF}" presName="connectorText" presStyleLbl="sibTrans2D1" presStyleIdx="0" presStyleCnt="6"/>
       <dgm:spPr/>
+      <dgm:t>
+        <a:bodyPr/>
+        <a:lstStyle/>
+        <a:p>
+          <a:endParaRPr lang="zh-CN" altLang="en-US"/>
+        </a:p>
+      </dgm:t>
     </dgm:pt>
     <dgm:pt modelId="{45A00CCA-2FAD-43F2-A5D5-8FB0747B86EE}" type="pres">
       <dgm:prSet presAssocID="{2DA6F32A-508B-449E-B00B-4A9D2451696B}" presName="node" presStyleLbl="node1" presStyleIdx="1" presStyleCnt="6">
@@ -12137,14 +13343,35 @@
         </dgm:presLayoutVars>
       </dgm:prSet>
       <dgm:spPr/>
+      <dgm:t>
+        <a:bodyPr/>
+        <a:lstStyle/>
+        <a:p>
+          <a:endParaRPr lang="zh-CN" altLang="en-US"/>
+        </a:p>
+      </dgm:t>
     </dgm:pt>
     <dgm:pt modelId="{8BB73072-D93E-43CE-978F-E0D4C8CA8540}" type="pres">
       <dgm:prSet presAssocID="{276578D0-AC39-42B5-8A7B-812F4B83CD41}" presName="sibTrans" presStyleLbl="sibTrans2D1" presStyleIdx="1" presStyleCnt="6"/>
       <dgm:spPr/>
+      <dgm:t>
+        <a:bodyPr/>
+        <a:lstStyle/>
+        <a:p>
+          <a:endParaRPr lang="zh-CN" altLang="en-US"/>
+        </a:p>
+      </dgm:t>
     </dgm:pt>
     <dgm:pt modelId="{67021BC5-B209-4208-8E18-1E9C7A8F44B9}" type="pres">
       <dgm:prSet presAssocID="{276578D0-AC39-42B5-8A7B-812F4B83CD41}" presName="connectorText" presStyleLbl="sibTrans2D1" presStyleIdx="1" presStyleCnt="6"/>
       <dgm:spPr/>
+      <dgm:t>
+        <a:bodyPr/>
+        <a:lstStyle/>
+        <a:p>
+          <a:endParaRPr lang="zh-CN" altLang="en-US"/>
+        </a:p>
+      </dgm:t>
     </dgm:pt>
     <dgm:pt modelId="{4683789F-B6AE-4548-A952-FE13A71F76AA}" type="pres">
       <dgm:prSet presAssocID="{759D0B0F-8099-43DD-A319-40DDF0A67781}" presName="node" presStyleLbl="node1" presStyleIdx="2" presStyleCnt="6">
@@ -12153,14 +13380,35 @@
         </dgm:presLayoutVars>
       </dgm:prSet>
       <dgm:spPr/>
+      <dgm:t>
+        <a:bodyPr/>
+        <a:lstStyle/>
+        <a:p>
+          <a:endParaRPr lang="zh-CN" altLang="en-US"/>
+        </a:p>
+      </dgm:t>
     </dgm:pt>
     <dgm:pt modelId="{8184DCD6-EEA5-4819-8C05-971B2E75A468}" type="pres">
       <dgm:prSet presAssocID="{2606B5D1-2160-4AE7-B37A-ED0C59834707}" presName="sibTrans" presStyleLbl="sibTrans2D1" presStyleIdx="2" presStyleCnt="6"/>
       <dgm:spPr/>
+      <dgm:t>
+        <a:bodyPr/>
+        <a:lstStyle/>
+        <a:p>
+          <a:endParaRPr lang="zh-CN" altLang="en-US"/>
+        </a:p>
+      </dgm:t>
     </dgm:pt>
     <dgm:pt modelId="{4F1C5B34-A34C-4824-B7FC-A86C66FB3AE6}" type="pres">
       <dgm:prSet presAssocID="{2606B5D1-2160-4AE7-B37A-ED0C59834707}" presName="connectorText" presStyleLbl="sibTrans2D1" presStyleIdx="2" presStyleCnt="6"/>
       <dgm:spPr/>
+      <dgm:t>
+        <a:bodyPr/>
+        <a:lstStyle/>
+        <a:p>
+          <a:endParaRPr lang="zh-CN" altLang="en-US"/>
+        </a:p>
+      </dgm:t>
     </dgm:pt>
     <dgm:pt modelId="{6CEB7916-2EF6-40AD-AEB1-D12636FE7FE1}" type="pres">
       <dgm:prSet presAssocID="{2B323753-4318-425B-80E6-C31ED4549B3D}" presName="node" presStyleLbl="node1" presStyleIdx="3" presStyleCnt="6">
@@ -12169,14 +13417,35 @@
         </dgm:presLayoutVars>
       </dgm:prSet>
       <dgm:spPr/>
+      <dgm:t>
+        <a:bodyPr/>
+        <a:lstStyle/>
+        <a:p>
+          <a:endParaRPr lang="zh-CN" altLang="en-US"/>
+        </a:p>
+      </dgm:t>
     </dgm:pt>
     <dgm:pt modelId="{3BFE5BBE-7212-455B-9A90-0D1BB0363E69}" type="pres">
       <dgm:prSet presAssocID="{087FE352-4CD0-486C-B227-F73322AAE4E5}" presName="sibTrans" presStyleLbl="sibTrans2D1" presStyleIdx="3" presStyleCnt="6"/>
       <dgm:spPr/>
+      <dgm:t>
+        <a:bodyPr/>
+        <a:lstStyle/>
+        <a:p>
+          <a:endParaRPr lang="zh-CN" altLang="en-US"/>
+        </a:p>
+      </dgm:t>
     </dgm:pt>
     <dgm:pt modelId="{12D128BA-A734-4F53-957B-3769FA003719}" type="pres">
       <dgm:prSet presAssocID="{087FE352-4CD0-486C-B227-F73322AAE4E5}" presName="connectorText" presStyleLbl="sibTrans2D1" presStyleIdx="3" presStyleCnt="6"/>
       <dgm:spPr/>
+      <dgm:t>
+        <a:bodyPr/>
+        <a:lstStyle/>
+        <a:p>
+          <a:endParaRPr lang="zh-CN" altLang="en-US"/>
+        </a:p>
+      </dgm:t>
     </dgm:pt>
     <dgm:pt modelId="{5447BBC0-6563-48D2-86FE-0DC1CE0EFBFA}" type="pres">
       <dgm:prSet presAssocID="{910CF7E4-4735-4164-A2C9-4CF2D960CE1C}" presName="node" presStyleLbl="node1" presStyleIdx="4" presStyleCnt="6">
@@ -12185,14 +13454,35 @@
         </dgm:presLayoutVars>
       </dgm:prSet>
       <dgm:spPr/>
+      <dgm:t>
+        <a:bodyPr/>
+        <a:lstStyle/>
+        <a:p>
+          <a:endParaRPr lang="zh-CN" altLang="en-US"/>
+        </a:p>
+      </dgm:t>
     </dgm:pt>
     <dgm:pt modelId="{FDF05C3C-15FE-4196-AC6E-B421C3A95963}" type="pres">
       <dgm:prSet presAssocID="{6782DDD7-C68D-4427-ABA1-EF1505A25806}" presName="sibTrans" presStyleLbl="sibTrans2D1" presStyleIdx="4" presStyleCnt="6"/>
       <dgm:spPr/>
+      <dgm:t>
+        <a:bodyPr/>
+        <a:lstStyle/>
+        <a:p>
+          <a:endParaRPr lang="zh-CN" altLang="en-US"/>
+        </a:p>
+      </dgm:t>
     </dgm:pt>
     <dgm:pt modelId="{51CDF29C-49C0-4A02-A97E-8739088311F5}" type="pres">
       <dgm:prSet presAssocID="{6782DDD7-C68D-4427-ABA1-EF1505A25806}" presName="connectorText" presStyleLbl="sibTrans2D1" presStyleIdx="4" presStyleCnt="6"/>
       <dgm:spPr/>
+      <dgm:t>
+        <a:bodyPr/>
+        <a:lstStyle/>
+        <a:p>
+          <a:endParaRPr lang="zh-CN" altLang="en-US"/>
+        </a:p>
+      </dgm:t>
     </dgm:pt>
     <dgm:pt modelId="{D03742BD-5D0F-4517-AC98-48AFD3A888F1}" type="pres">
       <dgm:prSet presAssocID="{6CB6D57B-86ED-438D-AD93-821B50A9576F}" presName="node" presStyleLbl="node1" presStyleIdx="5" presStyleCnt="6">
@@ -12201,42 +13491,63 @@
         </dgm:presLayoutVars>
       </dgm:prSet>
       <dgm:spPr/>
+      <dgm:t>
+        <a:bodyPr/>
+        <a:lstStyle/>
+        <a:p>
+          <a:endParaRPr lang="zh-CN" altLang="en-US"/>
+        </a:p>
+      </dgm:t>
     </dgm:pt>
     <dgm:pt modelId="{D1E321B2-5B0B-4845-99CD-B0196FA67F29}" type="pres">
       <dgm:prSet presAssocID="{FF135D52-0C62-46B4-BBB0-87A13321255A}" presName="sibTrans" presStyleLbl="sibTrans2D1" presStyleIdx="5" presStyleCnt="6"/>
       <dgm:spPr/>
+      <dgm:t>
+        <a:bodyPr/>
+        <a:lstStyle/>
+        <a:p>
+          <a:endParaRPr lang="zh-CN" altLang="en-US"/>
+        </a:p>
+      </dgm:t>
     </dgm:pt>
     <dgm:pt modelId="{CF04BA87-847E-4941-B749-A7FA73ABE4D6}" type="pres">
       <dgm:prSet presAssocID="{FF135D52-0C62-46B4-BBB0-87A13321255A}" presName="connectorText" presStyleLbl="sibTrans2D1" presStyleIdx="5" presStyleCnt="6"/>
       <dgm:spPr/>
+      <dgm:t>
+        <a:bodyPr/>
+        <a:lstStyle/>
+        <a:p>
+          <a:endParaRPr lang="zh-CN" altLang="en-US"/>
+        </a:p>
+      </dgm:t>
     </dgm:pt>
   </dgm:ptLst>
   <dgm:cxnLst>
+    <dgm:cxn modelId="{AC6A3D2B-5467-4946-8A58-00EF103D709B}" type="presOf" srcId="{276578D0-AC39-42B5-8A7B-812F4B83CD41}" destId="{8BB73072-D93E-43CE-978F-E0D4C8CA8540}" srcOrd="0" destOrd="0" presId="urn:microsoft.com/office/officeart/2005/8/layout/cycle2"/>
     <dgm:cxn modelId="{B7F61000-57D5-4B78-B2BC-4CC08F9C093A}" type="presOf" srcId="{910CF7E4-4735-4164-A2C9-4CF2D960CE1C}" destId="{5447BBC0-6563-48D2-86FE-0DC1CE0EFBFA}" srcOrd="0" destOrd="0" presId="urn:microsoft.com/office/officeart/2005/8/layout/cycle2"/>
+    <dgm:cxn modelId="{742EC269-FD32-44F4-BCA4-9D7A3B317A73}" type="presOf" srcId="{DADDC2CE-569D-4E85-8042-0BD37A92551B}" destId="{843742D5-39F1-4258-BB53-78ADB01F18D2}" srcOrd="0" destOrd="0" presId="urn:microsoft.com/office/officeart/2005/8/layout/cycle2"/>
+    <dgm:cxn modelId="{0F1CA908-130D-44AF-A7E0-9B0CEACAC60C}" type="presOf" srcId="{AE877D7B-E775-40E3-827E-C8403254116F}" destId="{65F3AEB7-D74E-4DC6-A129-DDFDCB188446}" srcOrd="0" destOrd="0" presId="urn:microsoft.com/office/officeart/2005/8/layout/cycle2"/>
+    <dgm:cxn modelId="{49680BC5-85C3-4358-B34C-6350DC33AD6A}" type="presOf" srcId="{5F44E5FE-DE48-4EC7-8586-2B5F6823BDDF}" destId="{B8F473FF-6821-4026-A668-93D5DDD02B9B}" srcOrd="0" destOrd="0" presId="urn:microsoft.com/office/officeart/2005/8/layout/cycle2"/>
+    <dgm:cxn modelId="{F6D6C9E8-A5B5-47D0-903D-8AA948E079F0}" type="presOf" srcId="{2606B5D1-2160-4AE7-B37A-ED0C59834707}" destId="{8184DCD6-EEA5-4819-8C05-971B2E75A468}" srcOrd="0" destOrd="0" presId="urn:microsoft.com/office/officeart/2005/8/layout/cycle2"/>
+    <dgm:cxn modelId="{B3AB0E61-A321-40F9-A4BC-DFC01FE15EFE}" srcId="{AE877D7B-E775-40E3-827E-C8403254116F}" destId="{DADDC2CE-569D-4E85-8042-0BD37A92551B}" srcOrd="0" destOrd="0" parTransId="{27D2162D-609C-4179-825B-EFBFB8984580}" sibTransId="{5F44E5FE-DE48-4EC7-8586-2B5F6823BDDF}"/>
+    <dgm:cxn modelId="{1CCC9E79-115E-439F-8267-52B4EB24B586}" type="presOf" srcId="{6782DDD7-C68D-4427-ABA1-EF1505A25806}" destId="{FDF05C3C-15FE-4196-AC6E-B421C3A95963}" srcOrd="0" destOrd="0" presId="urn:microsoft.com/office/officeart/2005/8/layout/cycle2"/>
+    <dgm:cxn modelId="{F1A0C86B-A0E3-4AF8-8ED1-05316FB8F763}" type="presOf" srcId="{2DA6F32A-508B-449E-B00B-4A9D2451696B}" destId="{45A00CCA-2FAD-43F2-A5D5-8FB0747B86EE}" srcOrd="0" destOrd="0" presId="urn:microsoft.com/office/officeart/2005/8/layout/cycle2"/>
     <dgm:cxn modelId="{B811C300-39DA-4182-8227-4B9A4ADD8AE1}" type="presOf" srcId="{2B323753-4318-425B-80E6-C31ED4549B3D}" destId="{6CEB7916-2EF6-40AD-AEB1-D12636FE7FE1}" srcOrd="0" destOrd="0" presId="urn:microsoft.com/office/officeart/2005/8/layout/cycle2"/>
+    <dgm:cxn modelId="{9E814F6B-DEB6-4764-8C5F-A65417937970}" srcId="{AE877D7B-E775-40E3-827E-C8403254116F}" destId="{2B323753-4318-425B-80E6-C31ED4549B3D}" srcOrd="3" destOrd="0" parTransId="{7B50382F-07D8-4970-A24A-8725037EA9D5}" sibTransId="{087FE352-4CD0-486C-B227-F73322AAE4E5}"/>
+    <dgm:cxn modelId="{2CF4475F-F778-4F38-AB90-63EA45D79FDB}" srcId="{AE877D7B-E775-40E3-827E-C8403254116F}" destId="{910CF7E4-4735-4164-A2C9-4CF2D960CE1C}" srcOrd="4" destOrd="0" parTransId="{1318A36F-F00B-4E83-924F-CC014C7D52DF}" sibTransId="{6782DDD7-C68D-4427-ABA1-EF1505A25806}"/>
+    <dgm:cxn modelId="{ED07A395-C15C-4B1C-9906-70A753BBDAB1}" type="presOf" srcId="{5F44E5FE-DE48-4EC7-8586-2B5F6823BDDF}" destId="{5554D760-A018-4D72-B6B2-2475F4B3BA6B}" srcOrd="1" destOrd="0" presId="urn:microsoft.com/office/officeart/2005/8/layout/cycle2"/>
     <dgm:cxn modelId="{0EF1F606-44DF-4495-BA28-2422238874E6}" type="presOf" srcId="{6782DDD7-C68D-4427-ABA1-EF1505A25806}" destId="{51CDF29C-49C0-4A02-A97E-8739088311F5}" srcOrd="1" destOrd="0" presId="urn:microsoft.com/office/officeart/2005/8/layout/cycle2"/>
-    <dgm:cxn modelId="{0F1CA908-130D-44AF-A7E0-9B0CEACAC60C}" type="presOf" srcId="{AE877D7B-E775-40E3-827E-C8403254116F}" destId="{65F3AEB7-D74E-4DC6-A129-DDFDCB188446}" srcOrd="0" destOrd="0" presId="urn:microsoft.com/office/officeart/2005/8/layout/cycle2"/>
+    <dgm:cxn modelId="{9642F87A-8D0C-41D1-BB74-8BFD766DB270}" type="presOf" srcId="{FF135D52-0C62-46B4-BBB0-87A13321255A}" destId="{CF04BA87-847E-4941-B749-A7FA73ABE4D6}" srcOrd="1" destOrd="0" presId="urn:microsoft.com/office/officeart/2005/8/layout/cycle2"/>
+    <dgm:cxn modelId="{11C34DB6-7907-48E4-802B-427C559619BE}" type="presOf" srcId="{6CB6D57B-86ED-438D-AD93-821B50A9576F}" destId="{D03742BD-5D0F-4517-AC98-48AFD3A888F1}" srcOrd="0" destOrd="0" presId="urn:microsoft.com/office/officeart/2005/8/layout/cycle2"/>
+    <dgm:cxn modelId="{0C8A6B57-080E-4DC1-95AE-A4E419C7F973}" srcId="{AE877D7B-E775-40E3-827E-C8403254116F}" destId="{759D0B0F-8099-43DD-A319-40DDF0A67781}" srcOrd="2" destOrd="0" parTransId="{F707703A-3436-434D-9CC7-00ABD871EC61}" sibTransId="{2606B5D1-2160-4AE7-B37A-ED0C59834707}"/>
+    <dgm:cxn modelId="{92A2DBAA-E95A-45E5-AAAD-B91CDD86C297}" type="presOf" srcId="{FF135D52-0C62-46B4-BBB0-87A13321255A}" destId="{D1E321B2-5B0B-4845-99CD-B0196FA67F29}" srcOrd="0" destOrd="0" presId="urn:microsoft.com/office/officeart/2005/8/layout/cycle2"/>
+    <dgm:cxn modelId="{43C4C9E2-CED3-4C26-A239-81DEEF24AEA1}" type="presOf" srcId="{2606B5D1-2160-4AE7-B37A-ED0C59834707}" destId="{4F1C5B34-A34C-4824-B7FC-A86C66FB3AE6}" srcOrd="1" destOrd="0" presId="urn:microsoft.com/office/officeart/2005/8/layout/cycle2"/>
     <dgm:cxn modelId="{52CB6E0A-E820-4DC5-849C-CCDE62B4A3F9}" type="presOf" srcId="{087FE352-4CD0-486C-B227-F73322AAE4E5}" destId="{3BFE5BBE-7212-455B-9A90-0D1BB0363E69}" srcOrd="0" destOrd="0" presId="urn:microsoft.com/office/officeart/2005/8/layout/cycle2"/>
+    <dgm:cxn modelId="{85D4FE46-1314-434E-BB79-113319B97992}" srcId="{AE877D7B-E775-40E3-827E-C8403254116F}" destId="{6CB6D57B-86ED-438D-AD93-821B50A9576F}" srcOrd="5" destOrd="0" parTransId="{D6841502-5E33-49A7-A301-C7CB5F3B7158}" sibTransId="{FF135D52-0C62-46B4-BBB0-87A13321255A}"/>
+    <dgm:cxn modelId="{6A70234D-515B-4BD3-BD12-855D4021025B}" type="presOf" srcId="{087FE352-4CD0-486C-B227-F73322AAE4E5}" destId="{12D128BA-A734-4F53-957B-3769FA003719}" srcOrd="1" destOrd="0" presId="urn:microsoft.com/office/officeart/2005/8/layout/cycle2"/>
     <dgm:cxn modelId="{20FF0611-1A41-4FF1-8CC1-0C954122D5FB}" type="presOf" srcId="{759D0B0F-8099-43DD-A319-40DDF0A67781}" destId="{4683789F-B6AE-4548-A952-FE13A71F76AA}" srcOrd="0" destOrd="0" presId="urn:microsoft.com/office/officeart/2005/8/layout/cycle2"/>
     <dgm:cxn modelId="{26A3271A-7442-4858-B784-79B08DE21FD6}" type="presOf" srcId="{276578D0-AC39-42B5-8A7B-812F4B83CD41}" destId="{67021BC5-B209-4208-8E18-1E9C7A8F44B9}" srcOrd="1" destOrd="0" presId="urn:microsoft.com/office/officeart/2005/8/layout/cycle2"/>
-    <dgm:cxn modelId="{AC6A3D2B-5467-4946-8A58-00EF103D709B}" type="presOf" srcId="{276578D0-AC39-42B5-8A7B-812F4B83CD41}" destId="{8BB73072-D93E-43CE-978F-E0D4C8CA8540}" srcOrd="0" destOrd="0" presId="urn:microsoft.com/office/officeart/2005/8/layout/cycle2"/>
-    <dgm:cxn modelId="{2CF4475F-F778-4F38-AB90-63EA45D79FDB}" srcId="{AE877D7B-E775-40E3-827E-C8403254116F}" destId="{910CF7E4-4735-4164-A2C9-4CF2D960CE1C}" srcOrd="4" destOrd="0" parTransId="{1318A36F-F00B-4E83-924F-CC014C7D52DF}" sibTransId="{6782DDD7-C68D-4427-ABA1-EF1505A25806}"/>
-    <dgm:cxn modelId="{B3AB0E61-A321-40F9-A4BC-DFC01FE15EFE}" srcId="{AE877D7B-E775-40E3-827E-C8403254116F}" destId="{DADDC2CE-569D-4E85-8042-0BD37A92551B}" srcOrd="0" destOrd="0" parTransId="{27D2162D-609C-4179-825B-EFBFB8984580}" sibTransId="{5F44E5FE-DE48-4EC7-8586-2B5F6823BDDF}"/>
-    <dgm:cxn modelId="{85D4FE46-1314-434E-BB79-113319B97992}" srcId="{AE877D7B-E775-40E3-827E-C8403254116F}" destId="{6CB6D57B-86ED-438D-AD93-821B50A9576F}" srcOrd="5" destOrd="0" parTransId="{D6841502-5E33-49A7-A301-C7CB5F3B7158}" sibTransId="{FF135D52-0C62-46B4-BBB0-87A13321255A}"/>
-    <dgm:cxn modelId="{742EC269-FD32-44F4-BCA4-9D7A3B317A73}" type="presOf" srcId="{DADDC2CE-569D-4E85-8042-0BD37A92551B}" destId="{843742D5-39F1-4258-BB53-78ADB01F18D2}" srcOrd="0" destOrd="0" presId="urn:microsoft.com/office/officeart/2005/8/layout/cycle2"/>
-    <dgm:cxn modelId="{9E814F6B-DEB6-4764-8C5F-A65417937970}" srcId="{AE877D7B-E775-40E3-827E-C8403254116F}" destId="{2B323753-4318-425B-80E6-C31ED4549B3D}" srcOrd="3" destOrd="0" parTransId="{7B50382F-07D8-4970-A24A-8725037EA9D5}" sibTransId="{087FE352-4CD0-486C-B227-F73322AAE4E5}"/>
-    <dgm:cxn modelId="{F1A0C86B-A0E3-4AF8-8ED1-05316FB8F763}" type="presOf" srcId="{2DA6F32A-508B-449E-B00B-4A9D2451696B}" destId="{45A00CCA-2FAD-43F2-A5D5-8FB0747B86EE}" srcOrd="0" destOrd="0" presId="urn:microsoft.com/office/officeart/2005/8/layout/cycle2"/>
-    <dgm:cxn modelId="{6A70234D-515B-4BD3-BD12-855D4021025B}" type="presOf" srcId="{087FE352-4CD0-486C-B227-F73322AAE4E5}" destId="{12D128BA-A734-4F53-957B-3769FA003719}" srcOrd="1" destOrd="0" presId="urn:microsoft.com/office/officeart/2005/8/layout/cycle2"/>
     <dgm:cxn modelId="{D7C8F74D-E264-4100-AB43-208870215B31}" srcId="{AE877D7B-E775-40E3-827E-C8403254116F}" destId="{2DA6F32A-508B-449E-B00B-4A9D2451696B}" srcOrd="1" destOrd="0" parTransId="{AB577828-D85E-4839-ADD7-B6CA424C41BC}" sibTransId="{276578D0-AC39-42B5-8A7B-812F4B83CD41}"/>
-    <dgm:cxn modelId="{0C8A6B57-080E-4DC1-95AE-A4E419C7F973}" srcId="{AE877D7B-E775-40E3-827E-C8403254116F}" destId="{759D0B0F-8099-43DD-A319-40DDF0A67781}" srcOrd="2" destOrd="0" parTransId="{F707703A-3436-434D-9CC7-00ABD871EC61}" sibTransId="{2606B5D1-2160-4AE7-B37A-ED0C59834707}"/>
-    <dgm:cxn modelId="{1CCC9E79-115E-439F-8267-52B4EB24B586}" type="presOf" srcId="{6782DDD7-C68D-4427-ABA1-EF1505A25806}" destId="{FDF05C3C-15FE-4196-AC6E-B421C3A95963}" srcOrd="0" destOrd="0" presId="urn:microsoft.com/office/officeart/2005/8/layout/cycle2"/>
-    <dgm:cxn modelId="{9642F87A-8D0C-41D1-BB74-8BFD766DB270}" type="presOf" srcId="{FF135D52-0C62-46B4-BBB0-87A13321255A}" destId="{CF04BA87-847E-4941-B749-A7FA73ABE4D6}" srcOrd="1" destOrd="0" presId="urn:microsoft.com/office/officeart/2005/8/layout/cycle2"/>
-    <dgm:cxn modelId="{ED07A395-C15C-4B1C-9906-70A753BBDAB1}" type="presOf" srcId="{5F44E5FE-DE48-4EC7-8586-2B5F6823BDDF}" destId="{5554D760-A018-4D72-B6B2-2475F4B3BA6B}" srcOrd="1" destOrd="0" presId="urn:microsoft.com/office/officeart/2005/8/layout/cycle2"/>
-    <dgm:cxn modelId="{92A2DBAA-E95A-45E5-AAAD-B91CDD86C297}" type="presOf" srcId="{FF135D52-0C62-46B4-BBB0-87A13321255A}" destId="{D1E321B2-5B0B-4845-99CD-B0196FA67F29}" srcOrd="0" destOrd="0" presId="urn:microsoft.com/office/officeart/2005/8/layout/cycle2"/>
-    <dgm:cxn modelId="{11C34DB6-7907-48E4-802B-427C559619BE}" type="presOf" srcId="{6CB6D57B-86ED-438D-AD93-821B50A9576F}" destId="{D03742BD-5D0F-4517-AC98-48AFD3A888F1}" srcOrd="0" destOrd="0" presId="urn:microsoft.com/office/officeart/2005/8/layout/cycle2"/>
-    <dgm:cxn modelId="{49680BC5-85C3-4358-B34C-6350DC33AD6A}" type="presOf" srcId="{5F44E5FE-DE48-4EC7-8586-2B5F6823BDDF}" destId="{B8F473FF-6821-4026-A668-93D5DDD02B9B}" srcOrd="0" destOrd="0" presId="urn:microsoft.com/office/officeart/2005/8/layout/cycle2"/>
-    <dgm:cxn modelId="{43C4C9E2-CED3-4C26-A239-81DEEF24AEA1}" type="presOf" srcId="{2606B5D1-2160-4AE7-B37A-ED0C59834707}" destId="{4F1C5B34-A34C-4824-B7FC-A86C66FB3AE6}" srcOrd="1" destOrd="0" presId="urn:microsoft.com/office/officeart/2005/8/layout/cycle2"/>
-    <dgm:cxn modelId="{F6D6C9E8-A5B5-47D0-903D-8AA948E079F0}" type="presOf" srcId="{2606B5D1-2160-4AE7-B37A-ED0C59834707}" destId="{8184DCD6-EEA5-4819-8C05-971B2E75A468}" srcOrd="0" destOrd="0" presId="urn:microsoft.com/office/officeart/2005/8/layout/cycle2"/>
     <dgm:cxn modelId="{4A53AB3E-AE56-4106-BCF7-D7F92E7B6BB5}" type="presParOf" srcId="{65F3AEB7-D74E-4DC6-A129-DDFDCB188446}" destId="{843742D5-39F1-4258-BB53-78ADB01F18D2}" srcOrd="0" destOrd="0" presId="urn:microsoft.com/office/officeart/2005/8/layout/cycle2"/>
     <dgm:cxn modelId="{3E2B9183-54A4-455E-99F7-A1136E64BFC1}" type="presParOf" srcId="{65F3AEB7-D74E-4DC6-A129-DDFDCB188446}" destId="{B8F473FF-6821-4026-A668-93D5DDD02B9B}" srcOrd="1" destOrd="0" presId="urn:microsoft.com/office/officeart/2005/8/layout/cycle2"/>
     <dgm:cxn modelId="{7CC901F2-504B-4748-8F9F-EA4A1E9E5E42}" type="presParOf" srcId="{B8F473FF-6821-4026-A668-93D5DDD02B9B}" destId="{5554D760-A018-4D72-B6B2-2475F4B3BA6B}" srcOrd="0" destOrd="0" presId="urn:microsoft.com/office/officeart/2005/8/layout/cycle2"/>
@@ -12468,6 +13779,13 @@
         </dgm:presLayoutVars>
       </dgm:prSet>
       <dgm:spPr/>
+      <dgm:t>
+        <a:bodyPr/>
+        <a:lstStyle/>
+        <a:p>
+          <a:endParaRPr lang="zh-CN" altLang="en-US"/>
+        </a:p>
+      </dgm:t>
     </dgm:pt>
     <dgm:pt modelId="{E06340CC-E2E4-4EA9-8906-4CAD4D237BA2}" type="pres">
       <dgm:prSet presAssocID="{30CB31C9-D438-4932-B2EB-C47AB8D2BE16}" presName="node" presStyleLbl="node1" presStyleIdx="0" presStyleCnt="5" custScaleX="155381" custScaleY="155381" custRadScaleRad="106939" custRadScaleInc="57653">
@@ -12476,14 +13794,35 @@
         </dgm:presLayoutVars>
       </dgm:prSet>
       <dgm:spPr/>
+      <dgm:t>
+        <a:bodyPr/>
+        <a:lstStyle/>
+        <a:p>
+          <a:endParaRPr lang="zh-CN" altLang="en-US"/>
+        </a:p>
+      </dgm:t>
     </dgm:pt>
     <dgm:pt modelId="{DC641C10-E877-4231-9CD8-B801CB127113}" type="pres">
       <dgm:prSet presAssocID="{5E2C816C-DFF6-47FA-AEE9-B862D01121F0}" presName="sibTrans" presStyleLbl="sibTrans2D1" presStyleIdx="0" presStyleCnt="5"/>
       <dgm:spPr/>
+      <dgm:t>
+        <a:bodyPr/>
+        <a:lstStyle/>
+        <a:p>
+          <a:endParaRPr lang="zh-CN" altLang="en-US"/>
+        </a:p>
+      </dgm:t>
     </dgm:pt>
     <dgm:pt modelId="{325DCDAE-DBA3-448A-8FC4-155026D2D0B9}" type="pres">
       <dgm:prSet presAssocID="{5E2C816C-DFF6-47FA-AEE9-B862D01121F0}" presName="connectorText" presStyleLbl="sibTrans2D1" presStyleIdx="0" presStyleCnt="5"/>
       <dgm:spPr/>
+      <dgm:t>
+        <a:bodyPr/>
+        <a:lstStyle/>
+        <a:p>
+          <a:endParaRPr lang="zh-CN" altLang="en-US"/>
+        </a:p>
+      </dgm:t>
     </dgm:pt>
     <dgm:pt modelId="{3E0F186A-445C-483E-83F7-6CC2705CA1DD}" type="pres">
       <dgm:prSet presAssocID="{61F9052F-3AD0-4E6F-A0E6-7F10EAC24EB2}" presName="node" presStyleLbl="node1" presStyleIdx="1" presStyleCnt="5" custScaleX="166668" custScaleY="166668" custRadScaleRad="70746" custRadScaleInc="167130">
@@ -12492,14 +13831,35 @@
         </dgm:presLayoutVars>
       </dgm:prSet>
       <dgm:spPr/>
+      <dgm:t>
+        <a:bodyPr/>
+        <a:lstStyle/>
+        <a:p>
+          <a:endParaRPr lang="zh-CN" altLang="en-US"/>
+        </a:p>
+      </dgm:t>
     </dgm:pt>
     <dgm:pt modelId="{7E470080-8F7A-4DE2-B278-EE2EBB34931A}" type="pres">
       <dgm:prSet presAssocID="{B2B34FA9-8191-427E-BE92-8D6705930400}" presName="sibTrans" presStyleLbl="sibTrans2D1" presStyleIdx="1" presStyleCnt="5"/>
       <dgm:spPr/>
+      <dgm:t>
+        <a:bodyPr/>
+        <a:lstStyle/>
+        <a:p>
+          <a:endParaRPr lang="zh-CN" altLang="en-US"/>
+        </a:p>
+      </dgm:t>
     </dgm:pt>
     <dgm:pt modelId="{A99FEF7E-5BB9-4E32-BFE6-BC1546C3EA0A}" type="pres">
       <dgm:prSet presAssocID="{B2B34FA9-8191-427E-BE92-8D6705930400}" presName="connectorText" presStyleLbl="sibTrans2D1" presStyleIdx="1" presStyleCnt="5"/>
       <dgm:spPr/>
+      <dgm:t>
+        <a:bodyPr/>
+        <a:lstStyle/>
+        <a:p>
+          <a:endParaRPr lang="zh-CN" altLang="en-US"/>
+        </a:p>
+      </dgm:t>
     </dgm:pt>
     <dgm:pt modelId="{4166AB78-13D5-4610-BCD4-BD632204A7CE}" type="pres">
       <dgm:prSet presAssocID="{9135B3DF-F1FA-4377-A9A9-68702A3DEED7}" presName="node" presStyleLbl="node1" presStyleIdx="2" presStyleCnt="5" custScaleX="64757" custScaleY="64757" custRadScaleRad="97395" custRadScaleInc="350684">
@@ -12508,14 +13868,35 @@
         </dgm:presLayoutVars>
       </dgm:prSet>
       <dgm:spPr/>
+      <dgm:t>
+        <a:bodyPr/>
+        <a:lstStyle/>
+        <a:p>
+          <a:endParaRPr lang="zh-CN" altLang="en-US"/>
+        </a:p>
+      </dgm:t>
     </dgm:pt>
     <dgm:pt modelId="{DF7CE077-AD2F-4DB1-B6C2-2422BC73640F}" type="pres">
       <dgm:prSet presAssocID="{DA40D15D-76CE-42EB-A93F-CDC6980067EE}" presName="sibTrans" presStyleLbl="sibTrans2D1" presStyleIdx="2" presStyleCnt="5"/>
       <dgm:spPr/>
+      <dgm:t>
+        <a:bodyPr/>
+        <a:lstStyle/>
+        <a:p>
+          <a:endParaRPr lang="zh-CN" altLang="en-US"/>
+        </a:p>
+      </dgm:t>
     </dgm:pt>
     <dgm:pt modelId="{7DB92AC9-D849-4612-A128-E0F40D23C365}" type="pres">
       <dgm:prSet presAssocID="{DA40D15D-76CE-42EB-A93F-CDC6980067EE}" presName="connectorText" presStyleLbl="sibTrans2D1" presStyleIdx="2" presStyleCnt="5"/>
       <dgm:spPr/>
+      <dgm:t>
+        <a:bodyPr/>
+        <a:lstStyle/>
+        <a:p>
+          <a:endParaRPr lang="zh-CN" altLang="en-US"/>
+        </a:p>
+      </dgm:t>
     </dgm:pt>
     <dgm:pt modelId="{D7E33BB1-BEAB-4E4E-9240-B083D9725F37}" type="pres">
       <dgm:prSet presAssocID="{521D3F63-6737-4049-AF28-9344738F9B23}" presName="node" presStyleLbl="node1" presStyleIdx="3" presStyleCnt="5" custScaleX="62992" custScaleY="62992" custRadScaleRad="115498" custRadScaleInc="230382">
@@ -12524,14 +13905,35 @@
         </dgm:presLayoutVars>
       </dgm:prSet>
       <dgm:spPr/>
+      <dgm:t>
+        <a:bodyPr/>
+        <a:lstStyle/>
+        <a:p>
+          <a:endParaRPr lang="zh-CN" altLang="en-US"/>
+        </a:p>
+      </dgm:t>
     </dgm:pt>
     <dgm:pt modelId="{F0480431-0DEE-4F53-B8AF-D9BA7E17A445}" type="pres">
       <dgm:prSet presAssocID="{3E27A477-4129-4F32-8651-A75A0CA0898C}" presName="sibTrans" presStyleLbl="sibTrans2D1" presStyleIdx="3" presStyleCnt="5"/>
       <dgm:spPr/>
+      <dgm:t>
+        <a:bodyPr/>
+        <a:lstStyle/>
+        <a:p>
+          <a:endParaRPr lang="zh-CN" altLang="en-US"/>
+        </a:p>
+      </dgm:t>
     </dgm:pt>
     <dgm:pt modelId="{BD93B8BB-7745-4EF0-97BA-C5ADB4533DCD}" type="pres">
       <dgm:prSet presAssocID="{3E27A477-4129-4F32-8651-A75A0CA0898C}" presName="connectorText" presStyleLbl="sibTrans2D1" presStyleIdx="3" presStyleCnt="5"/>
       <dgm:spPr/>
+      <dgm:t>
+        <a:bodyPr/>
+        <a:lstStyle/>
+        <a:p>
+          <a:endParaRPr lang="zh-CN" altLang="en-US"/>
+        </a:p>
+      </dgm:t>
     </dgm:pt>
     <dgm:pt modelId="{01690352-A482-4BBB-818E-7ECE585B9755}" type="pres">
       <dgm:prSet presAssocID="{36A82DCB-414A-44EB-883E-0F11DD185BF4}" presName="node" presStyleLbl="node1" presStyleIdx="4" presStyleCnt="5" custScaleX="66375" custScaleY="66375" custRadScaleRad="150138" custRadScaleInc="93096">
@@ -12540,38 +13942,59 @@
         </dgm:presLayoutVars>
       </dgm:prSet>
       <dgm:spPr/>
+      <dgm:t>
+        <a:bodyPr/>
+        <a:lstStyle/>
+        <a:p>
+          <a:endParaRPr lang="zh-CN" altLang="en-US"/>
+        </a:p>
+      </dgm:t>
     </dgm:pt>
     <dgm:pt modelId="{952093F8-FED5-4D7C-B5A9-E2833A80EF25}" type="pres">
       <dgm:prSet presAssocID="{63F2A687-076F-4E77-ABDB-6E024B0C7438}" presName="sibTrans" presStyleLbl="sibTrans2D1" presStyleIdx="4" presStyleCnt="5"/>
       <dgm:spPr/>
+      <dgm:t>
+        <a:bodyPr/>
+        <a:lstStyle/>
+        <a:p>
+          <a:endParaRPr lang="zh-CN" altLang="en-US"/>
+        </a:p>
+      </dgm:t>
     </dgm:pt>
     <dgm:pt modelId="{8A3FBD82-3C34-41BC-87F7-D019679DC3FE}" type="pres">
       <dgm:prSet presAssocID="{63F2A687-076F-4E77-ABDB-6E024B0C7438}" presName="connectorText" presStyleLbl="sibTrans2D1" presStyleIdx="4" presStyleCnt="5"/>
       <dgm:spPr/>
+      <dgm:t>
+        <a:bodyPr/>
+        <a:lstStyle/>
+        <a:p>
+          <a:endParaRPr lang="zh-CN" altLang="en-US"/>
+        </a:p>
+      </dgm:t>
     </dgm:pt>
   </dgm:ptLst>
   <dgm:cxnLst>
+    <dgm:cxn modelId="{C7880D2B-DE58-49ED-BB82-D0F301FF9DEC}" srcId="{12354530-0EDE-4B9F-BA06-34289B84F019}" destId="{30CB31C9-D438-4932-B2EB-C47AB8D2BE16}" srcOrd="0" destOrd="0" parTransId="{297B63D3-FD2F-4939-B164-F9ED475C27E2}" sibTransId="{5E2C816C-DFF6-47FA-AEE9-B862D01121F0}"/>
+    <dgm:cxn modelId="{6ABE21C8-6946-4985-B94E-6CEE657460A8}" srcId="{12354530-0EDE-4B9F-BA06-34289B84F019}" destId="{521D3F63-6737-4049-AF28-9344738F9B23}" srcOrd="3" destOrd="0" parTransId="{9B4B920E-9642-4155-A9E7-45BF7EFD0ED2}" sibTransId="{3E27A477-4129-4F32-8651-A75A0CA0898C}"/>
+    <dgm:cxn modelId="{56037F20-E33A-45BB-A729-0DFA77127711}" srcId="{12354530-0EDE-4B9F-BA06-34289B84F019}" destId="{61F9052F-3AD0-4E6F-A0E6-7F10EAC24EB2}" srcOrd="1" destOrd="0" parTransId="{30DCC48F-62E5-471C-9F17-16561DBB7DFA}" sibTransId="{B2B34FA9-8191-427E-BE92-8D6705930400}"/>
+    <dgm:cxn modelId="{24DCEBB9-3C20-44B3-8E91-6820CE43FEA0}" type="presOf" srcId="{B2B34FA9-8191-427E-BE92-8D6705930400}" destId="{7E470080-8F7A-4DE2-B278-EE2EBB34931A}" srcOrd="0" destOrd="0" presId="urn:microsoft.com/office/officeart/2005/8/layout/cycle2"/>
+    <dgm:cxn modelId="{A133A9B9-31C9-4389-9689-F87ECB3FA353}" srcId="{12354530-0EDE-4B9F-BA06-34289B84F019}" destId="{9135B3DF-F1FA-4377-A9A9-68702A3DEED7}" srcOrd="2" destOrd="0" parTransId="{5A697B20-455B-4481-880F-5D8360BCCFA9}" sibTransId="{DA40D15D-76CE-42EB-A93F-CDC6980067EE}"/>
+    <dgm:cxn modelId="{B4718261-177F-49EC-B746-4A2C7C1F4867}" type="presOf" srcId="{5E2C816C-DFF6-47FA-AEE9-B862D01121F0}" destId="{325DCDAE-DBA3-448A-8FC4-155026D2D0B9}" srcOrd="1" destOrd="0" presId="urn:microsoft.com/office/officeart/2005/8/layout/cycle2"/>
+    <dgm:cxn modelId="{9439AEF0-2816-4BB1-9256-37FA9A1E3884}" type="presOf" srcId="{521D3F63-6737-4049-AF28-9344738F9B23}" destId="{D7E33BB1-BEAB-4E4E-9240-B083D9725F37}" srcOrd="0" destOrd="0" presId="urn:microsoft.com/office/officeart/2005/8/layout/cycle2"/>
+    <dgm:cxn modelId="{FDAD6988-590B-4E8C-A631-929910811601}" type="presOf" srcId="{30CB31C9-D438-4932-B2EB-C47AB8D2BE16}" destId="{E06340CC-E2E4-4EA9-8906-4CAD4D237BA2}" srcOrd="0" destOrd="0" presId="urn:microsoft.com/office/officeart/2005/8/layout/cycle2"/>
+    <dgm:cxn modelId="{8521C45A-7B8A-4952-89B6-2B1BA4F153E0}" type="presOf" srcId="{63F2A687-076F-4E77-ABDB-6E024B0C7438}" destId="{8A3FBD82-3C34-41BC-87F7-D019679DC3FE}" srcOrd="1" destOrd="0" presId="urn:microsoft.com/office/officeart/2005/8/layout/cycle2"/>
+    <dgm:cxn modelId="{39E90ED3-D799-4377-86F8-4566279DCE07}" srcId="{12354530-0EDE-4B9F-BA06-34289B84F019}" destId="{36A82DCB-414A-44EB-883E-0F11DD185BF4}" srcOrd="4" destOrd="0" parTransId="{30797813-30DE-487C-A87A-BD3280000F8F}" sibTransId="{63F2A687-076F-4E77-ABDB-6E024B0C7438}"/>
     <dgm:cxn modelId="{4505C904-CF30-4DEE-AA8D-023852BD46AA}" type="presOf" srcId="{B2B34FA9-8191-427E-BE92-8D6705930400}" destId="{A99FEF7E-5BB9-4E32-BFE6-BC1546C3EA0A}" srcOrd="1" destOrd="0" presId="urn:microsoft.com/office/officeart/2005/8/layout/cycle2"/>
-    <dgm:cxn modelId="{56037F20-E33A-45BB-A729-0DFA77127711}" srcId="{12354530-0EDE-4B9F-BA06-34289B84F019}" destId="{61F9052F-3AD0-4E6F-A0E6-7F10EAC24EB2}" srcOrd="1" destOrd="0" parTransId="{30DCC48F-62E5-471C-9F17-16561DBB7DFA}" sibTransId="{B2B34FA9-8191-427E-BE92-8D6705930400}"/>
-    <dgm:cxn modelId="{C7880D2B-DE58-49ED-BB82-D0F301FF9DEC}" srcId="{12354530-0EDE-4B9F-BA06-34289B84F019}" destId="{30CB31C9-D438-4932-B2EB-C47AB8D2BE16}" srcOrd="0" destOrd="0" parTransId="{297B63D3-FD2F-4939-B164-F9ED475C27E2}" sibTransId="{5E2C816C-DFF6-47FA-AEE9-B862D01121F0}"/>
+    <dgm:cxn modelId="{74CE3D72-2EE7-491A-AC7F-CDF15609711B}" type="presOf" srcId="{5E2C816C-DFF6-47FA-AEE9-B862D01121F0}" destId="{DC641C10-E877-4231-9CD8-B801CB127113}" srcOrd="0" destOrd="0" presId="urn:microsoft.com/office/officeart/2005/8/layout/cycle2"/>
+    <dgm:cxn modelId="{93BEBEFF-3B5C-433C-A29A-335C15C636C6}" type="presOf" srcId="{36A82DCB-414A-44EB-883E-0F11DD185BF4}" destId="{01690352-A482-4BBB-818E-7ECE585B9755}" srcOrd="0" destOrd="0" presId="urn:microsoft.com/office/officeart/2005/8/layout/cycle2"/>
+    <dgm:cxn modelId="{EDB71FD8-24A8-4843-AB58-3AE6FBDD4602}" type="presOf" srcId="{9135B3DF-F1FA-4377-A9A9-68702A3DEED7}" destId="{4166AB78-13D5-4610-BCD4-BD632204A7CE}" srcOrd="0" destOrd="0" presId="urn:microsoft.com/office/officeart/2005/8/layout/cycle2"/>
     <dgm:cxn modelId="{D9D30E2E-0E81-441D-A487-0672D1552A64}" type="presOf" srcId="{61F9052F-3AD0-4E6F-A0E6-7F10EAC24EB2}" destId="{3E0F186A-445C-483E-83F7-6CC2705CA1DD}" srcOrd="0" destOrd="0" presId="urn:microsoft.com/office/officeart/2005/8/layout/cycle2"/>
-    <dgm:cxn modelId="{B4718261-177F-49EC-B746-4A2C7C1F4867}" type="presOf" srcId="{5E2C816C-DFF6-47FA-AEE9-B862D01121F0}" destId="{325DCDAE-DBA3-448A-8FC4-155026D2D0B9}" srcOrd="1" destOrd="0" presId="urn:microsoft.com/office/officeart/2005/8/layout/cycle2"/>
+    <dgm:cxn modelId="{E18E09F8-276F-421E-ADF8-FAF1B1FA7EE7}" type="presOf" srcId="{DA40D15D-76CE-42EB-A93F-CDC6980067EE}" destId="{7DB92AC9-D849-4612-A128-E0F40D23C365}" srcOrd="1" destOrd="0" presId="urn:microsoft.com/office/officeart/2005/8/layout/cycle2"/>
     <dgm:cxn modelId="{D6269C62-04D7-4D84-A49A-BAC4C0AF28A2}" type="presOf" srcId="{3E27A477-4129-4F32-8651-A75A0CA0898C}" destId="{F0480431-0DEE-4F53-B8AF-D9BA7E17A445}" srcOrd="0" destOrd="0" presId="urn:microsoft.com/office/officeart/2005/8/layout/cycle2"/>
+    <dgm:cxn modelId="{F721D2BF-A96C-4C53-817E-5F961B7E839E}" type="presOf" srcId="{12354530-0EDE-4B9F-BA06-34289B84F019}" destId="{36B4CA91-BE11-4738-AD74-2A4B9D312996}" srcOrd="0" destOrd="0" presId="urn:microsoft.com/office/officeart/2005/8/layout/cycle2"/>
+    <dgm:cxn modelId="{A713DF96-20D4-41E2-8C28-4420D443389A}" type="presOf" srcId="{DA40D15D-76CE-42EB-A93F-CDC6980067EE}" destId="{DF7CE077-AD2F-4DB1-B6C2-2422BC73640F}" srcOrd="0" destOrd="0" presId="urn:microsoft.com/office/officeart/2005/8/layout/cycle2"/>
+    <dgm:cxn modelId="{91AB0358-E856-4502-A8CC-446151CE6ADF}" type="presOf" srcId="{3E27A477-4129-4F32-8651-A75A0CA0898C}" destId="{BD93B8BB-7745-4EF0-97BA-C5ADB4533DCD}" srcOrd="1" destOrd="0" presId="urn:microsoft.com/office/officeart/2005/8/layout/cycle2"/>
     <dgm:cxn modelId="{ADAAF36F-C065-4B53-99D4-146D48649E5E}" type="presOf" srcId="{63F2A687-076F-4E77-ABDB-6E024B0C7438}" destId="{952093F8-FED5-4D7C-B5A9-E2833A80EF25}" srcOrd="0" destOrd="0" presId="urn:microsoft.com/office/officeart/2005/8/layout/cycle2"/>
-    <dgm:cxn modelId="{74CE3D72-2EE7-491A-AC7F-CDF15609711B}" type="presOf" srcId="{5E2C816C-DFF6-47FA-AEE9-B862D01121F0}" destId="{DC641C10-E877-4231-9CD8-B801CB127113}" srcOrd="0" destOrd="0" presId="urn:microsoft.com/office/officeart/2005/8/layout/cycle2"/>
-    <dgm:cxn modelId="{91AB0358-E856-4502-A8CC-446151CE6ADF}" type="presOf" srcId="{3E27A477-4129-4F32-8651-A75A0CA0898C}" destId="{BD93B8BB-7745-4EF0-97BA-C5ADB4533DCD}" srcOrd="1" destOrd="0" presId="urn:microsoft.com/office/officeart/2005/8/layout/cycle2"/>
-    <dgm:cxn modelId="{8521C45A-7B8A-4952-89B6-2B1BA4F153E0}" type="presOf" srcId="{63F2A687-076F-4E77-ABDB-6E024B0C7438}" destId="{8A3FBD82-3C34-41BC-87F7-D019679DC3FE}" srcOrd="1" destOrd="0" presId="urn:microsoft.com/office/officeart/2005/8/layout/cycle2"/>
-    <dgm:cxn modelId="{FDAD6988-590B-4E8C-A631-929910811601}" type="presOf" srcId="{30CB31C9-D438-4932-B2EB-C47AB8D2BE16}" destId="{E06340CC-E2E4-4EA9-8906-4CAD4D237BA2}" srcOrd="0" destOrd="0" presId="urn:microsoft.com/office/officeart/2005/8/layout/cycle2"/>
-    <dgm:cxn modelId="{A713DF96-20D4-41E2-8C28-4420D443389A}" type="presOf" srcId="{DA40D15D-76CE-42EB-A93F-CDC6980067EE}" destId="{DF7CE077-AD2F-4DB1-B6C2-2422BC73640F}" srcOrd="0" destOrd="0" presId="urn:microsoft.com/office/officeart/2005/8/layout/cycle2"/>
-    <dgm:cxn modelId="{A133A9B9-31C9-4389-9689-F87ECB3FA353}" srcId="{12354530-0EDE-4B9F-BA06-34289B84F019}" destId="{9135B3DF-F1FA-4377-A9A9-68702A3DEED7}" srcOrd="2" destOrd="0" parTransId="{5A697B20-455B-4481-880F-5D8360BCCFA9}" sibTransId="{DA40D15D-76CE-42EB-A93F-CDC6980067EE}"/>
-    <dgm:cxn modelId="{24DCEBB9-3C20-44B3-8E91-6820CE43FEA0}" type="presOf" srcId="{B2B34FA9-8191-427E-BE92-8D6705930400}" destId="{7E470080-8F7A-4DE2-B278-EE2EBB34931A}" srcOrd="0" destOrd="0" presId="urn:microsoft.com/office/officeart/2005/8/layout/cycle2"/>
-    <dgm:cxn modelId="{F721D2BF-A96C-4C53-817E-5F961B7E839E}" type="presOf" srcId="{12354530-0EDE-4B9F-BA06-34289B84F019}" destId="{36B4CA91-BE11-4738-AD74-2A4B9D312996}" srcOrd="0" destOrd="0" presId="urn:microsoft.com/office/officeart/2005/8/layout/cycle2"/>
-    <dgm:cxn modelId="{6ABE21C8-6946-4985-B94E-6CEE657460A8}" srcId="{12354530-0EDE-4B9F-BA06-34289B84F019}" destId="{521D3F63-6737-4049-AF28-9344738F9B23}" srcOrd="3" destOrd="0" parTransId="{9B4B920E-9642-4155-A9E7-45BF7EFD0ED2}" sibTransId="{3E27A477-4129-4F32-8651-A75A0CA0898C}"/>
-    <dgm:cxn modelId="{39E90ED3-D799-4377-86F8-4566279DCE07}" srcId="{12354530-0EDE-4B9F-BA06-34289B84F019}" destId="{36A82DCB-414A-44EB-883E-0F11DD185BF4}" srcOrd="4" destOrd="0" parTransId="{30797813-30DE-487C-A87A-BD3280000F8F}" sibTransId="{63F2A687-076F-4E77-ABDB-6E024B0C7438}"/>
-    <dgm:cxn modelId="{EDB71FD8-24A8-4843-AB58-3AE6FBDD4602}" type="presOf" srcId="{9135B3DF-F1FA-4377-A9A9-68702A3DEED7}" destId="{4166AB78-13D5-4610-BCD4-BD632204A7CE}" srcOrd="0" destOrd="0" presId="urn:microsoft.com/office/officeart/2005/8/layout/cycle2"/>
-    <dgm:cxn modelId="{9439AEF0-2816-4BB1-9256-37FA9A1E3884}" type="presOf" srcId="{521D3F63-6737-4049-AF28-9344738F9B23}" destId="{D7E33BB1-BEAB-4E4E-9240-B083D9725F37}" srcOrd="0" destOrd="0" presId="urn:microsoft.com/office/officeart/2005/8/layout/cycle2"/>
-    <dgm:cxn modelId="{E18E09F8-276F-421E-ADF8-FAF1B1FA7EE7}" type="presOf" srcId="{DA40D15D-76CE-42EB-A93F-CDC6980067EE}" destId="{7DB92AC9-D849-4612-A128-E0F40D23C365}" srcOrd="1" destOrd="0" presId="urn:microsoft.com/office/officeart/2005/8/layout/cycle2"/>
-    <dgm:cxn modelId="{93BEBEFF-3B5C-433C-A29A-335C15C636C6}" type="presOf" srcId="{36A82DCB-414A-44EB-883E-0F11DD185BF4}" destId="{01690352-A482-4BBB-818E-7ECE585B9755}" srcOrd="0" destOrd="0" presId="urn:microsoft.com/office/officeart/2005/8/layout/cycle2"/>
     <dgm:cxn modelId="{0FDF8A16-6240-4F33-9294-596E8BC69332}" type="presParOf" srcId="{36B4CA91-BE11-4738-AD74-2A4B9D312996}" destId="{E06340CC-E2E4-4EA9-8906-4CAD4D237BA2}" srcOrd="0" destOrd="0" presId="urn:microsoft.com/office/officeart/2005/8/layout/cycle2"/>
     <dgm:cxn modelId="{63D7BF01-67B1-4E73-B2D2-91411D3E6899}" type="presParOf" srcId="{36B4CA91-BE11-4738-AD74-2A4B9D312996}" destId="{DC641C10-E877-4231-9CD8-B801CB127113}" srcOrd="1" destOrd="0" presId="urn:microsoft.com/office/officeart/2005/8/layout/cycle2"/>
     <dgm:cxn modelId="{82F43FC0-4D53-476D-98C6-1D49F19F231B}" type="presParOf" srcId="{DC641C10-E877-4231-9CD8-B801CB127113}" destId="{325DCDAE-DBA3-448A-8FC4-155026D2D0B9}" srcOrd="0" destOrd="0" presId="urn:microsoft.com/office/officeart/2005/8/layout/cycle2"/>
@@ -13055,6 +14478,13 @@
         </dgm:presLayoutVars>
       </dgm:prSet>
       <dgm:spPr/>
+      <dgm:t>
+        <a:bodyPr/>
+        <a:lstStyle/>
+        <a:p>
+          <a:endParaRPr lang="zh-CN" altLang="en-US"/>
+        </a:p>
+      </dgm:t>
     </dgm:pt>
     <dgm:pt modelId="{F45ACAD2-DDDD-4B69-B5CF-2C9F5CEF5371}" type="pres">
       <dgm:prSet presAssocID="{CB76590E-5691-46F1-B1C0-38DFECF42573}" presName="node" presStyleLbl="node1" presStyleIdx="0" presStyleCnt="10">
@@ -13063,14 +14493,35 @@
         </dgm:presLayoutVars>
       </dgm:prSet>
       <dgm:spPr/>
+      <dgm:t>
+        <a:bodyPr/>
+        <a:lstStyle/>
+        <a:p>
+          <a:endParaRPr lang="zh-CN" altLang="en-US"/>
+        </a:p>
+      </dgm:t>
     </dgm:pt>
     <dgm:pt modelId="{A53D6BA1-5CBE-45F9-99CE-E489E7669403}" type="pres">
       <dgm:prSet presAssocID="{D153D79D-6C8F-4652-9E5B-ED153EC4091D}" presName="sibTrans" presStyleLbl="sibTrans2D1" presStyleIdx="0" presStyleCnt="10"/>
       <dgm:spPr/>
+      <dgm:t>
+        <a:bodyPr/>
+        <a:lstStyle/>
+        <a:p>
+          <a:endParaRPr lang="zh-CN" altLang="en-US"/>
+        </a:p>
+      </dgm:t>
     </dgm:pt>
     <dgm:pt modelId="{A9DDCB49-119C-45E0-A2BC-6707158E0A26}" type="pres">
       <dgm:prSet presAssocID="{D153D79D-6C8F-4652-9E5B-ED153EC4091D}" presName="connectorText" presStyleLbl="sibTrans2D1" presStyleIdx="0" presStyleCnt="10"/>
       <dgm:spPr/>
+      <dgm:t>
+        <a:bodyPr/>
+        <a:lstStyle/>
+        <a:p>
+          <a:endParaRPr lang="zh-CN" altLang="en-US"/>
+        </a:p>
+      </dgm:t>
     </dgm:pt>
     <dgm:pt modelId="{E1A08C2F-093D-4B47-A64C-9511EE240AA9}" type="pres">
       <dgm:prSet presAssocID="{F4FEF85B-C795-43DE-917A-74B2DF4BFB22}" presName="node" presStyleLbl="node1" presStyleIdx="1" presStyleCnt="10" custRadScaleRad="100168" custRadScaleInc="-6657">
@@ -13079,14 +14530,35 @@
         </dgm:presLayoutVars>
       </dgm:prSet>
       <dgm:spPr/>
+      <dgm:t>
+        <a:bodyPr/>
+        <a:lstStyle/>
+        <a:p>
+          <a:endParaRPr lang="zh-CN" altLang="en-US"/>
+        </a:p>
+      </dgm:t>
     </dgm:pt>
     <dgm:pt modelId="{EF1A8A45-F500-4DCE-A3DB-3866B33C9871}" type="pres">
       <dgm:prSet presAssocID="{93FC17C1-2D4C-4363-B037-AADF86BA2D5B}" presName="sibTrans" presStyleLbl="sibTrans2D1" presStyleIdx="1" presStyleCnt="10"/>
       <dgm:spPr/>
+      <dgm:t>
+        <a:bodyPr/>
+        <a:lstStyle/>
+        <a:p>
+          <a:endParaRPr lang="zh-CN" altLang="en-US"/>
+        </a:p>
+      </dgm:t>
     </dgm:pt>
     <dgm:pt modelId="{7F1AC502-2122-43F6-B495-8852E52DC22E}" type="pres">
       <dgm:prSet presAssocID="{93FC17C1-2D4C-4363-B037-AADF86BA2D5B}" presName="connectorText" presStyleLbl="sibTrans2D1" presStyleIdx="1" presStyleCnt="10"/>
       <dgm:spPr/>
+      <dgm:t>
+        <a:bodyPr/>
+        <a:lstStyle/>
+        <a:p>
+          <a:endParaRPr lang="zh-CN" altLang="en-US"/>
+        </a:p>
+      </dgm:t>
     </dgm:pt>
     <dgm:pt modelId="{B8C4FA17-E3A8-4FFF-92F9-A8EDD2E67DF0}" type="pres">
       <dgm:prSet presAssocID="{FC018DF4-1C4A-473C-8C8E-DE9467470266}" presName="node" presStyleLbl="node1" presStyleIdx="2" presStyleCnt="10" custRadScaleRad="103339" custRadScaleInc="-34046">
@@ -13095,14 +14567,35 @@
         </dgm:presLayoutVars>
       </dgm:prSet>
       <dgm:spPr/>
+      <dgm:t>
+        <a:bodyPr/>
+        <a:lstStyle/>
+        <a:p>
+          <a:endParaRPr lang="zh-CN" altLang="en-US"/>
+        </a:p>
+      </dgm:t>
     </dgm:pt>
     <dgm:pt modelId="{04C33435-C5ED-42FD-9804-277DB46802F2}" type="pres">
       <dgm:prSet presAssocID="{C5132741-3129-4628-A349-E7A6384D5840}" presName="sibTrans" presStyleLbl="sibTrans2D1" presStyleIdx="2" presStyleCnt="10"/>
       <dgm:spPr/>
+      <dgm:t>
+        <a:bodyPr/>
+        <a:lstStyle/>
+        <a:p>
+          <a:endParaRPr lang="zh-CN" altLang="en-US"/>
+        </a:p>
+      </dgm:t>
     </dgm:pt>
     <dgm:pt modelId="{D2FAB9B7-7CF4-4E6B-998E-1DF0FF026C56}" type="pres">
       <dgm:prSet presAssocID="{C5132741-3129-4628-A349-E7A6384D5840}" presName="connectorText" presStyleLbl="sibTrans2D1" presStyleIdx="2" presStyleCnt="10"/>
       <dgm:spPr/>
+      <dgm:t>
+        <a:bodyPr/>
+        <a:lstStyle/>
+        <a:p>
+          <a:endParaRPr lang="zh-CN" altLang="en-US"/>
+        </a:p>
+      </dgm:t>
     </dgm:pt>
     <dgm:pt modelId="{34DF3E5C-20AF-4281-9271-B115535EAAA7}" type="pres">
       <dgm:prSet presAssocID="{C84677E2-4A40-48EC-80B9-30726D9822E2}" presName="node" presStyleLbl="node1" presStyleIdx="3" presStyleCnt="10">
@@ -13111,14 +14604,35 @@
         </dgm:presLayoutVars>
       </dgm:prSet>
       <dgm:spPr/>
+      <dgm:t>
+        <a:bodyPr/>
+        <a:lstStyle/>
+        <a:p>
+          <a:endParaRPr lang="zh-CN" altLang="en-US"/>
+        </a:p>
+      </dgm:t>
     </dgm:pt>
     <dgm:pt modelId="{74765971-75DD-4561-B979-13EE714AFF12}" type="pres">
       <dgm:prSet presAssocID="{33F1CFDB-D841-415F-9D09-B764F0DE84D9}" presName="sibTrans" presStyleLbl="sibTrans2D1" presStyleIdx="3" presStyleCnt="10"/>
       <dgm:spPr/>
+      <dgm:t>
+        <a:bodyPr/>
+        <a:lstStyle/>
+        <a:p>
+          <a:endParaRPr lang="zh-CN" altLang="en-US"/>
+        </a:p>
+      </dgm:t>
     </dgm:pt>
     <dgm:pt modelId="{1C2B847F-7012-44EE-AAF4-7D627BFA41FF}" type="pres">
       <dgm:prSet presAssocID="{33F1CFDB-D841-415F-9D09-B764F0DE84D9}" presName="connectorText" presStyleLbl="sibTrans2D1" presStyleIdx="3" presStyleCnt="10"/>
       <dgm:spPr/>
+      <dgm:t>
+        <a:bodyPr/>
+        <a:lstStyle/>
+        <a:p>
+          <a:endParaRPr lang="zh-CN" altLang="en-US"/>
+        </a:p>
+      </dgm:t>
     </dgm:pt>
     <dgm:pt modelId="{24B31742-D0A2-46D8-B962-99CDBE542B47}" type="pres">
       <dgm:prSet presAssocID="{A6A66E1C-4123-4761-B9BB-938EEFEF8683}" presName="node" presStyleLbl="node1" presStyleIdx="4" presStyleCnt="10">
@@ -13127,14 +14641,35 @@
         </dgm:presLayoutVars>
       </dgm:prSet>
       <dgm:spPr/>
+      <dgm:t>
+        <a:bodyPr/>
+        <a:lstStyle/>
+        <a:p>
+          <a:endParaRPr lang="zh-CN" altLang="en-US"/>
+        </a:p>
+      </dgm:t>
     </dgm:pt>
     <dgm:pt modelId="{275EE9DE-0E7B-44FB-9C5F-53265A16B71A}" type="pres">
       <dgm:prSet presAssocID="{FD2E8404-5A5D-4A08-B63D-678E4ED26AE1}" presName="sibTrans" presStyleLbl="sibTrans2D1" presStyleIdx="4" presStyleCnt="10"/>
       <dgm:spPr/>
+      <dgm:t>
+        <a:bodyPr/>
+        <a:lstStyle/>
+        <a:p>
+          <a:endParaRPr lang="zh-CN" altLang="en-US"/>
+        </a:p>
+      </dgm:t>
     </dgm:pt>
     <dgm:pt modelId="{1BB943CF-3748-4570-A1EE-859C2A4592B3}" type="pres">
       <dgm:prSet presAssocID="{FD2E8404-5A5D-4A08-B63D-678E4ED26AE1}" presName="connectorText" presStyleLbl="sibTrans2D1" presStyleIdx="4" presStyleCnt="10"/>
       <dgm:spPr/>
+      <dgm:t>
+        <a:bodyPr/>
+        <a:lstStyle/>
+        <a:p>
+          <a:endParaRPr lang="zh-CN" altLang="en-US"/>
+        </a:p>
+      </dgm:t>
     </dgm:pt>
     <dgm:pt modelId="{87D27CB6-095D-4915-8628-6F449752BE4B}" type="pres">
       <dgm:prSet presAssocID="{C62EEA5C-6298-4FE9-9D54-80CA00BC6945}" presName="node" presStyleLbl="node1" presStyleIdx="5" presStyleCnt="10" custRadScaleRad="94134" custRadScaleInc="-58515">
@@ -13143,14 +14678,35 @@
         </dgm:presLayoutVars>
       </dgm:prSet>
       <dgm:spPr/>
+      <dgm:t>
+        <a:bodyPr/>
+        <a:lstStyle/>
+        <a:p>
+          <a:endParaRPr lang="zh-CN" altLang="en-US"/>
+        </a:p>
+      </dgm:t>
     </dgm:pt>
     <dgm:pt modelId="{6782EEEB-BA63-4AD8-A645-90B7A9C0D075}" type="pres">
       <dgm:prSet presAssocID="{0CC39E03-AC8F-429C-B077-D12DA1E04481}" presName="sibTrans" presStyleLbl="sibTrans2D1" presStyleIdx="5" presStyleCnt="10"/>
       <dgm:spPr/>
+      <dgm:t>
+        <a:bodyPr/>
+        <a:lstStyle/>
+        <a:p>
+          <a:endParaRPr lang="zh-CN" altLang="en-US"/>
+        </a:p>
+      </dgm:t>
     </dgm:pt>
     <dgm:pt modelId="{213CE7C6-5483-4700-A291-09079E2C59C9}" type="pres">
       <dgm:prSet presAssocID="{0CC39E03-AC8F-429C-B077-D12DA1E04481}" presName="connectorText" presStyleLbl="sibTrans2D1" presStyleIdx="5" presStyleCnt="10"/>
       <dgm:spPr/>
+      <dgm:t>
+        <a:bodyPr/>
+        <a:lstStyle/>
+        <a:p>
+          <a:endParaRPr lang="zh-CN" altLang="en-US"/>
+        </a:p>
+      </dgm:t>
     </dgm:pt>
     <dgm:pt modelId="{FAB3C292-35F1-48CB-8B11-09ECF7BF3C57}" type="pres">
       <dgm:prSet presAssocID="{C3C3638B-F6F4-428B-B968-4E74FB6966E3}" presName="node" presStyleLbl="node1" presStyleIdx="6" presStyleCnt="10" custRadScaleRad="89843" custRadScaleInc="-98093">
@@ -13159,14 +14715,35 @@
         </dgm:presLayoutVars>
       </dgm:prSet>
       <dgm:spPr/>
+      <dgm:t>
+        <a:bodyPr/>
+        <a:lstStyle/>
+        <a:p>
+          <a:endParaRPr lang="zh-CN" altLang="en-US"/>
+        </a:p>
+      </dgm:t>
     </dgm:pt>
     <dgm:pt modelId="{EAAA4277-D019-4939-B257-08BF9EAAB754}" type="pres">
       <dgm:prSet presAssocID="{DAF92C7C-45F7-44F4-BFD1-DCAD94764D39}" presName="sibTrans" presStyleLbl="sibTrans2D1" presStyleIdx="6" presStyleCnt="10"/>
       <dgm:spPr/>
+      <dgm:t>
+        <a:bodyPr/>
+        <a:lstStyle/>
+        <a:p>
+          <a:endParaRPr lang="zh-CN" altLang="en-US"/>
+        </a:p>
+      </dgm:t>
     </dgm:pt>
     <dgm:pt modelId="{50E3DAD5-C33C-43BC-8586-EC2EADC309EA}" type="pres">
       <dgm:prSet presAssocID="{DAF92C7C-45F7-44F4-BFD1-DCAD94764D39}" presName="connectorText" presStyleLbl="sibTrans2D1" presStyleIdx="6" presStyleCnt="10"/>
       <dgm:spPr/>
+      <dgm:t>
+        <a:bodyPr/>
+        <a:lstStyle/>
+        <a:p>
+          <a:endParaRPr lang="zh-CN" altLang="en-US"/>
+        </a:p>
+      </dgm:t>
     </dgm:pt>
     <dgm:pt modelId="{6A4DF67D-DC73-4669-936D-5140DD531C45}" type="pres">
       <dgm:prSet presAssocID="{C4DAD3C7-DC8D-45E0-94F4-57861D7DAA12}" presName="node" presStyleLbl="node1" presStyleIdx="7" presStyleCnt="10">
@@ -13175,14 +14752,35 @@
         </dgm:presLayoutVars>
       </dgm:prSet>
       <dgm:spPr/>
+      <dgm:t>
+        <a:bodyPr/>
+        <a:lstStyle/>
+        <a:p>
+          <a:endParaRPr lang="zh-CN" altLang="en-US"/>
+        </a:p>
+      </dgm:t>
     </dgm:pt>
     <dgm:pt modelId="{6F801686-E316-446C-822D-15D0C2EDA630}" type="pres">
       <dgm:prSet presAssocID="{F5750B51-8D2B-4CE3-8DC7-5D099994A143}" presName="sibTrans" presStyleLbl="sibTrans2D1" presStyleIdx="7" presStyleCnt="10"/>
       <dgm:spPr/>
+      <dgm:t>
+        <a:bodyPr/>
+        <a:lstStyle/>
+        <a:p>
+          <a:endParaRPr lang="zh-CN" altLang="en-US"/>
+        </a:p>
+      </dgm:t>
     </dgm:pt>
     <dgm:pt modelId="{A67AB7FE-9C16-4F92-9D73-C3750D775353}" type="pres">
       <dgm:prSet presAssocID="{F5750B51-8D2B-4CE3-8DC7-5D099994A143}" presName="connectorText" presStyleLbl="sibTrans2D1" presStyleIdx="7" presStyleCnt="10"/>
       <dgm:spPr/>
+      <dgm:t>
+        <a:bodyPr/>
+        <a:lstStyle/>
+        <a:p>
+          <a:endParaRPr lang="zh-CN" altLang="en-US"/>
+        </a:p>
+      </dgm:t>
     </dgm:pt>
     <dgm:pt modelId="{7B9B045A-0795-410F-9EF4-4070A65554B6}" type="pres">
       <dgm:prSet presAssocID="{10584412-C7CC-4FC1-B2AB-75DB23D18F20}" presName="node" presStyleLbl="node1" presStyleIdx="8" presStyleCnt="10" custRadScaleRad="97843" custRadScaleInc="6984">
@@ -13191,14 +14789,35 @@
         </dgm:presLayoutVars>
       </dgm:prSet>
       <dgm:spPr/>
+      <dgm:t>
+        <a:bodyPr/>
+        <a:lstStyle/>
+        <a:p>
+          <a:endParaRPr lang="zh-CN" altLang="en-US"/>
+        </a:p>
+      </dgm:t>
     </dgm:pt>
     <dgm:pt modelId="{711729C4-8974-4E57-B275-CBDA5E6E7167}" type="pres">
       <dgm:prSet presAssocID="{9A8B5B75-54D3-4D70-88F1-FDD65132BBD5}" presName="sibTrans" presStyleLbl="sibTrans2D1" presStyleIdx="8" presStyleCnt="10"/>
       <dgm:spPr/>
+      <dgm:t>
+        <a:bodyPr/>
+        <a:lstStyle/>
+        <a:p>
+          <a:endParaRPr lang="zh-CN" altLang="en-US"/>
+        </a:p>
+      </dgm:t>
     </dgm:pt>
     <dgm:pt modelId="{1AEBAB2D-C9A7-4059-A048-8B48E4CDB2C5}" type="pres">
       <dgm:prSet presAssocID="{9A8B5B75-54D3-4D70-88F1-FDD65132BBD5}" presName="connectorText" presStyleLbl="sibTrans2D1" presStyleIdx="8" presStyleCnt="10"/>
       <dgm:spPr/>
+      <dgm:t>
+        <a:bodyPr/>
+        <a:lstStyle/>
+        <a:p>
+          <a:endParaRPr lang="zh-CN" altLang="en-US"/>
+        </a:p>
+      </dgm:t>
     </dgm:pt>
     <dgm:pt modelId="{D53A1E11-3BFF-4DB3-B007-42AAF4C4F104}" type="pres">
       <dgm:prSet presAssocID="{E2BFAB97-1A96-4F29-A9E9-BB09C064F6AD}" presName="node" presStyleLbl="node1" presStyleIdx="9" presStyleCnt="10" custRadScaleRad="96726" custRadScaleInc="-32827">
@@ -13207,58 +14826,79 @@
         </dgm:presLayoutVars>
       </dgm:prSet>
       <dgm:spPr/>
+      <dgm:t>
+        <a:bodyPr/>
+        <a:lstStyle/>
+        <a:p>
+          <a:endParaRPr lang="zh-CN" altLang="en-US"/>
+        </a:p>
+      </dgm:t>
     </dgm:pt>
     <dgm:pt modelId="{9EFC0C2D-E761-4F6E-9904-AADFDFDDFD9D}" type="pres">
       <dgm:prSet presAssocID="{33C65FDE-DC4B-4BC5-83A9-E1E8C3218CC6}" presName="sibTrans" presStyleLbl="sibTrans2D1" presStyleIdx="9" presStyleCnt="10"/>
       <dgm:spPr/>
+      <dgm:t>
+        <a:bodyPr/>
+        <a:lstStyle/>
+        <a:p>
+          <a:endParaRPr lang="zh-CN" altLang="en-US"/>
+        </a:p>
+      </dgm:t>
     </dgm:pt>
     <dgm:pt modelId="{40C6ED9D-9F31-474F-9AB9-0C6FDDDF3D88}" type="pres">
       <dgm:prSet presAssocID="{33C65FDE-DC4B-4BC5-83A9-E1E8C3218CC6}" presName="connectorText" presStyleLbl="sibTrans2D1" presStyleIdx="9" presStyleCnt="10"/>
       <dgm:spPr/>
+      <dgm:t>
+        <a:bodyPr/>
+        <a:lstStyle/>
+        <a:p>
+          <a:endParaRPr lang="zh-CN" altLang="en-US"/>
+        </a:p>
+      </dgm:t>
     </dgm:pt>
   </dgm:ptLst>
   <dgm:cxnLst>
+    <dgm:cxn modelId="{86C7AF35-FA36-4124-9EA3-3B1482090BDE}" srcId="{DC1F4D05-9FE3-42A7-964E-89DFDE1D32EF}" destId="{CB76590E-5691-46F1-B1C0-38DFECF42573}" srcOrd="0" destOrd="0" parTransId="{5325BBDF-43D3-4772-BE95-6594EBFECDE2}" sibTransId="{D153D79D-6C8F-4652-9E5B-ED153EC4091D}"/>
+    <dgm:cxn modelId="{62C523EF-1C75-45E7-9309-EFDF30D5BD9E}" type="presOf" srcId="{33C65FDE-DC4B-4BC5-83A9-E1E8C3218CC6}" destId="{9EFC0C2D-E761-4F6E-9904-AADFDFDDFD9D}" srcOrd="0" destOrd="0" presId="urn:microsoft.com/office/officeart/2005/8/layout/cycle2"/>
+    <dgm:cxn modelId="{76B4A51C-0B12-4E32-92B4-7138970257C2}" srcId="{DC1F4D05-9FE3-42A7-964E-89DFDE1D32EF}" destId="{E2BFAB97-1A96-4F29-A9E9-BB09C064F6AD}" srcOrd="9" destOrd="0" parTransId="{10AE24F0-008C-4C0B-9FE6-4A6A78217359}" sibTransId="{33C65FDE-DC4B-4BC5-83A9-E1E8C3218CC6}"/>
+    <dgm:cxn modelId="{69D86D0B-A8DB-4FA0-8A2A-4490292FC1D7}" type="presOf" srcId="{F4FEF85B-C795-43DE-917A-74B2DF4BFB22}" destId="{E1A08C2F-093D-4B47-A64C-9511EE240AA9}" srcOrd="0" destOrd="0" presId="urn:microsoft.com/office/officeart/2005/8/layout/cycle2"/>
     <dgm:cxn modelId="{FE686100-5594-47A7-905B-02B2D3535031}" type="presOf" srcId="{33F1CFDB-D841-415F-9D09-B764F0DE84D9}" destId="{1C2B847F-7012-44EE-AAF4-7D627BFA41FF}" srcOrd="1" destOrd="0" presId="urn:microsoft.com/office/officeart/2005/8/layout/cycle2"/>
-    <dgm:cxn modelId="{751B3C07-C313-49E0-988D-60298788055D}" type="presOf" srcId="{DC1F4D05-9FE3-42A7-964E-89DFDE1D32EF}" destId="{D7F1C75E-6004-44C3-A625-3529CE3D272A}" srcOrd="0" destOrd="0" presId="urn:microsoft.com/office/officeart/2005/8/layout/cycle2"/>
-    <dgm:cxn modelId="{22BD720A-A557-4D0E-A852-00FA7D629FF5}" type="presOf" srcId="{33F1CFDB-D841-415F-9D09-B764F0DE84D9}" destId="{74765971-75DD-4561-B979-13EE714AFF12}" srcOrd="0" destOrd="0" presId="urn:microsoft.com/office/officeart/2005/8/layout/cycle2"/>
-    <dgm:cxn modelId="{69D86D0B-A8DB-4FA0-8A2A-4490292FC1D7}" type="presOf" srcId="{F4FEF85B-C795-43DE-917A-74B2DF4BFB22}" destId="{E1A08C2F-093D-4B47-A64C-9511EE240AA9}" srcOrd="0" destOrd="0" presId="urn:microsoft.com/office/officeart/2005/8/layout/cycle2"/>
-    <dgm:cxn modelId="{76B4A51C-0B12-4E32-92B4-7138970257C2}" srcId="{DC1F4D05-9FE3-42A7-964E-89DFDE1D32EF}" destId="{E2BFAB97-1A96-4F29-A9E9-BB09C064F6AD}" srcOrd="9" destOrd="0" parTransId="{10AE24F0-008C-4C0B-9FE6-4A6A78217359}" sibTransId="{33C65FDE-DC4B-4BC5-83A9-E1E8C3218CC6}"/>
-    <dgm:cxn modelId="{CA410022-A309-45E2-B40F-FB14180BB97F}" type="presOf" srcId="{9A8B5B75-54D3-4D70-88F1-FDD65132BBD5}" destId="{711729C4-8974-4E57-B275-CBDA5E6E7167}" srcOrd="0" destOrd="0" presId="urn:microsoft.com/office/officeart/2005/8/layout/cycle2"/>
-    <dgm:cxn modelId="{4A8E982E-900B-40F5-9804-EEFB0BED5323}" srcId="{DC1F4D05-9FE3-42A7-964E-89DFDE1D32EF}" destId="{C84677E2-4A40-48EC-80B9-30726D9822E2}" srcOrd="3" destOrd="0" parTransId="{9EA30B78-2E54-4843-B4A9-5EE0123F7395}" sibTransId="{33F1CFDB-D841-415F-9D09-B764F0DE84D9}"/>
-    <dgm:cxn modelId="{73B0B134-B0FE-4F1F-829B-40FCCEB51A5B}" type="presOf" srcId="{CB76590E-5691-46F1-B1C0-38DFECF42573}" destId="{F45ACAD2-DDDD-4B69-B5CF-2C9F5CEF5371}" srcOrd="0" destOrd="0" presId="urn:microsoft.com/office/officeart/2005/8/layout/cycle2"/>
-    <dgm:cxn modelId="{86C7AF35-FA36-4124-9EA3-3B1482090BDE}" srcId="{DC1F4D05-9FE3-42A7-964E-89DFDE1D32EF}" destId="{CB76590E-5691-46F1-B1C0-38DFECF42573}" srcOrd="0" destOrd="0" parTransId="{5325BBDF-43D3-4772-BE95-6594EBFECDE2}" sibTransId="{D153D79D-6C8F-4652-9E5B-ED153EC4091D}"/>
-    <dgm:cxn modelId="{1C74A63C-F526-440D-A325-2BFA4794D51C}" type="presOf" srcId="{E2BFAB97-1A96-4F29-A9E9-BB09C064F6AD}" destId="{D53A1E11-3BFF-4DB3-B007-42AAF4C4F104}" srcOrd="0" destOrd="0" presId="urn:microsoft.com/office/officeart/2005/8/layout/cycle2"/>
-    <dgm:cxn modelId="{1843443E-61B2-4A27-8139-40917DDA0512}" type="presOf" srcId="{93FC17C1-2D4C-4363-B037-AADF86BA2D5B}" destId="{EF1A8A45-F500-4DCE-A3DB-3866B33C9871}" srcOrd="0" destOrd="0" presId="urn:microsoft.com/office/officeart/2005/8/layout/cycle2"/>
-    <dgm:cxn modelId="{D7219C6B-F4FC-4779-B8FA-F03290400F4A}" type="presOf" srcId="{C3C3638B-F6F4-428B-B968-4E74FB6966E3}" destId="{FAB3C292-35F1-48CB-8B11-09ECF7BF3C57}" srcOrd="0" destOrd="0" presId="urn:microsoft.com/office/officeart/2005/8/layout/cycle2"/>
+    <dgm:cxn modelId="{F4979776-FB30-4041-883E-74FF084CAE89}" type="presOf" srcId="{F5750B51-8D2B-4CE3-8DC7-5D099994A143}" destId="{6F801686-E316-446C-822D-15D0C2EDA630}" srcOrd="0" destOrd="0" presId="urn:microsoft.com/office/officeart/2005/8/layout/cycle2"/>
+    <dgm:cxn modelId="{D7FBBB8F-642D-4BC5-A040-0C4C362691A8}" type="presOf" srcId="{93FC17C1-2D4C-4363-B037-AADF86BA2D5B}" destId="{7F1AC502-2122-43F6-B495-8852E52DC22E}" srcOrd="1" destOrd="0" presId="urn:microsoft.com/office/officeart/2005/8/layout/cycle2"/>
+    <dgm:cxn modelId="{4DC2E5FA-99D0-4538-887C-35389E43B7D3}" type="presOf" srcId="{A6A66E1C-4123-4761-B9BB-938EEFEF8683}" destId="{24B31742-D0A2-46D8-B962-99CDBE542B47}" srcOrd="0" destOrd="0" presId="urn:microsoft.com/office/officeart/2005/8/layout/cycle2"/>
+    <dgm:cxn modelId="{80DCCCA8-B1F0-4BAC-9653-50EF4290B57C}" srcId="{DC1F4D05-9FE3-42A7-964E-89DFDE1D32EF}" destId="{A6A66E1C-4123-4761-B9BB-938EEFEF8683}" srcOrd="4" destOrd="0" parTransId="{DD2973DF-554A-45F7-B305-253EC1645E78}" sibTransId="{FD2E8404-5A5D-4A08-B63D-678E4ED26AE1}"/>
+    <dgm:cxn modelId="{AEAD25E1-DF92-4ADA-AE6F-1B86C5215CE6}" srcId="{DC1F4D05-9FE3-42A7-964E-89DFDE1D32EF}" destId="{10584412-C7CC-4FC1-B2AB-75DB23D18F20}" srcOrd="8" destOrd="0" parTransId="{594EACA5-8DEE-42D7-8E28-E65B817A7236}" sibTransId="{9A8B5B75-54D3-4D70-88F1-FDD65132BBD5}"/>
+    <dgm:cxn modelId="{53D6688B-4408-47F7-88CE-87AEBDBD121D}" type="presOf" srcId="{DAF92C7C-45F7-44F4-BFD1-DCAD94764D39}" destId="{EAAA4277-D019-4939-B257-08BF9EAAB754}" srcOrd="0" destOrd="0" presId="urn:microsoft.com/office/officeart/2005/8/layout/cycle2"/>
+    <dgm:cxn modelId="{6E75B1B4-9A6B-44BD-ABFD-2B6481B0272A}" type="presOf" srcId="{9A8B5B75-54D3-4D70-88F1-FDD65132BBD5}" destId="{1AEBAB2D-C9A7-4059-A048-8B48E4CDB2C5}" srcOrd="1" destOrd="0" presId="urn:microsoft.com/office/officeart/2005/8/layout/cycle2"/>
+    <dgm:cxn modelId="{B11FA6F2-E7E3-4826-91CA-2E554C1FB090}" type="presOf" srcId="{0CC39E03-AC8F-429C-B077-D12DA1E04481}" destId="{6782EEEB-BA63-4AD8-A645-90B7A9C0D075}" srcOrd="0" destOrd="0" presId="urn:microsoft.com/office/officeart/2005/8/layout/cycle2"/>
+    <dgm:cxn modelId="{37EEC976-1DFB-4D17-92F6-B0602191FFA9}" srcId="{DC1F4D05-9FE3-42A7-964E-89DFDE1D32EF}" destId="{C62EEA5C-6298-4FE9-9D54-80CA00BC6945}" srcOrd="5" destOrd="0" parTransId="{0C6F9C58-C575-413C-AB79-4FB72430F635}" sibTransId="{0CC39E03-AC8F-429C-B077-D12DA1E04481}"/>
     <dgm:cxn modelId="{D5C8EF4D-2608-4FE3-88D5-F645AF6A80EE}" type="presOf" srcId="{FC018DF4-1C4A-473C-8C8E-DE9467470266}" destId="{B8C4FA17-E3A8-4FFF-92F9-A8EDD2E67DF0}" srcOrd="0" destOrd="0" presId="urn:microsoft.com/office/officeart/2005/8/layout/cycle2"/>
     <dgm:cxn modelId="{F570C26F-08EA-4DC2-A329-BF6827B7AEE8}" type="presOf" srcId="{33C65FDE-DC4B-4BC5-83A9-E1E8C3218CC6}" destId="{40C6ED9D-9F31-474F-9AB9-0C6FDDDF3D88}" srcOrd="1" destOrd="0" presId="urn:microsoft.com/office/officeart/2005/8/layout/cycle2"/>
+    <dgm:cxn modelId="{2BE534DA-34C1-47B2-BA8E-4948E173D012}" type="presOf" srcId="{C84677E2-4A40-48EC-80B9-30726D9822E2}" destId="{34DF3E5C-20AF-4281-9271-B115535EAAA7}" srcOrd="0" destOrd="0" presId="urn:microsoft.com/office/officeart/2005/8/layout/cycle2"/>
+    <dgm:cxn modelId="{11E29AEB-9B3C-46E4-8370-FF24CF939C87}" srcId="{DC1F4D05-9FE3-42A7-964E-89DFDE1D32EF}" destId="{C3C3638B-F6F4-428B-B968-4E74FB6966E3}" srcOrd="6" destOrd="0" parTransId="{ECB0A0EC-9735-4B7D-A03C-4972D20C11A2}" sibTransId="{DAF92C7C-45F7-44F4-BFD1-DCAD94764D39}"/>
+    <dgm:cxn modelId="{94B668FD-54FE-4C42-A0DF-8E54AF2F6D6D}" type="presOf" srcId="{C62EEA5C-6298-4FE9-9D54-80CA00BC6945}" destId="{87D27CB6-095D-4915-8628-6F449752BE4B}" srcOrd="0" destOrd="0" presId="urn:microsoft.com/office/officeart/2005/8/layout/cycle2"/>
+    <dgm:cxn modelId="{4A8E982E-900B-40F5-9804-EEFB0BED5323}" srcId="{DC1F4D05-9FE3-42A7-964E-89DFDE1D32EF}" destId="{C84677E2-4A40-48EC-80B9-30726D9822E2}" srcOrd="3" destOrd="0" parTransId="{9EA30B78-2E54-4843-B4A9-5EE0123F7395}" sibTransId="{33F1CFDB-D841-415F-9D09-B764F0DE84D9}"/>
+    <dgm:cxn modelId="{1C74A63C-F526-440D-A325-2BFA4794D51C}" type="presOf" srcId="{E2BFAB97-1A96-4F29-A9E9-BB09C064F6AD}" destId="{D53A1E11-3BFF-4DB3-B007-42AAF4C4F104}" srcOrd="0" destOrd="0" presId="urn:microsoft.com/office/officeart/2005/8/layout/cycle2"/>
+    <dgm:cxn modelId="{74705FEE-3BFF-4AD5-B349-AE2DE4C14070}" type="presOf" srcId="{C4DAD3C7-DC8D-45E0-94F4-57861D7DAA12}" destId="{6A4DF67D-DC73-4669-936D-5140DD531C45}" srcOrd="0" destOrd="0" presId="urn:microsoft.com/office/officeart/2005/8/layout/cycle2"/>
+    <dgm:cxn modelId="{B5AF7082-51F8-454F-B811-47F1F1CBAE63}" type="presOf" srcId="{C5132741-3129-4628-A349-E7A6384D5840}" destId="{04C33435-C5ED-42FD-9804-277DB46802F2}" srcOrd="0" destOrd="0" presId="urn:microsoft.com/office/officeart/2005/8/layout/cycle2"/>
+    <dgm:cxn modelId="{8C389092-E0A9-4085-A1D8-9954657A8074}" type="presOf" srcId="{10584412-C7CC-4FC1-B2AB-75DB23D18F20}" destId="{7B9B045A-0795-410F-9EF4-4070A65554B6}" srcOrd="0" destOrd="0" presId="urn:microsoft.com/office/officeart/2005/8/layout/cycle2"/>
+    <dgm:cxn modelId="{22BD720A-A557-4D0E-A852-00FA7D629FF5}" type="presOf" srcId="{33F1CFDB-D841-415F-9D09-B764F0DE84D9}" destId="{74765971-75DD-4561-B979-13EE714AFF12}" srcOrd="0" destOrd="0" presId="urn:microsoft.com/office/officeart/2005/8/layout/cycle2"/>
+    <dgm:cxn modelId="{D7219C6B-F4FC-4779-B8FA-F03290400F4A}" type="presOf" srcId="{C3C3638B-F6F4-428B-B968-4E74FB6966E3}" destId="{FAB3C292-35F1-48CB-8B11-09ECF7BF3C57}" srcOrd="0" destOrd="0" presId="urn:microsoft.com/office/officeart/2005/8/layout/cycle2"/>
+    <dgm:cxn modelId="{C7466F88-1151-4189-ADE0-D5094677074F}" type="presOf" srcId="{C5132741-3129-4628-A349-E7A6384D5840}" destId="{D2FAB9B7-7CF4-4E6B-998E-1DF0FF026C56}" srcOrd="1" destOrd="0" presId="urn:microsoft.com/office/officeart/2005/8/layout/cycle2"/>
+    <dgm:cxn modelId="{FF34A0BD-FFF1-4D43-B974-FF5311981424}" srcId="{DC1F4D05-9FE3-42A7-964E-89DFDE1D32EF}" destId="{FC018DF4-1C4A-473C-8C8E-DE9467470266}" srcOrd="2" destOrd="0" parTransId="{7CD76E98-396E-4AA9-AFAE-13057459F307}" sibTransId="{C5132741-3129-4628-A349-E7A6384D5840}"/>
+    <dgm:cxn modelId="{1843443E-61B2-4A27-8139-40917DDA0512}" type="presOf" srcId="{93FC17C1-2D4C-4363-B037-AADF86BA2D5B}" destId="{EF1A8A45-F500-4DCE-A3DB-3866B33C9871}" srcOrd="0" destOrd="0" presId="urn:microsoft.com/office/officeart/2005/8/layout/cycle2"/>
+    <dgm:cxn modelId="{B716C45A-B38C-4193-81D5-3415B340D1F7}" type="presOf" srcId="{D153D79D-6C8F-4652-9E5B-ED153EC4091D}" destId="{A53D6BA1-5CBE-45F9-99CE-E489E7669403}" srcOrd="0" destOrd="0" presId="urn:microsoft.com/office/officeart/2005/8/layout/cycle2"/>
+    <dgm:cxn modelId="{526410E7-E0A6-46CC-92BD-94D6B31D4305}" type="presOf" srcId="{D153D79D-6C8F-4652-9E5B-ED153EC4091D}" destId="{A9DDCB49-119C-45E0-A2BC-6707158E0A26}" srcOrd="1" destOrd="0" presId="urn:microsoft.com/office/officeart/2005/8/layout/cycle2"/>
+    <dgm:cxn modelId="{73B0B134-B0FE-4F1F-829B-40FCCEB51A5B}" type="presOf" srcId="{CB76590E-5691-46F1-B1C0-38DFECF42573}" destId="{F45ACAD2-DDDD-4B69-B5CF-2C9F5CEF5371}" srcOrd="0" destOrd="0" presId="urn:microsoft.com/office/officeart/2005/8/layout/cycle2"/>
     <dgm:cxn modelId="{DD1FA573-3DFB-4E71-A34B-4B2FD90F6032}" type="presOf" srcId="{0CC39E03-AC8F-429C-B077-D12DA1E04481}" destId="{213CE7C6-5483-4700-A291-09079E2C59C9}" srcOrd="1" destOrd="0" presId="urn:microsoft.com/office/officeart/2005/8/layout/cycle2"/>
+    <dgm:cxn modelId="{D9BDB184-18BF-4DA6-B77A-35F6FB67B53C}" type="presOf" srcId="{FD2E8404-5A5D-4A08-B63D-678E4ED26AE1}" destId="{1BB943CF-3748-4570-A1EE-859C2A4592B3}" srcOrd="1" destOrd="0" presId="urn:microsoft.com/office/officeart/2005/8/layout/cycle2"/>
+    <dgm:cxn modelId="{7B8EC8BA-0E38-4959-9530-CA26F552B34A}" srcId="{DC1F4D05-9FE3-42A7-964E-89DFDE1D32EF}" destId="{F4FEF85B-C795-43DE-917A-74B2DF4BFB22}" srcOrd="1" destOrd="0" parTransId="{BCA835B5-EBF7-4048-BD34-8785EE6EA214}" sibTransId="{93FC17C1-2D4C-4363-B037-AADF86BA2D5B}"/>
     <dgm:cxn modelId="{314DD975-DB88-499D-B2D2-6AE01EE0F16A}" type="presOf" srcId="{F5750B51-8D2B-4CE3-8DC7-5D099994A143}" destId="{A67AB7FE-9C16-4F92-9D73-C3750D775353}" srcOrd="1" destOrd="0" presId="urn:microsoft.com/office/officeart/2005/8/layout/cycle2"/>
-    <dgm:cxn modelId="{F4979776-FB30-4041-883E-74FF084CAE89}" type="presOf" srcId="{F5750B51-8D2B-4CE3-8DC7-5D099994A143}" destId="{6F801686-E316-446C-822D-15D0C2EDA630}" srcOrd="0" destOrd="0" presId="urn:microsoft.com/office/officeart/2005/8/layout/cycle2"/>
-    <dgm:cxn modelId="{37EEC976-1DFB-4D17-92F6-B0602191FFA9}" srcId="{DC1F4D05-9FE3-42A7-964E-89DFDE1D32EF}" destId="{C62EEA5C-6298-4FE9-9D54-80CA00BC6945}" srcOrd="5" destOrd="0" parTransId="{0C6F9C58-C575-413C-AB79-4FB72430F635}" sibTransId="{0CC39E03-AC8F-429C-B077-D12DA1E04481}"/>
-    <dgm:cxn modelId="{B716C45A-B38C-4193-81D5-3415B340D1F7}" type="presOf" srcId="{D153D79D-6C8F-4652-9E5B-ED153EC4091D}" destId="{A53D6BA1-5CBE-45F9-99CE-E489E7669403}" srcOrd="0" destOrd="0" presId="urn:microsoft.com/office/officeart/2005/8/layout/cycle2"/>
-    <dgm:cxn modelId="{B5AF7082-51F8-454F-B811-47F1F1CBAE63}" type="presOf" srcId="{C5132741-3129-4628-A349-E7A6384D5840}" destId="{04C33435-C5ED-42FD-9804-277DB46802F2}" srcOrd="0" destOrd="0" presId="urn:microsoft.com/office/officeart/2005/8/layout/cycle2"/>
+    <dgm:cxn modelId="{751B3C07-C313-49E0-988D-60298788055D}" type="presOf" srcId="{DC1F4D05-9FE3-42A7-964E-89DFDE1D32EF}" destId="{D7F1C75E-6004-44C3-A625-3529CE3D272A}" srcOrd="0" destOrd="0" presId="urn:microsoft.com/office/officeart/2005/8/layout/cycle2"/>
+    <dgm:cxn modelId="{3129B8AB-A0C4-4FD6-A13B-3F657628228F}" type="presOf" srcId="{FD2E8404-5A5D-4A08-B63D-678E4ED26AE1}" destId="{275EE9DE-0E7B-44FB-9C5F-53265A16B71A}" srcOrd="0" destOrd="0" presId="urn:microsoft.com/office/officeart/2005/8/layout/cycle2"/>
     <dgm:cxn modelId="{1D684D84-4E16-4A71-B88F-B0B79DF3D8B7}" type="presOf" srcId="{DAF92C7C-45F7-44F4-BFD1-DCAD94764D39}" destId="{50E3DAD5-C33C-43BC-8586-EC2EADC309EA}" srcOrd="1" destOrd="0" presId="urn:microsoft.com/office/officeart/2005/8/layout/cycle2"/>
-    <dgm:cxn modelId="{D9BDB184-18BF-4DA6-B77A-35F6FB67B53C}" type="presOf" srcId="{FD2E8404-5A5D-4A08-B63D-678E4ED26AE1}" destId="{1BB943CF-3748-4570-A1EE-859C2A4592B3}" srcOrd="1" destOrd="0" presId="urn:microsoft.com/office/officeart/2005/8/layout/cycle2"/>
-    <dgm:cxn modelId="{C7466F88-1151-4189-ADE0-D5094677074F}" type="presOf" srcId="{C5132741-3129-4628-A349-E7A6384D5840}" destId="{D2FAB9B7-7CF4-4E6B-998E-1DF0FF026C56}" srcOrd="1" destOrd="0" presId="urn:microsoft.com/office/officeart/2005/8/layout/cycle2"/>
-    <dgm:cxn modelId="{53D6688B-4408-47F7-88CE-87AEBDBD121D}" type="presOf" srcId="{DAF92C7C-45F7-44F4-BFD1-DCAD94764D39}" destId="{EAAA4277-D019-4939-B257-08BF9EAAB754}" srcOrd="0" destOrd="0" presId="urn:microsoft.com/office/officeart/2005/8/layout/cycle2"/>
-    <dgm:cxn modelId="{D7FBBB8F-642D-4BC5-A040-0C4C362691A8}" type="presOf" srcId="{93FC17C1-2D4C-4363-B037-AADF86BA2D5B}" destId="{7F1AC502-2122-43F6-B495-8852E52DC22E}" srcOrd="1" destOrd="0" presId="urn:microsoft.com/office/officeart/2005/8/layout/cycle2"/>
-    <dgm:cxn modelId="{8C389092-E0A9-4085-A1D8-9954657A8074}" type="presOf" srcId="{10584412-C7CC-4FC1-B2AB-75DB23D18F20}" destId="{7B9B045A-0795-410F-9EF4-4070A65554B6}" srcOrd="0" destOrd="0" presId="urn:microsoft.com/office/officeart/2005/8/layout/cycle2"/>
-    <dgm:cxn modelId="{80DCCCA8-B1F0-4BAC-9653-50EF4290B57C}" srcId="{DC1F4D05-9FE3-42A7-964E-89DFDE1D32EF}" destId="{A6A66E1C-4123-4761-B9BB-938EEFEF8683}" srcOrd="4" destOrd="0" parTransId="{DD2973DF-554A-45F7-B305-253EC1645E78}" sibTransId="{FD2E8404-5A5D-4A08-B63D-678E4ED26AE1}"/>
     <dgm:cxn modelId="{1C1944AA-7DFA-45A5-96A2-A39BAEF8C99F}" srcId="{DC1F4D05-9FE3-42A7-964E-89DFDE1D32EF}" destId="{C4DAD3C7-DC8D-45E0-94F4-57861D7DAA12}" srcOrd="7" destOrd="0" parTransId="{93F6E10F-55BD-40CD-8E0B-302FDECCB852}" sibTransId="{F5750B51-8D2B-4CE3-8DC7-5D099994A143}"/>
-    <dgm:cxn modelId="{3129B8AB-A0C4-4FD6-A13B-3F657628228F}" type="presOf" srcId="{FD2E8404-5A5D-4A08-B63D-678E4ED26AE1}" destId="{275EE9DE-0E7B-44FB-9C5F-53265A16B71A}" srcOrd="0" destOrd="0" presId="urn:microsoft.com/office/officeart/2005/8/layout/cycle2"/>
-    <dgm:cxn modelId="{6E75B1B4-9A6B-44BD-ABFD-2B6481B0272A}" type="presOf" srcId="{9A8B5B75-54D3-4D70-88F1-FDD65132BBD5}" destId="{1AEBAB2D-C9A7-4059-A048-8B48E4CDB2C5}" srcOrd="1" destOrd="0" presId="urn:microsoft.com/office/officeart/2005/8/layout/cycle2"/>
-    <dgm:cxn modelId="{7B8EC8BA-0E38-4959-9530-CA26F552B34A}" srcId="{DC1F4D05-9FE3-42A7-964E-89DFDE1D32EF}" destId="{F4FEF85B-C795-43DE-917A-74B2DF4BFB22}" srcOrd="1" destOrd="0" parTransId="{BCA835B5-EBF7-4048-BD34-8785EE6EA214}" sibTransId="{93FC17C1-2D4C-4363-B037-AADF86BA2D5B}"/>
-    <dgm:cxn modelId="{FF34A0BD-FFF1-4D43-B974-FF5311981424}" srcId="{DC1F4D05-9FE3-42A7-964E-89DFDE1D32EF}" destId="{FC018DF4-1C4A-473C-8C8E-DE9467470266}" srcOrd="2" destOrd="0" parTransId="{7CD76E98-396E-4AA9-AFAE-13057459F307}" sibTransId="{C5132741-3129-4628-A349-E7A6384D5840}"/>
-    <dgm:cxn modelId="{2BE534DA-34C1-47B2-BA8E-4948E173D012}" type="presOf" srcId="{C84677E2-4A40-48EC-80B9-30726D9822E2}" destId="{34DF3E5C-20AF-4281-9271-B115535EAAA7}" srcOrd="0" destOrd="0" presId="urn:microsoft.com/office/officeart/2005/8/layout/cycle2"/>
-    <dgm:cxn modelId="{AEAD25E1-DF92-4ADA-AE6F-1B86C5215CE6}" srcId="{DC1F4D05-9FE3-42A7-964E-89DFDE1D32EF}" destId="{10584412-C7CC-4FC1-B2AB-75DB23D18F20}" srcOrd="8" destOrd="0" parTransId="{594EACA5-8DEE-42D7-8E28-E65B817A7236}" sibTransId="{9A8B5B75-54D3-4D70-88F1-FDD65132BBD5}"/>
-    <dgm:cxn modelId="{526410E7-E0A6-46CC-92BD-94D6B31D4305}" type="presOf" srcId="{D153D79D-6C8F-4652-9E5B-ED153EC4091D}" destId="{A9DDCB49-119C-45E0-A2BC-6707158E0A26}" srcOrd="1" destOrd="0" presId="urn:microsoft.com/office/officeart/2005/8/layout/cycle2"/>
-    <dgm:cxn modelId="{11E29AEB-9B3C-46E4-8370-FF24CF939C87}" srcId="{DC1F4D05-9FE3-42A7-964E-89DFDE1D32EF}" destId="{C3C3638B-F6F4-428B-B968-4E74FB6966E3}" srcOrd="6" destOrd="0" parTransId="{ECB0A0EC-9735-4B7D-A03C-4972D20C11A2}" sibTransId="{DAF92C7C-45F7-44F4-BFD1-DCAD94764D39}"/>
-    <dgm:cxn modelId="{74705FEE-3BFF-4AD5-B349-AE2DE4C14070}" type="presOf" srcId="{C4DAD3C7-DC8D-45E0-94F4-57861D7DAA12}" destId="{6A4DF67D-DC73-4669-936D-5140DD531C45}" srcOrd="0" destOrd="0" presId="urn:microsoft.com/office/officeart/2005/8/layout/cycle2"/>
-    <dgm:cxn modelId="{62C523EF-1C75-45E7-9309-EFDF30D5BD9E}" type="presOf" srcId="{33C65FDE-DC4B-4BC5-83A9-E1E8C3218CC6}" destId="{9EFC0C2D-E761-4F6E-9904-AADFDFDDFD9D}" srcOrd="0" destOrd="0" presId="urn:microsoft.com/office/officeart/2005/8/layout/cycle2"/>
-    <dgm:cxn modelId="{B11FA6F2-E7E3-4826-91CA-2E554C1FB090}" type="presOf" srcId="{0CC39E03-AC8F-429C-B077-D12DA1E04481}" destId="{6782EEEB-BA63-4AD8-A645-90B7A9C0D075}" srcOrd="0" destOrd="0" presId="urn:microsoft.com/office/officeart/2005/8/layout/cycle2"/>
-    <dgm:cxn modelId="{4DC2E5FA-99D0-4538-887C-35389E43B7D3}" type="presOf" srcId="{A6A66E1C-4123-4761-B9BB-938EEFEF8683}" destId="{24B31742-D0A2-46D8-B962-99CDBE542B47}" srcOrd="0" destOrd="0" presId="urn:microsoft.com/office/officeart/2005/8/layout/cycle2"/>
-    <dgm:cxn modelId="{94B668FD-54FE-4C42-A0DF-8E54AF2F6D6D}" type="presOf" srcId="{C62EEA5C-6298-4FE9-9D54-80CA00BC6945}" destId="{87D27CB6-095D-4915-8628-6F449752BE4B}" srcOrd="0" destOrd="0" presId="urn:microsoft.com/office/officeart/2005/8/layout/cycle2"/>
+    <dgm:cxn modelId="{CA410022-A309-45E2-B40F-FB14180BB97F}" type="presOf" srcId="{9A8B5B75-54D3-4D70-88F1-FDD65132BBD5}" destId="{711729C4-8974-4E57-B275-CBDA5E6E7167}" srcOrd="0" destOrd="0" presId="urn:microsoft.com/office/officeart/2005/8/layout/cycle2"/>
     <dgm:cxn modelId="{61721B68-D09D-4EBB-86D2-87764AB04A66}" type="presParOf" srcId="{D7F1C75E-6004-44C3-A625-3529CE3D272A}" destId="{F45ACAD2-DDDD-4B69-B5CF-2C9F5CEF5371}" srcOrd="0" destOrd="0" presId="urn:microsoft.com/office/officeart/2005/8/layout/cycle2"/>
     <dgm:cxn modelId="{759D98DB-878D-4BD0-955C-621625272CE4}" type="presParOf" srcId="{D7F1C75E-6004-44C3-A625-3529CE3D272A}" destId="{A53D6BA1-5CBE-45F9-99CE-E489E7669403}" srcOrd="1" destOrd="0" presId="urn:microsoft.com/office/officeart/2005/8/layout/cycle2"/>
     <dgm:cxn modelId="{4782DEF3-6488-49C9-A7E6-54832FF7F42B}" type="presParOf" srcId="{A53D6BA1-5CBE-45F9-99CE-E489E7669403}" destId="{A9DDCB49-119C-45E0-A2BC-6707158E0A26}" srcOrd="0" destOrd="0" presId="urn:microsoft.com/office/officeart/2005/8/layout/cycle2"/>
@@ -13362,7 +15002,7 @@
         </a:bodyPr>
         <a:lstStyle/>
         <a:p>
-          <a:pPr marL="0" lvl="0" indent="0" algn="ctr" defTabSz="1289050">
+          <a:pPr lvl="0" algn="ctr" defTabSz="1289050">
             <a:lnSpc>
               <a:spcPct val="90000"/>
             </a:lnSpc>
@@ -13372,7 +15012,6 @@
             <a:spcAft>
               <a:spcPct val="35000"/>
             </a:spcAft>
-            <a:buNone/>
           </a:pPr>
           <a:r>
             <a:rPr lang="zh-CN" altLang="en-US" sz="2900" kern="1200" dirty="0"/>
@@ -13435,7 +15074,7 @@
         </a:bodyPr>
         <a:lstStyle/>
         <a:p>
-          <a:pPr marL="0" lvl="0" indent="0" algn="ctr" defTabSz="844550">
+          <a:pPr lvl="0" algn="ctr" defTabSz="844550">
             <a:lnSpc>
               <a:spcPct val="90000"/>
             </a:lnSpc>
@@ -13445,7 +15084,6 @@
             <a:spcAft>
               <a:spcPct val="35000"/>
             </a:spcAft>
-            <a:buNone/>
           </a:pPr>
           <a:endParaRPr lang="zh-CN" altLang="en-US" sz="1900" kern="1200"/>
         </a:p>
@@ -13509,7 +15147,7 @@
         </a:bodyPr>
         <a:lstStyle/>
         <a:p>
-          <a:pPr marL="0" lvl="0" indent="0" algn="ctr" defTabSz="1289050">
+          <a:pPr lvl="0" algn="ctr" defTabSz="1289050">
             <a:lnSpc>
               <a:spcPct val="90000"/>
             </a:lnSpc>
@@ -13519,7 +15157,6 @@
             <a:spcAft>
               <a:spcPct val="35000"/>
             </a:spcAft>
-            <a:buNone/>
           </a:pPr>
           <a:r>
             <a:rPr lang="zh-CN" altLang="en-US" sz="2900" kern="1200" dirty="0"/>
@@ -13582,7 +15219,7 @@
         </a:bodyPr>
         <a:lstStyle/>
         <a:p>
-          <a:pPr marL="0" lvl="0" indent="0" algn="ctr" defTabSz="844550">
+          <a:pPr lvl="0" algn="ctr" defTabSz="844550">
             <a:lnSpc>
               <a:spcPct val="90000"/>
             </a:lnSpc>
@@ -13592,7 +15229,6 @@
             <a:spcAft>
               <a:spcPct val="35000"/>
             </a:spcAft>
-            <a:buNone/>
           </a:pPr>
           <a:endParaRPr lang="zh-CN" altLang="en-US" sz="1900" kern="1200"/>
         </a:p>
@@ -13656,7 +15292,7 @@
         </a:bodyPr>
         <a:lstStyle/>
         <a:p>
-          <a:pPr marL="0" lvl="0" indent="0" algn="ctr" defTabSz="1289050">
+          <a:pPr lvl="0" algn="ctr" defTabSz="1289050">
             <a:lnSpc>
               <a:spcPct val="90000"/>
             </a:lnSpc>
@@ -13666,7 +15302,6 @@
             <a:spcAft>
               <a:spcPct val="35000"/>
             </a:spcAft>
-            <a:buNone/>
           </a:pPr>
           <a:r>
             <a:rPr lang="zh-CN" altLang="en-US" sz="2900" kern="1200" dirty="0"/>
@@ -13729,7 +15364,7 @@
         </a:bodyPr>
         <a:lstStyle/>
         <a:p>
-          <a:pPr marL="0" lvl="0" indent="0" algn="ctr" defTabSz="844550">
+          <a:pPr lvl="0" algn="ctr" defTabSz="844550">
             <a:lnSpc>
               <a:spcPct val="90000"/>
             </a:lnSpc>
@@ -13739,7 +15374,6 @@
             <a:spcAft>
               <a:spcPct val="35000"/>
             </a:spcAft>
-            <a:buNone/>
           </a:pPr>
           <a:endParaRPr lang="zh-CN" altLang="en-US" sz="1900" kern="1200"/>
         </a:p>
@@ -13803,7 +15437,7 @@
         </a:bodyPr>
         <a:lstStyle/>
         <a:p>
-          <a:pPr marL="0" lvl="0" indent="0" algn="ctr" defTabSz="1289050">
+          <a:pPr lvl="0" algn="ctr" defTabSz="1289050">
             <a:lnSpc>
               <a:spcPct val="90000"/>
             </a:lnSpc>
@@ -13813,7 +15447,6 @@
             <a:spcAft>
               <a:spcPct val="35000"/>
             </a:spcAft>
-            <a:buNone/>
           </a:pPr>
           <a:r>
             <a:rPr lang="zh-CN" altLang="en-US" sz="2900" kern="1200" dirty="0"/>
@@ -13876,7 +15509,7 @@
         </a:bodyPr>
         <a:lstStyle/>
         <a:p>
-          <a:pPr marL="0" lvl="0" indent="0" algn="ctr" defTabSz="844550">
+          <a:pPr lvl="0" algn="ctr" defTabSz="844550">
             <a:lnSpc>
               <a:spcPct val="90000"/>
             </a:lnSpc>
@@ -13886,7 +15519,6 @@
             <a:spcAft>
               <a:spcPct val="35000"/>
             </a:spcAft>
-            <a:buNone/>
           </a:pPr>
           <a:endParaRPr lang="zh-CN" altLang="en-US" sz="1900" kern="1200"/>
         </a:p>
@@ -13950,7 +15582,7 @@
         </a:bodyPr>
         <a:lstStyle/>
         <a:p>
-          <a:pPr marL="0" lvl="0" indent="0" algn="ctr" defTabSz="1289050">
+          <a:pPr lvl="0" algn="ctr" defTabSz="1289050">
             <a:lnSpc>
               <a:spcPct val="90000"/>
             </a:lnSpc>
@@ -13960,7 +15592,6 @@
             <a:spcAft>
               <a:spcPct val="35000"/>
             </a:spcAft>
-            <a:buNone/>
           </a:pPr>
           <a:r>
             <a:rPr lang="zh-CN" altLang="en-US" sz="2900" kern="1200" dirty="0"/>
@@ -14023,7 +15654,7 @@
         </a:bodyPr>
         <a:lstStyle/>
         <a:p>
-          <a:pPr marL="0" lvl="0" indent="0" algn="ctr" defTabSz="844550">
+          <a:pPr lvl="0" algn="ctr" defTabSz="844550">
             <a:lnSpc>
               <a:spcPct val="90000"/>
             </a:lnSpc>
@@ -14033,7 +15664,6 @@
             <a:spcAft>
               <a:spcPct val="35000"/>
             </a:spcAft>
-            <a:buNone/>
           </a:pPr>
           <a:endParaRPr lang="zh-CN" altLang="en-US" sz="1900" kern="1200"/>
         </a:p>
@@ -14109,7 +15739,7 @@
         </a:bodyPr>
         <a:lstStyle/>
         <a:p>
-          <a:pPr marL="0" lvl="0" indent="0" algn="ctr" defTabSz="1066800">
+          <a:pPr lvl="0" algn="ctr" defTabSz="1066800">
             <a:lnSpc>
               <a:spcPct val="90000"/>
             </a:lnSpc>
@@ -14119,7 +15749,6 @@
             <a:spcAft>
               <a:spcPct val="35000"/>
             </a:spcAft>
-            <a:buNone/>
           </a:pPr>
           <a:r>
             <a:rPr lang="zh-CN" altLang="en-US" sz="2400" kern="1200"/>
@@ -14183,7 +15812,7 @@
         </a:bodyPr>
         <a:lstStyle/>
         <a:p>
-          <a:pPr marL="0" lvl="0" indent="0" algn="ctr" defTabSz="711200">
+          <a:pPr lvl="0" algn="ctr" defTabSz="711200">
             <a:lnSpc>
               <a:spcPct val="90000"/>
             </a:lnSpc>
@@ -14193,7 +15822,6 @@
             <a:spcAft>
               <a:spcPct val="35000"/>
             </a:spcAft>
-            <a:buNone/>
           </a:pPr>
           <a:endParaRPr lang="zh-CN" altLang="en-US" sz="1600" kern="1200"/>
         </a:p>
@@ -14255,7 +15883,7 @@
         </a:bodyPr>
         <a:lstStyle/>
         <a:p>
-          <a:pPr marL="0" lvl="0" indent="0" algn="ctr" defTabSz="1066800">
+          <a:pPr lvl="0" algn="ctr" defTabSz="1066800">
             <a:lnSpc>
               <a:spcPct val="90000"/>
             </a:lnSpc>
@@ -14265,7 +15893,6 @@
             <a:spcAft>
               <a:spcPct val="35000"/>
             </a:spcAft>
-            <a:buNone/>
           </a:pPr>
           <a:r>
             <a:rPr lang="zh-CN" altLang="en-US" sz="2400" kern="1200" dirty="0"/>
@@ -14328,7 +15955,7 @@
         </a:bodyPr>
         <a:lstStyle/>
         <a:p>
-          <a:pPr marL="0" lvl="0" indent="0" algn="ctr" defTabSz="711200">
+          <a:pPr lvl="0" algn="ctr" defTabSz="711200">
             <a:lnSpc>
               <a:spcPct val="90000"/>
             </a:lnSpc>
@@ -14338,7 +15965,6 @@
             <a:spcAft>
               <a:spcPct val="35000"/>
             </a:spcAft>
-            <a:buNone/>
           </a:pPr>
           <a:endParaRPr lang="zh-CN" altLang="en-US" sz="1600" kern="1200"/>
         </a:p>
@@ -14400,7 +16026,7 @@
         </a:bodyPr>
         <a:lstStyle/>
         <a:p>
-          <a:pPr marL="0" lvl="0" indent="0" algn="ctr" defTabSz="1066800">
+          <a:pPr lvl="0" algn="ctr" defTabSz="1066800">
             <a:lnSpc>
               <a:spcPct val="90000"/>
             </a:lnSpc>
@@ -14410,7 +16036,6 @@
             <a:spcAft>
               <a:spcPct val="35000"/>
             </a:spcAft>
-            <a:buNone/>
           </a:pPr>
           <a:r>
             <a:rPr lang="zh-CN" altLang="en-US" sz="2400" b="0" i="0" kern="1200" dirty="0"/>
@@ -14474,7 +16099,7 @@
         </a:bodyPr>
         <a:lstStyle/>
         <a:p>
-          <a:pPr marL="0" lvl="0" indent="0" algn="ctr" defTabSz="711200">
+          <a:pPr lvl="0" algn="ctr" defTabSz="711200">
             <a:lnSpc>
               <a:spcPct val="90000"/>
             </a:lnSpc>
@@ -14484,7 +16109,6 @@
             <a:spcAft>
               <a:spcPct val="35000"/>
             </a:spcAft>
-            <a:buNone/>
           </a:pPr>
           <a:endParaRPr lang="zh-CN" altLang="en-US" sz="1600" kern="1200"/>
         </a:p>
@@ -14546,7 +16170,7 @@
         </a:bodyPr>
         <a:lstStyle/>
         <a:p>
-          <a:pPr marL="0" lvl="0" indent="0" algn="ctr" defTabSz="1066800">
+          <a:pPr lvl="0" algn="ctr" defTabSz="1066800">
             <a:lnSpc>
               <a:spcPct val="90000"/>
             </a:lnSpc>
@@ -14556,7 +16180,6 @@
             <a:spcAft>
               <a:spcPct val="35000"/>
             </a:spcAft>
-            <a:buNone/>
           </a:pPr>
           <a:r>
             <a:rPr lang="zh-CN" altLang="en-US" sz="2400" kern="1200" dirty="0"/>
@@ -14619,7 +16242,7 @@
         </a:bodyPr>
         <a:lstStyle/>
         <a:p>
-          <a:pPr marL="0" lvl="0" indent="0" algn="ctr" defTabSz="711200">
+          <a:pPr lvl="0" algn="ctr" defTabSz="711200">
             <a:lnSpc>
               <a:spcPct val="90000"/>
             </a:lnSpc>
@@ -14629,7 +16252,6 @@
             <a:spcAft>
               <a:spcPct val="35000"/>
             </a:spcAft>
-            <a:buNone/>
           </a:pPr>
           <a:endParaRPr lang="zh-CN" altLang="en-US" sz="1600" kern="1200"/>
         </a:p>
@@ -14691,7 +16313,7 @@
         </a:bodyPr>
         <a:lstStyle/>
         <a:p>
-          <a:pPr marL="0" lvl="0" indent="0" algn="ctr" defTabSz="1066800">
+          <a:pPr lvl="0" algn="ctr" defTabSz="1066800">
             <a:lnSpc>
               <a:spcPct val="90000"/>
             </a:lnSpc>
@@ -14701,7 +16323,6 @@
             <a:spcAft>
               <a:spcPct val="35000"/>
             </a:spcAft>
-            <a:buNone/>
           </a:pPr>
           <a:r>
             <a:rPr lang="zh-CN" altLang="en-US" sz="2400" b="0" i="0" kern="1200" dirty="0"/>
@@ -14765,7 +16386,7 @@
         </a:bodyPr>
         <a:lstStyle/>
         <a:p>
-          <a:pPr marL="0" lvl="0" indent="0" algn="ctr" defTabSz="711200">
+          <a:pPr lvl="0" algn="ctr" defTabSz="711200">
             <a:lnSpc>
               <a:spcPct val="90000"/>
             </a:lnSpc>
@@ -14775,7 +16396,6 @@
             <a:spcAft>
               <a:spcPct val="35000"/>
             </a:spcAft>
-            <a:buNone/>
           </a:pPr>
           <a:endParaRPr lang="zh-CN" altLang="en-US" sz="1600" kern="1200"/>
         </a:p>
@@ -14834,7 +16454,7 @@
         </a:bodyPr>
         <a:lstStyle/>
         <a:p>
-          <a:pPr marL="0" lvl="0" indent="0" algn="ctr" defTabSz="1066800">
+          <a:pPr lvl="0" algn="ctr" defTabSz="1066800">
             <a:lnSpc>
               <a:spcPct val="90000"/>
             </a:lnSpc>
@@ -14844,7 +16464,6 @@
             <a:spcAft>
               <a:spcPct val="35000"/>
             </a:spcAft>
-            <a:buNone/>
           </a:pPr>
           <a:r>
             <a:rPr lang="zh-CN" altLang="en-US" sz="2400" kern="1200" dirty="0"/>
@@ -14907,7 +16526,7 @@
         </a:bodyPr>
         <a:lstStyle/>
         <a:p>
-          <a:pPr marL="0" lvl="0" indent="0" algn="ctr" defTabSz="711200">
+          <a:pPr lvl="0" algn="ctr" defTabSz="711200">
             <a:lnSpc>
               <a:spcPct val="90000"/>
             </a:lnSpc>
@@ -14917,7 +16536,6 @@
             <a:spcAft>
               <a:spcPct val="35000"/>
             </a:spcAft>
-            <a:buNone/>
           </a:pPr>
           <a:endParaRPr lang="zh-CN" altLang="en-US" sz="1600" kern="1200"/>
         </a:p>
@@ -14953,11 +16571,9 @@
           <a:avLst/>
         </a:prstGeom>
         <a:solidFill>
-          <a:schemeClr val="accent6">
-            <a:hueOff val="0"/>
-            <a:satOff val="0"/>
-            <a:lumOff val="0"/>
-            <a:alphaOff val="0"/>
+          <a:schemeClr val="tx1">
+            <a:lumMod val="50000"/>
+            <a:lumOff val="50000"/>
           </a:schemeClr>
         </a:solidFill>
         <a:ln w="13970" cap="flat" cmpd="sng" algn="ctr">
@@ -14993,7 +16609,7 @@
         </a:bodyPr>
         <a:lstStyle/>
         <a:p>
-          <a:pPr marL="0" lvl="0" indent="0" algn="ctr" defTabSz="444500">
+          <a:pPr lvl="0" algn="ctr" defTabSz="444500">
             <a:lnSpc>
               <a:spcPct val="90000"/>
             </a:lnSpc>
@@ -15003,7 +16619,6 @@
             <a:spcAft>
               <a:spcPct val="35000"/>
             </a:spcAft>
-            <a:buNone/>
           </a:pPr>
           <a:r>
             <a:rPr lang="zh-CN" altLang="en-US" sz="1000" kern="1200" dirty="0"/>
@@ -15066,7 +16681,7 @@
         </a:bodyPr>
         <a:lstStyle/>
         <a:p>
-          <a:pPr marL="0" lvl="0" indent="0" algn="ctr" defTabSz="355600">
+          <a:pPr lvl="0" algn="ctr" defTabSz="355600">
             <a:lnSpc>
               <a:spcPct val="90000"/>
             </a:lnSpc>
@@ -15076,7 +16691,6 @@
             <a:spcAft>
               <a:spcPct val="35000"/>
             </a:spcAft>
-            <a:buNone/>
           </a:pPr>
           <a:endParaRPr lang="zh-CN" altLang="en-US" sz="800" kern="1200"/>
         </a:p>
@@ -15135,7 +16749,7 @@
         </a:bodyPr>
         <a:lstStyle/>
         <a:p>
-          <a:pPr marL="0" lvl="0" indent="0" algn="ctr" defTabSz="444500">
+          <a:pPr lvl="0" algn="ctr" defTabSz="444500">
             <a:lnSpc>
               <a:spcPct val="90000"/>
             </a:lnSpc>
@@ -15145,7 +16759,6 @@
             <a:spcAft>
               <a:spcPct val="35000"/>
             </a:spcAft>
-            <a:buNone/>
           </a:pPr>
           <a:r>
             <a:rPr lang="zh-CN" altLang="en-US" sz="1000" kern="1200" dirty="0"/>
@@ -15208,7 +16821,7 @@
         </a:bodyPr>
         <a:lstStyle/>
         <a:p>
-          <a:pPr marL="0" lvl="0" indent="0" algn="ctr" defTabSz="355600">
+          <a:pPr lvl="0" algn="ctr" defTabSz="355600">
             <a:lnSpc>
               <a:spcPct val="90000"/>
             </a:lnSpc>
@@ -15218,7 +16831,6 @@
             <a:spcAft>
               <a:spcPct val="35000"/>
             </a:spcAft>
-            <a:buNone/>
           </a:pPr>
           <a:endParaRPr lang="zh-CN" altLang="en-US" sz="800" kern="1200"/>
         </a:p>
@@ -15277,7 +16889,7 @@
         </a:bodyPr>
         <a:lstStyle/>
         <a:p>
-          <a:pPr marL="0" lvl="0" indent="0" algn="ctr" defTabSz="444500">
+          <a:pPr lvl="0" algn="ctr" defTabSz="444500">
             <a:lnSpc>
               <a:spcPct val="90000"/>
             </a:lnSpc>
@@ -15287,7 +16899,6 @@
             <a:spcAft>
               <a:spcPct val="35000"/>
             </a:spcAft>
-            <a:buNone/>
           </a:pPr>
           <a:r>
             <a:rPr lang="zh-CN" altLang="en-US" sz="1000" kern="1200" dirty="0"/>
@@ -15350,7 +16961,7 @@
         </a:bodyPr>
         <a:lstStyle/>
         <a:p>
-          <a:pPr marL="0" lvl="0" indent="0" algn="ctr" defTabSz="355600">
+          <a:pPr lvl="0" algn="ctr" defTabSz="355600">
             <a:lnSpc>
               <a:spcPct val="90000"/>
             </a:lnSpc>
@@ -15360,7 +16971,6 @@
             <a:spcAft>
               <a:spcPct val="35000"/>
             </a:spcAft>
-            <a:buNone/>
           </a:pPr>
           <a:endParaRPr lang="zh-CN" altLang="en-US" sz="800" kern="1200"/>
         </a:p>
@@ -15419,7 +17029,7 @@
         </a:bodyPr>
         <a:lstStyle/>
         <a:p>
-          <a:pPr marL="0" lvl="0" indent="0" algn="ctr" defTabSz="444500">
+          <a:pPr lvl="0" algn="ctr" defTabSz="444500">
             <a:lnSpc>
               <a:spcPct val="90000"/>
             </a:lnSpc>
@@ -15429,7 +17039,6 @@
             <a:spcAft>
               <a:spcPct val="35000"/>
             </a:spcAft>
-            <a:buNone/>
           </a:pPr>
           <a:r>
             <a:rPr lang="zh-CN" altLang="en-US" sz="1000" kern="1200" dirty="0"/>
@@ -15492,7 +17101,7 @@
         </a:bodyPr>
         <a:lstStyle/>
         <a:p>
-          <a:pPr marL="0" lvl="0" indent="0" algn="ctr" defTabSz="355600">
+          <a:pPr lvl="0" algn="ctr" defTabSz="355600">
             <a:lnSpc>
               <a:spcPct val="90000"/>
             </a:lnSpc>
@@ -15502,7 +17111,6 @@
             <a:spcAft>
               <a:spcPct val="35000"/>
             </a:spcAft>
-            <a:buNone/>
           </a:pPr>
           <a:endParaRPr lang="zh-CN" altLang="en-US" sz="800" kern="1200"/>
         </a:p>
@@ -15561,7 +17169,7 @@
         </a:bodyPr>
         <a:lstStyle/>
         <a:p>
-          <a:pPr marL="0" lvl="0" indent="0" algn="ctr" defTabSz="444500">
+          <a:pPr lvl="0" algn="ctr" defTabSz="444500">
             <a:lnSpc>
               <a:spcPct val="90000"/>
             </a:lnSpc>
@@ -15571,7 +17179,6 @@
             <a:spcAft>
               <a:spcPct val="35000"/>
             </a:spcAft>
-            <a:buNone/>
           </a:pPr>
           <a:r>
             <a:rPr lang="zh-CN" altLang="en-US" sz="1000" kern="1200" dirty="0"/>
@@ -15634,7 +17241,7 @@
         </a:bodyPr>
         <a:lstStyle/>
         <a:p>
-          <a:pPr marL="0" lvl="0" indent="0" algn="ctr" defTabSz="355600">
+          <a:pPr lvl="0" algn="ctr" defTabSz="355600">
             <a:lnSpc>
               <a:spcPct val="90000"/>
             </a:lnSpc>
@@ -15644,7 +17251,6 @@
             <a:spcAft>
               <a:spcPct val="35000"/>
             </a:spcAft>
-            <a:buNone/>
           </a:pPr>
           <a:endParaRPr lang="zh-CN" altLang="en-US" sz="800" kern="1200"/>
         </a:p>
@@ -15720,7 +17326,7 @@
         </a:bodyPr>
         <a:lstStyle/>
         <a:p>
-          <a:pPr marL="0" lvl="0" indent="0" algn="ctr" defTabSz="1333500">
+          <a:pPr lvl="0" algn="ctr" defTabSz="1333500">
             <a:lnSpc>
               <a:spcPct val="90000"/>
             </a:lnSpc>
@@ -15730,7 +17336,6 @@
             <a:spcAft>
               <a:spcPct val="35000"/>
             </a:spcAft>
-            <a:buNone/>
           </a:pPr>
           <a:r>
             <a:rPr lang="zh-CN" altLang="en-US" sz="3000" kern="1200"/>
@@ -15794,7 +17399,7 @@
         </a:bodyPr>
         <a:lstStyle/>
         <a:p>
-          <a:pPr marL="0" lvl="0" indent="0" algn="ctr" defTabSz="889000">
+          <a:pPr lvl="0" algn="ctr" defTabSz="889000">
             <a:lnSpc>
               <a:spcPct val="90000"/>
             </a:lnSpc>
@@ -15804,7 +17409,6 @@
             <a:spcAft>
               <a:spcPct val="35000"/>
             </a:spcAft>
-            <a:buNone/>
           </a:pPr>
           <a:endParaRPr lang="zh-CN" altLang="en-US" sz="2000" kern="1200"/>
         </a:p>
@@ -15868,7 +17472,7 @@
         </a:bodyPr>
         <a:lstStyle/>
         <a:p>
-          <a:pPr marL="0" lvl="0" indent="0" algn="ctr" defTabSz="1333500">
+          <a:pPr lvl="0" algn="ctr" defTabSz="1333500">
             <a:lnSpc>
               <a:spcPct val="90000"/>
             </a:lnSpc>
@@ -15878,7 +17482,6 @@
             <a:spcAft>
               <a:spcPct val="35000"/>
             </a:spcAft>
-            <a:buNone/>
           </a:pPr>
           <a:r>
             <a:rPr lang="zh-CN" altLang="en-US" sz="3000" kern="1200" dirty="0"/>
@@ -15941,7 +17544,7 @@
         </a:bodyPr>
         <a:lstStyle/>
         <a:p>
-          <a:pPr marL="0" lvl="0" indent="0" algn="ctr" defTabSz="889000">
+          <a:pPr lvl="0" algn="ctr" defTabSz="889000">
             <a:lnSpc>
               <a:spcPct val="90000"/>
             </a:lnSpc>
@@ -15951,7 +17554,6 @@
             <a:spcAft>
               <a:spcPct val="35000"/>
             </a:spcAft>
-            <a:buNone/>
           </a:pPr>
           <a:endParaRPr lang="zh-CN" altLang="en-US" sz="2000" kern="1200"/>
         </a:p>
@@ -16015,7 +17617,7 @@
         </a:bodyPr>
         <a:lstStyle/>
         <a:p>
-          <a:pPr marL="0" lvl="0" indent="0" algn="ctr" defTabSz="1333500">
+          <a:pPr lvl="0" algn="ctr" defTabSz="1333500">
             <a:lnSpc>
               <a:spcPct val="90000"/>
             </a:lnSpc>
@@ -16025,7 +17627,6 @@
             <a:spcAft>
               <a:spcPct val="35000"/>
             </a:spcAft>
-            <a:buNone/>
           </a:pPr>
           <a:r>
             <a:rPr lang="zh-CN" altLang="en-US" sz="3000" b="0" i="0" kern="1200" dirty="0"/>
@@ -16089,7 +17690,7 @@
         </a:bodyPr>
         <a:lstStyle/>
         <a:p>
-          <a:pPr marL="0" lvl="0" indent="0" algn="ctr" defTabSz="889000">
+          <a:pPr lvl="0" algn="ctr" defTabSz="889000">
             <a:lnSpc>
               <a:spcPct val="90000"/>
             </a:lnSpc>
@@ -16099,7 +17700,6 @@
             <a:spcAft>
               <a:spcPct val="35000"/>
             </a:spcAft>
-            <a:buNone/>
           </a:pPr>
           <a:endParaRPr lang="zh-CN" altLang="en-US" sz="2000" kern="1200"/>
         </a:p>
@@ -16163,7 +17763,7 @@
         </a:bodyPr>
         <a:lstStyle/>
         <a:p>
-          <a:pPr marL="0" lvl="0" indent="0" algn="ctr" defTabSz="1333500">
+          <a:pPr lvl="0" algn="ctr" defTabSz="1333500">
             <a:lnSpc>
               <a:spcPct val="90000"/>
             </a:lnSpc>
@@ -16173,7 +17773,6 @@
             <a:spcAft>
               <a:spcPct val="35000"/>
             </a:spcAft>
-            <a:buNone/>
           </a:pPr>
           <a:r>
             <a:rPr lang="zh-CN" altLang="en-US" sz="3000" kern="1200" dirty="0"/>
@@ -16236,7 +17835,7 @@
         </a:bodyPr>
         <a:lstStyle/>
         <a:p>
-          <a:pPr marL="0" lvl="0" indent="0" algn="ctr" defTabSz="889000">
+          <a:pPr lvl="0" algn="ctr" defTabSz="889000">
             <a:lnSpc>
               <a:spcPct val="90000"/>
             </a:lnSpc>
@@ -16246,7 +17845,6 @@
             <a:spcAft>
               <a:spcPct val="35000"/>
             </a:spcAft>
-            <a:buNone/>
           </a:pPr>
           <a:endParaRPr lang="zh-CN" altLang="en-US" sz="2000" kern="1200"/>
         </a:p>
@@ -16310,7 +17908,7 @@
         </a:bodyPr>
         <a:lstStyle/>
         <a:p>
-          <a:pPr marL="0" lvl="0" indent="0" algn="ctr" defTabSz="1333500">
+          <a:pPr lvl="0" algn="ctr" defTabSz="1333500">
             <a:lnSpc>
               <a:spcPct val="90000"/>
             </a:lnSpc>
@@ -16320,7 +17918,6 @@
             <a:spcAft>
               <a:spcPct val="35000"/>
             </a:spcAft>
-            <a:buNone/>
           </a:pPr>
           <a:r>
             <a:rPr lang="zh-CN" altLang="en-US" sz="3000" b="0" i="0" kern="1200" dirty="0"/>
@@ -16384,7 +17981,7 @@
         </a:bodyPr>
         <a:lstStyle/>
         <a:p>
-          <a:pPr marL="0" lvl="0" indent="0" algn="ctr" defTabSz="889000">
+          <a:pPr lvl="0" algn="ctr" defTabSz="889000">
             <a:lnSpc>
               <a:spcPct val="90000"/>
             </a:lnSpc>
@@ -16394,7 +17991,6 @@
             <a:spcAft>
               <a:spcPct val="35000"/>
             </a:spcAft>
-            <a:buNone/>
           </a:pPr>
           <a:endParaRPr lang="zh-CN" altLang="en-US" sz="2000" kern="1200"/>
         </a:p>
@@ -16458,7 +18054,7 @@
         </a:bodyPr>
         <a:lstStyle/>
         <a:p>
-          <a:pPr marL="0" lvl="0" indent="0" algn="ctr" defTabSz="1333500">
+          <a:pPr lvl="0" algn="ctr" defTabSz="1333500">
             <a:lnSpc>
               <a:spcPct val="90000"/>
             </a:lnSpc>
@@ -16468,7 +18064,6 @@
             <a:spcAft>
               <a:spcPct val="35000"/>
             </a:spcAft>
-            <a:buNone/>
           </a:pPr>
           <a:r>
             <a:rPr lang="zh-CN" altLang="en-US" sz="3000" kern="1200" dirty="0"/>
@@ -16531,7 +18126,7 @@
         </a:bodyPr>
         <a:lstStyle/>
         <a:p>
-          <a:pPr marL="0" lvl="0" indent="0" algn="ctr" defTabSz="889000">
+          <a:pPr lvl="0" algn="ctr" defTabSz="889000">
             <a:lnSpc>
               <a:spcPct val="90000"/>
             </a:lnSpc>
@@ -16541,7 +18136,6 @@
             <a:spcAft>
               <a:spcPct val="35000"/>
             </a:spcAft>
-            <a:buNone/>
           </a:pPr>
           <a:endParaRPr lang="zh-CN" altLang="en-US" sz="2000" kern="1200"/>
         </a:p>
@@ -16617,7 +18211,7 @@
         </a:bodyPr>
         <a:lstStyle/>
         <a:p>
-          <a:pPr marL="0" lvl="0" indent="0" algn="ctr" defTabSz="1511300">
+          <a:pPr lvl="0" algn="ctr" defTabSz="1511300">
             <a:lnSpc>
               <a:spcPct val="90000"/>
             </a:lnSpc>
@@ -16627,7 +18221,6 @@
             <a:spcAft>
               <a:spcPct val="35000"/>
             </a:spcAft>
-            <a:buNone/>
           </a:pPr>
           <a:r>
             <a:rPr lang="zh-CN" altLang="en-US" sz="3400" kern="1200"/>
@@ -16691,7 +18284,7 @@
         </a:bodyPr>
         <a:lstStyle/>
         <a:p>
-          <a:pPr marL="0" lvl="0" indent="0" algn="ctr" defTabSz="1022350">
+          <a:pPr lvl="0" algn="ctr" defTabSz="1022350">
             <a:lnSpc>
               <a:spcPct val="90000"/>
             </a:lnSpc>
@@ -16701,7 +18294,6 @@
             <a:spcAft>
               <a:spcPct val="35000"/>
             </a:spcAft>
-            <a:buNone/>
           </a:pPr>
           <a:endParaRPr lang="zh-CN" altLang="en-US" sz="2300" kern="1200"/>
         </a:p>
@@ -16765,7 +18357,7 @@
         </a:bodyPr>
         <a:lstStyle/>
         <a:p>
-          <a:pPr marL="0" lvl="0" indent="0" algn="ctr" defTabSz="1511300">
+          <a:pPr lvl="0" algn="ctr" defTabSz="1511300">
             <a:lnSpc>
               <a:spcPct val="90000"/>
             </a:lnSpc>
@@ -16775,7 +18367,6 @@
             <a:spcAft>
               <a:spcPct val="35000"/>
             </a:spcAft>
-            <a:buNone/>
           </a:pPr>
           <a:r>
             <a:rPr lang="zh-CN" altLang="en-US" sz="3400" kern="1200" dirty="0"/>
@@ -16838,7 +18429,7 @@
         </a:bodyPr>
         <a:lstStyle/>
         <a:p>
-          <a:pPr marL="0" lvl="0" indent="0" algn="ctr" defTabSz="1022350">
+          <a:pPr lvl="0" algn="ctr" defTabSz="1022350">
             <a:lnSpc>
               <a:spcPct val="90000"/>
             </a:lnSpc>
@@ -16848,7 +18439,6 @@
             <a:spcAft>
               <a:spcPct val="35000"/>
             </a:spcAft>
-            <a:buNone/>
           </a:pPr>
           <a:endParaRPr lang="zh-CN" altLang="en-US" sz="2300" kern="1200"/>
         </a:p>
@@ -16912,7 +18502,7 @@
         </a:bodyPr>
         <a:lstStyle/>
         <a:p>
-          <a:pPr marL="0" lvl="0" indent="0" algn="ctr" defTabSz="1511300">
+          <a:pPr lvl="0" algn="ctr" defTabSz="1511300">
             <a:lnSpc>
               <a:spcPct val="90000"/>
             </a:lnSpc>
@@ -16922,7 +18512,6 @@
             <a:spcAft>
               <a:spcPct val="35000"/>
             </a:spcAft>
-            <a:buNone/>
           </a:pPr>
           <a:r>
             <a:rPr lang="zh-CN" altLang="en-US" sz="3400" b="0" i="0" kern="1200" dirty="0"/>
@@ -16986,7 +18575,7 @@
         </a:bodyPr>
         <a:lstStyle/>
         <a:p>
-          <a:pPr marL="0" lvl="0" indent="0" algn="ctr" defTabSz="1022350">
+          <a:pPr lvl="0" algn="ctr" defTabSz="1022350">
             <a:lnSpc>
               <a:spcPct val="90000"/>
             </a:lnSpc>
@@ -16996,7 +18585,6 @@
             <a:spcAft>
               <a:spcPct val="35000"/>
             </a:spcAft>
-            <a:buNone/>
           </a:pPr>
           <a:endParaRPr lang="zh-CN" altLang="en-US" sz="2300" kern="1200"/>
         </a:p>
@@ -17060,7 +18648,7 @@
         </a:bodyPr>
         <a:lstStyle/>
         <a:p>
-          <a:pPr marL="0" lvl="0" indent="0" algn="ctr" defTabSz="1511300">
+          <a:pPr lvl="0" algn="ctr" defTabSz="1511300">
             <a:lnSpc>
               <a:spcPct val="90000"/>
             </a:lnSpc>
@@ -17070,7 +18658,6 @@
             <a:spcAft>
               <a:spcPct val="35000"/>
             </a:spcAft>
-            <a:buNone/>
           </a:pPr>
           <a:r>
             <a:rPr lang="zh-CN" altLang="en-US" sz="3400" kern="1200" dirty="0"/>
@@ -17133,7 +18720,7 @@
         </a:bodyPr>
         <a:lstStyle/>
         <a:p>
-          <a:pPr marL="0" lvl="0" indent="0" algn="ctr" defTabSz="1022350">
+          <a:pPr lvl="0" algn="ctr" defTabSz="1022350">
             <a:lnSpc>
               <a:spcPct val="90000"/>
             </a:lnSpc>
@@ -17143,7 +18730,6 @@
             <a:spcAft>
               <a:spcPct val="35000"/>
             </a:spcAft>
-            <a:buNone/>
           </a:pPr>
           <a:endParaRPr lang="zh-CN" altLang="en-US" sz="2300" kern="1200"/>
         </a:p>
@@ -17207,7 +18793,7 @@
         </a:bodyPr>
         <a:lstStyle/>
         <a:p>
-          <a:pPr marL="0" lvl="0" indent="0" algn="ctr" defTabSz="1511300">
+          <a:pPr lvl="0" algn="ctr" defTabSz="1511300">
             <a:lnSpc>
               <a:spcPct val="90000"/>
             </a:lnSpc>
@@ -17217,7 +18803,6 @@
             <a:spcAft>
               <a:spcPct val="35000"/>
             </a:spcAft>
-            <a:buNone/>
           </a:pPr>
           <a:r>
             <a:rPr lang="zh-CN" altLang="en-US" sz="3400" b="0" i="0" kern="1200" dirty="0"/>
@@ -17281,7 +18866,7 @@
         </a:bodyPr>
         <a:lstStyle/>
         <a:p>
-          <a:pPr marL="0" lvl="0" indent="0" algn="ctr" defTabSz="1022350">
+          <a:pPr lvl="0" algn="ctr" defTabSz="1022350">
             <a:lnSpc>
               <a:spcPct val="90000"/>
             </a:lnSpc>
@@ -17291,7 +18876,6 @@
             <a:spcAft>
               <a:spcPct val="35000"/>
             </a:spcAft>
-            <a:buNone/>
           </a:pPr>
           <a:endParaRPr lang="zh-CN" altLang="en-US" sz="2300" kern="1200"/>
         </a:p>
@@ -17355,7 +18939,7 @@
         </a:bodyPr>
         <a:lstStyle/>
         <a:p>
-          <a:pPr marL="0" lvl="0" indent="0" algn="ctr" defTabSz="1511300">
+          <a:pPr lvl="0" algn="ctr" defTabSz="1511300">
             <a:lnSpc>
               <a:spcPct val="90000"/>
             </a:lnSpc>
@@ -17365,7 +18949,6 @@
             <a:spcAft>
               <a:spcPct val="35000"/>
             </a:spcAft>
-            <a:buNone/>
           </a:pPr>
           <a:r>
             <a:rPr lang="zh-CN" altLang="en-US" sz="3400" kern="1200" dirty="0"/>
@@ -17428,7 +19011,7 @@
         </a:bodyPr>
         <a:lstStyle/>
         <a:p>
-          <a:pPr marL="0" lvl="0" indent="0" algn="ctr" defTabSz="1022350">
+          <a:pPr lvl="0" algn="ctr" defTabSz="1022350">
             <a:lnSpc>
               <a:spcPct val="90000"/>
             </a:lnSpc>
@@ -17438,7 +19021,6 @@
             <a:spcAft>
               <a:spcPct val="35000"/>
             </a:spcAft>
-            <a:buNone/>
           </a:pPr>
           <a:endParaRPr lang="zh-CN" altLang="en-US" sz="2300" kern="1200"/>
         </a:p>
@@ -17514,7 +19096,7 @@
         </a:bodyPr>
         <a:lstStyle/>
         <a:p>
-          <a:pPr marL="0" lvl="0" indent="0" algn="ctr" defTabSz="622300">
+          <a:pPr lvl="0" algn="ctr" defTabSz="622300">
             <a:lnSpc>
               <a:spcPct val="90000"/>
             </a:lnSpc>
@@ -17524,7 +19106,6 @@
             <a:spcAft>
               <a:spcPct val="35000"/>
             </a:spcAft>
-            <a:buNone/>
           </a:pPr>
           <a:r>
             <a:rPr lang="zh-CN" altLang="en-US" sz="1400" kern="1200" dirty="0"/>
@@ -17587,7 +19168,7 @@
         </a:bodyPr>
         <a:lstStyle/>
         <a:p>
-          <a:pPr marL="0" lvl="0" indent="0" algn="ctr" defTabSz="488950">
+          <a:pPr lvl="0" algn="ctr" defTabSz="488950">
             <a:lnSpc>
               <a:spcPct val="90000"/>
             </a:lnSpc>
@@ -17597,7 +19178,6 @@
             <a:spcAft>
               <a:spcPct val="35000"/>
             </a:spcAft>
-            <a:buNone/>
           </a:pPr>
           <a:endParaRPr lang="zh-CN" altLang="en-US" sz="1100" kern="1200"/>
         </a:p>
@@ -17661,7 +19241,7 @@
         </a:bodyPr>
         <a:lstStyle/>
         <a:p>
-          <a:pPr marL="0" lvl="0" indent="0" algn="ctr" defTabSz="622300">
+          <a:pPr lvl="0" algn="ctr" defTabSz="622300">
             <a:lnSpc>
               <a:spcPct val="90000"/>
             </a:lnSpc>
@@ -17671,7 +19251,6 @@
             <a:spcAft>
               <a:spcPct val="35000"/>
             </a:spcAft>
-            <a:buNone/>
           </a:pPr>
           <a:r>
             <a:rPr lang="zh-CN" altLang="en-US" sz="1400" kern="1200" dirty="0"/>
@@ -17734,7 +19313,7 @@
         </a:bodyPr>
         <a:lstStyle/>
         <a:p>
-          <a:pPr marL="0" lvl="0" indent="0" algn="ctr" defTabSz="488950">
+          <a:pPr lvl="0" algn="ctr" defTabSz="488950">
             <a:lnSpc>
               <a:spcPct val="90000"/>
             </a:lnSpc>
@@ -17744,7 +19323,6 @@
             <a:spcAft>
               <a:spcPct val="35000"/>
             </a:spcAft>
-            <a:buNone/>
           </a:pPr>
           <a:endParaRPr lang="zh-CN" altLang="en-US" sz="1100" kern="1200"/>
         </a:p>
@@ -17808,7 +19386,7 @@
         </a:bodyPr>
         <a:lstStyle/>
         <a:p>
-          <a:pPr marL="0" lvl="0" indent="0" algn="ctr" defTabSz="622300">
+          <a:pPr lvl="0" algn="ctr" defTabSz="622300">
             <a:lnSpc>
               <a:spcPct val="90000"/>
             </a:lnSpc>
@@ -17818,7 +19396,6 @@
             <a:spcAft>
               <a:spcPct val="35000"/>
             </a:spcAft>
-            <a:buNone/>
           </a:pPr>
           <a:r>
             <a:rPr lang="zh-CN" altLang="en-US" sz="1400" kern="1200" dirty="0"/>
@@ -17881,7 +19458,7 @@
         </a:bodyPr>
         <a:lstStyle/>
         <a:p>
-          <a:pPr marL="0" lvl="0" indent="0" algn="ctr" defTabSz="488950">
+          <a:pPr lvl="0" algn="ctr" defTabSz="488950">
             <a:lnSpc>
               <a:spcPct val="90000"/>
             </a:lnSpc>
@@ -17891,7 +19468,6 @@
             <a:spcAft>
               <a:spcPct val="35000"/>
             </a:spcAft>
-            <a:buNone/>
           </a:pPr>
           <a:endParaRPr lang="zh-CN" altLang="en-US" sz="1100" kern="1200"/>
         </a:p>
@@ -17955,7 +19531,7 @@
         </a:bodyPr>
         <a:lstStyle/>
         <a:p>
-          <a:pPr marL="0" lvl="0" indent="0" algn="ctr" defTabSz="622300">
+          <a:pPr lvl="0" algn="ctr" defTabSz="622300">
             <a:lnSpc>
               <a:spcPct val="90000"/>
             </a:lnSpc>
@@ -17965,7 +19541,6 @@
             <a:spcAft>
               <a:spcPct val="35000"/>
             </a:spcAft>
-            <a:buNone/>
           </a:pPr>
           <a:r>
             <a:rPr lang="zh-CN" altLang="en-US" sz="1400" kern="1200" dirty="0"/>
@@ -18028,7 +19603,7 @@
         </a:bodyPr>
         <a:lstStyle/>
         <a:p>
-          <a:pPr marL="0" lvl="0" indent="0" algn="ctr" defTabSz="488950">
+          <a:pPr lvl="0" algn="ctr" defTabSz="488950">
             <a:lnSpc>
               <a:spcPct val="90000"/>
             </a:lnSpc>
@@ -18038,7 +19613,6 @@
             <a:spcAft>
               <a:spcPct val="35000"/>
             </a:spcAft>
-            <a:buNone/>
           </a:pPr>
           <a:endParaRPr lang="zh-CN" altLang="en-US" sz="1100" kern="1200"/>
         </a:p>
@@ -18102,7 +19676,7 @@
         </a:bodyPr>
         <a:lstStyle/>
         <a:p>
-          <a:pPr marL="0" lvl="0" indent="0" algn="ctr" defTabSz="622300">
+          <a:pPr lvl="0" algn="ctr" defTabSz="622300">
             <a:lnSpc>
               <a:spcPct val="90000"/>
             </a:lnSpc>
@@ -18112,7 +19686,6 @@
             <a:spcAft>
               <a:spcPct val="35000"/>
             </a:spcAft>
-            <a:buNone/>
           </a:pPr>
           <a:r>
             <a:rPr lang="zh-CN" altLang="en-US" sz="1400" kern="1200" dirty="0"/>
@@ -18175,7 +19748,7 @@
         </a:bodyPr>
         <a:lstStyle/>
         <a:p>
-          <a:pPr marL="0" lvl="0" indent="0" algn="ctr" defTabSz="488950">
+          <a:pPr lvl="0" algn="ctr" defTabSz="488950">
             <a:lnSpc>
               <a:spcPct val="90000"/>
             </a:lnSpc>
@@ -18185,7 +19758,6 @@
             <a:spcAft>
               <a:spcPct val="35000"/>
             </a:spcAft>
-            <a:buNone/>
           </a:pPr>
           <a:endParaRPr lang="zh-CN" altLang="en-US" sz="1100" kern="1200"/>
         </a:p>
@@ -18261,7 +19833,7 @@
         </a:bodyPr>
         <a:lstStyle/>
         <a:p>
-          <a:pPr marL="0" lvl="0" indent="0" algn="ctr" defTabSz="533400">
+          <a:pPr lvl="0" algn="ctr" defTabSz="533400">
             <a:lnSpc>
               <a:spcPct val="90000"/>
             </a:lnSpc>
@@ -18271,7 +19843,6 @@
             <a:spcAft>
               <a:spcPct val="35000"/>
             </a:spcAft>
-            <a:buNone/>
           </a:pPr>
           <a:r>
             <a:rPr lang="zh-CN" altLang="en-US" sz="1200" kern="1200" dirty="0"/>
@@ -18334,7 +19905,7 @@
         </a:bodyPr>
         <a:lstStyle/>
         <a:p>
-          <a:pPr marL="0" lvl="0" indent="0" algn="ctr" defTabSz="444500">
+          <a:pPr lvl="0" algn="ctr" defTabSz="444500">
             <a:lnSpc>
               <a:spcPct val="90000"/>
             </a:lnSpc>
@@ -18344,7 +19915,6 @@
             <a:spcAft>
               <a:spcPct val="35000"/>
             </a:spcAft>
-            <a:buNone/>
           </a:pPr>
           <a:endParaRPr lang="zh-CN" altLang="en-US" sz="1000" kern="1200"/>
         </a:p>
@@ -18408,7 +19978,7 @@
         </a:bodyPr>
         <a:lstStyle/>
         <a:p>
-          <a:pPr marL="0" lvl="0" indent="0" algn="ctr" defTabSz="533400">
+          <a:pPr lvl="0" algn="ctr" defTabSz="533400">
             <a:lnSpc>
               <a:spcPct val="90000"/>
             </a:lnSpc>
@@ -18418,7 +19988,6 @@
             <a:spcAft>
               <a:spcPct val="35000"/>
             </a:spcAft>
-            <a:buNone/>
           </a:pPr>
           <a:r>
             <a:rPr lang="zh-CN" altLang="en-US" sz="1200" kern="1200" dirty="0"/>
@@ -18481,7 +20050,7 @@
         </a:bodyPr>
         <a:lstStyle/>
         <a:p>
-          <a:pPr marL="0" lvl="0" indent="0" algn="ctr" defTabSz="444500">
+          <a:pPr lvl="0" algn="ctr" defTabSz="444500">
             <a:lnSpc>
               <a:spcPct val="90000"/>
             </a:lnSpc>
@@ -18491,7 +20060,6 @@
             <a:spcAft>
               <a:spcPct val="35000"/>
             </a:spcAft>
-            <a:buNone/>
           </a:pPr>
           <a:endParaRPr lang="zh-CN" altLang="en-US" sz="1000" kern="1200"/>
         </a:p>
@@ -18555,7 +20123,7 @@
         </a:bodyPr>
         <a:lstStyle/>
         <a:p>
-          <a:pPr marL="0" lvl="0" indent="0" algn="ctr" defTabSz="533400">
+          <a:pPr lvl="0" algn="ctr" defTabSz="533400">
             <a:lnSpc>
               <a:spcPct val="90000"/>
             </a:lnSpc>
@@ -18565,7 +20133,6 @@
             <a:spcAft>
               <a:spcPct val="35000"/>
             </a:spcAft>
-            <a:buNone/>
           </a:pPr>
           <a:r>
             <a:rPr lang="zh-CN" altLang="en-US" sz="1200" kern="1200" dirty="0"/>
@@ -18628,7 +20195,7 @@
         </a:bodyPr>
         <a:lstStyle/>
         <a:p>
-          <a:pPr marL="0" lvl="0" indent="0" algn="ctr" defTabSz="444500">
+          <a:pPr lvl="0" algn="ctr" defTabSz="444500">
             <a:lnSpc>
               <a:spcPct val="90000"/>
             </a:lnSpc>
@@ -18638,7 +20205,6 @@
             <a:spcAft>
               <a:spcPct val="35000"/>
             </a:spcAft>
-            <a:buNone/>
           </a:pPr>
           <a:endParaRPr lang="zh-CN" altLang="en-US" sz="1000" kern="1200"/>
         </a:p>
@@ -18702,7 +20268,7 @@
         </a:bodyPr>
         <a:lstStyle/>
         <a:p>
-          <a:pPr marL="0" lvl="0" indent="0" algn="ctr" defTabSz="533400">
+          <a:pPr lvl="0" algn="ctr" defTabSz="533400">
             <a:lnSpc>
               <a:spcPct val="90000"/>
             </a:lnSpc>
@@ -18712,7 +20278,6 @@
             <a:spcAft>
               <a:spcPct val="35000"/>
             </a:spcAft>
-            <a:buNone/>
           </a:pPr>
           <a:r>
             <a:rPr lang="zh-CN" altLang="en-US" sz="1200" kern="1200" dirty="0"/>
@@ -18775,7 +20340,7 @@
         </a:bodyPr>
         <a:lstStyle/>
         <a:p>
-          <a:pPr marL="0" lvl="0" indent="0" algn="ctr" defTabSz="444500">
+          <a:pPr lvl="0" algn="ctr" defTabSz="444500">
             <a:lnSpc>
               <a:spcPct val="90000"/>
             </a:lnSpc>
@@ -18785,7 +20350,6 @@
             <a:spcAft>
               <a:spcPct val="35000"/>
             </a:spcAft>
-            <a:buNone/>
           </a:pPr>
           <a:endParaRPr lang="zh-CN" altLang="en-US" sz="1000" kern="1200" dirty="0"/>
         </a:p>
@@ -18849,7 +20413,7 @@
         </a:bodyPr>
         <a:lstStyle/>
         <a:p>
-          <a:pPr marL="0" lvl="0" indent="0" algn="ctr" defTabSz="533400">
+          <a:pPr lvl="0" algn="ctr" defTabSz="533400">
             <a:lnSpc>
               <a:spcPct val="90000"/>
             </a:lnSpc>
@@ -18859,7 +20423,6 @@
             <a:spcAft>
               <a:spcPct val="35000"/>
             </a:spcAft>
-            <a:buNone/>
           </a:pPr>
           <a:r>
             <a:rPr lang="zh-CN" altLang="en-US" sz="1200" kern="1200" dirty="0"/>
@@ -18922,7 +20485,7 @@
         </a:bodyPr>
         <a:lstStyle/>
         <a:p>
-          <a:pPr marL="0" lvl="0" indent="0" algn="ctr" defTabSz="444500">
+          <a:pPr lvl="0" algn="ctr" defTabSz="444500">
             <a:lnSpc>
               <a:spcPct val="90000"/>
             </a:lnSpc>
@@ -18932,7 +20495,6 @@
             <a:spcAft>
               <a:spcPct val="35000"/>
             </a:spcAft>
-            <a:buNone/>
           </a:pPr>
           <a:endParaRPr lang="zh-CN" altLang="en-US" sz="1000" kern="1200"/>
         </a:p>
@@ -18996,7 +20558,7 @@
         </a:bodyPr>
         <a:lstStyle/>
         <a:p>
-          <a:pPr marL="0" lvl="0" indent="0" algn="ctr" defTabSz="533400">
+          <a:pPr lvl="0" algn="ctr" defTabSz="533400">
             <a:lnSpc>
               <a:spcPct val="90000"/>
             </a:lnSpc>
@@ -19006,7 +20568,6 @@
             <a:spcAft>
               <a:spcPct val="35000"/>
             </a:spcAft>
-            <a:buNone/>
           </a:pPr>
           <a:r>
             <a:rPr lang="zh-CN" altLang="en-US" sz="1200" kern="1200" dirty="0"/>
@@ -19069,7 +20630,7 @@
         </a:bodyPr>
         <a:lstStyle/>
         <a:p>
-          <a:pPr marL="0" lvl="0" indent="0" algn="ctr" defTabSz="444500">
+          <a:pPr lvl="0" algn="ctr" defTabSz="444500">
             <a:lnSpc>
               <a:spcPct val="90000"/>
             </a:lnSpc>
@@ -19079,7 +20640,6 @@
             <a:spcAft>
               <a:spcPct val="35000"/>
             </a:spcAft>
-            <a:buNone/>
           </a:pPr>
           <a:endParaRPr lang="zh-CN" altLang="en-US" sz="1000" kern="1200"/>
         </a:p>
@@ -19143,7 +20703,7 @@
         </a:bodyPr>
         <a:lstStyle/>
         <a:p>
-          <a:pPr marL="0" lvl="0" indent="0" algn="ctr" defTabSz="533400">
+          <a:pPr lvl="0" algn="ctr" defTabSz="533400">
             <a:lnSpc>
               <a:spcPct val="90000"/>
             </a:lnSpc>
@@ -19153,7 +20713,6 @@
             <a:spcAft>
               <a:spcPct val="35000"/>
             </a:spcAft>
-            <a:buNone/>
           </a:pPr>
           <a:r>
             <a:rPr lang="en-US" altLang="zh-CN" sz="1200" kern="1200" dirty="0"/>
@@ -19220,7 +20779,7 @@
         </a:bodyPr>
         <a:lstStyle/>
         <a:p>
-          <a:pPr marL="0" lvl="0" indent="0" algn="ctr" defTabSz="444500">
+          <a:pPr lvl="0" algn="ctr" defTabSz="444500">
             <a:lnSpc>
               <a:spcPct val="90000"/>
             </a:lnSpc>
@@ -19230,7 +20789,6 @@
             <a:spcAft>
               <a:spcPct val="35000"/>
             </a:spcAft>
-            <a:buNone/>
           </a:pPr>
           <a:endParaRPr lang="zh-CN" altLang="en-US" sz="1000" kern="1200"/>
         </a:p>
@@ -19294,7 +20852,7 @@
         </a:bodyPr>
         <a:lstStyle/>
         <a:p>
-          <a:pPr marL="0" lvl="0" indent="0" algn="ctr" defTabSz="533400">
+          <a:pPr lvl="0" algn="ctr" defTabSz="533400">
             <a:lnSpc>
               <a:spcPct val="90000"/>
             </a:lnSpc>
@@ -19304,7 +20862,6 @@
             <a:spcAft>
               <a:spcPct val="35000"/>
             </a:spcAft>
-            <a:buNone/>
           </a:pPr>
           <a:r>
             <a:rPr lang="zh-CN" altLang="en-US" sz="1200" kern="1200" dirty="0"/>
@@ -19313,7 +20870,7 @@
           <a:endParaRPr lang="en-US" altLang="zh-CN" sz="1200" kern="1200" dirty="0"/>
         </a:p>
         <a:p>
-          <a:pPr marL="0" lvl="0" indent="0" algn="ctr" defTabSz="533400">
+          <a:pPr lvl="0" algn="ctr" defTabSz="533400">
             <a:lnSpc>
               <a:spcPct val="90000"/>
             </a:lnSpc>
@@ -19323,7 +20880,6 @@
             <a:spcAft>
               <a:spcPct val="35000"/>
             </a:spcAft>
-            <a:buNone/>
           </a:pPr>
           <a:r>
             <a:rPr lang="en-US" altLang="zh-CN" sz="1200" kern="1200" dirty="0"/>
@@ -19387,7 +20943,7 @@
         </a:bodyPr>
         <a:lstStyle/>
         <a:p>
-          <a:pPr marL="0" lvl="0" indent="0" algn="ctr" defTabSz="444500">
+          <a:pPr lvl="0" algn="ctr" defTabSz="444500">
             <a:lnSpc>
               <a:spcPct val="90000"/>
             </a:lnSpc>
@@ -19397,7 +20953,6 @@
             <a:spcAft>
               <a:spcPct val="35000"/>
             </a:spcAft>
-            <a:buNone/>
           </a:pPr>
           <a:endParaRPr lang="zh-CN" altLang="en-US" sz="1000" kern="1200"/>
         </a:p>
@@ -19461,7 +21016,7 @@
         </a:bodyPr>
         <a:lstStyle/>
         <a:p>
-          <a:pPr marL="0" lvl="0" indent="0" algn="ctr" defTabSz="533400">
+          <a:pPr lvl="0" algn="ctr" defTabSz="533400">
             <a:lnSpc>
               <a:spcPct val="90000"/>
             </a:lnSpc>
@@ -19471,7 +21026,6 @@
             <a:spcAft>
               <a:spcPct val="35000"/>
             </a:spcAft>
-            <a:buNone/>
           </a:pPr>
           <a:r>
             <a:rPr lang="en-US" altLang="zh-CN" sz="1200" kern="1200" dirty="0"/>
@@ -19538,7 +21092,7 @@
         </a:bodyPr>
         <a:lstStyle/>
         <a:p>
-          <a:pPr marL="0" lvl="0" indent="0" algn="ctr" defTabSz="444500">
+          <a:pPr lvl="0" algn="ctr" defTabSz="444500">
             <a:lnSpc>
               <a:spcPct val="90000"/>
             </a:lnSpc>
@@ -19548,7 +21102,6 @@
             <a:spcAft>
               <a:spcPct val="35000"/>
             </a:spcAft>
-            <a:buNone/>
           </a:pPr>
           <a:endParaRPr lang="zh-CN" altLang="en-US" sz="1000" kern="1200"/>
         </a:p>
@@ -19612,7 +21165,7 @@
         </a:bodyPr>
         <a:lstStyle/>
         <a:p>
-          <a:pPr marL="0" lvl="0" indent="0" algn="ctr" defTabSz="533400">
+          <a:pPr lvl="0" algn="ctr" defTabSz="533400">
             <a:lnSpc>
               <a:spcPct val="90000"/>
             </a:lnSpc>
@@ -19622,7 +21175,6 @@
             <a:spcAft>
               <a:spcPct val="35000"/>
             </a:spcAft>
-            <a:buNone/>
           </a:pPr>
           <a:r>
             <a:rPr lang="en-US" altLang="zh-CN" sz="1200" kern="1200" dirty="0"/>
@@ -19689,7 +21241,7 @@
         </a:bodyPr>
         <a:lstStyle/>
         <a:p>
-          <a:pPr marL="0" lvl="0" indent="0" algn="ctr" defTabSz="444500">
+          <a:pPr lvl="0" algn="ctr" defTabSz="444500">
             <a:lnSpc>
               <a:spcPct val="90000"/>
             </a:lnSpc>
@@ -19699,7 +21251,6 @@
             <a:spcAft>
               <a:spcPct val="35000"/>
             </a:spcAft>
-            <a:buNone/>
           </a:pPr>
           <a:endParaRPr lang="zh-CN" altLang="en-US" sz="1000" kern="1200"/>
         </a:p>
@@ -19775,7 +21326,7 @@
         </a:bodyPr>
         <a:lstStyle/>
         <a:p>
-          <a:pPr marL="0" lvl="0" indent="0" algn="ctr" defTabSz="622300">
+          <a:pPr lvl="0" algn="ctr" defTabSz="622300">
             <a:lnSpc>
               <a:spcPct val="90000"/>
             </a:lnSpc>
@@ -19785,7 +21336,6 @@
             <a:spcAft>
               <a:spcPct val="35000"/>
             </a:spcAft>
-            <a:buNone/>
           </a:pPr>
           <a:r>
             <a:rPr lang="zh-CN" altLang="en-US" sz="1400" kern="1200" dirty="0"/>
@@ -19848,7 +21398,7 @@
         </a:bodyPr>
         <a:lstStyle/>
         <a:p>
-          <a:pPr marL="0" lvl="0" indent="0" algn="ctr" defTabSz="488950">
+          <a:pPr lvl="0" algn="ctr" defTabSz="488950">
             <a:lnSpc>
               <a:spcPct val="90000"/>
             </a:lnSpc>
@@ -19858,7 +21408,6 @@
             <a:spcAft>
               <a:spcPct val="35000"/>
             </a:spcAft>
-            <a:buNone/>
           </a:pPr>
           <a:endParaRPr lang="zh-CN" altLang="en-US" sz="1100" kern="1200"/>
         </a:p>
@@ -19922,7 +21471,7 @@
         </a:bodyPr>
         <a:lstStyle/>
         <a:p>
-          <a:pPr marL="0" lvl="0" indent="0" algn="ctr" defTabSz="622300">
+          <a:pPr lvl="0" algn="ctr" defTabSz="622300">
             <a:lnSpc>
               <a:spcPct val="90000"/>
             </a:lnSpc>
@@ -19932,7 +21481,6 @@
             <a:spcAft>
               <a:spcPct val="35000"/>
             </a:spcAft>
-            <a:buNone/>
           </a:pPr>
           <a:r>
             <a:rPr lang="zh-CN" altLang="en-US" sz="1400" kern="1200" dirty="0"/>
@@ -19995,7 +21543,7 @@
         </a:bodyPr>
         <a:lstStyle/>
         <a:p>
-          <a:pPr marL="0" lvl="0" indent="0" algn="ctr" defTabSz="488950">
+          <a:pPr lvl="0" algn="ctr" defTabSz="488950">
             <a:lnSpc>
               <a:spcPct val="90000"/>
             </a:lnSpc>
@@ -20005,7 +21553,6 @@
             <a:spcAft>
               <a:spcPct val="35000"/>
             </a:spcAft>
-            <a:buNone/>
           </a:pPr>
           <a:endParaRPr lang="zh-CN" altLang="en-US" sz="1100" kern="1200"/>
         </a:p>
@@ -20069,7 +21616,7 @@
         </a:bodyPr>
         <a:lstStyle/>
         <a:p>
-          <a:pPr marL="0" lvl="0" indent="0" algn="ctr" defTabSz="622300">
+          <a:pPr lvl="0" algn="ctr" defTabSz="622300">
             <a:lnSpc>
               <a:spcPct val="90000"/>
             </a:lnSpc>
@@ -20079,7 +21626,6 @@
             <a:spcAft>
               <a:spcPct val="35000"/>
             </a:spcAft>
-            <a:buNone/>
           </a:pPr>
           <a:r>
             <a:rPr lang="zh-CN" altLang="en-US" sz="1400" kern="1200" dirty="0"/>
@@ -20142,7 +21688,7 @@
         </a:bodyPr>
         <a:lstStyle/>
         <a:p>
-          <a:pPr marL="0" lvl="0" indent="0" algn="ctr" defTabSz="488950">
+          <a:pPr lvl="0" algn="ctr" defTabSz="488950">
             <a:lnSpc>
               <a:spcPct val="90000"/>
             </a:lnSpc>
@@ -20152,7 +21698,6 @@
             <a:spcAft>
               <a:spcPct val="35000"/>
             </a:spcAft>
-            <a:buNone/>
           </a:pPr>
           <a:endParaRPr lang="zh-CN" altLang="en-US" sz="1100" kern="1200"/>
         </a:p>
@@ -20216,7 +21761,7 @@
         </a:bodyPr>
         <a:lstStyle/>
         <a:p>
-          <a:pPr marL="0" lvl="0" indent="0" algn="ctr" defTabSz="622300">
+          <a:pPr lvl="0" algn="ctr" defTabSz="622300">
             <a:lnSpc>
               <a:spcPct val="90000"/>
             </a:lnSpc>
@@ -20226,7 +21771,6 @@
             <a:spcAft>
               <a:spcPct val="35000"/>
             </a:spcAft>
-            <a:buNone/>
           </a:pPr>
           <a:r>
             <a:rPr lang="zh-CN" altLang="en-US" sz="1400" kern="1200" dirty="0"/>
@@ -20289,7 +21833,7 @@
         </a:bodyPr>
         <a:lstStyle/>
         <a:p>
-          <a:pPr marL="0" lvl="0" indent="0" algn="ctr" defTabSz="488950">
+          <a:pPr lvl="0" algn="ctr" defTabSz="488950">
             <a:lnSpc>
               <a:spcPct val="90000"/>
             </a:lnSpc>
@@ -20299,7 +21843,6 @@
             <a:spcAft>
               <a:spcPct val="35000"/>
             </a:spcAft>
-            <a:buNone/>
           </a:pPr>
           <a:endParaRPr lang="zh-CN" altLang="en-US" sz="1100" kern="1200" dirty="0"/>
         </a:p>
@@ -20363,7 +21906,7 @@
         </a:bodyPr>
         <a:lstStyle/>
         <a:p>
-          <a:pPr marL="0" lvl="0" indent="0" algn="ctr" defTabSz="622300">
+          <a:pPr lvl="0" algn="ctr" defTabSz="622300">
             <a:lnSpc>
               <a:spcPct val="90000"/>
             </a:lnSpc>
@@ -20373,7 +21916,6 @@
             <a:spcAft>
               <a:spcPct val="35000"/>
             </a:spcAft>
-            <a:buNone/>
           </a:pPr>
           <a:r>
             <a:rPr lang="zh-CN" altLang="en-US" sz="1400" kern="1200" dirty="0"/>
@@ -20436,7 +21978,7 @@
         </a:bodyPr>
         <a:lstStyle/>
         <a:p>
-          <a:pPr marL="0" lvl="0" indent="0" algn="ctr" defTabSz="488950">
+          <a:pPr lvl="0" algn="ctr" defTabSz="488950">
             <a:lnSpc>
               <a:spcPct val="90000"/>
             </a:lnSpc>
@@ -20446,7 +21988,6 @@
             <a:spcAft>
               <a:spcPct val="35000"/>
             </a:spcAft>
-            <a:buNone/>
           </a:pPr>
           <a:endParaRPr lang="zh-CN" altLang="en-US" sz="1100" kern="1200"/>
         </a:p>
@@ -20510,7 +22051,7 @@
         </a:bodyPr>
         <a:lstStyle/>
         <a:p>
-          <a:pPr marL="0" lvl="0" indent="0" algn="ctr" defTabSz="622300">
+          <a:pPr lvl="0" algn="ctr" defTabSz="622300">
             <a:lnSpc>
               <a:spcPct val="90000"/>
             </a:lnSpc>
@@ -20520,7 +22061,6 @@
             <a:spcAft>
               <a:spcPct val="35000"/>
             </a:spcAft>
-            <a:buNone/>
           </a:pPr>
           <a:r>
             <a:rPr lang="zh-CN" altLang="en-US" sz="1400" kern="1200" dirty="0"/>
@@ -20583,7 +22123,7 @@
         </a:bodyPr>
         <a:lstStyle/>
         <a:p>
-          <a:pPr marL="0" lvl="0" indent="0" algn="ctr" defTabSz="488950">
+          <a:pPr lvl="0" algn="ctr" defTabSz="488950">
             <a:lnSpc>
               <a:spcPct val="90000"/>
             </a:lnSpc>
@@ -20593,7 +22133,6 @@
             <a:spcAft>
               <a:spcPct val="35000"/>
             </a:spcAft>
-            <a:buNone/>
           </a:pPr>
           <a:endParaRPr lang="zh-CN" altLang="en-US" sz="1100" kern="1200"/>
         </a:p>
@@ -20657,7 +22196,7 @@
         </a:bodyPr>
         <a:lstStyle/>
         <a:p>
-          <a:pPr marL="0" lvl="0" indent="0" algn="ctr" defTabSz="622300">
+          <a:pPr lvl="0" algn="ctr" defTabSz="622300">
             <a:lnSpc>
               <a:spcPct val="90000"/>
             </a:lnSpc>
@@ -20667,7 +22206,6 @@
             <a:spcAft>
               <a:spcPct val="35000"/>
             </a:spcAft>
-            <a:buNone/>
           </a:pPr>
           <a:r>
             <a:rPr lang="en-US" altLang="zh-CN" sz="1400" kern="1200" dirty="0"/>
@@ -20734,7 +22272,7 @@
         </a:bodyPr>
         <a:lstStyle/>
         <a:p>
-          <a:pPr marL="0" lvl="0" indent="0" algn="ctr" defTabSz="488950">
+          <a:pPr lvl="0" algn="ctr" defTabSz="488950">
             <a:lnSpc>
               <a:spcPct val="90000"/>
             </a:lnSpc>
@@ -20744,7 +22282,6 @@
             <a:spcAft>
               <a:spcPct val="35000"/>
             </a:spcAft>
-            <a:buNone/>
           </a:pPr>
           <a:endParaRPr lang="zh-CN" altLang="en-US" sz="1100" kern="1200"/>
         </a:p>
@@ -20808,7 +22345,7 @@
         </a:bodyPr>
         <a:lstStyle/>
         <a:p>
-          <a:pPr marL="0" lvl="0" indent="0" algn="ctr" defTabSz="622300">
+          <a:pPr lvl="0" algn="ctr" defTabSz="622300">
             <a:lnSpc>
               <a:spcPct val="90000"/>
             </a:lnSpc>
@@ -20818,7 +22355,6 @@
             <a:spcAft>
               <a:spcPct val="35000"/>
             </a:spcAft>
-            <a:buNone/>
           </a:pPr>
           <a:r>
             <a:rPr lang="zh-CN" altLang="en-US" sz="1400" kern="1200" dirty="0"/>
@@ -20827,7 +22363,7 @@
           <a:endParaRPr lang="en-US" altLang="zh-CN" sz="1400" kern="1200" dirty="0"/>
         </a:p>
         <a:p>
-          <a:pPr marL="0" lvl="0" indent="0" algn="ctr" defTabSz="622300">
+          <a:pPr lvl="0" algn="ctr" defTabSz="622300">
             <a:lnSpc>
               <a:spcPct val="90000"/>
             </a:lnSpc>
@@ -20837,7 +22373,6 @@
             <a:spcAft>
               <a:spcPct val="35000"/>
             </a:spcAft>
-            <a:buNone/>
           </a:pPr>
           <a:r>
             <a:rPr lang="en-US" altLang="zh-CN" sz="1400" kern="1200" dirty="0"/>
@@ -20901,7 +22436,7 @@
         </a:bodyPr>
         <a:lstStyle/>
         <a:p>
-          <a:pPr marL="0" lvl="0" indent="0" algn="ctr" defTabSz="488950">
+          <a:pPr lvl="0" algn="ctr" defTabSz="488950">
             <a:lnSpc>
               <a:spcPct val="90000"/>
             </a:lnSpc>
@@ -20911,7 +22446,6 @@
             <a:spcAft>
               <a:spcPct val="35000"/>
             </a:spcAft>
-            <a:buNone/>
           </a:pPr>
           <a:endParaRPr lang="zh-CN" altLang="en-US" sz="1100" kern="1200"/>
         </a:p>
@@ -20975,7 +22509,7 @@
         </a:bodyPr>
         <a:lstStyle/>
         <a:p>
-          <a:pPr marL="0" lvl="0" indent="0" algn="ctr" defTabSz="622300">
+          <a:pPr lvl="0" algn="ctr" defTabSz="622300">
             <a:lnSpc>
               <a:spcPct val="90000"/>
             </a:lnSpc>
@@ -20985,7 +22519,6 @@
             <a:spcAft>
               <a:spcPct val="35000"/>
             </a:spcAft>
-            <a:buNone/>
           </a:pPr>
           <a:r>
             <a:rPr lang="en-US" altLang="zh-CN" sz="1400" kern="1200" dirty="0"/>
@@ -21052,7 +22585,7 @@
         </a:bodyPr>
         <a:lstStyle/>
         <a:p>
-          <a:pPr marL="0" lvl="0" indent="0" algn="ctr" defTabSz="488950">
+          <a:pPr lvl="0" algn="ctr" defTabSz="488950">
             <a:lnSpc>
               <a:spcPct val="90000"/>
             </a:lnSpc>
@@ -21062,7 +22595,6 @@
             <a:spcAft>
               <a:spcPct val="35000"/>
             </a:spcAft>
-            <a:buNone/>
           </a:pPr>
           <a:endParaRPr lang="zh-CN" altLang="en-US" sz="1100" kern="1200"/>
         </a:p>
@@ -21121,7 +22653,7 @@
         </a:bodyPr>
         <a:lstStyle/>
         <a:p>
-          <a:pPr marL="0" lvl="0" indent="0" algn="ctr" defTabSz="622300">
+          <a:pPr lvl="0" algn="ctr" defTabSz="622300">
             <a:lnSpc>
               <a:spcPct val="90000"/>
             </a:lnSpc>
@@ -21131,7 +22663,6 @@
             <a:spcAft>
               <a:spcPct val="35000"/>
             </a:spcAft>
-            <a:buNone/>
           </a:pPr>
           <a:r>
             <a:rPr lang="en-US" altLang="zh-CN" sz="1400" kern="1200" dirty="0"/>
@@ -21198,7 +22729,7 @@
         </a:bodyPr>
         <a:lstStyle/>
         <a:p>
-          <a:pPr marL="0" lvl="0" indent="0" algn="ctr" defTabSz="488950">
+          <a:pPr lvl="0" algn="ctr" defTabSz="488950">
             <a:lnSpc>
               <a:spcPct val="90000"/>
             </a:lnSpc>
@@ -21208,7 +22739,6 @@
             <a:spcAft>
               <a:spcPct val="35000"/>
             </a:spcAft>
-            <a:buNone/>
           </a:pPr>
           <a:endParaRPr lang="zh-CN" altLang="en-US" sz="1100" kern="1200" dirty="0"/>
         </a:p>
@@ -21284,7 +22814,7 @@
         </a:bodyPr>
         <a:lstStyle/>
         <a:p>
-          <a:pPr marL="0" lvl="0" indent="0" algn="ctr" defTabSz="1066800">
+          <a:pPr lvl="0" algn="ctr" defTabSz="1066800">
             <a:lnSpc>
               <a:spcPct val="90000"/>
             </a:lnSpc>
@@ -21294,7 +22824,6 @@
             <a:spcAft>
               <a:spcPct val="35000"/>
             </a:spcAft>
-            <a:buNone/>
           </a:pPr>
           <a:r>
             <a:rPr lang="zh-CN" altLang="en-US" sz="2400" kern="1200"/>
@@ -21358,7 +22887,7 @@
         </a:bodyPr>
         <a:lstStyle/>
         <a:p>
-          <a:pPr marL="0" lvl="0" indent="0" algn="ctr" defTabSz="711200">
+          <a:pPr lvl="0" algn="ctr" defTabSz="711200">
             <a:lnSpc>
               <a:spcPct val="90000"/>
             </a:lnSpc>
@@ -21368,7 +22897,6 @@
             <a:spcAft>
               <a:spcPct val="35000"/>
             </a:spcAft>
-            <a:buNone/>
           </a:pPr>
           <a:endParaRPr lang="zh-CN" altLang="en-US" sz="1600" kern="1200"/>
         </a:p>
@@ -21432,7 +22960,7 @@
         </a:bodyPr>
         <a:lstStyle/>
         <a:p>
-          <a:pPr marL="0" lvl="0" indent="0" algn="ctr" defTabSz="1066800">
+          <a:pPr lvl="0" algn="ctr" defTabSz="1066800">
             <a:lnSpc>
               <a:spcPct val="90000"/>
             </a:lnSpc>
@@ -21442,7 +22970,6 @@
             <a:spcAft>
               <a:spcPct val="35000"/>
             </a:spcAft>
-            <a:buNone/>
           </a:pPr>
           <a:r>
             <a:rPr lang="zh-CN" altLang="en-US" sz="2400" kern="1200" dirty="0"/>
@@ -21505,7 +23032,7 @@
         </a:bodyPr>
         <a:lstStyle/>
         <a:p>
-          <a:pPr marL="0" lvl="0" indent="0" algn="ctr" defTabSz="711200">
+          <a:pPr lvl="0" algn="ctr" defTabSz="711200">
             <a:lnSpc>
               <a:spcPct val="90000"/>
             </a:lnSpc>
@@ -21515,7 +23042,6 @@
             <a:spcAft>
               <a:spcPct val="35000"/>
             </a:spcAft>
-            <a:buNone/>
           </a:pPr>
           <a:endParaRPr lang="zh-CN" altLang="en-US" sz="1600" kern="1200"/>
         </a:p>
@@ -21579,7 +23105,7 @@
         </a:bodyPr>
         <a:lstStyle/>
         <a:p>
-          <a:pPr marL="0" lvl="0" indent="0" algn="ctr" defTabSz="1066800">
+          <a:pPr lvl="0" algn="ctr" defTabSz="1066800">
             <a:lnSpc>
               <a:spcPct val="90000"/>
             </a:lnSpc>
@@ -21589,7 +23115,6 @@
             <a:spcAft>
               <a:spcPct val="35000"/>
             </a:spcAft>
-            <a:buNone/>
           </a:pPr>
           <a:r>
             <a:rPr lang="zh-CN" altLang="en-US" sz="2400" b="0" i="0" kern="1200" dirty="0"/>
@@ -21653,7 +23178,7 @@
         </a:bodyPr>
         <a:lstStyle/>
         <a:p>
-          <a:pPr marL="0" lvl="0" indent="0" algn="ctr" defTabSz="711200">
+          <a:pPr lvl="0" algn="ctr" defTabSz="711200">
             <a:lnSpc>
               <a:spcPct val="90000"/>
             </a:lnSpc>
@@ -21663,7 +23188,6 @@
             <a:spcAft>
               <a:spcPct val="35000"/>
             </a:spcAft>
-            <a:buNone/>
           </a:pPr>
           <a:endParaRPr lang="zh-CN" altLang="en-US" sz="1600" kern="1200"/>
         </a:p>
@@ -21727,7 +23251,7 @@
         </a:bodyPr>
         <a:lstStyle/>
         <a:p>
-          <a:pPr marL="0" lvl="0" indent="0" algn="ctr" defTabSz="1066800">
+          <a:pPr lvl="0" algn="ctr" defTabSz="1066800">
             <a:lnSpc>
               <a:spcPct val="90000"/>
             </a:lnSpc>
@@ -21737,7 +23261,6 @@
             <a:spcAft>
               <a:spcPct val="35000"/>
             </a:spcAft>
-            <a:buNone/>
           </a:pPr>
           <a:r>
             <a:rPr lang="zh-CN" altLang="en-US" sz="2400" kern="1200" dirty="0"/>
@@ -21800,7 +23323,7 @@
         </a:bodyPr>
         <a:lstStyle/>
         <a:p>
-          <a:pPr marL="0" lvl="0" indent="0" algn="ctr" defTabSz="711200">
+          <a:pPr lvl="0" algn="ctr" defTabSz="711200">
             <a:lnSpc>
               <a:spcPct val="90000"/>
             </a:lnSpc>
@@ -21810,7 +23333,6 @@
             <a:spcAft>
               <a:spcPct val="35000"/>
             </a:spcAft>
-            <a:buNone/>
           </a:pPr>
           <a:endParaRPr lang="zh-CN" altLang="en-US" sz="1600" kern="1200"/>
         </a:p>
@@ -21874,7 +23396,7 @@
         </a:bodyPr>
         <a:lstStyle/>
         <a:p>
-          <a:pPr marL="0" lvl="0" indent="0" algn="ctr" defTabSz="1066800">
+          <a:pPr lvl="0" algn="ctr" defTabSz="1066800">
             <a:lnSpc>
               <a:spcPct val="90000"/>
             </a:lnSpc>
@@ -21884,7 +23406,6 @@
             <a:spcAft>
               <a:spcPct val="35000"/>
             </a:spcAft>
-            <a:buNone/>
           </a:pPr>
           <a:r>
             <a:rPr lang="zh-CN" altLang="en-US" sz="2400" b="0" i="0" kern="1200" dirty="0"/>
@@ -21948,7 +23469,7 @@
         </a:bodyPr>
         <a:lstStyle/>
         <a:p>
-          <a:pPr marL="0" lvl="0" indent="0" algn="ctr" defTabSz="711200">
+          <a:pPr lvl="0" algn="ctr" defTabSz="711200">
             <a:lnSpc>
               <a:spcPct val="90000"/>
             </a:lnSpc>
@@ -21958,7 +23479,6 @@
             <a:spcAft>
               <a:spcPct val="35000"/>
             </a:spcAft>
-            <a:buNone/>
           </a:pPr>
           <a:endParaRPr lang="zh-CN" altLang="en-US" sz="1600" kern="1200"/>
         </a:p>
@@ -22022,7 +23542,7 @@
         </a:bodyPr>
         <a:lstStyle/>
         <a:p>
-          <a:pPr marL="0" lvl="0" indent="0" algn="ctr" defTabSz="1066800">
+          <a:pPr lvl="0" algn="ctr" defTabSz="1066800">
             <a:lnSpc>
               <a:spcPct val="90000"/>
             </a:lnSpc>
@@ -22032,7 +23552,6 @@
             <a:spcAft>
               <a:spcPct val="35000"/>
             </a:spcAft>
-            <a:buNone/>
           </a:pPr>
           <a:r>
             <a:rPr lang="zh-CN" altLang="en-US" sz="2400" kern="1200" dirty="0"/>
@@ -22095,7 +23614,7 @@
         </a:bodyPr>
         <a:lstStyle/>
         <a:p>
-          <a:pPr marL="0" lvl="0" indent="0" algn="ctr" defTabSz="711200">
+          <a:pPr lvl="0" algn="ctr" defTabSz="711200">
             <a:lnSpc>
               <a:spcPct val="90000"/>
             </a:lnSpc>
@@ -22105,7 +23624,6 @@
             <a:spcAft>
               <a:spcPct val="35000"/>
             </a:spcAft>
-            <a:buNone/>
           </a:pPr>
           <a:endParaRPr lang="zh-CN" altLang="en-US" sz="1600" kern="1200"/>
         </a:p>
@@ -22181,7 +23699,7 @@
         </a:bodyPr>
         <a:lstStyle/>
         <a:p>
-          <a:pPr marL="0" lvl="0" indent="0" algn="ctr" defTabSz="444500">
+          <a:pPr lvl="0" algn="ctr" defTabSz="444500">
             <a:lnSpc>
               <a:spcPct val="90000"/>
             </a:lnSpc>
@@ -22191,7 +23709,6 @@
             <a:spcAft>
               <a:spcPct val="35000"/>
             </a:spcAft>
-            <a:buNone/>
           </a:pPr>
           <a:r>
             <a:rPr lang="zh-CN" altLang="en-US" sz="1000" kern="1200" dirty="0"/>
@@ -22254,7 +23771,7 @@
         </a:bodyPr>
         <a:lstStyle/>
         <a:p>
-          <a:pPr marL="0" lvl="0" indent="0" algn="ctr" defTabSz="355600">
+          <a:pPr lvl="0" algn="ctr" defTabSz="355600">
             <a:lnSpc>
               <a:spcPct val="90000"/>
             </a:lnSpc>
@@ -22264,7 +23781,6 @@
             <a:spcAft>
               <a:spcPct val="35000"/>
             </a:spcAft>
-            <a:buNone/>
           </a:pPr>
           <a:endParaRPr lang="zh-CN" altLang="en-US" sz="800" kern="1200"/>
         </a:p>
@@ -22328,7 +23844,7 @@
         </a:bodyPr>
         <a:lstStyle/>
         <a:p>
-          <a:pPr marL="0" lvl="0" indent="0" algn="ctr" defTabSz="444500">
+          <a:pPr lvl="0" algn="ctr" defTabSz="444500">
             <a:lnSpc>
               <a:spcPct val="90000"/>
             </a:lnSpc>
@@ -22338,7 +23854,6 @@
             <a:spcAft>
               <a:spcPct val="35000"/>
             </a:spcAft>
-            <a:buNone/>
           </a:pPr>
           <a:r>
             <a:rPr lang="zh-CN" altLang="en-US" sz="1000" kern="1200" dirty="0"/>
@@ -22401,7 +23916,7 @@
         </a:bodyPr>
         <a:lstStyle/>
         <a:p>
-          <a:pPr marL="0" lvl="0" indent="0" algn="ctr" defTabSz="355600">
+          <a:pPr lvl="0" algn="ctr" defTabSz="355600">
             <a:lnSpc>
               <a:spcPct val="90000"/>
             </a:lnSpc>
@@ -22411,7 +23926,6 @@
             <a:spcAft>
               <a:spcPct val="35000"/>
             </a:spcAft>
-            <a:buNone/>
           </a:pPr>
           <a:endParaRPr lang="zh-CN" altLang="en-US" sz="800" kern="1200"/>
         </a:p>
@@ -22475,7 +23989,7 @@
         </a:bodyPr>
         <a:lstStyle/>
         <a:p>
-          <a:pPr marL="0" lvl="0" indent="0" algn="ctr" defTabSz="444500">
+          <a:pPr lvl="0" algn="ctr" defTabSz="444500">
             <a:lnSpc>
               <a:spcPct val="90000"/>
             </a:lnSpc>
@@ -22485,7 +23999,6 @@
             <a:spcAft>
               <a:spcPct val="35000"/>
             </a:spcAft>
-            <a:buNone/>
           </a:pPr>
           <a:r>
             <a:rPr lang="zh-CN" altLang="en-US" sz="1000" kern="1200" dirty="0"/>
@@ -22548,7 +24061,7 @@
         </a:bodyPr>
         <a:lstStyle/>
         <a:p>
-          <a:pPr marL="0" lvl="0" indent="0" algn="ctr" defTabSz="355600">
+          <a:pPr lvl="0" algn="ctr" defTabSz="355600">
             <a:lnSpc>
               <a:spcPct val="90000"/>
             </a:lnSpc>
@@ -22558,7 +24071,6 @@
             <a:spcAft>
               <a:spcPct val="35000"/>
             </a:spcAft>
-            <a:buNone/>
           </a:pPr>
           <a:endParaRPr lang="zh-CN" altLang="en-US" sz="800" kern="1200"/>
         </a:p>
@@ -22622,7 +24134,7 @@
         </a:bodyPr>
         <a:lstStyle/>
         <a:p>
-          <a:pPr marL="0" lvl="0" indent="0" algn="ctr" defTabSz="444500">
+          <a:pPr lvl="0" algn="ctr" defTabSz="444500">
             <a:lnSpc>
               <a:spcPct val="90000"/>
             </a:lnSpc>
@@ -22632,7 +24144,6 @@
             <a:spcAft>
               <a:spcPct val="35000"/>
             </a:spcAft>
-            <a:buNone/>
           </a:pPr>
           <a:r>
             <a:rPr lang="zh-CN" altLang="en-US" sz="1000" kern="1200" dirty="0"/>
@@ -22695,7 +24206,7 @@
         </a:bodyPr>
         <a:lstStyle/>
         <a:p>
-          <a:pPr marL="0" lvl="0" indent="0" algn="ctr" defTabSz="355600">
+          <a:pPr lvl="0" algn="ctr" defTabSz="355600">
             <a:lnSpc>
               <a:spcPct val="90000"/>
             </a:lnSpc>
@@ -22705,7 +24216,6 @@
             <a:spcAft>
               <a:spcPct val="35000"/>
             </a:spcAft>
-            <a:buNone/>
           </a:pPr>
           <a:endParaRPr lang="zh-CN" altLang="en-US" sz="800" kern="1200"/>
         </a:p>
@@ -22769,7 +24279,7 @@
         </a:bodyPr>
         <a:lstStyle/>
         <a:p>
-          <a:pPr marL="0" lvl="0" indent="0" algn="ctr" defTabSz="444500">
+          <a:pPr lvl="0" algn="ctr" defTabSz="444500">
             <a:lnSpc>
               <a:spcPct val="90000"/>
             </a:lnSpc>
@@ -22779,7 +24289,6 @@
             <a:spcAft>
               <a:spcPct val="35000"/>
             </a:spcAft>
-            <a:buNone/>
           </a:pPr>
           <a:r>
             <a:rPr lang="zh-CN" altLang="en-US" sz="1000" kern="1200" dirty="0"/>
@@ -22842,7 +24351,7 @@
         </a:bodyPr>
         <a:lstStyle/>
         <a:p>
-          <a:pPr marL="0" lvl="0" indent="0" algn="ctr" defTabSz="355600">
+          <a:pPr lvl="0" algn="ctr" defTabSz="355600">
             <a:lnSpc>
               <a:spcPct val="90000"/>
             </a:lnSpc>
@@ -22852,7 +24361,6 @@
             <a:spcAft>
               <a:spcPct val="35000"/>
             </a:spcAft>
-            <a:buNone/>
           </a:pPr>
           <a:endParaRPr lang="zh-CN" altLang="en-US" sz="800" kern="1200"/>
         </a:p>
@@ -22923,7 +24431,7 @@
         </a:bodyPr>
         <a:lstStyle/>
         <a:p>
-          <a:pPr marL="0" lvl="0" indent="0" algn="ctr" defTabSz="622300">
+          <a:pPr lvl="0" algn="ctr" defTabSz="622300">
             <a:lnSpc>
               <a:spcPct val="90000"/>
             </a:lnSpc>
@@ -22933,7 +24441,6 @@
             <a:spcAft>
               <a:spcPct val="35000"/>
             </a:spcAft>
-            <a:buNone/>
           </a:pPr>
           <a:r>
             <a:rPr lang="zh-CN" altLang="en-US" sz="1400" kern="1200" dirty="0"/>
@@ -22996,7 +24503,7 @@
         </a:bodyPr>
         <a:lstStyle/>
         <a:p>
-          <a:pPr marL="0" lvl="0" indent="0" algn="ctr" defTabSz="488950">
+          <a:pPr lvl="0" algn="ctr" defTabSz="488950">
             <a:lnSpc>
               <a:spcPct val="90000"/>
             </a:lnSpc>
@@ -23006,7 +24513,6 @@
             <a:spcAft>
               <a:spcPct val="35000"/>
             </a:spcAft>
-            <a:buNone/>
           </a:pPr>
           <a:endParaRPr lang="zh-CN" altLang="en-US" sz="1100" kern="1200"/>
         </a:p>
@@ -23065,7 +24571,7 @@
         </a:bodyPr>
         <a:lstStyle/>
         <a:p>
-          <a:pPr marL="0" lvl="0" indent="0" algn="ctr" defTabSz="622300">
+          <a:pPr lvl="0" algn="ctr" defTabSz="622300">
             <a:lnSpc>
               <a:spcPct val="90000"/>
             </a:lnSpc>
@@ -23075,7 +24581,6 @@
             <a:spcAft>
               <a:spcPct val="35000"/>
             </a:spcAft>
-            <a:buNone/>
           </a:pPr>
           <a:r>
             <a:rPr lang="zh-CN" altLang="en-US" sz="1400" kern="1200" dirty="0"/>
@@ -23138,7 +24643,7 @@
         </a:bodyPr>
         <a:lstStyle/>
         <a:p>
-          <a:pPr marL="0" lvl="0" indent="0" algn="ctr" defTabSz="488950">
+          <a:pPr lvl="0" algn="ctr" defTabSz="488950">
             <a:lnSpc>
               <a:spcPct val="90000"/>
             </a:lnSpc>
@@ -23148,7 +24653,6 @@
             <a:spcAft>
               <a:spcPct val="35000"/>
             </a:spcAft>
-            <a:buNone/>
           </a:pPr>
           <a:endParaRPr lang="zh-CN" altLang="en-US" sz="1100" kern="1200"/>
         </a:p>
@@ -23210,7 +24714,7 @@
         </a:bodyPr>
         <a:lstStyle/>
         <a:p>
-          <a:pPr marL="0" lvl="0" indent="0" algn="ctr" defTabSz="622300">
+          <a:pPr lvl="0" algn="ctr" defTabSz="622300">
             <a:lnSpc>
               <a:spcPct val="90000"/>
             </a:lnSpc>
@@ -23220,7 +24724,6 @@
             <a:spcAft>
               <a:spcPct val="35000"/>
             </a:spcAft>
-            <a:buNone/>
           </a:pPr>
           <a:r>
             <a:rPr lang="zh-CN" altLang="en-US" sz="1400" kern="1200" dirty="0"/>
@@ -23283,7 +24786,7 @@
         </a:bodyPr>
         <a:lstStyle/>
         <a:p>
-          <a:pPr marL="0" lvl="0" indent="0" algn="ctr" defTabSz="488950">
+          <a:pPr lvl="0" algn="ctr" defTabSz="488950">
             <a:lnSpc>
               <a:spcPct val="90000"/>
             </a:lnSpc>
@@ -23293,7 +24796,6 @@
             <a:spcAft>
               <a:spcPct val="35000"/>
             </a:spcAft>
-            <a:buNone/>
           </a:pPr>
           <a:endParaRPr lang="zh-CN" altLang="en-US" sz="1100" kern="1200"/>
         </a:p>
@@ -23355,7 +24857,7 @@
         </a:bodyPr>
         <a:lstStyle/>
         <a:p>
-          <a:pPr marL="0" lvl="0" indent="0" algn="ctr" defTabSz="622300">
+          <a:pPr lvl="0" algn="ctr" defTabSz="622300">
             <a:lnSpc>
               <a:spcPct val="90000"/>
             </a:lnSpc>
@@ -23365,7 +24867,6 @@
             <a:spcAft>
               <a:spcPct val="35000"/>
             </a:spcAft>
-            <a:buNone/>
           </a:pPr>
           <a:r>
             <a:rPr lang="zh-CN" altLang="en-US" sz="1400" kern="1200" dirty="0"/>
@@ -23428,7 +24929,7 @@
         </a:bodyPr>
         <a:lstStyle/>
         <a:p>
-          <a:pPr marL="0" lvl="0" indent="0" algn="ctr" defTabSz="488950">
+          <a:pPr lvl="0" algn="ctr" defTabSz="488950">
             <a:lnSpc>
               <a:spcPct val="90000"/>
             </a:lnSpc>
@@ -23438,7 +24939,6 @@
             <a:spcAft>
               <a:spcPct val="35000"/>
             </a:spcAft>
-            <a:buNone/>
           </a:pPr>
           <a:endParaRPr lang="zh-CN" altLang="en-US" sz="1100" kern="1200" dirty="0"/>
         </a:p>
@@ -23500,7 +25000,7 @@
         </a:bodyPr>
         <a:lstStyle/>
         <a:p>
-          <a:pPr marL="0" lvl="0" indent="0" algn="ctr" defTabSz="622300">
+          <a:pPr lvl="0" algn="ctr" defTabSz="622300">
             <a:lnSpc>
               <a:spcPct val="90000"/>
             </a:lnSpc>
@@ -23510,7 +25010,6 @@
             <a:spcAft>
               <a:spcPct val="35000"/>
             </a:spcAft>
-            <a:buNone/>
           </a:pPr>
           <a:r>
             <a:rPr lang="zh-CN" altLang="en-US" sz="1400" kern="1200" dirty="0"/>
@@ -23573,7 +25072,7 @@
         </a:bodyPr>
         <a:lstStyle/>
         <a:p>
-          <a:pPr marL="0" lvl="0" indent="0" algn="ctr" defTabSz="488950">
+          <a:pPr lvl="0" algn="ctr" defTabSz="488950">
             <a:lnSpc>
               <a:spcPct val="90000"/>
             </a:lnSpc>
@@ -23583,7 +25082,6 @@
             <a:spcAft>
               <a:spcPct val="35000"/>
             </a:spcAft>
-            <a:buNone/>
           </a:pPr>
           <a:endParaRPr lang="zh-CN" altLang="en-US" sz="1100" kern="1200"/>
         </a:p>
@@ -23642,7 +25140,7 @@
         </a:bodyPr>
         <a:lstStyle/>
         <a:p>
-          <a:pPr marL="0" lvl="0" indent="0" algn="ctr" defTabSz="622300">
+          <a:pPr lvl="0" algn="ctr" defTabSz="622300">
             <a:lnSpc>
               <a:spcPct val="90000"/>
             </a:lnSpc>
@@ -23652,7 +25150,6 @@
             <a:spcAft>
               <a:spcPct val="35000"/>
             </a:spcAft>
-            <a:buNone/>
           </a:pPr>
           <a:r>
             <a:rPr lang="zh-CN" altLang="en-US" sz="1400" kern="1200" dirty="0"/>
@@ -23715,7 +25212,7 @@
         </a:bodyPr>
         <a:lstStyle/>
         <a:p>
-          <a:pPr marL="0" lvl="0" indent="0" algn="ctr" defTabSz="488950">
+          <a:pPr lvl="0" algn="ctr" defTabSz="488950">
             <a:lnSpc>
               <a:spcPct val="90000"/>
             </a:lnSpc>
@@ -23725,7 +25222,6 @@
             <a:spcAft>
               <a:spcPct val="35000"/>
             </a:spcAft>
-            <a:buNone/>
           </a:pPr>
           <a:endParaRPr lang="zh-CN" altLang="en-US" sz="1100" kern="1200"/>
         </a:p>
@@ -23787,7 +25283,7 @@
         </a:bodyPr>
         <a:lstStyle/>
         <a:p>
-          <a:pPr marL="0" lvl="0" indent="0" algn="ctr" defTabSz="622300">
+          <a:pPr lvl="0" algn="ctr" defTabSz="622300">
             <a:lnSpc>
               <a:spcPct val="90000"/>
             </a:lnSpc>
@@ -23797,7 +25293,6 @@
             <a:spcAft>
               <a:spcPct val="35000"/>
             </a:spcAft>
-            <a:buNone/>
           </a:pPr>
           <a:r>
             <a:rPr lang="en-US" altLang="zh-CN" sz="1400" kern="1200" dirty="0"/>
@@ -23864,7 +25359,7 @@
         </a:bodyPr>
         <a:lstStyle/>
         <a:p>
-          <a:pPr marL="0" lvl="0" indent="0" algn="ctr" defTabSz="488950">
+          <a:pPr lvl="0" algn="ctr" defTabSz="488950">
             <a:lnSpc>
               <a:spcPct val="90000"/>
             </a:lnSpc>
@@ -23874,7 +25369,6 @@
             <a:spcAft>
               <a:spcPct val="35000"/>
             </a:spcAft>
-            <a:buNone/>
           </a:pPr>
           <a:endParaRPr lang="zh-CN" altLang="en-US" sz="1100" kern="1200"/>
         </a:p>
@@ -23933,7 +25427,7 @@
         </a:bodyPr>
         <a:lstStyle/>
         <a:p>
-          <a:pPr marL="0" lvl="0" indent="0" algn="ctr" defTabSz="622300">
+          <a:pPr lvl="0" algn="ctr" defTabSz="622300">
             <a:lnSpc>
               <a:spcPct val="90000"/>
             </a:lnSpc>
@@ -23943,7 +25437,6 @@
             <a:spcAft>
               <a:spcPct val="35000"/>
             </a:spcAft>
-            <a:buNone/>
           </a:pPr>
           <a:r>
             <a:rPr lang="zh-CN" altLang="en-US" sz="1400" kern="1200" dirty="0"/>
@@ -23952,7 +25445,7 @@
           <a:endParaRPr lang="en-US" altLang="zh-CN" sz="1400" kern="1200" dirty="0"/>
         </a:p>
         <a:p>
-          <a:pPr marL="0" lvl="0" indent="0" algn="ctr" defTabSz="622300">
+          <a:pPr lvl="0" algn="ctr" defTabSz="622300">
             <a:lnSpc>
               <a:spcPct val="90000"/>
             </a:lnSpc>
@@ -23962,7 +25455,6 @@
             <a:spcAft>
               <a:spcPct val="35000"/>
             </a:spcAft>
-            <a:buNone/>
           </a:pPr>
           <a:r>
             <a:rPr lang="en-US" altLang="zh-CN" sz="1400" kern="1200" dirty="0"/>
@@ -24026,7 +25518,7 @@
         </a:bodyPr>
         <a:lstStyle/>
         <a:p>
-          <a:pPr marL="0" lvl="0" indent="0" algn="ctr" defTabSz="488950">
+          <a:pPr lvl="0" algn="ctr" defTabSz="488950">
             <a:lnSpc>
               <a:spcPct val="90000"/>
             </a:lnSpc>
@@ -24036,7 +25528,6 @@
             <a:spcAft>
               <a:spcPct val="35000"/>
             </a:spcAft>
-            <a:buNone/>
           </a:pPr>
           <a:endParaRPr lang="zh-CN" altLang="en-US" sz="1100" kern="1200"/>
         </a:p>
@@ -24098,7 +25589,7 @@
         </a:bodyPr>
         <a:lstStyle/>
         <a:p>
-          <a:pPr marL="0" lvl="0" indent="0" algn="ctr" defTabSz="622300">
+          <a:pPr lvl="0" algn="ctr" defTabSz="622300">
             <a:lnSpc>
               <a:spcPct val="90000"/>
             </a:lnSpc>
@@ -24108,7 +25599,6 @@
             <a:spcAft>
               <a:spcPct val="35000"/>
             </a:spcAft>
-            <a:buNone/>
           </a:pPr>
           <a:r>
             <a:rPr lang="en-US" altLang="zh-CN" sz="1400" kern="1200" dirty="0"/>
@@ -24175,7 +25665,7 @@
         </a:bodyPr>
         <a:lstStyle/>
         <a:p>
-          <a:pPr marL="0" lvl="0" indent="0" algn="ctr" defTabSz="488950">
+          <a:pPr lvl="0" algn="ctr" defTabSz="488950">
             <a:lnSpc>
               <a:spcPct val="90000"/>
             </a:lnSpc>
@@ -24185,7 +25675,6 @@
             <a:spcAft>
               <a:spcPct val="35000"/>
             </a:spcAft>
-            <a:buNone/>
           </a:pPr>
           <a:endParaRPr lang="zh-CN" altLang="en-US" sz="1100" kern="1200"/>
         </a:p>
@@ -24244,7 +25733,7 @@
         </a:bodyPr>
         <a:lstStyle/>
         <a:p>
-          <a:pPr marL="0" lvl="0" indent="0" algn="ctr" defTabSz="622300">
+          <a:pPr lvl="0" algn="ctr" defTabSz="622300">
             <a:lnSpc>
               <a:spcPct val="90000"/>
             </a:lnSpc>
@@ -24254,7 +25743,6 @@
             <a:spcAft>
               <a:spcPct val="35000"/>
             </a:spcAft>
-            <a:buNone/>
           </a:pPr>
           <a:r>
             <a:rPr lang="en-US" altLang="zh-CN" sz="1400" kern="1200" dirty="0"/>
@@ -24321,7 +25809,7 @@
         </a:bodyPr>
         <a:lstStyle/>
         <a:p>
-          <a:pPr marL="0" lvl="0" indent="0" algn="ctr" defTabSz="488950">
+          <a:pPr lvl="0" algn="ctr" defTabSz="488950">
             <a:lnSpc>
               <a:spcPct val="90000"/>
             </a:lnSpc>
@@ -24331,7 +25819,6 @@
             <a:spcAft>
               <a:spcPct val="35000"/>
             </a:spcAft>
-            <a:buNone/>
           </a:pPr>
           <a:endParaRPr lang="zh-CN" altLang="en-US" sz="1100" kern="1200"/>
         </a:p>
@@ -38454,7 +39941,7 @@
           <a:p>
             <a:fld id="{9C81AB6C-84F9-4844-9E0B-144C6F767AC3}" type="slidenum">
               <a:rPr lang="zh-CN" altLang="en-US" smtClean="0"/>
-              <a:t>4</a:t>
+              <a:t>5</a:t>
             </a:fld>
             <a:endParaRPr lang="zh-CN" altLang="en-US"/>
           </a:p>
@@ -38463,7 +39950,7 @@
     </p:spTree>
     <p:extLst>
       <p:ext uri="{BB962C8B-B14F-4D97-AF65-F5344CB8AC3E}">
-        <p14:creationId xmlns:p14="http://schemas.microsoft.com/office/powerpoint/2010/main" val="4087723422"/>
+        <p14:creationId xmlns:p14="http://schemas.microsoft.com/office/powerpoint/2010/main" val="2457744068"/>
       </p:ext>
     </p:extLst>
   </p:cSld>
@@ -38538,7 +40025,7 @@
           <a:p>
             <a:fld id="{9C81AB6C-84F9-4844-9E0B-144C6F767AC3}" type="slidenum">
               <a:rPr lang="zh-CN" altLang="en-US" smtClean="0"/>
-              <a:t>6</a:t>
+              <a:t>17</a:t>
             </a:fld>
             <a:endParaRPr lang="zh-CN" altLang="en-US"/>
           </a:p>
@@ -38547,7 +40034,7 @@
     </p:spTree>
     <p:extLst>
       <p:ext uri="{BB962C8B-B14F-4D97-AF65-F5344CB8AC3E}">
-        <p14:creationId xmlns:p14="http://schemas.microsoft.com/office/powerpoint/2010/main" val="2457744068"/>
+        <p14:creationId xmlns:p14="http://schemas.microsoft.com/office/powerpoint/2010/main" val="2231627982"/>
       </p:ext>
     </p:extLst>
   </p:cSld>
@@ -38622,7 +40109,7 @@
           <a:p>
             <a:fld id="{9C81AB6C-84F9-4844-9E0B-144C6F767AC3}" type="slidenum">
               <a:rPr lang="zh-CN" altLang="en-US" smtClean="0"/>
-              <a:t>15</a:t>
+              <a:t>18</a:t>
             </a:fld>
             <a:endParaRPr lang="zh-CN" altLang="en-US"/>
           </a:p>
@@ -38631,7 +40118,7 @@
     </p:spTree>
     <p:extLst>
       <p:ext uri="{BB962C8B-B14F-4D97-AF65-F5344CB8AC3E}">
-        <p14:creationId xmlns:p14="http://schemas.microsoft.com/office/powerpoint/2010/main" val="2231627982"/>
+        <p14:creationId xmlns:p14="http://schemas.microsoft.com/office/powerpoint/2010/main" val="701130043"/>
       </p:ext>
     </p:extLst>
   </p:cSld>
@@ -38706,7 +40193,7 @@
           <a:p>
             <a:fld id="{9C81AB6C-84F9-4844-9E0B-144C6F767AC3}" type="slidenum">
               <a:rPr lang="zh-CN" altLang="en-US" smtClean="0"/>
-              <a:t>16</a:t>
+              <a:t>19</a:t>
             </a:fld>
             <a:endParaRPr lang="zh-CN" altLang="en-US"/>
           </a:p>
@@ -38715,91 +40202,7 @@
     </p:spTree>
     <p:extLst>
       <p:ext uri="{BB962C8B-B14F-4D97-AF65-F5344CB8AC3E}">
-        <p14:creationId xmlns:p14="http://schemas.microsoft.com/office/powerpoint/2010/main" val="701130043"/>
-      </p:ext>
-    </p:extLst>
-  </p:cSld>
-  <p:clrMapOvr>
-    <a:masterClrMapping/>
-  </p:clrMapOvr>
-</p:notes>
-</file>
-
-<file path=ppt/notesSlides/notesSlide5.xml><?xml version="1.0" encoding="utf-8"?>
-<p:notes xmlns:a="http://schemas.openxmlformats.org/drawingml/2006/main" xmlns:r="http://schemas.openxmlformats.org/officeDocument/2006/relationships" xmlns:p="http://schemas.openxmlformats.org/presentationml/2006/main">
-  <p:cSld>
-    <p:spTree>
-      <p:nvGrpSpPr>
-        <p:cNvPr id="1" name=""/>
-        <p:cNvGrpSpPr/>
-        <p:nvPr/>
-      </p:nvGrpSpPr>
-      <p:grpSpPr>
-        <a:xfrm>
-          <a:off x="0" y="0"/>
-          <a:ext cx="0" cy="0"/>
-          <a:chOff x="0" y="0"/>
-          <a:chExt cx="0" cy="0"/>
-        </a:xfrm>
-      </p:grpSpPr>
-      <p:sp>
-        <p:nvSpPr>
-          <p:cNvPr id="2" name="幻灯片图像占位符 1"/>
-          <p:cNvSpPr>
-            <a:spLocks noGrp="1" noRot="1" noChangeAspect="1"/>
-          </p:cNvSpPr>
-          <p:nvPr>
-            <p:ph type="sldImg"/>
-          </p:nvPr>
-        </p:nvSpPr>
-        <p:spPr/>
-      </p:sp>
-      <p:sp>
-        <p:nvSpPr>
-          <p:cNvPr id="3" name="备注占位符 2"/>
-          <p:cNvSpPr>
-            <a:spLocks noGrp="1"/>
-          </p:cNvSpPr>
-          <p:nvPr>
-            <p:ph type="body" idx="1"/>
-          </p:nvPr>
-        </p:nvSpPr>
-        <p:spPr/>
-        <p:txBody>
-          <a:bodyPr/>
-          <a:lstStyle/>
-          <a:p>
-            <a:endParaRPr lang="zh-CN" altLang="en-US" dirty="0"/>
-          </a:p>
-        </p:txBody>
-      </p:sp>
-      <p:sp>
-        <p:nvSpPr>
-          <p:cNvPr id="4" name="灯片编号占位符 3"/>
-          <p:cNvSpPr>
-            <a:spLocks noGrp="1"/>
-          </p:cNvSpPr>
-          <p:nvPr>
-            <p:ph type="sldNum" sz="quarter" idx="10"/>
-          </p:nvPr>
-        </p:nvSpPr>
-        <p:spPr/>
-        <p:txBody>
-          <a:bodyPr/>
-          <a:lstStyle/>
-          <a:p>
-            <a:fld id="{9C81AB6C-84F9-4844-9E0B-144C6F767AC3}" type="slidenum">
-              <a:rPr lang="zh-CN" altLang="en-US" smtClean="0"/>
-              <a:t>17</a:t>
-            </a:fld>
-            <a:endParaRPr lang="zh-CN" altLang="en-US"/>
-          </a:p>
-        </p:txBody>
-      </p:sp>
-    </p:spTree>
-    <p:extLst>
-      <p:ext uri="{BB962C8B-B14F-4D97-AF65-F5344CB8AC3E}">
-        <p14:creationId xmlns:p14="http://schemas.microsoft.com/office/powerpoint/2010/main" val="2666111407"/>
+        <p14:creationId xmlns:p14="http://schemas.microsoft.com/office/powerpoint/2010/main" val="4087723422"/>
       </p:ext>
     </p:extLst>
   </p:cSld>
@@ -42213,128 +43616,20 @@
   <p:clrMapOvr>
     <a:masterClrMapping/>
   </p:clrMapOvr>
+  <p:transition>
+    <p:fade/>
+  </p:transition>
+  <p:timing>
+    <p:tnLst>
+      <p:par>
+        <p:cTn id="1" dur="indefinite" restart="never" nodeType="tmRoot"/>
+      </p:par>
+    </p:tnLst>
+  </p:timing>
 </p:sld>
 </file>
 
 <file path=ppt/slides/slide10.xml><?xml version="1.0" encoding="utf-8"?>
-<p:sld xmlns:a="http://schemas.openxmlformats.org/drawingml/2006/main" xmlns:r="http://schemas.openxmlformats.org/officeDocument/2006/relationships" xmlns:p="http://schemas.openxmlformats.org/presentationml/2006/main">
-  <p:cSld>
-    <p:spTree>
-      <p:nvGrpSpPr>
-        <p:cNvPr id="1" name=""/>
-        <p:cNvGrpSpPr/>
-        <p:nvPr/>
-      </p:nvGrpSpPr>
-      <p:grpSpPr>
-        <a:xfrm>
-          <a:off x="0" y="0"/>
-          <a:ext cx="0" cy="0"/>
-          <a:chOff x="0" y="0"/>
-          <a:chExt cx="0" cy="0"/>
-        </a:xfrm>
-      </p:grpSpPr>
-      <p:graphicFrame>
-        <p:nvGraphicFramePr>
-          <p:cNvPr id="4" name="内容占位符 5">
-            <a:extLst>
-              <a:ext uri="{FF2B5EF4-FFF2-40B4-BE49-F238E27FC236}">
-                <a16:creationId xmlns:a16="http://schemas.microsoft.com/office/drawing/2014/main" id="{1F86C110-D3CE-41FC-99CD-0F3749FAD882}"/>
-              </a:ext>
-            </a:extLst>
-          </p:cNvPr>
-          <p:cNvGraphicFramePr>
-            <a:graphicFrameLocks/>
-          </p:cNvGraphicFramePr>
-          <p:nvPr>
-            <p:extLst>
-              <p:ext uri="{D42A27DB-BD31-4B8C-83A1-F6EECF244321}">
-                <p14:modId xmlns:p14="http://schemas.microsoft.com/office/powerpoint/2010/main" val="4040160712"/>
-              </p:ext>
-            </p:extLst>
-          </p:nvPr>
-        </p:nvGraphicFramePr>
-        <p:xfrm>
-          <a:off x="1481340" y="294828"/>
-          <a:ext cx="6946689" cy="6268344"/>
-        </p:xfrm>
-        <a:graphic>
-          <a:graphicData uri="http://schemas.openxmlformats.org/drawingml/2006/diagram">
-            <dgm:relIds xmlns:dgm="http://schemas.openxmlformats.org/drawingml/2006/diagram" xmlns:r="http://schemas.openxmlformats.org/officeDocument/2006/relationships" r:dm="rId2" r:lo="rId3" r:qs="rId4" r:cs="rId5"/>
-          </a:graphicData>
-        </a:graphic>
-      </p:graphicFrame>
-      <p:graphicFrame>
-        <p:nvGraphicFramePr>
-          <p:cNvPr id="6" name="内容占位符 8">
-            <a:extLst>
-              <a:ext uri="{FF2B5EF4-FFF2-40B4-BE49-F238E27FC236}">
-                <a16:creationId xmlns:a16="http://schemas.microsoft.com/office/drawing/2014/main" id="{387F4BFC-0D9C-43FC-BC2B-A10BEF297694}"/>
-              </a:ext>
-            </a:extLst>
-          </p:cNvPr>
-          <p:cNvGraphicFramePr>
-            <a:graphicFrameLocks/>
-          </p:cNvGraphicFramePr>
-          <p:nvPr>
-            <p:extLst>
-              <p:ext uri="{D42A27DB-BD31-4B8C-83A1-F6EECF244321}">
-                <p14:modId xmlns:p14="http://schemas.microsoft.com/office/powerpoint/2010/main" val="3235878553"/>
-              </p:ext>
-            </p:extLst>
-          </p:nvPr>
-        </p:nvGraphicFramePr>
-        <p:xfrm>
-          <a:off x="2113880" y="1024656"/>
-          <a:ext cx="5681611" cy="4541178"/>
-        </p:xfrm>
-        <a:graphic>
-          <a:graphicData uri="http://schemas.openxmlformats.org/drawingml/2006/diagram">
-            <dgm:relIds xmlns:dgm="http://schemas.openxmlformats.org/drawingml/2006/diagram" xmlns:r="http://schemas.openxmlformats.org/officeDocument/2006/relationships" r:dm="rId7" r:lo="rId8" r:qs="rId9" r:cs="rId10"/>
-          </a:graphicData>
-        </a:graphic>
-      </p:graphicFrame>
-      <p:graphicFrame>
-        <p:nvGraphicFramePr>
-          <p:cNvPr id="5" name="图示 4">
-            <a:extLst>
-              <a:ext uri="{FF2B5EF4-FFF2-40B4-BE49-F238E27FC236}">
-                <a16:creationId xmlns:a16="http://schemas.microsoft.com/office/drawing/2014/main" id="{8870E91D-1CBF-4F89-AA59-5A2C30313370}"/>
-              </a:ext>
-            </a:extLst>
-          </p:cNvPr>
-          <p:cNvGraphicFramePr/>
-          <p:nvPr>
-            <p:extLst>
-              <p:ext uri="{D42A27DB-BD31-4B8C-83A1-F6EECF244321}">
-                <p14:modId xmlns:p14="http://schemas.microsoft.com/office/powerpoint/2010/main" val="3247900088"/>
-              </p:ext>
-            </p:extLst>
-          </p:nvPr>
-        </p:nvGraphicFramePr>
-        <p:xfrm>
-          <a:off x="3810430" y="2056435"/>
-          <a:ext cx="2629489" cy="2556244"/>
-        </p:xfrm>
-        <a:graphic>
-          <a:graphicData uri="http://schemas.openxmlformats.org/drawingml/2006/diagram">
-            <dgm:relIds xmlns:dgm="http://schemas.openxmlformats.org/drawingml/2006/diagram" xmlns:r="http://schemas.openxmlformats.org/officeDocument/2006/relationships" r:dm="rId12" r:lo="rId13" r:qs="rId14" r:cs="rId15"/>
-          </a:graphicData>
-        </a:graphic>
-      </p:graphicFrame>
-    </p:spTree>
-    <p:extLst>
-      <p:ext uri="{BB962C8B-B14F-4D97-AF65-F5344CB8AC3E}">
-        <p14:creationId xmlns:p14="http://schemas.microsoft.com/office/powerpoint/2010/main" val="3979991750"/>
-      </p:ext>
-    </p:extLst>
-  </p:cSld>
-  <p:clrMapOvr>
-    <a:masterClrMapping/>
-  </p:clrMapOvr>
-</p:sld>
-</file>
-
-<file path=ppt/slides/slide11.xml><?xml version="1.0" encoding="utf-8"?>
 <p:sld xmlns:a="http://schemas.openxmlformats.org/drawingml/2006/main" xmlns:r="http://schemas.openxmlformats.org/officeDocument/2006/relationships" xmlns:p="http://schemas.openxmlformats.org/presentationml/2006/main">
   <p:cSld>
     <p:spTree>
@@ -42412,7 +43707,7 @@
           <p:nvPr>
             <p:extLst>
               <p:ext uri="{D42A27DB-BD31-4B8C-83A1-F6EECF244321}">
-                <p14:modId xmlns:p14="http://schemas.microsoft.com/office/powerpoint/2010/main" val="3063826393"/>
+                <p14:modId xmlns:p14="http://schemas.microsoft.com/office/powerpoint/2010/main" val="3018132064"/>
               </p:ext>
             </p:extLst>
           </p:nvPr>
@@ -42437,6 +43732,130 @@
   <p:clrMapOvr>
     <a:masterClrMapping/>
   </p:clrMapOvr>
+  <p:transition>
+    <p:fade/>
+  </p:transition>
+  <p:timing>
+    <p:tnLst>
+      <p:par>
+        <p:cTn id="1" dur="indefinite" restart="never" nodeType="tmRoot"/>
+      </p:par>
+    </p:tnLst>
+  </p:timing>
+</p:sld>
+</file>
+
+<file path=ppt/slides/slide11.xml><?xml version="1.0" encoding="utf-8"?>
+<p:sld xmlns:a="http://schemas.openxmlformats.org/drawingml/2006/main" xmlns:r="http://schemas.openxmlformats.org/officeDocument/2006/relationships" xmlns:p="http://schemas.openxmlformats.org/presentationml/2006/main">
+  <p:cSld>
+    <p:spTree>
+      <p:nvGrpSpPr>
+        <p:cNvPr id="1" name=""/>
+        <p:cNvGrpSpPr/>
+        <p:nvPr/>
+      </p:nvGrpSpPr>
+      <p:grpSpPr>
+        <a:xfrm>
+          <a:off x="0" y="0"/>
+          <a:ext cx="0" cy="0"/>
+          <a:chOff x="0" y="0"/>
+          <a:chExt cx="0" cy="0"/>
+        </a:xfrm>
+      </p:grpSpPr>
+      <p:sp>
+        <p:nvSpPr>
+          <p:cNvPr id="2" name="标题 1"/>
+          <p:cNvSpPr>
+            <a:spLocks noGrp="1"/>
+          </p:cNvSpPr>
+          <p:nvPr>
+            <p:ph type="title"/>
+          </p:nvPr>
+        </p:nvSpPr>
+        <p:spPr/>
+        <p:txBody>
+          <a:bodyPr/>
+          <a:lstStyle/>
+          <a:p>
+            <a:r>
+              <a:rPr lang="zh-CN" altLang="en-US" dirty="0" smtClean="0"/>
+              <a:t>产品发展具有客观规律</a:t>
+            </a:r>
+            <a:endParaRPr lang="zh-CN" altLang="en-US" dirty="0"/>
+          </a:p>
+        </p:txBody>
+      </p:sp>
+      <p:sp>
+        <p:nvSpPr>
+          <p:cNvPr id="3" name="内容占位符 2"/>
+          <p:cNvSpPr>
+            <a:spLocks noGrp="1"/>
+          </p:cNvSpPr>
+          <p:nvPr>
+            <p:ph idx="1"/>
+          </p:nvPr>
+        </p:nvSpPr>
+        <p:spPr/>
+        <p:txBody>
+          <a:bodyPr/>
+          <a:lstStyle/>
+          <a:p>
+            <a:r>
+              <a:rPr lang="zh-CN" altLang="en-US" dirty="0" smtClean="0"/>
+              <a:t>规模效应</a:t>
+            </a:r>
+            <a:endParaRPr lang="en-US" altLang="zh-CN" dirty="0" smtClean="0"/>
+          </a:p>
+          <a:p>
+            <a:r>
+              <a:rPr lang="zh-CN" altLang="en-US" dirty="0" smtClean="0"/>
+              <a:t>创新扩散理论</a:t>
+            </a:r>
+            <a:endParaRPr lang="en-US" altLang="zh-CN" dirty="0" smtClean="0"/>
+          </a:p>
+          <a:p>
+            <a:r>
+              <a:rPr lang="zh-CN" altLang="en-US" dirty="0" smtClean="0"/>
+              <a:t>目标导向</a:t>
+            </a:r>
+            <a:endParaRPr lang="en-US" altLang="zh-CN" dirty="0" smtClean="0"/>
+          </a:p>
+          <a:p>
+            <a:r>
+              <a:rPr lang="en-US" altLang="zh-CN" dirty="0" smtClean="0"/>
+              <a:t>Heart</a:t>
+            </a:r>
+            <a:r>
+              <a:rPr lang="zh-CN" altLang="en-US" dirty="0" smtClean="0"/>
+              <a:t>模型</a:t>
+            </a:r>
+            <a:endParaRPr lang="en-US" altLang="zh-CN" dirty="0" smtClean="0"/>
+          </a:p>
+          <a:p>
+            <a:endParaRPr lang="zh-CN" altLang="en-US" dirty="0"/>
+          </a:p>
+        </p:txBody>
+      </p:sp>
+    </p:spTree>
+    <p:extLst>
+      <p:ext uri="{BB962C8B-B14F-4D97-AF65-F5344CB8AC3E}">
+        <p14:creationId xmlns:p14="http://schemas.microsoft.com/office/powerpoint/2010/main" val="3900979524"/>
+      </p:ext>
+    </p:extLst>
+  </p:cSld>
+  <p:clrMapOvr>
+    <a:masterClrMapping/>
+  </p:clrMapOvr>
+  <p:transition>
+    <p:fade/>
+  </p:transition>
+  <p:timing>
+    <p:tnLst>
+      <p:par>
+        <p:cTn id="1" dur="indefinite" restart="never" nodeType="tmRoot"/>
+      </p:par>
+    </p:tnLst>
+  </p:timing>
 </p:sld>
 </file>
 
@@ -42605,6 +44024,16 @@
   <p:clrMapOvr>
     <a:masterClrMapping/>
   </p:clrMapOvr>
+  <p:transition>
+    <p:fade/>
+  </p:transition>
+  <p:timing>
+    <p:tnLst>
+      <p:par>
+        <p:cTn id="1" dur="indefinite" restart="never" nodeType="tmRoot"/>
+      </p:par>
+    </p:tnLst>
+  </p:timing>
 </p:sld>
 </file>
 
@@ -42692,9 +44121,10 @@
           <a:lstStyle/>
           <a:p>
             <a:r>
-              <a:rPr lang="zh-CN" altLang="en-US" dirty="0"/>
-              <a:t>产品规律</a:t>
+              <a:rPr lang="zh-CN" altLang="en-US" dirty="0" smtClean="0"/>
+              <a:t>规模效应</a:t>
             </a:r>
+            <a:endParaRPr lang="zh-CN" altLang="en-US" dirty="0"/>
           </a:p>
         </p:txBody>
       </p:sp>
@@ -42852,6 +44282,16 @@
   <p:clrMapOvr>
     <a:masterClrMapping/>
   </p:clrMapOvr>
+  <p:transition>
+    <p:fade/>
+  </p:transition>
+  <p:timing>
+    <p:tnLst>
+      <p:par>
+        <p:cTn id="1" dur="indefinite" restart="never" nodeType="tmRoot"/>
+      </p:par>
+    </p:tnLst>
+  </p:timing>
 </p:sld>
 </file>
 
@@ -42899,9 +44339,14 @@
           <a:lstStyle/>
           <a:p>
             <a:r>
-              <a:rPr lang="zh-CN" altLang="en-US" dirty="0"/>
-              <a:t>产品节奏</a:t>
+              <a:rPr lang="zh-CN" altLang="en-US" dirty="0" smtClean="0"/>
+              <a:t>创新</a:t>
             </a:r>
+            <a:r>
+              <a:rPr lang="zh-CN" altLang="en-US" dirty="0" smtClean="0"/>
+              <a:t>扩散理论看产品</a:t>
+            </a:r>
+            <a:endParaRPr lang="zh-CN" altLang="en-US" dirty="0"/>
           </a:p>
         </p:txBody>
       </p:sp>
@@ -42977,10 +44422,1317 @@
   <p:clrMapOvr>
     <a:masterClrMapping/>
   </p:clrMapOvr>
+  <p:transition>
+    <p:fade/>
+  </p:transition>
+  <p:timing>
+    <p:tnLst>
+      <p:par>
+        <p:cTn id="1" dur="indefinite" restart="never" nodeType="tmRoot"/>
+      </p:par>
+    </p:tnLst>
+  </p:timing>
 </p:sld>
 </file>
 
 <file path=ppt/slides/slide15.xml><?xml version="1.0" encoding="utf-8"?>
+<p:sld xmlns:a="http://schemas.openxmlformats.org/drawingml/2006/main" xmlns:r="http://schemas.openxmlformats.org/officeDocument/2006/relationships" xmlns:p="http://schemas.openxmlformats.org/presentationml/2006/main">
+  <p:cSld>
+    <p:spTree>
+      <p:nvGrpSpPr>
+        <p:cNvPr id="1" name=""/>
+        <p:cNvGrpSpPr/>
+        <p:nvPr/>
+      </p:nvGrpSpPr>
+      <p:grpSpPr>
+        <a:xfrm>
+          <a:off x="0" y="0"/>
+          <a:ext cx="0" cy="0"/>
+          <a:chOff x="0" y="0"/>
+          <a:chExt cx="0" cy="0"/>
+        </a:xfrm>
+      </p:grpSpPr>
+      <p:sp>
+        <p:nvSpPr>
+          <p:cNvPr id="2" name="标题 1"/>
+          <p:cNvSpPr>
+            <a:spLocks noGrp="1"/>
+          </p:cNvSpPr>
+          <p:nvPr>
+            <p:ph type="title"/>
+          </p:nvPr>
+        </p:nvSpPr>
+        <p:spPr/>
+        <p:txBody>
+          <a:bodyPr/>
+          <a:lstStyle/>
+          <a:p>
+            <a:r>
+              <a:rPr lang="zh-CN" altLang="en-US" dirty="0"/>
+              <a:t>产品节奏</a:t>
+            </a:r>
+          </a:p>
+        </p:txBody>
+      </p:sp>
+      <p:sp>
+        <p:nvSpPr>
+          <p:cNvPr id="3" name="内容占位符 2"/>
+          <p:cNvSpPr>
+            <a:spLocks noGrp="1"/>
+          </p:cNvSpPr>
+          <p:nvPr>
+            <p:ph idx="1"/>
+          </p:nvPr>
+        </p:nvSpPr>
+        <p:spPr>
+          <a:xfrm>
+            <a:off x="942109" y="1828800"/>
+            <a:ext cx="10307781" cy="4351337"/>
+          </a:xfrm>
+        </p:spPr>
+        <p:txBody>
+          <a:bodyPr>
+            <a:normAutofit/>
+          </a:bodyPr>
+          <a:lstStyle/>
+          <a:p>
+            <a:r>
+              <a:rPr lang="zh-CN" altLang="en-US" dirty="0">
+                <a:latin typeface="+mn-ea"/>
+              </a:rPr>
+              <a:t>创新</a:t>
+            </a:r>
+            <a:r>
+              <a:rPr lang="zh-CN" altLang="en-US" dirty="0" smtClean="0">
+                <a:latin typeface="+mn-ea"/>
+              </a:rPr>
+              <a:t>者（</a:t>
+            </a:r>
+            <a:r>
+              <a:rPr lang="en-US" altLang="zh-CN" dirty="0" smtClean="0">
+                <a:latin typeface="+mn-ea"/>
+              </a:rPr>
+              <a:t>2.5%</a:t>
+            </a:r>
+            <a:r>
+              <a:rPr lang="zh-CN" altLang="en-US" dirty="0" smtClean="0">
+                <a:latin typeface="+mn-ea"/>
+              </a:rPr>
+              <a:t>）：</a:t>
+            </a:r>
+            <a:endParaRPr lang="en-US" altLang="zh-CN" dirty="0">
+              <a:latin typeface="+mn-ea"/>
+            </a:endParaRPr>
+          </a:p>
+          <a:p>
+            <a:pPr lvl="1"/>
+            <a:r>
+              <a:rPr lang="zh-CN" altLang="en-US" dirty="0">
+                <a:latin typeface="+mn-ea"/>
+              </a:rPr>
+              <a:t>测核心需求：需求真伪，强弱，价格</a:t>
+            </a:r>
+            <a:r>
+              <a:rPr lang="zh-CN" altLang="en-US" dirty="0" smtClean="0">
+                <a:latin typeface="+mn-ea"/>
+              </a:rPr>
+              <a:t>敏感度</a:t>
+            </a:r>
+            <a:r>
+              <a:rPr lang="en-US" altLang="zh-CN" dirty="0" smtClean="0">
+                <a:latin typeface="+mn-ea"/>
+              </a:rPr>
+              <a:t>——</a:t>
+            </a:r>
+            <a:r>
+              <a:rPr lang="zh-CN" altLang="en-US" dirty="0" smtClean="0">
+                <a:latin typeface="+mn-ea"/>
+              </a:rPr>
+              <a:t>判断刚需</a:t>
+            </a:r>
+            <a:endParaRPr lang="en-US" altLang="zh-CN" dirty="0" smtClean="0">
+              <a:latin typeface="+mn-ea"/>
+            </a:endParaRPr>
+          </a:p>
+          <a:p>
+            <a:pPr lvl="1"/>
+            <a:r>
+              <a:rPr lang="zh-CN" altLang="en-US" dirty="0">
+                <a:latin typeface="+mn-ea"/>
+              </a:rPr>
+              <a:t>小而精</a:t>
+            </a:r>
+            <a:r>
+              <a:rPr lang="zh-CN" altLang="en-US" dirty="0" smtClean="0">
+                <a:latin typeface="+mn-ea"/>
+              </a:rPr>
+              <a:t>团队</a:t>
+            </a:r>
+            <a:endParaRPr lang="en-US" altLang="zh-CN" dirty="0" smtClean="0">
+              <a:latin typeface="+mn-ea"/>
+            </a:endParaRPr>
+          </a:p>
+          <a:p>
+            <a:pPr lvl="1"/>
+            <a:r>
+              <a:rPr lang="zh-CN" altLang="en-US" dirty="0" smtClean="0">
+                <a:latin typeface="+mn-ea"/>
+              </a:rPr>
+              <a:t>按</a:t>
+            </a:r>
+            <a:r>
+              <a:rPr lang="zh-CN" altLang="en-US" dirty="0">
+                <a:latin typeface="+mn-ea"/>
+              </a:rPr>
+              <a:t>最短时间发布产品</a:t>
+            </a:r>
+            <a:r>
+              <a:rPr lang="en-US" altLang="zh-CN" dirty="0">
+                <a:latin typeface="+mn-ea"/>
+              </a:rPr>
+              <a:t>:</a:t>
+            </a:r>
+            <a:r>
+              <a:rPr lang="zh-CN" altLang="en-US" dirty="0">
+                <a:latin typeface="+mn-ea"/>
+              </a:rPr>
+              <a:t>可以允许</a:t>
+            </a:r>
+            <a:r>
+              <a:rPr lang="en-US" altLang="zh-CN" dirty="0">
+                <a:latin typeface="+mn-ea"/>
+              </a:rPr>
+              <a:t>bug</a:t>
+            </a:r>
+            <a:r>
+              <a:rPr lang="zh-CN" altLang="en-US" dirty="0">
+                <a:latin typeface="+mn-ea"/>
+              </a:rPr>
+              <a:t>，给种子用户快速迭代的感受</a:t>
+            </a:r>
+            <a:r>
+              <a:rPr lang="en-US" altLang="zh-CN" dirty="0">
+                <a:latin typeface="+mn-ea"/>
+              </a:rPr>
+              <a:t>;</a:t>
+            </a:r>
+            <a:r>
+              <a:rPr lang="zh-CN" altLang="en-US" dirty="0">
+                <a:latin typeface="+mn-ea"/>
+              </a:rPr>
+              <a:t>可以用</a:t>
+            </a:r>
+            <a:r>
+              <a:rPr lang="en-US" altLang="zh-CN" dirty="0">
+                <a:latin typeface="+mn-ea"/>
+              </a:rPr>
+              <a:t>hack</a:t>
+            </a:r>
+            <a:r>
+              <a:rPr lang="zh-CN" altLang="en-US" dirty="0" smtClean="0">
+                <a:latin typeface="+mn-ea"/>
+              </a:rPr>
+              <a:t>的</a:t>
+            </a:r>
+            <a:r>
+              <a:rPr lang="zh-CN" altLang="en-US" dirty="0">
+                <a:latin typeface="+mn-ea"/>
+              </a:rPr>
+              <a:t>方</a:t>
+            </a:r>
+            <a:r>
+              <a:rPr lang="zh-CN" altLang="en-US" dirty="0" smtClean="0">
+                <a:latin typeface="+mn-ea"/>
+              </a:rPr>
+              <a:t>式完成</a:t>
+            </a:r>
+            <a:r>
+              <a:rPr lang="en-US" altLang="zh-CN" dirty="0" smtClean="0">
+                <a:latin typeface="+mn-ea"/>
+              </a:rPr>
+              <a:t>——</a:t>
+            </a:r>
+            <a:r>
+              <a:rPr lang="zh-CN" altLang="en-US" dirty="0">
+                <a:latin typeface="+mn-ea"/>
+              </a:rPr>
+              <a:t>时间</a:t>
+            </a:r>
+            <a:r>
+              <a:rPr lang="zh-CN" altLang="en-US" dirty="0" smtClean="0">
+                <a:latin typeface="+mn-ea"/>
+              </a:rPr>
+              <a:t>第一</a:t>
+            </a:r>
+            <a:endParaRPr lang="en-US" altLang="zh-CN" dirty="0" smtClean="0">
+              <a:latin typeface="+mn-ea"/>
+            </a:endParaRPr>
+          </a:p>
+          <a:p>
+            <a:pPr lvl="1"/>
+            <a:r>
+              <a:rPr lang="zh-CN" altLang="en-US" dirty="0">
+                <a:latin typeface="+mn-ea"/>
+              </a:rPr>
+              <a:t>调整方向</a:t>
+            </a:r>
+            <a:r>
+              <a:rPr lang="en-US" altLang="zh-CN" dirty="0">
+                <a:latin typeface="+mn-ea"/>
+              </a:rPr>
+              <a:t>&gt;</a:t>
+            </a:r>
+            <a:r>
+              <a:rPr lang="zh-CN" altLang="en-US" dirty="0">
+                <a:latin typeface="+mn-ea"/>
+              </a:rPr>
+              <a:t>完善细节</a:t>
+            </a:r>
+            <a:r>
+              <a:rPr lang="en-US" altLang="zh-CN" dirty="0">
+                <a:latin typeface="+mn-ea"/>
+              </a:rPr>
+              <a:t>:</a:t>
+            </a:r>
+            <a:r>
+              <a:rPr lang="zh-CN" altLang="en-US" dirty="0">
+                <a:latin typeface="+mn-ea"/>
+              </a:rPr>
+              <a:t>聚焦做最重要的事情</a:t>
+            </a:r>
+            <a:r>
+              <a:rPr lang="en-US" altLang="zh-CN" dirty="0" smtClean="0">
+                <a:latin typeface="+mn-ea"/>
+              </a:rPr>
+              <a:t>;</a:t>
+            </a:r>
+          </a:p>
+          <a:p>
+            <a:pPr lvl="1"/>
+            <a:r>
+              <a:rPr lang="zh-CN" altLang="en-US" dirty="0" smtClean="0">
+                <a:latin typeface="+mn-ea"/>
+              </a:rPr>
+              <a:t>不能忽略</a:t>
+            </a:r>
+            <a:r>
+              <a:rPr lang="zh-CN" altLang="en-US" dirty="0">
+                <a:latin typeface="+mn-ea"/>
+              </a:rPr>
+              <a:t>统计功能</a:t>
+            </a:r>
+            <a:r>
+              <a:rPr lang="en-US" altLang="zh-CN" dirty="0">
+                <a:latin typeface="+mn-ea"/>
+              </a:rPr>
+              <a:t>:</a:t>
+            </a:r>
+            <a:r>
+              <a:rPr lang="zh-CN" altLang="en-US" dirty="0">
+                <a:latin typeface="+mn-ea"/>
+              </a:rPr>
+              <a:t>没有准确的数据，很可能</a:t>
+            </a:r>
+            <a:r>
+              <a:rPr lang="zh-CN" altLang="en-US" dirty="0" smtClean="0">
+                <a:latin typeface="+mn-ea"/>
+              </a:rPr>
+              <a:t>前功尽弃</a:t>
+            </a:r>
+            <a:endParaRPr lang="en-US" altLang="zh-CN" dirty="0" smtClean="0">
+              <a:latin typeface="+mn-ea"/>
+            </a:endParaRPr>
+          </a:p>
+          <a:p>
+            <a:r>
+              <a:rPr lang="zh-CN" altLang="en-US" dirty="0" smtClean="0">
+                <a:latin typeface="+mn-ea"/>
+              </a:rPr>
+              <a:t>早期</a:t>
+            </a:r>
+            <a:r>
+              <a:rPr lang="zh-CN" altLang="en-US" dirty="0">
+                <a:latin typeface="+mn-ea"/>
+              </a:rPr>
+              <a:t>采用</a:t>
+            </a:r>
+            <a:r>
+              <a:rPr lang="zh-CN" altLang="en-US" dirty="0" smtClean="0">
+                <a:latin typeface="+mn-ea"/>
+              </a:rPr>
+              <a:t>者（</a:t>
+            </a:r>
+            <a:r>
+              <a:rPr lang="en-US" altLang="zh-CN" dirty="0" smtClean="0">
+                <a:latin typeface="+mn-ea"/>
+              </a:rPr>
+              <a:t>13.5%</a:t>
+            </a:r>
+            <a:r>
+              <a:rPr lang="zh-CN" altLang="en-US" dirty="0" smtClean="0">
+                <a:latin typeface="+mn-ea"/>
+              </a:rPr>
+              <a:t>）：</a:t>
+            </a:r>
+            <a:endParaRPr lang="en-US" altLang="zh-CN" dirty="0" smtClean="0">
+              <a:latin typeface="+mn-ea"/>
+            </a:endParaRPr>
+          </a:p>
+          <a:p>
+            <a:pPr lvl="1"/>
+            <a:r>
+              <a:rPr lang="zh-CN" altLang="en-US" dirty="0" smtClean="0">
+                <a:latin typeface="+mn-ea"/>
+              </a:rPr>
+              <a:t>巩固</a:t>
+            </a:r>
+            <a:r>
+              <a:rPr lang="zh-CN" altLang="en-US" dirty="0">
+                <a:latin typeface="+mn-ea"/>
+              </a:rPr>
+              <a:t>产品方向，促进增长，尽早逼近临界点</a:t>
+            </a:r>
+            <a:r>
+              <a:rPr lang="en-US" altLang="zh-CN" dirty="0">
+                <a:latin typeface="+mn-ea"/>
+              </a:rPr>
+              <a:t>(20%)</a:t>
+            </a:r>
+            <a:r>
+              <a:rPr lang="zh-CN" altLang="en-US" dirty="0">
+                <a:latin typeface="+mn-ea"/>
+              </a:rPr>
+              <a:t>，跨越</a:t>
+            </a:r>
+            <a:r>
+              <a:rPr lang="en-US" altLang="zh-CN" dirty="0">
+                <a:latin typeface="+mn-ea"/>
+              </a:rPr>
+              <a:t>『</a:t>
+            </a:r>
+            <a:r>
+              <a:rPr lang="zh-CN" altLang="en-US" dirty="0">
+                <a:latin typeface="+mn-ea"/>
+              </a:rPr>
+              <a:t>创新鸿沟</a:t>
+            </a:r>
+            <a:r>
+              <a:rPr lang="en-US" altLang="zh-CN" dirty="0" smtClean="0">
+                <a:latin typeface="+mn-ea"/>
+              </a:rPr>
+              <a:t>』</a:t>
+            </a:r>
+          </a:p>
+          <a:p>
+            <a:pPr lvl="1"/>
+            <a:r>
+              <a:rPr lang="zh-CN" altLang="en-US" dirty="0" smtClean="0">
+                <a:latin typeface="+mn-ea"/>
+              </a:rPr>
+              <a:t>根据</a:t>
+            </a:r>
+            <a:r>
+              <a:rPr lang="zh-CN" altLang="en-US" dirty="0">
+                <a:latin typeface="+mn-ea"/>
+              </a:rPr>
+              <a:t>产品特性</a:t>
+            </a:r>
+            <a:r>
+              <a:rPr lang="en-US" altLang="zh-CN" dirty="0">
+                <a:latin typeface="+mn-ea"/>
+              </a:rPr>
+              <a:t>build</a:t>
+            </a:r>
+            <a:r>
+              <a:rPr lang="zh-CN" altLang="en-US" dirty="0">
+                <a:latin typeface="+mn-ea"/>
+              </a:rPr>
+              <a:t>团队</a:t>
+            </a:r>
+            <a:r>
+              <a:rPr lang="en-US" altLang="zh-CN" dirty="0">
+                <a:latin typeface="+mn-ea"/>
+              </a:rPr>
+              <a:t>(</a:t>
+            </a:r>
+            <a:r>
+              <a:rPr lang="zh-CN" altLang="en-US" dirty="0">
+                <a:latin typeface="+mn-ea"/>
+              </a:rPr>
+              <a:t>设计导向、销售导向、营销导向、运营导向、技术导向</a:t>
+            </a:r>
+            <a:r>
+              <a:rPr lang="en-US" altLang="zh-CN" dirty="0">
+                <a:latin typeface="+mn-ea"/>
+              </a:rPr>
+              <a:t>)</a:t>
+            </a:r>
+            <a:r>
+              <a:rPr lang="zh-CN" altLang="en-US" dirty="0">
+                <a:latin typeface="+mn-ea"/>
+              </a:rPr>
+              <a:t>，建设长板</a:t>
+            </a:r>
+            <a:r>
+              <a:rPr lang="en-US" altLang="zh-CN" dirty="0">
+                <a:latin typeface="+mn-ea"/>
+              </a:rPr>
+              <a:t>&gt;</a:t>
+            </a:r>
+            <a:r>
+              <a:rPr lang="zh-CN" altLang="en-US" dirty="0">
+                <a:latin typeface="+mn-ea"/>
+              </a:rPr>
+              <a:t>补足短</a:t>
+            </a:r>
+            <a:r>
+              <a:rPr lang="zh-CN" altLang="en-US" dirty="0" smtClean="0">
+                <a:latin typeface="+mn-ea"/>
+              </a:rPr>
+              <a:t>板</a:t>
+            </a:r>
+            <a:endParaRPr lang="en-US" altLang="zh-CN" dirty="0" smtClean="0">
+              <a:latin typeface="+mn-ea"/>
+            </a:endParaRPr>
+          </a:p>
+          <a:p>
+            <a:pPr lvl="1"/>
+            <a:r>
+              <a:rPr lang="zh-CN" altLang="en-US" dirty="0">
+                <a:latin typeface="+mn-ea"/>
+              </a:rPr>
+              <a:t>制定周期性较短的产品发布策 ，且具备</a:t>
+            </a:r>
+            <a:r>
+              <a:rPr lang="en-US" altLang="zh-CN" dirty="0">
+                <a:latin typeface="+mn-ea"/>
+              </a:rPr>
+              <a:t>A/B Test</a:t>
+            </a:r>
+            <a:r>
+              <a:rPr lang="zh-CN" altLang="en-US" dirty="0">
+                <a:latin typeface="+mn-ea"/>
+              </a:rPr>
+              <a:t>能 </a:t>
+            </a:r>
+          </a:p>
+          <a:p>
+            <a:pPr lvl="1"/>
+            <a:r>
+              <a:rPr lang="zh-CN" altLang="en-US" dirty="0" smtClean="0">
+                <a:latin typeface="+mn-ea"/>
+              </a:rPr>
+              <a:t>找到</a:t>
+            </a:r>
+            <a:r>
+              <a:rPr lang="zh-CN" altLang="en-US" dirty="0">
+                <a:latin typeface="+mn-ea"/>
+              </a:rPr>
+              <a:t>促进增 的</a:t>
+            </a:r>
+            <a:r>
+              <a:rPr lang="en-US" altLang="zh-CN" dirty="0">
+                <a:latin typeface="+mn-ea"/>
+              </a:rPr>
+              <a:t>feature</a:t>
+            </a:r>
+            <a:r>
+              <a:rPr lang="zh-CN" altLang="en-US" dirty="0">
+                <a:latin typeface="+mn-ea"/>
+              </a:rPr>
+              <a:t>，短平快的</a:t>
+            </a:r>
+            <a:r>
+              <a:rPr lang="zh-CN" altLang="en-US" dirty="0" smtClean="0">
+                <a:latin typeface="+mn-ea"/>
+              </a:rPr>
+              <a:t>投入资源</a:t>
+            </a:r>
+            <a:r>
+              <a:rPr lang="zh-CN" altLang="en-US" dirty="0">
+                <a:latin typeface="+mn-ea"/>
+              </a:rPr>
+              <a:t>测试</a:t>
+            </a:r>
+            <a:r>
+              <a:rPr lang="en-US" altLang="zh-CN" dirty="0">
+                <a:latin typeface="+mn-ea"/>
+              </a:rPr>
+              <a:t>(</a:t>
+            </a:r>
+            <a:r>
+              <a:rPr lang="zh-CN" altLang="en-US" dirty="0">
+                <a:latin typeface="+mn-ea"/>
+              </a:rPr>
+              <a:t>产品驱动增 </a:t>
+            </a:r>
+            <a:r>
+              <a:rPr lang="en-US" altLang="zh-CN" dirty="0">
+                <a:latin typeface="+mn-ea"/>
+              </a:rPr>
+              <a:t>)</a:t>
+            </a:r>
+          </a:p>
+          <a:p>
+            <a:pPr lvl="1"/>
+            <a:r>
+              <a:rPr lang="zh-CN" altLang="en-US" dirty="0" smtClean="0">
+                <a:latin typeface="+mn-ea"/>
+              </a:rPr>
+              <a:t>考察并了解最佳营销手段，使用产品</a:t>
+            </a:r>
+            <a:r>
+              <a:rPr lang="en-US" altLang="zh-CN" dirty="0" smtClean="0">
+                <a:latin typeface="+mn-ea"/>
+              </a:rPr>
+              <a:t>feature</a:t>
+            </a:r>
+            <a:r>
+              <a:rPr lang="zh-CN" altLang="en-US" dirty="0" smtClean="0">
+                <a:latin typeface="+mn-ea"/>
+              </a:rPr>
+              <a:t>配合</a:t>
+            </a:r>
+            <a:r>
+              <a:rPr lang="en-US" altLang="zh-CN" dirty="0" smtClean="0">
+                <a:latin typeface="+mn-ea"/>
+              </a:rPr>
+              <a:t>(</a:t>
+            </a:r>
+            <a:r>
+              <a:rPr lang="zh-CN" altLang="en-US" dirty="0" smtClean="0">
+                <a:latin typeface="+mn-ea"/>
+              </a:rPr>
+              <a:t>营销驱动增 </a:t>
+            </a:r>
+            <a:r>
+              <a:rPr lang="en-US" altLang="zh-CN" dirty="0" smtClean="0">
+                <a:latin typeface="+mn-ea"/>
+              </a:rPr>
+              <a:t>)—— 『</a:t>
+            </a:r>
+            <a:r>
+              <a:rPr lang="zh-CN" altLang="en-US" dirty="0" smtClean="0">
+                <a:latin typeface="+mn-ea"/>
+              </a:rPr>
+              <a:t>补贴系统</a:t>
+            </a:r>
+            <a:r>
+              <a:rPr lang="en-US" altLang="zh-CN" dirty="0" smtClean="0">
+                <a:latin typeface="+mn-ea"/>
+              </a:rPr>
+              <a:t>』 </a:t>
+            </a:r>
+          </a:p>
+          <a:p>
+            <a:pPr lvl="1"/>
+            <a:r>
+              <a:rPr lang="zh-CN" altLang="en-US" dirty="0" smtClean="0">
+                <a:latin typeface="+mn-ea"/>
+              </a:rPr>
+              <a:t>找到促进留存</a:t>
+            </a:r>
+            <a:r>
+              <a:rPr lang="en-US" altLang="zh-CN" dirty="0">
+                <a:latin typeface="+mn-ea"/>
+              </a:rPr>
+              <a:t>/</a:t>
+            </a:r>
+            <a:r>
+              <a:rPr lang="zh-CN" altLang="en-US" dirty="0" smtClean="0">
+                <a:latin typeface="+mn-ea"/>
+              </a:rPr>
+              <a:t>使用频次</a:t>
+            </a:r>
+            <a:r>
+              <a:rPr lang="zh-CN" altLang="en-US" dirty="0">
+                <a:latin typeface="+mn-ea"/>
+              </a:rPr>
+              <a:t>的</a:t>
+            </a:r>
+            <a:r>
+              <a:rPr lang="en-US" altLang="zh-CN" dirty="0">
+                <a:latin typeface="+mn-ea"/>
+              </a:rPr>
+              <a:t>feature(</a:t>
+            </a:r>
+            <a:r>
+              <a:rPr lang="zh-CN" altLang="en-US" dirty="0" smtClean="0">
+                <a:latin typeface="+mn-ea"/>
+              </a:rPr>
+              <a:t>观察</a:t>
+            </a:r>
+            <a:r>
+              <a:rPr lang="zh-CN" altLang="en-US" dirty="0">
+                <a:latin typeface="+mn-ea"/>
+              </a:rPr>
+              <a:t>核心</a:t>
+            </a:r>
+            <a:r>
+              <a:rPr lang="zh-CN" altLang="en-US" dirty="0" smtClean="0">
+                <a:latin typeface="+mn-ea"/>
+              </a:rPr>
+              <a:t>数据</a:t>
+            </a:r>
+            <a:r>
+              <a:rPr lang="en-US" altLang="zh-CN" dirty="0">
+                <a:latin typeface="+mn-ea"/>
+              </a:rPr>
+              <a:t>)</a:t>
+            </a:r>
+            <a:r>
+              <a:rPr lang="zh-CN" altLang="en-US" dirty="0">
+                <a:latin typeface="+mn-ea"/>
+              </a:rPr>
+              <a:t>，持续</a:t>
+            </a:r>
+            <a:r>
+              <a:rPr lang="zh-CN" altLang="en-US" dirty="0" smtClean="0">
+                <a:latin typeface="+mn-ea"/>
+              </a:rPr>
+              <a:t>投入资源</a:t>
+            </a:r>
+            <a:r>
+              <a:rPr lang="zh-CN" altLang="en-US" dirty="0">
+                <a:latin typeface="+mn-ea"/>
+              </a:rPr>
+              <a:t>迭代</a:t>
+            </a:r>
+            <a:r>
+              <a:rPr lang="en-US" altLang="zh-CN" dirty="0">
+                <a:latin typeface="+mn-ea"/>
+              </a:rPr>
+              <a:t>;</a:t>
+            </a:r>
+          </a:p>
+          <a:p>
+            <a:endParaRPr lang="en-US" altLang="zh-CN" dirty="0">
+              <a:latin typeface="+mn-ea"/>
+            </a:endParaRPr>
+          </a:p>
+        </p:txBody>
+      </p:sp>
+    </p:spTree>
+    <p:extLst>
+      <p:ext uri="{BB962C8B-B14F-4D97-AF65-F5344CB8AC3E}">
+        <p14:creationId xmlns:p14="http://schemas.microsoft.com/office/powerpoint/2010/main" val="2346627248"/>
+      </p:ext>
+    </p:extLst>
+  </p:cSld>
+  <p:clrMapOvr>
+    <a:masterClrMapping/>
+  </p:clrMapOvr>
+  <p:transition>
+    <p:fade/>
+  </p:transition>
+  <p:timing>
+    <p:tnLst>
+      <p:par>
+        <p:cTn id="1" dur="indefinite" restart="never" nodeType="tmRoot"/>
+      </p:par>
+    </p:tnLst>
+  </p:timing>
+</p:sld>
+</file>
+
+<file path=ppt/slides/slide16.xml><?xml version="1.0" encoding="utf-8"?>
+<p:sld xmlns:a="http://schemas.openxmlformats.org/drawingml/2006/main" xmlns:r="http://schemas.openxmlformats.org/officeDocument/2006/relationships" xmlns:p="http://schemas.openxmlformats.org/presentationml/2006/main">
+  <p:cSld>
+    <p:spTree>
+      <p:nvGrpSpPr>
+        <p:cNvPr id="1" name=""/>
+        <p:cNvGrpSpPr/>
+        <p:nvPr/>
+      </p:nvGrpSpPr>
+      <p:grpSpPr>
+        <a:xfrm>
+          <a:off x="0" y="0"/>
+          <a:ext cx="0" cy="0"/>
+          <a:chOff x="0" y="0"/>
+          <a:chExt cx="0" cy="0"/>
+        </a:xfrm>
+      </p:grpSpPr>
+      <p:sp>
+        <p:nvSpPr>
+          <p:cNvPr id="2" name="标题 1"/>
+          <p:cNvSpPr>
+            <a:spLocks noGrp="1"/>
+          </p:cNvSpPr>
+          <p:nvPr>
+            <p:ph type="title"/>
+          </p:nvPr>
+        </p:nvSpPr>
+        <p:spPr/>
+        <p:txBody>
+          <a:bodyPr/>
+          <a:lstStyle/>
+          <a:p>
+            <a:r>
+              <a:rPr lang="zh-CN" altLang="en-US" dirty="0" smtClean="0"/>
+              <a:t>产品节奏</a:t>
+            </a:r>
+            <a:endParaRPr lang="zh-CN" altLang="en-US" dirty="0"/>
+          </a:p>
+        </p:txBody>
+      </p:sp>
+      <p:sp>
+        <p:nvSpPr>
+          <p:cNvPr id="3" name="内容占位符 2"/>
+          <p:cNvSpPr>
+            <a:spLocks noGrp="1"/>
+          </p:cNvSpPr>
+          <p:nvPr>
+            <p:ph idx="1"/>
+          </p:nvPr>
+        </p:nvSpPr>
+        <p:spPr/>
+        <p:txBody>
+          <a:bodyPr>
+            <a:normAutofit lnSpcReduction="10000"/>
+          </a:bodyPr>
+          <a:lstStyle/>
+          <a:p>
+            <a:r>
+              <a:rPr lang="zh-CN" altLang="en-US" dirty="0">
+                <a:latin typeface="+mn-ea"/>
+              </a:rPr>
+              <a:t>早期大众（</a:t>
+            </a:r>
+            <a:r>
+              <a:rPr lang="en-US" altLang="zh-CN" dirty="0">
+                <a:latin typeface="+mn-ea"/>
+              </a:rPr>
+              <a:t>34%</a:t>
+            </a:r>
+            <a:r>
+              <a:rPr lang="zh-CN" altLang="en-US" dirty="0">
+                <a:latin typeface="+mn-ea"/>
+              </a:rPr>
+              <a:t>）</a:t>
+            </a:r>
+            <a:r>
+              <a:rPr lang="zh-CN" altLang="en-US" dirty="0" smtClean="0">
+                <a:latin typeface="+mn-ea"/>
+              </a:rPr>
+              <a:t>：</a:t>
+            </a:r>
+            <a:endParaRPr lang="en-US" altLang="zh-CN" dirty="0" smtClean="0">
+              <a:latin typeface="+mn-ea"/>
+            </a:endParaRPr>
+          </a:p>
+          <a:p>
+            <a:pPr lvl="1"/>
+            <a:r>
+              <a:rPr lang="zh-CN" altLang="en-US" dirty="0" smtClean="0">
+                <a:latin typeface="+mn-ea"/>
+              </a:rPr>
+              <a:t>确保</a:t>
+            </a:r>
+            <a:r>
+              <a:rPr lang="zh-CN" altLang="en-US" dirty="0">
+                <a:latin typeface="+mn-ea"/>
+              </a:rPr>
+              <a:t>核⼼心体验，关注成本和效率，</a:t>
+            </a:r>
+            <a:r>
+              <a:rPr lang="zh-CN" altLang="en-US" dirty="0" smtClean="0">
+                <a:latin typeface="+mn-ea"/>
+              </a:rPr>
+              <a:t>扩大</a:t>
+            </a:r>
+            <a:r>
+              <a:rPr lang="zh-CN" altLang="en-US" dirty="0">
+                <a:latin typeface="+mn-ea"/>
+              </a:rPr>
+              <a:t>需求</a:t>
+            </a:r>
+            <a:r>
+              <a:rPr lang="zh-CN" altLang="en-US" dirty="0" smtClean="0">
+                <a:latin typeface="+mn-ea"/>
+              </a:rPr>
+              <a:t>边界</a:t>
+            </a:r>
+            <a:endParaRPr lang="en-US" altLang="zh-CN" dirty="0" smtClean="0">
+              <a:latin typeface="+mn-ea"/>
+            </a:endParaRPr>
+          </a:p>
+          <a:p>
+            <a:pPr lvl="1"/>
+            <a:r>
+              <a:rPr lang="zh-CN" altLang="en-US" dirty="0" smtClean="0">
+                <a:latin typeface="+mn-ea"/>
+              </a:rPr>
+              <a:t>建</a:t>
+            </a:r>
+            <a:r>
+              <a:rPr lang="zh-CN" altLang="en-US" dirty="0">
+                <a:latin typeface="+mn-ea"/>
+              </a:rPr>
+              <a:t>⽴立完整编制的团队，补⻬齐短</a:t>
+            </a:r>
+            <a:r>
+              <a:rPr lang="zh-CN" altLang="en-US" dirty="0" smtClean="0">
+                <a:latin typeface="+mn-ea"/>
+              </a:rPr>
+              <a:t>板</a:t>
+            </a:r>
+            <a:endParaRPr lang="en-US" altLang="zh-CN" dirty="0">
+              <a:latin typeface="+mn-ea"/>
+            </a:endParaRPr>
+          </a:p>
+          <a:p>
+            <a:pPr lvl="1"/>
+            <a:r>
+              <a:rPr lang="zh-CN" altLang="en-US" dirty="0" smtClean="0">
+                <a:latin typeface="+mn-ea"/>
+              </a:rPr>
+              <a:t>制定</a:t>
+            </a:r>
+            <a:r>
+              <a:rPr lang="zh-CN" altLang="en-US" dirty="0">
+                <a:latin typeface="+mn-ea"/>
+              </a:rPr>
+              <a:t>稳健的产品发布</a:t>
+            </a:r>
+            <a:r>
+              <a:rPr lang="zh-CN" altLang="en-US" dirty="0" smtClean="0">
+                <a:latin typeface="+mn-ea"/>
+              </a:rPr>
+              <a:t>策略</a:t>
+            </a:r>
+            <a:r>
+              <a:rPr lang="en-US" altLang="zh-CN" dirty="0" smtClean="0">
+                <a:latin typeface="+mn-ea"/>
+              </a:rPr>
+              <a:t>/</a:t>
+            </a:r>
+            <a:r>
+              <a:rPr lang="zh-CN" altLang="en-US" dirty="0">
+                <a:latin typeface="+mn-ea"/>
+              </a:rPr>
+              <a:t>技术</a:t>
+            </a:r>
+            <a:r>
+              <a:rPr lang="zh-CN" altLang="en-US" dirty="0" smtClean="0">
+                <a:latin typeface="+mn-ea"/>
+              </a:rPr>
+              <a:t>路线</a:t>
+            </a:r>
+            <a:r>
+              <a:rPr lang="zh-CN" altLang="en-US" dirty="0">
+                <a:latin typeface="+mn-ea"/>
+              </a:rPr>
+              <a:t>，给</a:t>
+            </a:r>
+            <a:r>
+              <a:rPr lang="zh-CN" altLang="en-US" dirty="0" smtClean="0">
+                <a:latin typeface="+mn-ea"/>
+              </a:rPr>
+              <a:t>产品生态</a:t>
+            </a:r>
+            <a:r>
+              <a:rPr lang="zh-CN" altLang="en-US" dirty="0">
+                <a:latin typeface="+mn-ea"/>
+              </a:rPr>
+              <a:t>中的</a:t>
+            </a:r>
+            <a:r>
+              <a:rPr lang="zh-CN" altLang="en-US" dirty="0" smtClean="0">
+                <a:latin typeface="+mn-ea"/>
+              </a:rPr>
+              <a:t>各种角色</a:t>
+            </a:r>
+            <a:r>
+              <a:rPr lang="zh-CN" altLang="en-US" dirty="0">
+                <a:latin typeface="+mn-ea"/>
+              </a:rPr>
+              <a:t>以稳定的预期</a:t>
+            </a:r>
+            <a:r>
+              <a:rPr lang="zh-CN" altLang="en-US" dirty="0" smtClean="0">
+                <a:latin typeface="+mn-ea"/>
+              </a:rPr>
+              <a:t>（用户使用</a:t>
+            </a:r>
+            <a:r>
+              <a:rPr lang="zh-CN" altLang="en-US" dirty="0">
+                <a:latin typeface="+mn-ea"/>
+              </a:rPr>
+              <a:t>成本</a:t>
+            </a:r>
+            <a:r>
+              <a:rPr lang="zh-CN" altLang="en-US" dirty="0" smtClean="0">
+                <a:latin typeface="+mn-ea"/>
+              </a:rPr>
+              <a:t>）</a:t>
+            </a:r>
+            <a:endParaRPr lang="en-US" altLang="zh-CN" dirty="0" smtClean="0">
+              <a:latin typeface="+mn-ea"/>
+            </a:endParaRPr>
+          </a:p>
+          <a:p>
+            <a:pPr lvl="1"/>
+            <a:r>
+              <a:rPr lang="zh-CN" altLang="en-US" dirty="0" smtClean="0">
+                <a:latin typeface="+mn-ea"/>
+              </a:rPr>
+              <a:t>反复</a:t>
+            </a:r>
+            <a:r>
+              <a:rPr lang="zh-CN" altLang="en-US" dirty="0">
+                <a:latin typeface="+mn-ea"/>
+              </a:rPr>
+              <a:t>思考和改善</a:t>
+            </a:r>
+            <a:r>
+              <a:rPr lang="zh-CN" altLang="en-US" dirty="0" smtClean="0">
+                <a:latin typeface="+mn-ea"/>
+              </a:rPr>
+              <a:t>核心</a:t>
+            </a:r>
+            <a:r>
+              <a:rPr lang="zh-CN" altLang="en-US" dirty="0">
+                <a:latin typeface="+mn-ea"/>
+              </a:rPr>
+              <a:t>体验，</a:t>
+            </a:r>
+            <a:r>
+              <a:rPr lang="zh-CN" altLang="en-US" dirty="0" smtClean="0">
+                <a:latin typeface="+mn-ea"/>
+              </a:rPr>
+              <a:t>确保足够</a:t>
+            </a:r>
+            <a:r>
+              <a:rPr lang="zh-CN" altLang="en-US" dirty="0">
+                <a:latin typeface="+mn-ea"/>
+              </a:rPr>
+              <a:t>的资源投</a:t>
+            </a:r>
+            <a:r>
+              <a:rPr lang="zh-CN" altLang="en-US" dirty="0" smtClean="0">
+                <a:latin typeface="+mn-ea"/>
+              </a:rPr>
+              <a:t>⼊</a:t>
+            </a:r>
+            <a:r>
+              <a:rPr lang="en-US" altLang="zh-CN" dirty="0" smtClean="0">
+                <a:latin typeface="+mn-ea"/>
+              </a:rPr>
+              <a:t>『</a:t>
+            </a:r>
+            <a:r>
+              <a:rPr lang="en-US" altLang="zh-CN" dirty="0">
+                <a:latin typeface="+mn-ea"/>
+              </a:rPr>
+              <a:t>NPS』</a:t>
+            </a:r>
+          </a:p>
+          <a:p>
+            <a:pPr lvl="1"/>
+            <a:r>
+              <a:rPr lang="zh-CN" altLang="en-US" dirty="0" smtClean="0">
+                <a:latin typeface="+mn-ea"/>
+              </a:rPr>
+              <a:t>建</a:t>
+            </a:r>
+            <a:r>
+              <a:rPr lang="zh-CN" altLang="en-US" dirty="0">
+                <a:latin typeface="+mn-ea"/>
+              </a:rPr>
+              <a:t>⽴立较完善的指标监测和改善体系（成本</a:t>
+            </a:r>
+            <a:r>
+              <a:rPr lang="en-US" altLang="zh-CN" dirty="0">
+                <a:latin typeface="+mn-ea"/>
+              </a:rPr>
+              <a:t>/</a:t>
+            </a:r>
+            <a:r>
+              <a:rPr lang="zh-CN" altLang="en-US" dirty="0">
+                <a:latin typeface="+mn-ea"/>
+              </a:rPr>
+              <a:t>转化率</a:t>
+            </a:r>
+            <a:r>
+              <a:rPr lang="en-US" altLang="zh-CN" dirty="0">
+                <a:latin typeface="+mn-ea"/>
+              </a:rPr>
+              <a:t>/</a:t>
+            </a:r>
+            <a:r>
+              <a:rPr lang="zh-CN" altLang="en-US" dirty="0">
+                <a:latin typeface="+mn-ea"/>
+              </a:rPr>
+              <a:t>变现效率</a:t>
+            </a:r>
+            <a:r>
+              <a:rPr lang="en-US" altLang="zh-CN" dirty="0">
+                <a:latin typeface="+mn-ea"/>
+              </a:rPr>
+              <a:t>...</a:t>
+            </a:r>
+            <a:r>
+              <a:rPr lang="zh-CN" altLang="en-US" dirty="0" smtClean="0">
+                <a:latin typeface="+mn-ea"/>
+              </a:rPr>
+              <a:t>）</a:t>
+            </a:r>
+            <a:endParaRPr lang="en-US" altLang="zh-CN" dirty="0">
+              <a:latin typeface="+mn-ea"/>
+            </a:endParaRPr>
+          </a:p>
+          <a:p>
+            <a:r>
+              <a:rPr lang="zh-CN" altLang="en-US" dirty="0" smtClean="0">
+                <a:latin typeface="+mn-ea"/>
+              </a:rPr>
+              <a:t>后期</a:t>
+            </a:r>
+            <a:r>
+              <a:rPr lang="zh-CN" altLang="en-US" dirty="0">
+                <a:latin typeface="+mn-ea"/>
+              </a:rPr>
+              <a:t>大众（</a:t>
+            </a:r>
+            <a:r>
+              <a:rPr lang="en-US" altLang="zh-CN" dirty="0">
+                <a:latin typeface="+mn-ea"/>
+              </a:rPr>
+              <a:t>34%</a:t>
+            </a:r>
+            <a:r>
+              <a:rPr lang="zh-CN" altLang="en-US" dirty="0">
+                <a:latin typeface="+mn-ea"/>
+              </a:rPr>
+              <a:t>）</a:t>
+            </a:r>
+            <a:r>
+              <a:rPr lang="zh-CN" altLang="en-US" dirty="0" smtClean="0">
+                <a:latin typeface="+mn-ea"/>
+              </a:rPr>
+              <a:t>：</a:t>
+            </a:r>
+            <a:endParaRPr lang="en-US" altLang="zh-CN" dirty="0" smtClean="0">
+              <a:latin typeface="+mn-ea"/>
+            </a:endParaRPr>
+          </a:p>
+          <a:p>
+            <a:pPr lvl="1"/>
+            <a:r>
+              <a:rPr lang="zh-CN" altLang="en-US" dirty="0" smtClean="0">
+                <a:latin typeface="+mn-ea"/>
+              </a:rPr>
+              <a:t>寻找下一</a:t>
+            </a:r>
+            <a:r>
+              <a:rPr lang="zh-CN" altLang="en-US" dirty="0">
+                <a:latin typeface="+mn-ea"/>
+              </a:rPr>
+              <a:t>个</a:t>
+            </a:r>
+            <a:r>
+              <a:rPr lang="zh-CN" altLang="en-US" dirty="0" smtClean="0">
+                <a:latin typeface="+mn-ea"/>
+              </a:rPr>
+              <a:t>增长</a:t>
+            </a:r>
+            <a:r>
+              <a:rPr lang="zh-CN" altLang="en-US" dirty="0">
+                <a:latin typeface="+mn-ea"/>
+              </a:rPr>
+              <a:t>点（</a:t>
+            </a:r>
+            <a:r>
+              <a:rPr lang="en-US" altLang="zh-CN" dirty="0">
+                <a:latin typeface="+mn-ea"/>
+              </a:rPr>
+              <a:t>50%</a:t>
+            </a:r>
+            <a:r>
+              <a:rPr lang="zh-CN" altLang="en-US" dirty="0">
+                <a:latin typeface="+mn-ea"/>
+              </a:rPr>
+              <a:t>渗透率以后</a:t>
+            </a:r>
+            <a:r>
+              <a:rPr lang="zh-CN" altLang="en-US" dirty="0" smtClean="0">
+                <a:latin typeface="+mn-ea"/>
+              </a:rPr>
+              <a:t>，无法</a:t>
+            </a:r>
+            <a:r>
+              <a:rPr lang="en-US" altLang="zh-CN" dirty="0">
+                <a:latin typeface="+mn-ea"/>
+              </a:rPr>
+              <a:t>double</a:t>
+            </a:r>
+            <a:r>
+              <a:rPr lang="zh-CN" altLang="en-US" dirty="0">
+                <a:latin typeface="+mn-ea"/>
+              </a:rPr>
+              <a:t>市占</a:t>
+            </a:r>
+            <a:r>
+              <a:rPr lang="zh-CN" altLang="en-US" dirty="0" smtClean="0">
+                <a:latin typeface="+mn-ea"/>
+              </a:rPr>
+              <a:t>）</a:t>
+            </a:r>
+            <a:endParaRPr lang="zh-CN" altLang="en-US" dirty="0">
+              <a:latin typeface="+mn-ea"/>
+            </a:endParaRPr>
+          </a:p>
+          <a:p>
+            <a:pPr lvl="1"/>
+            <a:r>
+              <a:rPr lang="zh-CN" altLang="en-US" dirty="0" smtClean="0">
+                <a:latin typeface="+mn-ea"/>
+              </a:rPr>
+              <a:t>建立人才和</a:t>
+            </a:r>
+            <a:r>
+              <a:rPr lang="zh-CN" altLang="en-US" dirty="0">
+                <a:latin typeface="+mn-ea"/>
+              </a:rPr>
+              <a:t>技术</a:t>
+            </a:r>
+            <a:r>
+              <a:rPr lang="en-US" altLang="zh-CN" dirty="0">
+                <a:latin typeface="+mn-ea"/>
+              </a:rPr>
+              <a:t>/</a:t>
+            </a:r>
+            <a:r>
+              <a:rPr lang="zh-CN" altLang="en-US" dirty="0" smtClean="0">
+                <a:latin typeface="+mn-ea"/>
+              </a:rPr>
+              <a:t>专利壁垒</a:t>
+            </a:r>
+            <a:endParaRPr lang="en-US" altLang="zh-CN" dirty="0" smtClean="0">
+              <a:latin typeface="+mn-ea"/>
+            </a:endParaRPr>
+          </a:p>
+          <a:p>
+            <a:pPr lvl="1"/>
+            <a:r>
+              <a:rPr lang="zh-CN" altLang="en-US" dirty="0" smtClean="0">
+                <a:latin typeface="+mn-ea"/>
+              </a:rPr>
+              <a:t>给</a:t>
+            </a:r>
+            <a:r>
+              <a:rPr lang="zh-CN" altLang="en-US" dirty="0">
+                <a:latin typeface="+mn-ea"/>
+              </a:rPr>
+              <a:t>主产品增加护航，迎合新趋势</a:t>
+            </a:r>
+          </a:p>
+          <a:p>
+            <a:pPr lvl="1"/>
+            <a:r>
+              <a:rPr lang="zh-CN" altLang="en-US" dirty="0" smtClean="0">
+                <a:latin typeface="+mn-ea"/>
+              </a:rPr>
+              <a:t>在</a:t>
+            </a:r>
+            <a:r>
+              <a:rPr lang="zh-CN" altLang="en-US" dirty="0">
+                <a:latin typeface="+mn-ea"/>
+              </a:rPr>
+              <a:t>主产品内扩充延展性</a:t>
+            </a:r>
+            <a:r>
+              <a:rPr lang="zh-CN" altLang="en-US" dirty="0" smtClean="0">
+                <a:latin typeface="+mn-ea"/>
+              </a:rPr>
+              <a:t>需求</a:t>
+            </a:r>
+            <a:endParaRPr lang="en-US" altLang="zh-CN" dirty="0" smtClean="0">
+              <a:latin typeface="+mn-ea"/>
+            </a:endParaRPr>
+          </a:p>
+          <a:p>
+            <a:pPr lvl="1"/>
+            <a:r>
+              <a:rPr lang="zh-CN" altLang="en-US" dirty="0" smtClean="0">
+                <a:latin typeface="+mn-ea"/>
+              </a:rPr>
+              <a:t>跨</a:t>
+            </a:r>
+            <a:r>
+              <a:rPr lang="zh-CN" altLang="en-US" dirty="0">
+                <a:latin typeface="+mn-ea"/>
+              </a:rPr>
+              <a:t>界、孵化</a:t>
+            </a:r>
+          </a:p>
+          <a:p>
+            <a:r>
+              <a:rPr lang="zh-CN" altLang="en-US" dirty="0" smtClean="0">
+                <a:latin typeface="+mn-ea"/>
+              </a:rPr>
+              <a:t>落后</a:t>
+            </a:r>
+            <a:r>
+              <a:rPr lang="zh-CN" altLang="en-US" dirty="0">
+                <a:latin typeface="+mn-ea"/>
+              </a:rPr>
+              <a:t>者（</a:t>
+            </a:r>
+            <a:r>
+              <a:rPr lang="en-US" altLang="zh-CN" dirty="0">
+                <a:latin typeface="+mn-ea"/>
+              </a:rPr>
+              <a:t>26%</a:t>
+            </a:r>
+            <a:r>
+              <a:rPr lang="zh-CN" altLang="en-US" dirty="0">
+                <a:latin typeface="+mn-ea"/>
+              </a:rPr>
+              <a:t>）</a:t>
+            </a:r>
+            <a:r>
+              <a:rPr lang="zh-CN" altLang="en-US" dirty="0" smtClean="0">
+                <a:latin typeface="+mn-ea"/>
+              </a:rPr>
+              <a:t>：</a:t>
+            </a:r>
+            <a:r>
+              <a:rPr lang="zh-CN" altLang="en-US" dirty="0">
+                <a:latin typeface="+mn-ea"/>
+              </a:rPr>
+              <a:t>放弃</a:t>
+            </a:r>
+            <a:endParaRPr lang="en-US" altLang="zh-CN" dirty="0">
+              <a:latin typeface="+mn-ea"/>
+            </a:endParaRPr>
+          </a:p>
+        </p:txBody>
+      </p:sp>
+    </p:spTree>
+    <p:extLst>
+      <p:ext uri="{BB962C8B-B14F-4D97-AF65-F5344CB8AC3E}">
+        <p14:creationId xmlns:p14="http://schemas.microsoft.com/office/powerpoint/2010/main" val="1356653321"/>
+      </p:ext>
+    </p:extLst>
+  </p:cSld>
+  <p:clrMapOvr>
+    <a:masterClrMapping/>
+  </p:clrMapOvr>
+  <p:transition>
+    <p:fade/>
+  </p:transition>
+  <p:timing>
+    <p:tnLst>
+      <p:par>
+        <p:cTn id="1" dur="indefinite" restart="never" nodeType="tmRoot"/>
+      </p:par>
+    </p:tnLst>
+  </p:timing>
+</p:sld>
+</file>
+
+<file path=ppt/slides/slide17.xml><?xml version="1.0" encoding="utf-8"?>
 <p:sld xmlns:a="http://schemas.openxmlformats.org/drawingml/2006/main" xmlns:r="http://schemas.openxmlformats.org/officeDocument/2006/relationships" xmlns:p="http://schemas.openxmlformats.org/presentationml/2006/main">
   <p:cSld>
     <p:spTree>
@@ -43046,7 +45798,145 @@
           <a:bodyPr/>
           <a:lstStyle/>
           <a:p>
-            <a:endParaRPr lang="zh-CN" altLang="en-US"/>
+            <a:r>
+              <a:rPr lang="zh-CN" altLang="en-US" dirty="0" smtClean="0"/>
+              <a:t>找</a:t>
+            </a:r>
+            <a:r>
+              <a:rPr lang="zh-CN" altLang="en-US" dirty="0"/>
+              <a:t>方向</a:t>
+            </a:r>
+          </a:p>
+          <a:p>
+            <a:pPr lvl="1"/>
+            <a:r>
+              <a:rPr lang="zh-CN" altLang="en-US" dirty="0" smtClean="0"/>
+              <a:t>是否</a:t>
+            </a:r>
+            <a:r>
+              <a:rPr lang="zh-CN" altLang="en-US" dirty="0"/>
+              <a:t>会引入其他问题</a:t>
+            </a:r>
+          </a:p>
+          <a:p>
+            <a:r>
+              <a:rPr lang="zh-CN" altLang="en-US" dirty="0" smtClean="0"/>
+              <a:t>定</a:t>
+            </a:r>
+            <a:r>
+              <a:rPr lang="zh-CN" altLang="en-US" dirty="0"/>
+              <a:t>标准</a:t>
+            </a:r>
+          </a:p>
+          <a:p>
+            <a:pPr lvl="1"/>
+            <a:r>
+              <a:rPr lang="zh-CN" altLang="en-US" dirty="0" smtClean="0"/>
+              <a:t>定性</a:t>
+            </a:r>
+            <a:endParaRPr lang="zh-CN" altLang="en-US" dirty="0"/>
+          </a:p>
+          <a:p>
+            <a:pPr lvl="2"/>
+            <a:r>
+              <a:rPr lang="zh-CN" altLang="en-US" dirty="0" smtClean="0"/>
+              <a:t>产品</a:t>
+            </a:r>
+            <a:r>
+              <a:rPr lang="zh-CN" altLang="en-US" dirty="0"/>
+              <a:t>的</a:t>
+            </a:r>
+            <a:r>
+              <a:rPr lang="zh-CN" altLang="en-US" dirty="0" smtClean="0"/>
+              <a:t>进步</a:t>
+            </a:r>
+            <a:r>
+              <a:rPr lang="zh-CN" altLang="en-US" dirty="0"/>
+              <a:t>方向</a:t>
+            </a:r>
+          </a:p>
+          <a:p>
+            <a:pPr lvl="1"/>
+            <a:r>
+              <a:rPr lang="zh-CN" altLang="en-US" dirty="0" smtClean="0"/>
+              <a:t>定量</a:t>
+            </a:r>
+            <a:endParaRPr lang="zh-CN" altLang="en-US" dirty="0"/>
+          </a:p>
+          <a:p>
+            <a:pPr lvl="2"/>
+            <a:r>
+              <a:rPr lang="zh-CN" altLang="en-US" dirty="0" smtClean="0"/>
+              <a:t>过程指标</a:t>
+            </a:r>
+            <a:endParaRPr lang="en-US" altLang="zh-CN" dirty="0" smtClean="0"/>
+          </a:p>
+          <a:p>
+            <a:pPr lvl="3"/>
+            <a:r>
+              <a:rPr lang="zh-CN" altLang="en-US" dirty="0" smtClean="0"/>
+              <a:t>访问量、安装量、同比环比、注册率、</a:t>
+            </a:r>
+            <a:endParaRPr lang="en-US" altLang="zh-CN" dirty="0" smtClean="0"/>
+          </a:p>
+          <a:p>
+            <a:pPr lvl="3"/>
+            <a:r>
+              <a:rPr lang="zh-CN" altLang="en-US" dirty="0"/>
+              <a:t>活跃</a:t>
+            </a:r>
+            <a:r>
+              <a:rPr lang="zh-CN" altLang="en-US" dirty="0" smtClean="0"/>
+              <a:t>度、日活、周活、</a:t>
+            </a:r>
+            <a:r>
+              <a:rPr lang="zh-CN" altLang="en-US" dirty="0"/>
+              <a:t>月</a:t>
+            </a:r>
+            <a:r>
+              <a:rPr lang="zh-CN" altLang="en-US" dirty="0" smtClean="0"/>
+              <a:t>活、购买前活跃时长。</a:t>
+            </a:r>
+            <a:endParaRPr lang="en-US" altLang="zh-CN" dirty="0" smtClean="0"/>
+          </a:p>
+          <a:p>
+            <a:pPr lvl="3"/>
+            <a:r>
+              <a:rPr lang="zh-CN" altLang="en-US" dirty="0"/>
+              <a:t>购买</a:t>
+            </a:r>
+            <a:r>
+              <a:rPr lang="zh-CN" altLang="en-US" dirty="0" smtClean="0"/>
+              <a:t>率、购买金额</a:t>
+            </a:r>
+            <a:endParaRPr lang="en-US" altLang="zh-CN" dirty="0" smtClean="0"/>
+          </a:p>
+          <a:p>
+            <a:pPr lvl="3"/>
+            <a:r>
+              <a:rPr lang="zh-CN" altLang="en-US" dirty="0"/>
+              <a:t>回购</a:t>
+            </a:r>
+            <a:r>
+              <a:rPr lang="zh-CN" altLang="en-US" dirty="0" smtClean="0"/>
+              <a:t>率、回购金额</a:t>
+            </a:r>
+            <a:endParaRPr lang="en-US" altLang="zh-CN" dirty="0" smtClean="0"/>
+          </a:p>
+          <a:p>
+            <a:pPr lvl="3"/>
+            <a:r>
+              <a:rPr lang="zh-CN" altLang="en-US" dirty="0" smtClean="0"/>
+              <a:t>金融利率</a:t>
+            </a:r>
+            <a:endParaRPr lang="en-US" altLang="zh-CN" dirty="0" smtClean="0"/>
+          </a:p>
+          <a:p>
+            <a:pPr lvl="3"/>
+            <a:r>
+              <a:rPr lang="zh-CN" altLang="en-US" dirty="0"/>
+              <a:t>推荐率</a:t>
+            </a:r>
           </a:p>
         </p:txBody>
       </p:sp>
@@ -43060,10 +45950,20 @@
   <p:clrMapOvr>
     <a:masterClrMapping/>
   </p:clrMapOvr>
+  <p:transition>
+    <p:fade/>
+  </p:transition>
+  <p:timing>
+    <p:tnLst>
+      <p:par>
+        <p:cTn id="1" dur="indefinite" restart="never" nodeType="tmRoot"/>
+      </p:par>
+    </p:tnLst>
+  </p:timing>
 </p:sld>
 </file>
 
-<file path=ppt/slides/slide16.xml><?xml version="1.0" encoding="utf-8"?>
+<file path=ppt/slides/slide18.xml><?xml version="1.0" encoding="utf-8"?>
 <p:sld xmlns:a="http://schemas.openxmlformats.org/drawingml/2006/main" xmlns:r="http://schemas.openxmlformats.org/officeDocument/2006/relationships" xmlns:p="http://schemas.openxmlformats.org/presentationml/2006/main">
   <p:cSld>
     <p:spTree>
@@ -43102,9 +46002,18 @@
           <a:lstStyle/>
           <a:p>
             <a:r>
-              <a:rPr lang="zh-CN" altLang="en-US" dirty="0"/>
-              <a:t>营销模式</a:t>
+              <a:rPr lang="en-US" altLang="zh-CN" dirty="0" smtClean="0"/>
+              <a:t>Google</a:t>
             </a:r>
+            <a:r>
+              <a:rPr lang="zh-CN" altLang="en-US" dirty="0" smtClean="0"/>
+              <a:t>产品体验评价指标模型</a:t>
+            </a:r>
+            <a:r>
+              <a:rPr lang="en-US" altLang="zh-CN" dirty="0"/>
+              <a:t>Heart</a:t>
+            </a:r>
+            <a:endParaRPr lang="zh-CN" altLang="en-US" dirty="0"/>
           </a:p>
         </p:txBody>
       </p:sp>
@@ -43129,7 +46038,7 @@
           <a:bodyPr/>
           <a:lstStyle/>
           <a:p>
-            <a:endParaRPr lang="zh-CN" altLang="en-US"/>
+            <a:endParaRPr lang="zh-CN" altLang="en-US" dirty="0"/>
           </a:p>
         </p:txBody>
       </p:sp>
@@ -43143,10 +46052,20 @@
   <p:clrMapOvr>
     <a:masterClrMapping/>
   </p:clrMapOvr>
+  <p:transition>
+    <p:fade/>
+  </p:transition>
+  <p:timing>
+    <p:tnLst>
+      <p:par>
+        <p:cTn id="1" dur="indefinite" restart="never" nodeType="tmRoot"/>
+      </p:par>
+    </p:tnLst>
+  </p:timing>
 </p:sld>
 </file>
 
-<file path=ppt/slides/slide17.xml><?xml version="1.0" encoding="utf-8"?>
+<file path=ppt/slides/slide19.xml><?xml version="1.0" encoding="utf-8"?>
 <p:sld xmlns:a="http://schemas.openxmlformats.org/drawingml/2006/main" xmlns:r="http://schemas.openxmlformats.org/officeDocument/2006/relationships" xmlns:p="http://schemas.openxmlformats.org/presentationml/2006/main">
   <p:cSld>
     <p:spTree>
@@ -43168,7 +46087,7 @@
           <p:cNvPr id="2" name="标题 1">
             <a:extLst>
               <a:ext uri="{FF2B5EF4-FFF2-40B4-BE49-F238E27FC236}">
-                <a16:creationId xmlns:a16="http://schemas.microsoft.com/office/drawing/2014/main" id="{4D8F4BE2-731F-4E00-A16D-BB93480CA36C}"/>
+                <a16:creationId xmlns:a16="http://schemas.microsoft.com/office/drawing/2014/main" id="{4F9B9907-1D1D-467A-9CEC-CB5758D43E4E}"/>
               </a:ext>
             </a:extLst>
           </p:cNvPr>
@@ -43185,8 +46104,8 @@
           <a:lstStyle/>
           <a:p>
             <a:r>
-              <a:rPr lang="en-US" altLang="zh-CN" dirty="0"/>
-              <a:t>KPI</a:t>
+              <a:rPr lang="zh-CN" altLang="en-US" dirty="0"/>
+              <a:t>总结</a:t>
             </a:r>
             <a:endParaRPr lang="zh-CN" altLang="en-US" dirty="0"/>
           </a:p>
@@ -43197,7 +46116,7 @@
           <p:cNvPr id="3" name="内容占位符 2">
             <a:extLst>
               <a:ext uri="{FF2B5EF4-FFF2-40B4-BE49-F238E27FC236}">
-                <a16:creationId xmlns:a16="http://schemas.microsoft.com/office/drawing/2014/main" id="{F888BBA1-A121-4CC4-A2B1-CE6721832FE7}"/>
+                <a16:creationId xmlns:a16="http://schemas.microsoft.com/office/drawing/2014/main" id="{3BF48386-5409-4A82-8B2A-3EE5CF3B9032}"/>
               </a:ext>
             </a:extLst>
           </p:cNvPr>
@@ -43210,26 +46129,122 @@
         </p:nvSpPr>
         <p:spPr/>
         <p:txBody>
-          <a:bodyPr/>
+          <a:bodyPr>
+            <a:normAutofit/>
+          </a:bodyPr>
           <a:lstStyle/>
+          <a:p>
+            <a:endParaRPr lang="en-US" altLang="zh-CN" dirty="0"/>
+          </a:p>
           <a:p>
             <a:r>
               <a:rPr lang="zh-CN" altLang="en-US" dirty="0"/>
-              <a:t>同比环比</a:t>
+              <a:t>在网金初创时期工作近</a:t>
             </a:r>
+            <a:r>
+              <a:rPr lang="en-US" altLang="zh-CN" dirty="0"/>
+              <a:t>2</a:t>
+            </a:r>
+            <a:r>
+              <a:rPr lang="zh-CN" altLang="en-US" dirty="0"/>
+              <a:t>年：</a:t>
+            </a:r>
+            <a:endParaRPr lang="en-US" altLang="zh-CN" dirty="0"/>
+          </a:p>
+          <a:p>
+            <a:pPr lvl="1"/>
+            <a:r>
+              <a:rPr lang="zh-CN" altLang="en-US" dirty="0"/>
+              <a:t>固收、基金业务熟悉</a:t>
+            </a:r>
+            <a:endParaRPr lang="en-US" altLang="zh-CN" dirty="0"/>
+          </a:p>
+          <a:p>
+            <a:pPr lvl="1"/>
+            <a:r>
+              <a:rPr lang="zh-CN" altLang="en-US" dirty="0"/>
+              <a:t>团队契合度高</a:t>
+            </a:r>
+            <a:endParaRPr lang="en-US" altLang="zh-CN" dirty="0"/>
+          </a:p>
+          <a:p>
+            <a:r>
+              <a:rPr lang="zh-CN" altLang="en-US" dirty="0"/>
+              <a:t>网金早期技术选型：</a:t>
+            </a:r>
+            <a:endParaRPr lang="en-US" altLang="zh-CN" dirty="0"/>
+          </a:p>
+          <a:p>
+            <a:pPr lvl="1"/>
+            <a:r>
+              <a:rPr lang="zh-CN" altLang="en-US" dirty="0"/>
+              <a:t>技术一致性高</a:t>
+            </a:r>
+            <a:endParaRPr lang="en-US" altLang="zh-CN" dirty="0"/>
+          </a:p>
+          <a:p>
+            <a:pPr lvl="1"/>
+            <a:r>
+              <a:rPr lang="zh-CN" altLang="en-US" dirty="0"/>
+              <a:t>框架演化解决遗留问题</a:t>
+            </a:r>
+            <a:endParaRPr lang="en-US" altLang="zh-CN" dirty="0"/>
+          </a:p>
+          <a:p>
+            <a:r>
+              <a:rPr lang="zh-CN" altLang="en-US" dirty="0"/>
+              <a:t>大型互联网公司工作经历：</a:t>
+            </a:r>
+            <a:endParaRPr lang="en-US" altLang="zh-CN" dirty="0"/>
+          </a:p>
+          <a:p>
+            <a:pPr lvl="1"/>
+            <a:r>
+              <a:rPr lang="zh-CN" altLang="en-US" dirty="0"/>
+              <a:t>过亿用户，千万级并发</a:t>
+            </a:r>
+            <a:endParaRPr lang="en-US" altLang="zh-CN" dirty="0"/>
+          </a:p>
+          <a:p>
+            <a:pPr lvl="1"/>
+            <a:r>
+              <a:rPr lang="zh-CN" altLang="en-US" dirty="0"/>
+              <a:t>敏捷团队与微</a:t>
+            </a:r>
+            <a:r>
+              <a:rPr lang="zh-CN" altLang="en-US" dirty="0" smtClean="0"/>
+              <a:t>服务</a:t>
+            </a:r>
+            <a:endParaRPr lang="en-US" altLang="zh-CN" dirty="0"/>
+          </a:p>
+          <a:p>
+            <a:pPr marL="0" indent="0">
+              <a:buNone/>
+            </a:pPr>
+            <a:endParaRPr lang="zh-CN" altLang="en-US" dirty="0"/>
           </a:p>
         </p:txBody>
       </p:sp>
     </p:spTree>
     <p:extLst>
       <p:ext uri="{BB962C8B-B14F-4D97-AF65-F5344CB8AC3E}">
-        <p14:creationId xmlns:p14="http://schemas.microsoft.com/office/powerpoint/2010/main" val="3874067525"/>
+        <p14:creationId xmlns:p14="http://schemas.microsoft.com/office/powerpoint/2010/main" val="4198316247"/>
       </p:ext>
     </p:extLst>
   </p:cSld>
   <p:clrMapOvr>
     <a:masterClrMapping/>
   </p:clrMapOvr>
+  <p:transition>
+    <p:fade/>
+  </p:transition>
+  <p:timing>
+    <p:tnLst>
+      <p:par>
+        <p:cTn id="1" dur="indefinite" restart="never" nodeType="tmRoot"/>
+      </p:par>
+    </p:tnLst>
+  </p:timing>
 </p:sld>
 </file>
 
@@ -43365,6 +46380,16 @@
   <p:clrMapOvr>
     <a:masterClrMapping/>
   </p:clrMapOvr>
+  <p:transition>
+    <p:fade/>
+  </p:transition>
+  <p:timing>
+    <p:tnLst>
+      <p:par>
+        <p:cTn id="1" dur="indefinite" restart="never" nodeType="tmRoot"/>
+      </p:par>
+    </p:tnLst>
+  </p:timing>
 </p:sld>
 </file>
 
@@ -43387,93 +46412,7 @@
       </p:grpSpPr>
       <p:sp>
         <p:nvSpPr>
-          <p:cNvPr id="2" name="标题 1">
-            <a:extLst>
-              <a:ext uri="{FF2B5EF4-FFF2-40B4-BE49-F238E27FC236}">
-                <a16:creationId xmlns:a16="http://schemas.microsoft.com/office/drawing/2014/main" id="{9D6EE07D-2D18-4214-A508-1A2DAA53AAE8}"/>
-              </a:ext>
-            </a:extLst>
-          </p:cNvPr>
-          <p:cNvSpPr>
-            <a:spLocks noGrp="1"/>
-          </p:cNvSpPr>
-          <p:nvPr>
-            <p:ph type="title"/>
-          </p:nvPr>
-        </p:nvSpPr>
-        <p:spPr/>
-        <p:txBody>
-          <a:bodyPr/>
-          <a:lstStyle/>
-          <a:p>
-            <a:endParaRPr lang="zh-CN" altLang="en-US"/>
-          </a:p>
-        </p:txBody>
-      </p:sp>
-      <p:sp>
-        <p:nvSpPr>
-          <p:cNvPr id="3" name="内容占位符 2">
-            <a:extLst>
-              <a:ext uri="{FF2B5EF4-FFF2-40B4-BE49-F238E27FC236}">
-                <a16:creationId xmlns:a16="http://schemas.microsoft.com/office/drawing/2014/main" id="{9C072DFD-4C5B-4205-A6F1-E22D5EE19D57}"/>
-              </a:ext>
-            </a:extLst>
-          </p:cNvPr>
-          <p:cNvSpPr>
-            <a:spLocks noGrp="1"/>
-          </p:cNvSpPr>
-          <p:nvPr>
-            <p:ph idx="1"/>
-          </p:nvPr>
-        </p:nvSpPr>
-        <p:spPr/>
-        <p:txBody>
-          <a:bodyPr/>
-          <a:lstStyle/>
-          <a:p>
-            <a:endParaRPr lang="zh-CN" altLang="en-US"/>
-          </a:p>
-        </p:txBody>
-      </p:sp>
-    </p:spTree>
-    <p:extLst>
-      <p:ext uri="{BB962C8B-B14F-4D97-AF65-F5344CB8AC3E}">
-        <p14:creationId xmlns:p14="http://schemas.microsoft.com/office/powerpoint/2010/main" val="879333300"/>
-      </p:ext>
-    </p:extLst>
-  </p:cSld>
-  <p:clrMapOvr>
-    <a:masterClrMapping/>
-  </p:clrMapOvr>
-</p:sld>
-</file>
-
-<file path=ppt/slides/slide4.xml><?xml version="1.0" encoding="utf-8"?>
-<p:sld xmlns:a="http://schemas.openxmlformats.org/drawingml/2006/main" xmlns:r="http://schemas.openxmlformats.org/officeDocument/2006/relationships" xmlns:p="http://schemas.openxmlformats.org/presentationml/2006/main">
-  <p:cSld>
-    <p:spTree>
-      <p:nvGrpSpPr>
-        <p:cNvPr id="1" name=""/>
-        <p:cNvGrpSpPr/>
-        <p:nvPr/>
-      </p:nvGrpSpPr>
-      <p:grpSpPr>
-        <a:xfrm>
-          <a:off x="0" y="0"/>
-          <a:ext cx="0" cy="0"/>
-          <a:chOff x="0" y="0"/>
-          <a:chExt cx="0" cy="0"/>
-        </a:xfrm>
-      </p:grpSpPr>
-      <p:sp>
-        <p:nvSpPr>
-          <p:cNvPr id="2" name="标题 1">
-            <a:extLst>
-              <a:ext uri="{FF2B5EF4-FFF2-40B4-BE49-F238E27FC236}">
-                <a16:creationId xmlns:a16="http://schemas.microsoft.com/office/drawing/2014/main" id="{4F9B9907-1D1D-467A-9CEC-CB5758D43E4E}"/>
-              </a:ext>
-            </a:extLst>
-          </p:cNvPr>
+          <p:cNvPr id="2" name="标题 1"/>
           <p:cNvSpPr>
             <a:spLocks noGrp="1"/>
           </p:cNvSpPr>
@@ -43487,21 +46426,16 @@
           <a:lstStyle/>
           <a:p>
             <a:r>
-              <a:rPr lang="zh-CN" altLang="en-US" dirty="0"/>
-              <a:t>个人优势</a:t>
+              <a:rPr lang="zh-CN" altLang="en-US" b="1" dirty="0"/>
+              <a:t>迭代与闭环</a:t>
             </a:r>
+            <a:endParaRPr lang="en-US" altLang="zh-CN" dirty="0"/>
           </a:p>
         </p:txBody>
       </p:sp>
       <p:sp>
         <p:nvSpPr>
-          <p:cNvPr id="3" name="内容占位符 2">
-            <a:extLst>
-              <a:ext uri="{FF2B5EF4-FFF2-40B4-BE49-F238E27FC236}">
-                <a16:creationId xmlns:a16="http://schemas.microsoft.com/office/drawing/2014/main" id="{3BF48386-5409-4A82-8B2A-3EE5CF3B9032}"/>
-              </a:ext>
-            </a:extLst>
-          </p:cNvPr>
+          <p:cNvPr id="3" name="内容占位符 2"/>
           <p:cNvSpPr>
             <a:spLocks noGrp="1"/>
           </p:cNvSpPr>
@@ -43514,121 +46448,59 @@
           <a:bodyPr/>
           <a:lstStyle/>
           <a:p>
-            <a:endParaRPr lang="en-US" altLang="zh-CN" dirty="0"/>
+            <a:endParaRPr lang="en-US" altLang="zh-CN" dirty="0" smtClean="0"/>
+          </a:p>
+          <a:p>
+            <a:r>
+              <a:rPr lang="zh-CN" altLang="en-US" dirty="0" smtClean="0"/>
+              <a:t>技术产品团队的扩张、管理与效率问题</a:t>
+            </a:r>
+            <a:endParaRPr lang="en-US" altLang="zh-CN" dirty="0" smtClean="0"/>
+          </a:p>
+          <a:p>
+            <a:r>
+              <a:rPr lang="zh-CN" altLang="en-US" dirty="0" smtClean="0"/>
+              <a:t>业务的复杂性、多样性、周期性</a:t>
+            </a:r>
+            <a:endParaRPr lang="en-US" altLang="zh-CN" dirty="0" smtClean="0"/>
           </a:p>
           <a:p>
             <a:r>
               <a:rPr lang="zh-CN" altLang="en-US" dirty="0"/>
-              <a:t>在网金初创时期工作近</a:t>
+              <a:t>规模</a:t>
             </a:r>
             <a:r>
-              <a:rPr lang="en-US" altLang="zh-CN" dirty="0"/>
-              <a:t>2</a:t>
-            </a:r>
-            <a:r>
-              <a:rPr lang="zh-CN" altLang="en-US" dirty="0"/>
-              <a:t>年：</a:t>
+              <a:rPr lang="zh-CN" altLang="en-US" dirty="0" smtClean="0"/>
+              <a:t>瓶颈</a:t>
             </a:r>
             <a:endParaRPr lang="en-US" altLang="zh-CN" dirty="0"/>
-          </a:p>
-          <a:p>
-            <a:pPr lvl="1"/>
-            <a:r>
-              <a:rPr lang="zh-CN" altLang="en-US" dirty="0"/>
-              <a:t>固收、基金业务熟悉</a:t>
-            </a:r>
-            <a:endParaRPr lang="en-US" altLang="zh-CN" dirty="0"/>
-          </a:p>
-          <a:p>
-            <a:pPr lvl="1"/>
-            <a:r>
-              <a:rPr lang="zh-CN" altLang="en-US" dirty="0"/>
-              <a:t>团队契合度高</a:t>
-            </a:r>
-            <a:endParaRPr lang="en-US" altLang="zh-CN" dirty="0"/>
-          </a:p>
-          <a:p>
-            <a:r>
-              <a:rPr lang="zh-CN" altLang="en-US" dirty="0"/>
-              <a:t>网金早期技术选型：</a:t>
-            </a:r>
-            <a:endParaRPr lang="en-US" altLang="zh-CN" dirty="0"/>
-          </a:p>
-          <a:p>
-            <a:pPr lvl="1"/>
-            <a:r>
-              <a:rPr lang="zh-CN" altLang="en-US" dirty="0"/>
-              <a:t>技术一致性高</a:t>
-            </a:r>
-            <a:endParaRPr lang="en-US" altLang="zh-CN" dirty="0"/>
-          </a:p>
-          <a:p>
-            <a:pPr lvl="1"/>
-            <a:r>
-              <a:rPr lang="zh-CN" altLang="en-US" dirty="0"/>
-              <a:t>框架演化解决遗留问题</a:t>
-            </a:r>
-            <a:endParaRPr lang="en-US" altLang="zh-CN" dirty="0"/>
-          </a:p>
-          <a:p>
-            <a:r>
-              <a:rPr lang="zh-CN" altLang="en-US" dirty="0"/>
-              <a:t>大型互联网公司工作经历：</a:t>
-            </a:r>
-            <a:endParaRPr lang="en-US" altLang="zh-CN" dirty="0"/>
-          </a:p>
-          <a:p>
-            <a:pPr lvl="1"/>
-            <a:r>
-              <a:rPr lang="zh-CN" altLang="en-US" dirty="0"/>
-              <a:t>过亿用户，千万级并发</a:t>
-            </a:r>
-            <a:endParaRPr lang="en-US" altLang="zh-CN" dirty="0"/>
-          </a:p>
-          <a:p>
-            <a:pPr lvl="1"/>
-            <a:r>
-              <a:rPr lang="zh-CN" altLang="en-US" dirty="0"/>
-              <a:t>敏捷团队与微服务</a:t>
-            </a:r>
-            <a:endParaRPr lang="en-US" altLang="zh-CN" dirty="0"/>
-          </a:p>
-          <a:p>
-            <a:r>
-              <a:rPr lang="zh-CN" altLang="en-US" b="1" dirty="0"/>
-              <a:t>迭代与闭环</a:t>
-            </a:r>
-            <a:endParaRPr lang="en-US" altLang="zh-CN" b="1" dirty="0"/>
-          </a:p>
-          <a:p>
-            <a:pPr lvl="1"/>
-            <a:endParaRPr lang="en-US" altLang="zh-CN" dirty="0"/>
-          </a:p>
-          <a:p>
-            <a:endParaRPr lang="en-US" altLang="zh-CN" dirty="0"/>
-          </a:p>
-          <a:p>
-            <a:pPr marL="0" indent="0">
-              <a:buNone/>
-            </a:pPr>
-            <a:endParaRPr lang="zh-CN" altLang="en-US" dirty="0"/>
           </a:p>
         </p:txBody>
       </p:sp>
     </p:spTree>
     <p:extLst>
       <p:ext uri="{BB962C8B-B14F-4D97-AF65-F5344CB8AC3E}">
-        <p14:creationId xmlns:p14="http://schemas.microsoft.com/office/powerpoint/2010/main" val="4198316247"/>
+        <p14:creationId xmlns:p14="http://schemas.microsoft.com/office/powerpoint/2010/main" val="1137544022"/>
       </p:ext>
     </p:extLst>
   </p:cSld>
   <p:clrMapOvr>
     <a:masterClrMapping/>
   </p:clrMapOvr>
+  <p:transition>
+    <p:fade/>
+  </p:transition>
+  <p:timing>
+    <p:tnLst>
+      <p:par>
+        <p:cTn id="1" dur="indefinite" restart="never" nodeType="tmRoot"/>
+      </p:par>
+    </p:tnLst>
+  </p:timing>
 </p:sld>
 </file>
 
-<file path=ppt/slides/slide5.xml><?xml version="1.0" encoding="utf-8"?>
+<file path=ppt/slides/slide4.xml><?xml version="1.0" encoding="utf-8"?>
 <p:sld xmlns:a="http://schemas.openxmlformats.org/drawingml/2006/main" xmlns:r="http://schemas.openxmlformats.org/officeDocument/2006/relationships" xmlns:p="http://schemas.openxmlformats.org/presentationml/2006/main">
   <p:cSld>
     <p:spTree>
@@ -43667,9 +46539,18 @@
           <a:lstStyle/>
           <a:p>
             <a:r>
-              <a:rPr lang="zh-CN" altLang="en-US" dirty="0"/>
-              <a:t>敏捷团队</a:t>
+              <a:rPr lang="zh-CN" altLang="en-US" dirty="0" smtClean="0"/>
+              <a:t>敏捷</a:t>
             </a:r>
+            <a:r>
+              <a:rPr lang="en-US" altLang="zh-CN" dirty="0" smtClean="0"/>
+              <a:t>Scrum</a:t>
+            </a:r>
+            <a:r>
+              <a:rPr lang="zh-CN" altLang="en-US" dirty="0" smtClean="0"/>
+              <a:t>团队</a:t>
+            </a:r>
+            <a:endParaRPr lang="zh-CN" altLang="en-US" dirty="0"/>
           </a:p>
         </p:txBody>
       </p:sp>
@@ -43879,10 +46760,20 @@
   <p:clrMapOvr>
     <a:masterClrMapping/>
   </p:clrMapOvr>
+  <p:transition>
+    <p:fade/>
+  </p:transition>
+  <p:timing>
+    <p:tnLst>
+      <p:par>
+        <p:cTn id="1" dur="indefinite" restart="never" nodeType="tmRoot"/>
+      </p:par>
+    </p:tnLst>
+  </p:timing>
 </p:sld>
 </file>
 
-<file path=ppt/slides/slide6.xml><?xml version="1.0" encoding="utf-8"?>
+<file path=ppt/slides/slide5.xml><?xml version="1.0" encoding="utf-8"?>
 <p:sld xmlns:a="http://schemas.openxmlformats.org/drawingml/2006/main" xmlns:r="http://schemas.openxmlformats.org/officeDocument/2006/relationships" xmlns:p="http://schemas.openxmlformats.org/presentationml/2006/main">
   <p:cSld>
     <p:bg>
@@ -44246,10 +47137,20 @@
   <p:clrMapOvr>
     <a:masterClrMapping/>
   </p:clrMapOvr>
+  <p:transition>
+    <p:fade/>
+  </p:transition>
+  <p:timing>
+    <p:tnLst>
+      <p:par>
+        <p:cTn id="1" dur="indefinite" restart="never" nodeType="tmRoot"/>
+      </p:par>
+    </p:tnLst>
+  </p:timing>
 </p:sld>
 </file>
 
-<file path=ppt/slides/slide7.xml><?xml version="1.0" encoding="utf-8"?>
+<file path=ppt/slides/slide6.xml><?xml version="1.0" encoding="utf-8"?>
 <p:sld xmlns:a="http://schemas.openxmlformats.org/drawingml/2006/main" xmlns:r="http://schemas.openxmlformats.org/officeDocument/2006/relationships" xmlns:p="http://schemas.openxmlformats.org/presentationml/2006/main">
   <p:cSld>
     <p:spTree>
@@ -44873,10 +47774,20 @@
   <p:clrMapOvr>
     <a:masterClrMapping/>
   </p:clrMapOvr>
+  <p:transition>
+    <p:fade/>
+  </p:transition>
+  <p:timing>
+    <p:tnLst>
+      <p:par>
+        <p:cTn id="1" dur="indefinite" restart="never" nodeType="tmRoot"/>
+      </p:par>
+    </p:tnLst>
+  </p:timing>
 </p:sld>
 </file>
 
-<file path=ppt/slides/slide8.xml><?xml version="1.0" encoding="utf-8"?>
+<file path=ppt/slides/slide7.xml><?xml version="1.0" encoding="utf-8"?>
 <p:sld xmlns:a="http://schemas.openxmlformats.org/drawingml/2006/main" xmlns:r="http://schemas.openxmlformats.org/officeDocument/2006/relationships" xmlns:p="http://schemas.openxmlformats.org/presentationml/2006/main">
   <p:cSld>
     <p:spTree>
@@ -44961,10 +47872,20 @@
   <p:clrMapOvr>
     <a:masterClrMapping/>
   </p:clrMapOvr>
+  <p:transition>
+    <p:fade/>
+  </p:transition>
+  <p:timing>
+    <p:tnLst>
+      <p:par>
+        <p:cTn id="1" dur="indefinite" restart="never" nodeType="tmRoot"/>
+      </p:par>
+    </p:tnLst>
+  </p:timing>
 </p:sld>
 </file>
 
-<file path=ppt/slides/slide9.xml><?xml version="1.0" encoding="utf-8"?>
+<file path=ppt/slides/slide8.xml><?xml version="1.0" encoding="utf-8"?>
 <p:sld xmlns:a="http://schemas.openxmlformats.org/drawingml/2006/main" xmlns:r="http://schemas.openxmlformats.org/officeDocument/2006/relationships" xmlns:p="http://schemas.openxmlformats.org/presentationml/2006/main">
   <p:cSld>
     <p:spTree>
@@ -45327,6 +48248,144 @@
   <p:clrMapOvr>
     <a:masterClrMapping/>
   </p:clrMapOvr>
+  <p:transition>
+    <p:fade/>
+  </p:transition>
+  <p:timing>
+    <p:tnLst>
+      <p:par>
+        <p:cTn id="1" dur="indefinite" restart="never" nodeType="tmRoot"/>
+      </p:par>
+    </p:tnLst>
+  </p:timing>
+</p:sld>
+</file>
+
+<file path=ppt/slides/slide9.xml><?xml version="1.0" encoding="utf-8"?>
+<p:sld xmlns:a="http://schemas.openxmlformats.org/drawingml/2006/main" xmlns:r="http://schemas.openxmlformats.org/officeDocument/2006/relationships" xmlns:p="http://schemas.openxmlformats.org/presentationml/2006/main">
+  <p:cSld>
+    <p:spTree>
+      <p:nvGrpSpPr>
+        <p:cNvPr id="1" name=""/>
+        <p:cNvGrpSpPr/>
+        <p:nvPr/>
+      </p:nvGrpSpPr>
+      <p:grpSpPr>
+        <a:xfrm>
+          <a:off x="0" y="0"/>
+          <a:ext cx="0" cy="0"/>
+          <a:chOff x="0" y="0"/>
+          <a:chExt cx="0" cy="0"/>
+        </a:xfrm>
+      </p:grpSpPr>
+      <p:graphicFrame>
+        <p:nvGraphicFramePr>
+          <p:cNvPr id="4" name="内容占位符 5">
+            <a:extLst>
+              <a:ext uri="{FF2B5EF4-FFF2-40B4-BE49-F238E27FC236}">
+                <a16:creationId xmlns:a16="http://schemas.microsoft.com/office/drawing/2014/main" id="{1F86C110-D3CE-41FC-99CD-0F3749FAD882}"/>
+              </a:ext>
+            </a:extLst>
+          </p:cNvPr>
+          <p:cNvGraphicFramePr>
+            <a:graphicFrameLocks/>
+          </p:cNvGraphicFramePr>
+          <p:nvPr>
+            <p:extLst>
+              <p:ext uri="{D42A27DB-BD31-4B8C-83A1-F6EECF244321}">
+                <p14:modId xmlns:p14="http://schemas.microsoft.com/office/powerpoint/2010/main" val="4040160712"/>
+              </p:ext>
+            </p:extLst>
+          </p:nvPr>
+        </p:nvGraphicFramePr>
+        <p:xfrm>
+          <a:off x="1481340" y="294828"/>
+          <a:ext cx="6946689" cy="6268344"/>
+        </p:xfrm>
+        <a:graphic>
+          <a:graphicData uri="http://schemas.openxmlformats.org/drawingml/2006/diagram">
+            <dgm:relIds xmlns:dgm="http://schemas.openxmlformats.org/drawingml/2006/diagram" xmlns:r="http://schemas.openxmlformats.org/officeDocument/2006/relationships" r:dm="rId2" r:lo="rId3" r:qs="rId4" r:cs="rId5"/>
+          </a:graphicData>
+        </a:graphic>
+      </p:graphicFrame>
+      <p:graphicFrame>
+        <p:nvGraphicFramePr>
+          <p:cNvPr id="6" name="内容占位符 8">
+            <a:extLst>
+              <a:ext uri="{FF2B5EF4-FFF2-40B4-BE49-F238E27FC236}">
+                <a16:creationId xmlns:a16="http://schemas.microsoft.com/office/drawing/2014/main" id="{387F4BFC-0D9C-43FC-BC2B-A10BEF297694}"/>
+              </a:ext>
+            </a:extLst>
+          </p:cNvPr>
+          <p:cNvGraphicFramePr>
+            <a:graphicFrameLocks/>
+          </p:cNvGraphicFramePr>
+          <p:nvPr>
+            <p:extLst>
+              <p:ext uri="{D42A27DB-BD31-4B8C-83A1-F6EECF244321}">
+                <p14:modId xmlns:p14="http://schemas.microsoft.com/office/powerpoint/2010/main" val="3235878553"/>
+              </p:ext>
+            </p:extLst>
+          </p:nvPr>
+        </p:nvGraphicFramePr>
+        <p:xfrm>
+          <a:off x="2113880" y="1024656"/>
+          <a:ext cx="5681611" cy="4541178"/>
+        </p:xfrm>
+        <a:graphic>
+          <a:graphicData uri="http://schemas.openxmlformats.org/drawingml/2006/diagram">
+            <dgm:relIds xmlns:dgm="http://schemas.openxmlformats.org/drawingml/2006/diagram" xmlns:r="http://schemas.openxmlformats.org/officeDocument/2006/relationships" r:dm="rId7" r:lo="rId8" r:qs="rId9" r:cs="rId10"/>
+          </a:graphicData>
+        </a:graphic>
+      </p:graphicFrame>
+      <p:graphicFrame>
+        <p:nvGraphicFramePr>
+          <p:cNvPr id="5" name="图示 4">
+            <a:extLst>
+              <a:ext uri="{FF2B5EF4-FFF2-40B4-BE49-F238E27FC236}">
+                <a16:creationId xmlns:a16="http://schemas.microsoft.com/office/drawing/2014/main" id="{8870E91D-1CBF-4F89-AA59-5A2C30313370}"/>
+              </a:ext>
+            </a:extLst>
+          </p:cNvPr>
+          <p:cNvGraphicFramePr/>
+          <p:nvPr>
+            <p:extLst>
+              <p:ext uri="{D42A27DB-BD31-4B8C-83A1-F6EECF244321}">
+                <p14:modId xmlns:p14="http://schemas.microsoft.com/office/powerpoint/2010/main" val="3247900088"/>
+              </p:ext>
+            </p:extLst>
+          </p:nvPr>
+        </p:nvGraphicFramePr>
+        <p:xfrm>
+          <a:off x="3810430" y="2056435"/>
+          <a:ext cx="2629489" cy="2556244"/>
+        </p:xfrm>
+        <a:graphic>
+          <a:graphicData uri="http://schemas.openxmlformats.org/drawingml/2006/diagram">
+            <dgm:relIds xmlns:dgm="http://schemas.openxmlformats.org/drawingml/2006/diagram" xmlns:r="http://schemas.openxmlformats.org/officeDocument/2006/relationships" r:dm="rId12" r:lo="rId13" r:qs="rId14" r:cs="rId15"/>
+          </a:graphicData>
+        </a:graphic>
+      </p:graphicFrame>
+    </p:spTree>
+    <p:extLst>
+      <p:ext uri="{BB962C8B-B14F-4D97-AF65-F5344CB8AC3E}">
+        <p14:creationId xmlns:p14="http://schemas.microsoft.com/office/powerpoint/2010/main" val="3979991750"/>
+      </p:ext>
+    </p:extLst>
+  </p:cSld>
+  <p:clrMapOvr>
+    <a:masterClrMapping/>
+  </p:clrMapOvr>
+  <p:transition>
+    <p:fade/>
+  </p:transition>
+  <p:timing>
+    <p:tnLst>
+      <p:par>
+        <p:cTn id="1" dur="indefinite" restart="never" nodeType="tmRoot"/>
+      </p:par>
+    </p:tnLst>
+  </p:timing>
 </p:sld>
 </file>
 
